--- a/Module 6 Day 4.pptx
+++ b/Module 6 Day 4.pptx
@@ -5,21 +5,31 @@
     <p:sldMasterId id="2147483738" r:id="rId1"/>
   </p:sldMasterIdLst>
   <p:notesMasterIdLst>
-    <p:notesMasterId r:id="rId11"/>
+    <p:notesMasterId r:id="rId21"/>
   </p:notesMasterIdLst>
   <p:handoutMasterIdLst>
-    <p:handoutMasterId r:id="rId12"/>
+    <p:handoutMasterId r:id="rId22"/>
   </p:handoutMasterIdLst>
   <p:sldIdLst>
     <p:sldId id="257" r:id="rId2"/>
     <p:sldId id="258" r:id="rId3"/>
-    <p:sldId id="260" r:id="rId4"/>
-    <p:sldId id="273" r:id="rId5"/>
-    <p:sldId id="274" r:id="rId6"/>
-    <p:sldId id="272" r:id="rId7"/>
-    <p:sldId id="270" r:id="rId8"/>
-    <p:sldId id="271" r:id="rId9"/>
-    <p:sldId id="262" r:id="rId10"/>
+    <p:sldId id="272" r:id="rId4"/>
+    <p:sldId id="260" r:id="rId5"/>
+    <p:sldId id="273" r:id="rId6"/>
+    <p:sldId id="274" r:id="rId7"/>
+    <p:sldId id="361" r:id="rId8"/>
+    <p:sldId id="362" r:id="rId9"/>
+    <p:sldId id="365" r:id="rId10"/>
+    <p:sldId id="363" r:id="rId11"/>
+    <p:sldId id="364" r:id="rId12"/>
+    <p:sldId id="366" r:id="rId13"/>
+    <p:sldId id="367" r:id="rId14"/>
+    <p:sldId id="368" r:id="rId15"/>
+    <p:sldId id="369" r:id="rId16"/>
+    <p:sldId id="270" r:id="rId17"/>
+    <p:sldId id="277" r:id="rId18"/>
+    <p:sldId id="276" r:id="rId19"/>
+    <p:sldId id="262" r:id="rId20"/>
   </p:sldIdLst>
   <p:sldSz cx="12192000" cy="6858000"/>
   <p:notesSz cx="6858000" cy="9144000"/>
@@ -153,7 +163,7 @@
 <file path=ppt/revisionInfo.xml><?xml version="1.0" encoding="utf-8"?>
 <p1510:revInfo xmlns:a="http://schemas.openxmlformats.org/drawingml/2006/main" xmlns:r="http://schemas.openxmlformats.org/officeDocument/2006/relationships" xmlns:p1510="http://schemas.microsoft.com/office/powerpoint/2015/10/main">
   <p1510:revLst>
-    <p1510:client id="{9080FFFE-0DC2-4665-836B-3A2387EB668E}" v="77" dt="2025-10-02T09:51:04.587"/>
+    <p1510:client id="{9080FFFE-0DC2-4665-836B-3A2387EB668E}" v="111" dt="2025-10-02T13:41:21.530"/>
   </p1510:revLst>
 </p1510:revInfo>
 </file>
@@ -163,12 +173,12 @@
   <pc:docChgLst>
     <pc:chgData name="SMITH, Jo (WORCESTERSHIRE ACUTE HOSPITALS NHS TRUST)" userId="c5e57179-71a5-4115-bff9-381b74d38a6b" providerId="ADAL" clId="{0BD9B6D9-4941-4DB5-BA7D-AFDE24E355CD}"/>
     <pc:docChg chg="undo custSel addSld delSld modSld sldOrd">
-      <pc:chgData name="SMITH, Jo (WORCESTERSHIRE ACUTE HOSPITALS NHS TRUST)" userId="c5e57179-71a5-4115-bff9-381b74d38a6b" providerId="ADAL" clId="{0BD9B6D9-4941-4DB5-BA7D-AFDE24E355CD}" dt="2025-10-02T09:51:47.472" v="2559" actId="6549"/>
+      <pc:chgData name="SMITH, Jo (WORCESTERSHIRE ACUTE HOSPITALS NHS TRUST)" userId="c5e57179-71a5-4115-bff9-381b74d38a6b" providerId="ADAL" clId="{0BD9B6D9-4941-4DB5-BA7D-AFDE24E355CD}" dt="2025-10-02T13:41:30.730" v="3310" actId="113"/>
       <pc:docMkLst>
         <pc:docMk/>
       </pc:docMkLst>
       <pc:sldChg chg="addSp delSp modSp mod modAnim">
-        <pc:chgData name="SMITH, Jo (WORCESTERSHIRE ACUTE HOSPITALS NHS TRUST)" userId="c5e57179-71a5-4115-bff9-381b74d38a6b" providerId="ADAL" clId="{0BD9B6D9-4941-4DB5-BA7D-AFDE24E355CD}" dt="2025-10-02T08:54:38.969" v="987" actId="26606"/>
+        <pc:chgData name="SMITH, Jo (WORCESTERSHIRE ACUTE HOSPITALS NHS TRUST)" userId="c5e57179-71a5-4115-bff9-381b74d38a6b" providerId="ADAL" clId="{0BD9B6D9-4941-4DB5-BA7D-AFDE24E355CD}" dt="2025-10-02T10:44:01.675" v="2752" actId="20577"/>
         <pc:sldMkLst>
           <pc:docMk/>
           <pc:sldMk cId="706305541" sldId="257"/>
@@ -182,7 +192,7 @@
           </ac:spMkLst>
         </pc:spChg>
         <pc:spChg chg="mod">
-          <ac:chgData name="SMITH, Jo (WORCESTERSHIRE ACUTE HOSPITALS NHS TRUST)" userId="c5e57179-71a5-4115-bff9-381b74d38a6b" providerId="ADAL" clId="{0BD9B6D9-4941-4DB5-BA7D-AFDE24E355CD}" dt="2025-10-02T08:54:38.969" v="987" actId="26606"/>
+          <ac:chgData name="SMITH, Jo (WORCESTERSHIRE ACUTE HOSPITALS NHS TRUST)" userId="c5e57179-71a5-4115-bff9-381b74d38a6b" providerId="ADAL" clId="{0BD9B6D9-4941-4DB5-BA7D-AFDE24E355CD}" dt="2025-10-02T10:44:01.675" v="2752" actId="20577"/>
           <ac:spMkLst>
             <pc:docMk/>
             <pc:sldMk cId="706305541" sldId="257"/>
@@ -533,7 +543,7 @@
         </pc:sldMkLst>
       </pc:sldChg>
       <pc:sldChg chg="addSp modSp mod setBg">
-        <pc:chgData name="SMITH, Jo (WORCESTERSHIRE ACUTE HOSPITALS NHS TRUST)" userId="c5e57179-71a5-4115-bff9-381b74d38a6b" providerId="ADAL" clId="{0BD9B6D9-4941-4DB5-BA7D-AFDE24E355CD}" dt="2025-10-02T09:51:47.472" v="2559" actId="6549"/>
+        <pc:chgData name="SMITH, Jo (WORCESTERSHIRE ACUTE HOSPITALS NHS TRUST)" userId="c5e57179-71a5-4115-bff9-381b74d38a6b" providerId="ADAL" clId="{0BD9B6D9-4941-4DB5-BA7D-AFDE24E355CD}" dt="2025-10-02T13:19:26.781" v="3242" actId="5793"/>
         <pc:sldMkLst>
           <pc:docMk/>
           <pc:sldMk cId="384888077" sldId="260"/>
@@ -547,7 +557,7 @@
           </ac:spMkLst>
         </pc:spChg>
         <pc:spChg chg="mod">
-          <ac:chgData name="SMITH, Jo (WORCESTERSHIRE ACUTE HOSPITALS NHS TRUST)" userId="c5e57179-71a5-4115-bff9-381b74d38a6b" providerId="ADAL" clId="{0BD9B6D9-4941-4DB5-BA7D-AFDE24E355CD}" dt="2025-10-02T09:51:47.472" v="2559" actId="6549"/>
+          <ac:chgData name="SMITH, Jo (WORCESTERSHIRE ACUTE HOSPITALS NHS TRUST)" userId="c5e57179-71a5-4115-bff9-381b74d38a6b" providerId="ADAL" clId="{0BD9B6D9-4941-4DB5-BA7D-AFDE24E355CD}" dt="2025-10-02T13:19:26.781" v="3242" actId="5793"/>
           <ac:spMkLst>
             <pc:docMk/>
             <pc:sldMk cId="384888077" sldId="260"/>
@@ -882,7 +892,7 @@
         </pc:sldMkLst>
       </pc:sldChg>
       <pc:sldChg chg="addSp modSp add mod setBg">
-        <pc:chgData name="SMITH, Jo (WORCESTERSHIRE ACUTE HOSPITALS NHS TRUST)" userId="c5e57179-71a5-4115-bff9-381b74d38a6b" providerId="ADAL" clId="{0BD9B6D9-4941-4DB5-BA7D-AFDE24E355CD}" dt="2025-10-02T08:51:44.264" v="965" actId="26606"/>
+        <pc:chgData name="SMITH, Jo (WORCESTERSHIRE ACUTE HOSPITALS NHS TRUST)" userId="c5e57179-71a5-4115-bff9-381b74d38a6b" providerId="ADAL" clId="{0BD9B6D9-4941-4DB5-BA7D-AFDE24E355CD}" dt="2025-10-02T12:51:19.009" v="2779" actId="5793"/>
         <pc:sldMkLst>
           <pc:docMk/>
           <pc:sldMk cId="1143452794" sldId="270"/>
@@ -896,7 +906,7 @@
           </ac:spMkLst>
         </pc:spChg>
         <pc:spChg chg="mod">
-          <ac:chgData name="SMITH, Jo (WORCESTERSHIRE ACUTE HOSPITALS NHS TRUST)" userId="c5e57179-71a5-4115-bff9-381b74d38a6b" providerId="ADAL" clId="{0BD9B6D9-4941-4DB5-BA7D-AFDE24E355CD}" dt="2025-10-02T08:51:44.264" v="965" actId="26606"/>
+          <ac:chgData name="SMITH, Jo (WORCESTERSHIRE ACUTE HOSPITALS NHS TRUST)" userId="c5e57179-71a5-4115-bff9-381b74d38a6b" providerId="ADAL" clId="{0BD9B6D9-4941-4DB5-BA7D-AFDE24E355CD}" dt="2025-10-02T12:51:19.009" v="2779" actId="5793"/>
           <ac:spMkLst>
             <pc:docMk/>
             <pc:sldMk cId="1143452794" sldId="270"/>
@@ -960,8 +970,8 @@
           </ac:spMkLst>
         </pc:spChg>
       </pc:sldChg>
-      <pc:sldChg chg="addSp modSp add mod setBg">
-        <pc:chgData name="SMITH, Jo (WORCESTERSHIRE ACUTE HOSPITALS NHS TRUST)" userId="c5e57179-71a5-4115-bff9-381b74d38a6b" providerId="ADAL" clId="{0BD9B6D9-4941-4DB5-BA7D-AFDE24E355CD}" dt="2025-10-02T08:51:47.626" v="966" actId="26606"/>
+      <pc:sldChg chg="addSp modSp add del mod setBg">
+        <pc:chgData name="SMITH, Jo (WORCESTERSHIRE ACUTE HOSPITALS NHS TRUST)" userId="c5e57179-71a5-4115-bff9-381b74d38a6b" providerId="ADAL" clId="{0BD9B6D9-4941-4DB5-BA7D-AFDE24E355CD}" dt="2025-10-02T12:58:57.903" v="2809" actId="2696"/>
         <pc:sldMkLst>
           <pc:docMk/>
           <pc:sldMk cId="3599373703" sldId="271"/>
@@ -1039,8 +1049,8 @@
           </ac:spMkLst>
         </pc:spChg>
       </pc:sldChg>
-      <pc:sldChg chg="addSp delSp modSp new mod setBg">
-        <pc:chgData name="SMITH, Jo (WORCESTERSHIRE ACUTE HOSPITALS NHS TRUST)" userId="c5e57179-71a5-4115-bff9-381b74d38a6b" providerId="ADAL" clId="{0BD9B6D9-4941-4DB5-BA7D-AFDE24E355CD}" dt="2025-10-02T09:27:39.998" v="1586" actId="14100"/>
+      <pc:sldChg chg="addSp delSp modSp new mod ord setBg">
+        <pc:chgData name="SMITH, Jo (WORCESTERSHIRE ACUTE HOSPITALS NHS TRUST)" userId="c5e57179-71a5-4115-bff9-381b74d38a6b" providerId="ADAL" clId="{0BD9B6D9-4941-4DB5-BA7D-AFDE24E355CD}" dt="2025-10-02T13:19:35.276" v="3246"/>
         <pc:sldMkLst>
           <pc:docMk/>
           <pc:sldMk cId="402855034" sldId="272"/>
@@ -1158,7 +1168,7 @@
           </ac:grpSpMkLst>
         </pc:grpChg>
         <pc:graphicFrameChg chg="add mod modGraphic">
-          <ac:chgData name="SMITH, Jo (WORCESTERSHIRE ACUTE HOSPITALS NHS TRUST)" userId="c5e57179-71a5-4115-bff9-381b74d38a6b" providerId="ADAL" clId="{0BD9B6D9-4941-4DB5-BA7D-AFDE24E355CD}" dt="2025-10-02T09:27:39.998" v="1586" actId="14100"/>
+          <ac:chgData name="SMITH, Jo (WORCESTERSHIRE ACUTE HOSPITALS NHS TRUST)" userId="c5e57179-71a5-4115-bff9-381b74d38a6b" providerId="ADAL" clId="{0BD9B6D9-4941-4DB5-BA7D-AFDE24E355CD}" dt="2025-10-02T13:16:46.318" v="3241" actId="20577"/>
           <ac:graphicFrameMkLst>
             <pc:docMk/>
             <pc:sldMk cId="402855034" sldId="272"/>
@@ -1166,8 +1176,8 @@
           </ac:graphicFrameMkLst>
         </pc:graphicFrameChg>
       </pc:sldChg>
-      <pc:sldChg chg="addSp delSp modSp add mod ord">
-        <pc:chgData name="SMITH, Jo (WORCESTERSHIRE ACUTE HOSPITALS NHS TRUST)" userId="c5e57179-71a5-4115-bff9-381b74d38a6b" providerId="ADAL" clId="{0BD9B6D9-4941-4DB5-BA7D-AFDE24E355CD}" dt="2025-10-02T09:24:43.347" v="1476" actId="20577"/>
+      <pc:sldChg chg="addSp delSp modSp add mod ord modShow">
+        <pc:chgData name="SMITH, Jo (WORCESTERSHIRE ACUTE HOSPITALS NHS TRUST)" userId="c5e57179-71a5-4115-bff9-381b74d38a6b" providerId="ADAL" clId="{0BD9B6D9-4941-4DB5-BA7D-AFDE24E355CD}" dt="2025-10-02T13:13:11.909" v="2992" actId="2711"/>
         <pc:sldMkLst>
           <pc:docMk/>
           <pc:sldMk cId="2630440565" sldId="273"/>
@@ -1181,7 +1191,7 @@
           </ac:spMkLst>
         </pc:spChg>
         <pc:spChg chg="add mod">
-          <ac:chgData name="SMITH, Jo (WORCESTERSHIRE ACUTE HOSPITALS NHS TRUST)" userId="c5e57179-71a5-4115-bff9-381b74d38a6b" providerId="ADAL" clId="{0BD9B6D9-4941-4DB5-BA7D-AFDE24E355CD}" dt="2025-10-02T09:15:32.021" v="1331" actId="27636"/>
+          <ac:chgData name="SMITH, Jo (WORCESTERSHIRE ACUTE HOSPITALS NHS TRUST)" userId="c5e57179-71a5-4115-bff9-381b74d38a6b" providerId="ADAL" clId="{0BD9B6D9-4941-4DB5-BA7D-AFDE24E355CD}" dt="2025-10-02T13:13:11.909" v="2992" actId="2711"/>
           <ac:spMkLst>
             <pc:docMk/>
             <pc:sldMk cId="2630440565" sldId="273"/>
@@ -1197,8 +1207,8 @@
           </ac:graphicFrameMkLst>
         </pc:graphicFrameChg>
       </pc:sldChg>
-      <pc:sldChg chg="addSp delSp modSp add mod">
-        <pc:chgData name="SMITH, Jo (WORCESTERSHIRE ACUTE HOSPITALS NHS TRUST)" userId="c5e57179-71a5-4115-bff9-381b74d38a6b" providerId="ADAL" clId="{0BD9B6D9-4941-4DB5-BA7D-AFDE24E355CD}" dt="2025-10-02T09:51:21.109" v="2558" actId="1076"/>
+      <pc:sldChg chg="addSp delSp modSp add mod ord">
+        <pc:chgData name="SMITH, Jo (WORCESTERSHIRE ACUTE HOSPITALS NHS TRUST)" userId="c5e57179-71a5-4115-bff9-381b74d38a6b" providerId="ADAL" clId="{0BD9B6D9-4941-4DB5-BA7D-AFDE24E355CD}" dt="2025-10-02T13:27:36.539" v="3251"/>
         <pc:sldMkLst>
           <pc:docMk/>
           <pc:sldMk cId="829419679" sldId="274"/>
@@ -1243,6 +1253,378 @@
             <ac:picMk id="8" creationId="{712CAEC4-E470-C2D3-BB3A-1414D8275B63}"/>
           </ac:picMkLst>
         </pc:picChg>
+      </pc:sldChg>
+      <pc:sldChg chg="addSp delSp modSp add del mod ord">
+        <pc:chgData name="SMITH, Jo (WORCESTERSHIRE ACUTE HOSPITALS NHS TRUST)" userId="c5e57179-71a5-4115-bff9-381b74d38a6b" providerId="ADAL" clId="{0BD9B6D9-4941-4DB5-BA7D-AFDE24E355CD}" dt="2025-10-02T13:05:40.335" v="2927" actId="47"/>
+        <pc:sldMkLst>
+          <pc:docMk/>
+          <pc:sldMk cId="1325767078" sldId="275"/>
+        </pc:sldMkLst>
+        <pc:spChg chg="mod">
+          <ac:chgData name="SMITH, Jo (WORCESTERSHIRE ACUTE HOSPITALS NHS TRUST)" userId="c5e57179-71a5-4115-bff9-381b74d38a6b" providerId="ADAL" clId="{0BD9B6D9-4941-4DB5-BA7D-AFDE24E355CD}" dt="2025-10-02T13:05:20.454" v="2923" actId="20577"/>
+          <ac:spMkLst>
+            <pc:docMk/>
+            <pc:sldMk cId="1325767078" sldId="275"/>
+            <ac:spMk id="2" creationId="{25320642-D732-2C9F-332E-FC079DF3E3F7}"/>
+          </ac:spMkLst>
+        </pc:spChg>
+        <pc:spChg chg="mod">
+          <ac:chgData name="SMITH, Jo (WORCESTERSHIRE ACUTE HOSPITALS NHS TRUST)" userId="c5e57179-71a5-4115-bff9-381b74d38a6b" providerId="ADAL" clId="{0BD9B6D9-4941-4DB5-BA7D-AFDE24E355CD}" dt="2025-10-02T13:05:25.590" v="2926" actId="20577"/>
+          <ac:spMkLst>
+            <pc:docMk/>
+            <pc:sldMk cId="1325767078" sldId="275"/>
+            <ac:spMk id="6" creationId="{DAA9EBFB-92DD-6DC2-B9AC-BEE45EC42066}"/>
+          </ac:spMkLst>
+        </pc:spChg>
+        <pc:spChg chg="del">
+          <ac:chgData name="SMITH, Jo (WORCESTERSHIRE ACUTE HOSPITALS NHS TRUST)" userId="c5e57179-71a5-4115-bff9-381b74d38a6b" providerId="ADAL" clId="{0BD9B6D9-4941-4DB5-BA7D-AFDE24E355CD}" dt="2025-10-02T13:05:07.774" v="2906" actId="26606"/>
+          <ac:spMkLst>
+            <pc:docMk/>
+            <pc:sldMk cId="1325767078" sldId="275"/>
+            <ac:spMk id="25" creationId="{57812530-2BDF-BF00-A3A3-D9751F426F37}"/>
+          </ac:spMkLst>
+        </pc:spChg>
+        <pc:spChg chg="del">
+          <ac:chgData name="SMITH, Jo (WORCESTERSHIRE ACUTE HOSPITALS NHS TRUST)" userId="c5e57179-71a5-4115-bff9-381b74d38a6b" providerId="ADAL" clId="{0BD9B6D9-4941-4DB5-BA7D-AFDE24E355CD}" dt="2025-10-02T13:05:07.774" v="2906" actId="26606"/>
+          <ac:spMkLst>
+            <pc:docMk/>
+            <pc:sldMk cId="1325767078" sldId="275"/>
+            <ac:spMk id="26" creationId="{09249EA6-B774-3FD5-DD87-9E9554D32190}"/>
+          </ac:spMkLst>
+        </pc:spChg>
+        <pc:spChg chg="add">
+          <ac:chgData name="SMITH, Jo (WORCESTERSHIRE ACUTE HOSPITALS NHS TRUST)" userId="c5e57179-71a5-4115-bff9-381b74d38a6b" providerId="ADAL" clId="{0BD9B6D9-4941-4DB5-BA7D-AFDE24E355CD}" dt="2025-10-02T13:05:07.774" v="2906" actId="26606"/>
+          <ac:spMkLst>
+            <pc:docMk/>
+            <pc:sldMk cId="1325767078" sldId="275"/>
+            <ac:spMk id="31" creationId="{09588DA8-065E-4F6F-8EFD-43104AB2E0CF}"/>
+          </ac:spMkLst>
+        </pc:spChg>
+        <pc:spChg chg="add">
+          <ac:chgData name="SMITH, Jo (WORCESTERSHIRE ACUTE HOSPITALS NHS TRUST)" userId="c5e57179-71a5-4115-bff9-381b74d38a6b" providerId="ADAL" clId="{0BD9B6D9-4941-4DB5-BA7D-AFDE24E355CD}" dt="2025-10-02T13:05:07.774" v="2906" actId="26606"/>
+          <ac:spMkLst>
+            <pc:docMk/>
+            <pc:sldMk cId="1325767078" sldId="275"/>
+            <ac:spMk id="33" creationId="{C4285719-470E-454C-AF62-8323075F1F5B}"/>
+          </ac:spMkLst>
+        </pc:spChg>
+        <pc:spChg chg="add">
+          <ac:chgData name="SMITH, Jo (WORCESTERSHIRE ACUTE HOSPITALS NHS TRUST)" userId="c5e57179-71a5-4115-bff9-381b74d38a6b" providerId="ADAL" clId="{0BD9B6D9-4941-4DB5-BA7D-AFDE24E355CD}" dt="2025-10-02T13:05:07.774" v="2906" actId="26606"/>
+          <ac:spMkLst>
+            <pc:docMk/>
+            <pc:sldMk cId="1325767078" sldId="275"/>
+            <ac:spMk id="35" creationId="{CD9FE4EF-C4D8-49A0-B2FF-81D8DB7D8A24}"/>
+          </ac:spMkLst>
+        </pc:spChg>
+        <pc:spChg chg="add">
+          <ac:chgData name="SMITH, Jo (WORCESTERSHIRE ACUTE HOSPITALS NHS TRUST)" userId="c5e57179-71a5-4115-bff9-381b74d38a6b" providerId="ADAL" clId="{0BD9B6D9-4941-4DB5-BA7D-AFDE24E355CD}" dt="2025-10-02T13:05:07.774" v="2906" actId="26606"/>
+          <ac:spMkLst>
+            <pc:docMk/>
+            <pc:sldMk cId="1325767078" sldId="275"/>
+            <ac:spMk id="39" creationId="{D2B78728-A580-49A7-84F9-6EF6F583ADE0}"/>
+          </ac:spMkLst>
+        </pc:spChg>
+        <pc:spChg chg="add">
+          <ac:chgData name="SMITH, Jo (WORCESTERSHIRE ACUTE HOSPITALS NHS TRUST)" userId="c5e57179-71a5-4115-bff9-381b74d38a6b" providerId="ADAL" clId="{0BD9B6D9-4941-4DB5-BA7D-AFDE24E355CD}" dt="2025-10-02T13:05:07.774" v="2906" actId="26606"/>
+          <ac:spMkLst>
+            <pc:docMk/>
+            <pc:sldMk cId="1325767078" sldId="275"/>
+            <ac:spMk id="41" creationId="{38FAA1A1-D861-433F-88FA-1E9D6FD31D11}"/>
+          </ac:spMkLst>
+        </pc:spChg>
+        <pc:spChg chg="add">
+          <ac:chgData name="SMITH, Jo (WORCESTERSHIRE ACUTE HOSPITALS NHS TRUST)" userId="c5e57179-71a5-4115-bff9-381b74d38a6b" providerId="ADAL" clId="{0BD9B6D9-4941-4DB5-BA7D-AFDE24E355CD}" dt="2025-10-02T13:05:07.774" v="2906" actId="26606"/>
+          <ac:spMkLst>
+            <pc:docMk/>
+            <pc:sldMk cId="1325767078" sldId="275"/>
+            <ac:spMk id="43" creationId="{8D71EDA1-87BF-4D5D-AB79-F346FD19278A}"/>
+          </ac:spMkLst>
+        </pc:spChg>
+      </pc:sldChg>
+      <pc:sldChg chg="addSp modSp add mod">
+        <pc:chgData name="SMITH, Jo (WORCESTERSHIRE ACUTE HOSPITALS NHS TRUST)" userId="c5e57179-71a5-4115-bff9-381b74d38a6b" providerId="ADAL" clId="{0BD9B6D9-4941-4DB5-BA7D-AFDE24E355CD}" dt="2025-10-02T12:58:29.914" v="2808" actId="1076"/>
+        <pc:sldMkLst>
+          <pc:docMk/>
+          <pc:sldMk cId="849285604" sldId="276"/>
+        </pc:sldMkLst>
+        <pc:spChg chg="mod">
+          <ac:chgData name="SMITH, Jo (WORCESTERSHIRE ACUTE HOSPITALS NHS TRUST)" userId="c5e57179-71a5-4115-bff9-381b74d38a6b" providerId="ADAL" clId="{0BD9B6D9-4941-4DB5-BA7D-AFDE24E355CD}" dt="2025-10-02T12:55:31.362" v="2790" actId="14100"/>
+          <ac:spMkLst>
+            <pc:docMk/>
+            <pc:sldMk cId="849285604" sldId="276"/>
+            <ac:spMk id="3" creationId="{B281CD50-1F87-3924-4DC6-550EDEBCDE77}"/>
+          </ac:spMkLst>
+        </pc:spChg>
+        <pc:picChg chg="add mod">
+          <ac:chgData name="SMITH, Jo (WORCESTERSHIRE ACUTE HOSPITALS NHS TRUST)" userId="c5e57179-71a5-4115-bff9-381b74d38a6b" providerId="ADAL" clId="{0BD9B6D9-4941-4DB5-BA7D-AFDE24E355CD}" dt="2025-10-02T12:58:16.466" v="2803" actId="1076"/>
+          <ac:picMkLst>
+            <pc:docMk/>
+            <pc:sldMk cId="849285604" sldId="276"/>
+            <ac:picMk id="5" creationId="{42C52BB7-BCFD-347A-FE0F-4DE3090D983E}"/>
+          </ac:picMkLst>
+        </pc:picChg>
+        <pc:picChg chg="add mod">
+          <ac:chgData name="SMITH, Jo (WORCESTERSHIRE ACUTE HOSPITALS NHS TRUST)" userId="c5e57179-71a5-4115-bff9-381b74d38a6b" providerId="ADAL" clId="{0BD9B6D9-4941-4DB5-BA7D-AFDE24E355CD}" dt="2025-10-02T12:58:21.590" v="2805" actId="1076"/>
+          <ac:picMkLst>
+            <pc:docMk/>
+            <pc:sldMk cId="849285604" sldId="276"/>
+            <ac:picMk id="7" creationId="{9794672F-9FEE-C413-BF46-EF3D699A54C5}"/>
+          </ac:picMkLst>
+        </pc:picChg>
+        <pc:picChg chg="add mod">
+          <ac:chgData name="SMITH, Jo (WORCESTERSHIRE ACUTE HOSPITALS NHS TRUST)" userId="c5e57179-71a5-4115-bff9-381b74d38a6b" providerId="ADAL" clId="{0BD9B6D9-4941-4DB5-BA7D-AFDE24E355CD}" dt="2025-10-02T12:58:29.914" v="2808" actId="1076"/>
+          <ac:picMkLst>
+            <pc:docMk/>
+            <pc:sldMk cId="849285604" sldId="276"/>
+            <ac:picMk id="11" creationId="{DF95C95F-83AA-E8EE-E6D8-685CD67FFCF9}"/>
+          </ac:picMkLst>
+        </pc:picChg>
+      </pc:sldChg>
+      <pc:sldChg chg="addSp delSp modSp add mod">
+        <pc:chgData name="SMITH, Jo (WORCESTERSHIRE ACUTE HOSPITALS NHS TRUST)" userId="c5e57179-71a5-4115-bff9-381b74d38a6b" providerId="ADAL" clId="{0BD9B6D9-4941-4DB5-BA7D-AFDE24E355CD}" dt="2025-10-02T13:11:41.156" v="2982" actId="1076"/>
+        <pc:sldMkLst>
+          <pc:docMk/>
+          <pc:sldMk cId="2680350040" sldId="277"/>
+        </pc:sldMkLst>
+        <pc:spChg chg="mod">
+          <ac:chgData name="SMITH, Jo (WORCESTERSHIRE ACUTE HOSPITALS NHS TRUST)" userId="c5e57179-71a5-4115-bff9-381b74d38a6b" providerId="ADAL" clId="{0BD9B6D9-4941-4DB5-BA7D-AFDE24E355CD}" dt="2025-10-02T13:11:37.887" v="2981" actId="14100"/>
+          <ac:spMkLst>
+            <pc:docMk/>
+            <pc:sldMk cId="2680350040" sldId="277"/>
+            <ac:spMk id="3" creationId="{8F0933D9-98EA-6939-5B25-DCED90E325CF}"/>
+          </ac:spMkLst>
+        </pc:spChg>
+        <pc:spChg chg="add del mod">
+          <ac:chgData name="SMITH, Jo (WORCESTERSHIRE ACUTE HOSPITALS NHS TRUST)" userId="c5e57179-71a5-4115-bff9-381b74d38a6b" providerId="ADAL" clId="{0BD9B6D9-4941-4DB5-BA7D-AFDE24E355CD}" dt="2025-10-02T13:04:35.479" v="2897" actId="478"/>
+          <ac:spMkLst>
+            <pc:docMk/>
+            <pc:sldMk cId="2680350040" sldId="277"/>
+            <ac:spMk id="4" creationId="{0AB488E4-BA89-8A8C-7318-32C034F4E53C}"/>
+          </ac:spMkLst>
+        </pc:spChg>
+        <pc:spChg chg="add mod">
+          <ac:chgData name="SMITH, Jo (WORCESTERSHIRE ACUTE HOSPITALS NHS TRUST)" userId="c5e57179-71a5-4115-bff9-381b74d38a6b" providerId="ADAL" clId="{0BD9B6D9-4941-4DB5-BA7D-AFDE24E355CD}" dt="2025-10-02T13:11:41.156" v="2982" actId="1076"/>
+          <ac:spMkLst>
+            <pc:docMk/>
+            <pc:sldMk cId="2680350040" sldId="277"/>
+            <ac:spMk id="5" creationId="{DF6CD7D3-2A81-8EC5-E50B-669824CACB0B}"/>
+          </ac:spMkLst>
+        </pc:spChg>
+      </pc:sldChg>
+      <pc:sldChg chg="modSp add mod">
+        <pc:chgData name="SMITH, Jo (WORCESTERSHIRE ACUTE HOSPITALS NHS TRUST)" userId="c5e57179-71a5-4115-bff9-381b74d38a6b" providerId="ADAL" clId="{0BD9B6D9-4941-4DB5-BA7D-AFDE24E355CD}" dt="2025-10-02T13:28:41.751" v="3258" actId="207"/>
+        <pc:sldMkLst>
+          <pc:docMk/>
+          <pc:sldMk cId="391246093" sldId="361"/>
+        </pc:sldMkLst>
+        <pc:spChg chg="mod">
+          <ac:chgData name="SMITH, Jo (WORCESTERSHIRE ACUTE HOSPITALS NHS TRUST)" userId="c5e57179-71a5-4115-bff9-381b74d38a6b" providerId="ADAL" clId="{0BD9B6D9-4941-4DB5-BA7D-AFDE24E355CD}" dt="2025-10-02T13:28:41.751" v="3258" actId="207"/>
+          <ac:spMkLst>
+            <pc:docMk/>
+            <pc:sldMk cId="391246093" sldId="361"/>
+            <ac:spMk id="4" creationId="{A17F80A9-6337-524E-AC61-32C5AFEE8E6D}"/>
+          </ac:spMkLst>
+        </pc:spChg>
+        <pc:spChg chg="mod">
+          <ac:chgData name="SMITH, Jo (WORCESTERSHIRE ACUTE HOSPITALS NHS TRUST)" userId="c5e57179-71a5-4115-bff9-381b74d38a6b" providerId="ADAL" clId="{0BD9B6D9-4941-4DB5-BA7D-AFDE24E355CD}" dt="2025-10-02T13:28:34.390" v="3257" actId="207"/>
+          <ac:spMkLst>
+            <pc:docMk/>
+            <pc:sldMk cId="391246093" sldId="361"/>
+            <ac:spMk id="9" creationId="{C32262F7-4156-99C1-386C-42E2DA1B881D}"/>
+          </ac:spMkLst>
+        </pc:spChg>
+      </pc:sldChg>
+      <pc:sldChg chg="modSp add mod">
+        <pc:chgData name="SMITH, Jo (WORCESTERSHIRE ACUTE HOSPITALS NHS TRUST)" userId="c5e57179-71a5-4115-bff9-381b74d38a6b" providerId="ADAL" clId="{0BD9B6D9-4941-4DB5-BA7D-AFDE24E355CD}" dt="2025-10-02T13:29:16.446" v="3262" actId="207"/>
+        <pc:sldMkLst>
+          <pc:docMk/>
+          <pc:sldMk cId="4098091678" sldId="362"/>
+        </pc:sldMkLst>
+        <pc:spChg chg="mod">
+          <ac:chgData name="SMITH, Jo (WORCESTERSHIRE ACUTE HOSPITALS NHS TRUST)" userId="c5e57179-71a5-4115-bff9-381b74d38a6b" providerId="ADAL" clId="{0BD9B6D9-4941-4DB5-BA7D-AFDE24E355CD}" dt="2025-10-02T13:29:11.252" v="3261" actId="14100"/>
+          <ac:spMkLst>
+            <pc:docMk/>
+            <pc:sldMk cId="4098091678" sldId="362"/>
+            <ac:spMk id="5" creationId="{18D9531E-DF52-5889-BDBD-32380CCD86AB}"/>
+          </ac:spMkLst>
+        </pc:spChg>
+        <pc:spChg chg="mod">
+          <ac:chgData name="SMITH, Jo (WORCESTERSHIRE ACUTE HOSPITALS NHS TRUST)" userId="c5e57179-71a5-4115-bff9-381b74d38a6b" providerId="ADAL" clId="{0BD9B6D9-4941-4DB5-BA7D-AFDE24E355CD}" dt="2025-10-02T13:29:16.446" v="3262" actId="207"/>
+          <ac:spMkLst>
+            <pc:docMk/>
+            <pc:sldMk cId="4098091678" sldId="362"/>
+            <ac:spMk id="12" creationId="{644C311C-1BA3-DB3E-C227-5D3E29BCB518}"/>
+          </ac:spMkLst>
+        </pc:spChg>
+      </pc:sldChg>
+      <pc:sldChg chg="modSp add mod">
+        <pc:chgData name="SMITH, Jo (WORCESTERSHIRE ACUTE HOSPITALS NHS TRUST)" userId="c5e57179-71a5-4115-bff9-381b74d38a6b" providerId="ADAL" clId="{0BD9B6D9-4941-4DB5-BA7D-AFDE24E355CD}" dt="2025-10-02T13:34:40.645" v="3288" actId="20577"/>
+        <pc:sldMkLst>
+          <pc:docMk/>
+          <pc:sldMk cId="193755343" sldId="363"/>
+        </pc:sldMkLst>
+        <pc:spChg chg="mod">
+          <ac:chgData name="SMITH, Jo (WORCESTERSHIRE ACUTE HOSPITALS NHS TRUST)" userId="c5e57179-71a5-4115-bff9-381b74d38a6b" providerId="ADAL" clId="{0BD9B6D9-4941-4DB5-BA7D-AFDE24E355CD}" dt="2025-10-02T13:34:40.645" v="3288" actId="20577"/>
+          <ac:spMkLst>
+            <pc:docMk/>
+            <pc:sldMk cId="193755343" sldId="363"/>
+            <ac:spMk id="5" creationId="{555E893F-B6FE-0DD6-6CC8-2BC208C508AE}"/>
+          </ac:spMkLst>
+        </pc:spChg>
+      </pc:sldChg>
+      <pc:sldChg chg="modSp add mod">
+        <pc:chgData name="SMITH, Jo (WORCESTERSHIRE ACUTE HOSPITALS NHS TRUST)" userId="c5e57179-71a5-4115-bff9-381b74d38a6b" providerId="ADAL" clId="{0BD9B6D9-4941-4DB5-BA7D-AFDE24E355CD}" dt="2025-10-02T13:34:55.299" v="3289" actId="1076"/>
+        <pc:sldMkLst>
+          <pc:docMk/>
+          <pc:sldMk cId="1344706795" sldId="364"/>
+        </pc:sldMkLst>
+        <pc:spChg chg="mod">
+          <ac:chgData name="SMITH, Jo (WORCESTERSHIRE ACUTE HOSPITALS NHS TRUST)" userId="c5e57179-71a5-4115-bff9-381b74d38a6b" providerId="ADAL" clId="{0BD9B6D9-4941-4DB5-BA7D-AFDE24E355CD}" dt="2025-10-02T13:30:33.001" v="3265" actId="1076"/>
+          <ac:spMkLst>
+            <pc:docMk/>
+            <pc:sldMk cId="1344706795" sldId="364"/>
+            <ac:spMk id="3" creationId="{BDFD3297-06E6-4119-4620-144BF517F1FD}"/>
+          </ac:spMkLst>
+        </pc:spChg>
+        <pc:spChg chg="mod">
+          <ac:chgData name="SMITH, Jo (WORCESTERSHIRE ACUTE HOSPITALS NHS TRUST)" userId="c5e57179-71a5-4115-bff9-381b74d38a6b" providerId="ADAL" clId="{0BD9B6D9-4941-4DB5-BA7D-AFDE24E355CD}" dt="2025-10-02T13:31:03.463" v="3276" actId="20577"/>
+          <ac:spMkLst>
+            <pc:docMk/>
+            <pc:sldMk cId="1344706795" sldId="364"/>
+            <ac:spMk id="5" creationId="{860117F9-2ACA-B014-ED87-21008A29A3BC}"/>
+          </ac:spMkLst>
+        </pc:spChg>
+        <pc:picChg chg="mod">
+          <ac:chgData name="SMITH, Jo (WORCESTERSHIRE ACUTE HOSPITALS NHS TRUST)" userId="c5e57179-71a5-4115-bff9-381b74d38a6b" providerId="ADAL" clId="{0BD9B6D9-4941-4DB5-BA7D-AFDE24E355CD}" dt="2025-10-02T13:34:55.299" v="3289" actId="1076"/>
+          <ac:picMkLst>
+            <pc:docMk/>
+            <pc:sldMk cId="1344706795" sldId="364"/>
+            <ac:picMk id="8" creationId="{824BC85E-C449-4410-1235-1B6624EDB559}"/>
+          </ac:picMkLst>
+        </pc:picChg>
+      </pc:sldChg>
+      <pc:sldChg chg="delSp modSp add mod">
+        <pc:chgData name="SMITH, Jo (WORCESTERSHIRE ACUTE HOSPITALS NHS TRUST)" userId="c5e57179-71a5-4115-bff9-381b74d38a6b" providerId="ADAL" clId="{0BD9B6D9-4941-4DB5-BA7D-AFDE24E355CD}" dt="2025-10-02T13:34:28.168" v="3280" actId="478"/>
+        <pc:sldMkLst>
+          <pc:docMk/>
+          <pc:sldMk cId="2661764767" sldId="365"/>
+        </pc:sldMkLst>
+        <pc:spChg chg="mod">
+          <ac:chgData name="SMITH, Jo (WORCESTERSHIRE ACUTE HOSPITALS NHS TRUST)" userId="c5e57179-71a5-4115-bff9-381b74d38a6b" providerId="ADAL" clId="{0BD9B6D9-4941-4DB5-BA7D-AFDE24E355CD}" dt="2025-10-02T13:29:57.919" v="3263" actId="14100"/>
+          <ac:spMkLst>
+            <pc:docMk/>
+            <pc:sldMk cId="2661764767" sldId="365"/>
+            <ac:spMk id="5" creationId="{624DB72A-D3C6-D598-8336-0731D0A44CB4}"/>
+          </ac:spMkLst>
+        </pc:spChg>
+        <pc:spChg chg="del mod">
+          <ac:chgData name="SMITH, Jo (WORCESTERSHIRE ACUTE HOSPITALS NHS TRUST)" userId="c5e57179-71a5-4115-bff9-381b74d38a6b" providerId="ADAL" clId="{0BD9B6D9-4941-4DB5-BA7D-AFDE24E355CD}" dt="2025-10-02T13:34:28.168" v="3280" actId="478"/>
+          <ac:spMkLst>
+            <pc:docMk/>
+            <pc:sldMk cId="2661764767" sldId="365"/>
+            <ac:spMk id="6" creationId="{4EFC1377-D90B-776A-41A3-50C5824D4984}"/>
+          </ac:spMkLst>
+        </pc:spChg>
+        <pc:picChg chg="mod">
+          <ac:chgData name="SMITH, Jo (WORCESTERSHIRE ACUTE HOSPITALS NHS TRUST)" userId="c5e57179-71a5-4115-bff9-381b74d38a6b" providerId="ADAL" clId="{0BD9B6D9-4941-4DB5-BA7D-AFDE24E355CD}" dt="2025-10-02T13:34:14.701" v="3277" actId="1076"/>
+          <ac:picMkLst>
+            <pc:docMk/>
+            <pc:sldMk cId="2661764767" sldId="365"/>
+            <ac:picMk id="4" creationId="{6C11B6F7-D9DE-1C2A-0299-8C3570AED421}"/>
+          </ac:picMkLst>
+        </pc:picChg>
+      </pc:sldChg>
+      <pc:sldChg chg="delSp modSp add mod">
+        <pc:chgData name="SMITH, Jo (WORCESTERSHIRE ACUTE HOSPITALS NHS TRUST)" userId="c5e57179-71a5-4115-bff9-381b74d38a6b" providerId="ADAL" clId="{0BD9B6D9-4941-4DB5-BA7D-AFDE24E355CD}" dt="2025-10-02T13:40:04.401" v="3297" actId="478"/>
+        <pc:sldMkLst>
+          <pc:docMk/>
+          <pc:sldMk cId="2640387457" sldId="366"/>
+        </pc:sldMkLst>
+        <pc:spChg chg="mod">
+          <ac:chgData name="SMITH, Jo (WORCESTERSHIRE ACUTE HOSPITALS NHS TRUST)" userId="c5e57179-71a5-4115-bff9-381b74d38a6b" providerId="ADAL" clId="{0BD9B6D9-4941-4DB5-BA7D-AFDE24E355CD}" dt="2025-10-02T13:39:55.667" v="3294" actId="1076"/>
+          <ac:spMkLst>
+            <pc:docMk/>
+            <pc:sldMk cId="2640387457" sldId="366"/>
+            <ac:spMk id="4" creationId="{2984C24C-0CD5-D6D2-D893-4E1442ED231F}"/>
+          </ac:spMkLst>
+        </pc:spChg>
+        <pc:spChg chg="del">
+          <ac:chgData name="SMITH, Jo (WORCESTERSHIRE ACUTE HOSPITALS NHS TRUST)" userId="c5e57179-71a5-4115-bff9-381b74d38a6b" providerId="ADAL" clId="{0BD9B6D9-4941-4DB5-BA7D-AFDE24E355CD}" dt="2025-10-02T13:40:01.392" v="3295" actId="478"/>
+          <ac:spMkLst>
+            <pc:docMk/>
+            <pc:sldMk cId="2640387457" sldId="366"/>
+            <ac:spMk id="5" creationId="{2A3CACD6-03DA-373E-5F8B-BAA8B8461C00}"/>
+          </ac:spMkLst>
+        </pc:spChg>
+        <pc:spChg chg="del">
+          <ac:chgData name="SMITH, Jo (WORCESTERSHIRE ACUTE HOSPITALS NHS TRUST)" userId="c5e57179-71a5-4115-bff9-381b74d38a6b" providerId="ADAL" clId="{0BD9B6D9-4941-4DB5-BA7D-AFDE24E355CD}" dt="2025-10-02T13:40:02.237" v="3296" actId="478"/>
+          <ac:spMkLst>
+            <pc:docMk/>
+            <pc:sldMk cId="2640387457" sldId="366"/>
+            <ac:spMk id="6" creationId="{A2EDE676-5BB3-F298-D19E-40A4EAD01312}"/>
+          </ac:spMkLst>
+        </pc:spChg>
+        <pc:spChg chg="del">
+          <ac:chgData name="SMITH, Jo (WORCESTERSHIRE ACUTE HOSPITALS NHS TRUST)" userId="c5e57179-71a5-4115-bff9-381b74d38a6b" providerId="ADAL" clId="{0BD9B6D9-4941-4DB5-BA7D-AFDE24E355CD}" dt="2025-10-02T13:40:04.401" v="3297" actId="478"/>
+          <ac:spMkLst>
+            <pc:docMk/>
+            <pc:sldMk cId="2640387457" sldId="366"/>
+            <ac:spMk id="7" creationId="{4B18E4EC-5D52-265A-2C49-7E5BE9B757AD}"/>
+          </ac:spMkLst>
+        </pc:spChg>
+      </pc:sldChg>
+      <pc:sldChg chg="modSp add mod">
+        <pc:chgData name="SMITH, Jo (WORCESTERSHIRE ACUTE HOSPITALS NHS TRUST)" userId="c5e57179-71a5-4115-bff9-381b74d38a6b" providerId="ADAL" clId="{0BD9B6D9-4941-4DB5-BA7D-AFDE24E355CD}" dt="2025-10-02T13:40:52.697" v="3303" actId="14100"/>
+        <pc:sldMkLst>
+          <pc:docMk/>
+          <pc:sldMk cId="1799355265" sldId="367"/>
+        </pc:sldMkLst>
+        <pc:spChg chg="mod">
+          <ac:chgData name="SMITH, Jo (WORCESTERSHIRE ACUTE HOSPITALS NHS TRUST)" userId="c5e57179-71a5-4115-bff9-381b74d38a6b" providerId="ADAL" clId="{0BD9B6D9-4941-4DB5-BA7D-AFDE24E355CD}" dt="2025-10-02T13:40:29.104" v="3299" actId="1076"/>
+          <ac:spMkLst>
+            <pc:docMk/>
+            <pc:sldMk cId="1799355265" sldId="367"/>
+            <ac:spMk id="3" creationId="{EDA06941-3946-3146-D1D3-BE129D995F95}"/>
+          </ac:spMkLst>
+        </pc:spChg>
+        <pc:spChg chg="mod">
+          <ac:chgData name="SMITH, Jo (WORCESTERSHIRE ACUTE HOSPITALS NHS TRUST)" userId="c5e57179-71a5-4115-bff9-381b74d38a6b" providerId="ADAL" clId="{0BD9B6D9-4941-4DB5-BA7D-AFDE24E355CD}" dt="2025-10-02T13:40:52.697" v="3303" actId="14100"/>
+          <ac:spMkLst>
+            <pc:docMk/>
+            <pc:sldMk cId="1799355265" sldId="367"/>
+            <ac:spMk id="5" creationId="{08EAAE35-305E-B069-6F2F-F8273F9FFDE5}"/>
+          </ac:spMkLst>
+        </pc:spChg>
+      </pc:sldChg>
+      <pc:sldChg chg="modSp add mod">
+        <pc:chgData name="SMITH, Jo (WORCESTERSHIRE ACUTE HOSPITALS NHS TRUST)" userId="c5e57179-71a5-4115-bff9-381b74d38a6b" providerId="ADAL" clId="{0BD9B6D9-4941-4DB5-BA7D-AFDE24E355CD}" dt="2025-10-02T13:41:11.179" v="3306" actId="207"/>
+        <pc:sldMkLst>
+          <pc:docMk/>
+          <pc:sldMk cId="4193506387" sldId="368"/>
+        </pc:sldMkLst>
+        <pc:spChg chg="mod">
+          <ac:chgData name="SMITH, Jo (WORCESTERSHIRE ACUTE HOSPITALS NHS TRUST)" userId="c5e57179-71a5-4115-bff9-381b74d38a6b" providerId="ADAL" clId="{0BD9B6D9-4941-4DB5-BA7D-AFDE24E355CD}" dt="2025-10-02T13:41:11.179" v="3306" actId="207"/>
+          <ac:spMkLst>
+            <pc:docMk/>
+            <pc:sldMk cId="4193506387" sldId="368"/>
+            <ac:spMk id="5" creationId="{D65B88EB-7BE2-6C77-8463-B2513AFFD3BC}"/>
+          </ac:spMkLst>
+        </pc:spChg>
+      </pc:sldChg>
+      <pc:sldChg chg="modSp add mod">
+        <pc:chgData name="SMITH, Jo (WORCESTERSHIRE ACUTE HOSPITALS NHS TRUST)" userId="c5e57179-71a5-4115-bff9-381b74d38a6b" providerId="ADAL" clId="{0BD9B6D9-4941-4DB5-BA7D-AFDE24E355CD}" dt="2025-10-02T13:41:30.730" v="3310" actId="113"/>
+        <pc:sldMkLst>
+          <pc:docMk/>
+          <pc:sldMk cId="2492970297" sldId="369"/>
+        </pc:sldMkLst>
+        <pc:spChg chg="mod">
+          <ac:chgData name="SMITH, Jo (WORCESTERSHIRE ACUTE HOSPITALS NHS TRUST)" userId="c5e57179-71a5-4115-bff9-381b74d38a6b" providerId="ADAL" clId="{0BD9B6D9-4941-4DB5-BA7D-AFDE24E355CD}" dt="2025-10-02T13:41:30.730" v="3310" actId="113"/>
+          <ac:spMkLst>
+            <pc:docMk/>
+            <pc:sldMk cId="2492970297" sldId="369"/>
+            <ac:spMk id="5" creationId="{F89C3BEB-00CA-B575-D7B2-21A48C5259CF}"/>
+          </ac:spMkLst>
+        </pc:spChg>
       </pc:sldChg>
     </pc:docChg>
   </pc:docChgLst>
@@ -10821,7 +11203,7 @@
             <a:pPr rtl="0"/>
             <a:fld id="{CF2FD335-6D8E-486A-8F5F-DFC7325903FF}" type="slidenum">
               <a:rPr lang="en-GB" smtClean="0"/>
-              <a:t>3</a:t>
+              <a:t>4</a:t>
             </a:fld>
             <a:endParaRPr lang="en-GB" dirty="0"/>
           </a:p>
@@ -10841,6 +11223,91 @@
 </file>
 
 <file path=ppt/notesSlides/notesSlide4.xml><?xml version="1.0" encoding="utf-8"?>
+<p:notes xmlns:a="http://schemas.openxmlformats.org/drawingml/2006/main" xmlns:r="http://schemas.openxmlformats.org/officeDocument/2006/relationships" xmlns:p="http://schemas.openxmlformats.org/presentationml/2006/main">
+  <p:cSld>
+    <p:spTree>
+      <p:nvGrpSpPr>
+        <p:cNvPr id="1" name=""/>
+        <p:cNvGrpSpPr/>
+        <p:nvPr/>
+      </p:nvGrpSpPr>
+      <p:grpSpPr>
+        <a:xfrm>
+          <a:off x="0" y="0"/>
+          <a:ext cx="0" cy="0"/>
+          <a:chOff x="0" y="0"/>
+          <a:chExt cx="0" cy="0"/>
+        </a:xfrm>
+      </p:grpSpPr>
+      <p:sp>
+        <p:nvSpPr>
+          <p:cNvPr id="2" name="Slide Image Placeholder 1"/>
+          <p:cNvSpPr>
+            <a:spLocks noGrp="1" noRot="1" noChangeAspect="1"/>
+          </p:cNvSpPr>
+          <p:nvPr>
+            <p:ph type="sldImg"/>
+          </p:nvPr>
+        </p:nvSpPr>
+        <p:spPr/>
+      </p:sp>
+      <p:sp>
+        <p:nvSpPr>
+          <p:cNvPr id="3" name="Notes Placeholder 2"/>
+          <p:cNvSpPr>
+            <a:spLocks noGrp="1"/>
+          </p:cNvSpPr>
+          <p:nvPr>
+            <p:ph type="body" idx="1"/>
+          </p:nvPr>
+        </p:nvSpPr>
+        <p:spPr/>
+        <p:txBody>
+          <a:bodyPr/>
+          <a:lstStyle/>
+          <a:p>
+            <a:endParaRPr lang="en-GB"/>
+          </a:p>
+        </p:txBody>
+      </p:sp>
+      <p:sp>
+        <p:nvSpPr>
+          <p:cNvPr id="4" name="Slide Number Placeholder 3"/>
+          <p:cNvSpPr>
+            <a:spLocks noGrp="1"/>
+          </p:cNvSpPr>
+          <p:nvPr>
+            <p:ph type="sldNum" sz="quarter" idx="5"/>
+          </p:nvPr>
+        </p:nvSpPr>
+        <p:spPr/>
+        <p:txBody>
+          <a:bodyPr/>
+          <a:lstStyle/>
+          <a:p>
+            <a:pPr rtl="0"/>
+            <a:fld id="{A89C7E07-3C67-C64C-8DA0-0404F6303970}" type="slidenum">
+              <a:rPr lang="en-GB" smtClean="0"/>
+              <a:t>7</a:t>
+            </a:fld>
+            <a:endParaRPr lang="en-GB"/>
+          </a:p>
+        </p:txBody>
+      </p:sp>
+    </p:spTree>
+    <p:extLst>
+      <p:ext uri="{BB962C8B-B14F-4D97-AF65-F5344CB8AC3E}">
+        <p14:creationId xmlns:p14="http://schemas.microsoft.com/office/powerpoint/2010/main" val="448152684"/>
+      </p:ext>
+    </p:extLst>
+  </p:cSld>
+  <p:clrMapOvr>
+    <a:masterClrMapping/>
+  </p:clrMapOvr>
+</p:notes>
+</file>
+
+<file path=ppt/notesSlides/notesSlide5.xml><?xml version="1.0" encoding="utf-8"?>
 <p:notes xmlns:a="http://schemas.openxmlformats.org/drawingml/2006/main" xmlns:r="http://schemas.openxmlformats.org/officeDocument/2006/relationships" xmlns:p="http://schemas.openxmlformats.org/presentationml/2006/main">
   <p:cSld>
     <p:spTree>
@@ -10982,7 +11449,7 @@
             <a:pPr rtl="0"/>
             <a:fld id="{CF2FD335-6D8E-486A-8F5F-DFC7325903FF}" type="slidenum">
               <a:rPr lang="en-GB" smtClean="0"/>
-              <a:t>7</a:t>
+              <a:t>16</a:t>
             </a:fld>
             <a:endParaRPr lang="en-GB" dirty="0"/>
           </a:p>
@@ -11001,7 +11468,7 @@
 </p:notes>
 </file>
 
-<file path=ppt/notesSlides/notesSlide5.xml><?xml version="1.0" encoding="utf-8"?>
+<file path=ppt/notesSlides/notesSlide6.xml><?xml version="1.0" encoding="utf-8"?>
 <p:notes xmlns:a="http://schemas.openxmlformats.org/drawingml/2006/main" xmlns:r="http://schemas.openxmlformats.org/officeDocument/2006/relationships" xmlns:p="http://schemas.openxmlformats.org/presentationml/2006/main">
   <p:cSld>
     <p:spTree>
@@ -11009,7 +11476,7 @@
         <p:cNvPr id="1" name="">
           <a:extLst>
             <a:ext uri="{FF2B5EF4-FFF2-40B4-BE49-F238E27FC236}">
-              <a16:creationId xmlns:a16="http://schemas.microsoft.com/office/drawing/2014/main" id="{0EC09684-D803-E7C7-8451-9463E5D87D9D}"/>
+              <a16:creationId xmlns:a16="http://schemas.microsoft.com/office/drawing/2014/main" id="{39A9859A-501F-420A-1E1A-E9DFC5EE6CC6}"/>
             </a:ext>
           </a:extLst>
         </p:cNvPr>
@@ -11029,7 +11496,7 @@
           <p:cNvPr id="2" name="Slide Image Placeholder 1">
             <a:extLst>
               <a:ext uri="{FF2B5EF4-FFF2-40B4-BE49-F238E27FC236}">
-                <a16:creationId xmlns:a16="http://schemas.microsoft.com/office/drawing/2014/main" id="{FE33F82B-FF6F-229E-BE8D-F76874A0AD7A}"/>
+                <a16:creationId xmlns:a16="http://schemas.microsoft.com/office/drawing/2014/main" id="{67014848-5F93-281A-9EAF-EFA7D19A98D8}"/>
               </a:ext>
             </a:extLst>
           </p:cNvPr>
@@ -11047,7 +11514,7 @@
           <p:cNvPr id="3" name="Notes Placeholder 2">
             <a:extLst>
               <a:ext uri="{FF2B5EF4-FFF2-40B4-BE49-F238E27FC236}">
-                <a16:creationId xmlns:a16="http://schemas.microsoft.com/office/drawing/2014/main" id="{407C50EB-B239-B1D7-8C2E-D6420822801D}"/>
+                <a16:creationId xmlns:a16="http://schemas.microsoft.com/office/drawing/2014/main" id="{690C0943-D550-F557-4B62-EDB343B5FCC2}"/>
               </a:ext>
             </a:extLst>
           </p:cNvPr>
@@ -11124,7 +11591,7 @@
           <p:cNvPr id="4" name="Slide Number Placeholder 3">
             <a:extLst>
               <a:ext uri="{FF2B5EF4-FFF2-40B4-BE49-F238E27FC236}">
-                <a16:creationId xmlns:a16="http://schemas.microsoft.com/office/drawing/2014/main" id="{A1E00496-DE89-106E-CB22-051579E7E33B}"/>
+                <a16:creationId xmlns:a16="http://schemas.microsoft.com/office/drawing/2014/main" id="{0EDBD115-B11D-0074-DA77-4A1BAF08B59E}"/>
               </a:ext>
             </a:extLst>
           </p:cNvPr>
@@ -11143,7 +11610,7 @@
             <a:pPr rtl="0"/>
             <a:fld id="{CF2FD335-6D8E-486A-8F5F-DFC7325903FF}" type="slidenum">
               <a:rPr lang="en-GB" smtClean="0"/>
-              <a:t>8</a:t>
+              <a:t>17</a:t>
             </a:fld>
             <a:endParaRPr lang="en-GB" dirty="0"/>
           </a:p>
@@ -11152,7 +11619,7 @@
     </p:spTree>
     <p:extLst>
       <p:ext uri="{BB962C8B-B14F-4D97-AF65-F5344CB8AC3E}">
-        <p14:creationId xmlns:p14="http://schemas.microsoft.com/office/powerpoint/2010/main" val="2612875595"/>
+        <p14:creationId xmlns:p14="http://schemas.microsoft.com/office/powerpoint/2010/main" val="341855365"/>
       </p:ext>
     </p:extLst>
   </p:cSld>
@@ -11162,7 +11629,168 @@
 </p:notes>
 </file>
 
-<file path=ppt/notesSlides/notesSlide6.xml><?xml version="1.0" encoding="utf-8"?>
+<file path=ppt/notesSlides/notesSlide7.xml><?xml version="1.0" encoding="utf-8"?>
+<p:notes xmlns:a="http://schemas.openxmlformats.org/drawingml/2006/main" xmlns:r="http://schemas.openxmlformats.org/officeDocument/2006/relationships" xmlns:p="http://schemas.openxmlformats.org/presentationml/2006/main">
+  <p:cSld>
+    <p:spTree>
+      <p:nvGrpSpPr>
+        <p:cNvPr id="1" name="">
+          <a:extLst>
+            <a:ext uri="{FF2B5EF4-FFF2-40B4-BE49-F238E27FC236}">
+              <a16:creationId xmlns:a16="http://schemas.microsoft.com/office/drawing/2014/main" id="{834DCBE5-FD7A-1A5F-BA8B-99D943A3E08A}"/>
+            </a:ext>
+          </a:extLst>
+        </p:cNvPr>
+        <p:cNvGrpSpPr/>
+        <p:nvPr/>
+      </p:nvGrpSpPr>
+      <p:grpSpPr>
+        <a:xfrm>
+          <a:off x="0" y="0"/>
+          <a:ext cx="0" cy="0"/>
+          <a:chOff x="0" y="0"/>
+          <a:chExt cx="0" cy="0"/>
+        </a:xfrm>
+      </p:grpSpPr>
+      <p:sp>
+        <p:nvSpPr>
+          <p:cNvPr id="2" name="Slide Image Placeholder 1">
+            <a:extLst>
+              <a:ext uri="{FF2B5EF4-FFF2-40B4-BE49-F238E27FC236}">
+                <a16:creationId xmlns:a16="http://schemas.microsoft.com/office/drawing/2014/main" id="{2C86D59A-6D36-E1F3-C8C3-FE95E153029A}"/>
+              </a:ext>
+            </a:extLst>
+          </p:cNvPr>
+          <p:cNvSpPr>
+            <a:spLocks noGrp="1" noRot="1" noChangeAspect="1"/>
+          </p:cNvSpPr>
+          <p:nvPr>
+            <p:ph type="sldImg"/>
+          </p:nvPr>
+        </p:nvSpPr>
+        <p:spPr/>
+      </p:sp>
+      <p:sp>
+        <p:nvSpPr>
+          <p:cNvPr id="3" name="Notes Placeholder 2">
+            <a:extLst>
+              <a:ext uri="{FF2B5EF4-FFF2-40B4-BE49-F238E27FC236}">
+                <a16:creationId xmlns:a16="http://schemas.microsoft.com/office/drawing/2014/main" id="{184A988B-2FA2-BC45-0415-01D5243BB317}"/>
+              </a:ext>
+            </a:extLst>
+          </p:cNvPr>
+          <p:cNvSpPr>
+            <a:spLocks noGrp="1"/>
+          </p:cNvSpPr>
+          <p:nvPr>
+            <p:ph type="body" idx="1"/>
+          </p:nvPr>
+        </p:nvSpPr>
+        <p:spPr/>
+        <p:txBody>
+          <a:bodyPr rtlCol="0"/>
+          <a:lstStyle/>
+          <a:p>
+            <a:pPr rtl="0"/>
+            <a:r>
+              <a:rPr lang="en-GB" b="1" dirty="0"/>
+              <a:t>Example objectives</a:t>
+            </a:r>
+          </a:p>
+          <a:p>
+            <a:pPr marL="0" indent="0" rtl="0">
+              <a:buFont typeface="Arial" panose="020B0604020202020204" pitchFamily="34" charset="0"/>
+              <a:buNone/>
+            </a:pPr>
+            <a:r>
+              <a:rPr lang="en-GB" dirty="0"/>
+              <a:t>At the end of this lesson, you will be able to:</a:t>
+            </a:r>
+          </a:p>
+          <a:p>
+            <a:pPr marL="171450" indent="-171450" rtl="0">
+              <a:buFont typeface="Arial" panose="020B0604020202020204" pitchFamily="34" charset="0"/>
+              <a:buChar char="•"/>
+            </a:pPr>
+            <a:r>
+              <a:rPr lang="en-GB" dirty="0"/>
+              <a:t>Save files to the team Web server.</a:t>
+            </a:r>
+          </a:p>
+          <a:p>
+            <a:pPr marL="171450" indent="-171450" rtl="0">
+              <a:buFont typeface="Arial" panose="020B0604020202020204" pitchFamily="34" charset="0"/>
+              <a:buChar char="•"/>
+            </a:pPr>
+            <a:r>
+              <a:rPr lang="en-GB" dirty="0"/>
+              <a:t>Move files to different locations on the team Web server.</a:t>
+            </a:r>
+          </a:p>
+          <a:p>
+            <a:pPr marL="171450" indent="-171450" rtl="0">
+              <a:buFont typeface="Arial" panose="020B0604020202020204" pitchFamily="34" charset="0"/>
+              <a:buChar char="•"/>
+            </a:pPr>
+            <a:r>
+              <a:rPr lang="en-GB" dirty="0"/>
+              <a:t>Share files on the team Web server.</a:t>
+            </a:r>
+          </a:p>
+          <a:p>
+            <a:pPr rtl="0"/>
+            <a:endParaRPr lang="en-GB" dirty="0"/>
+          </a:p>
+          <a:p>
+            <a:pPr rtl="0"/>
+            <a:endParaRPr lang="en-GB" dirty="0"/>
+          </a:p>
+        </p:txBody>
+      </p:sp>
+      <p:sp>
+        <p:nvSpPr>
+          <p:cNvPr id="4" name="Slide Number Placeholder 3">
+            <a:extLst>
+              <a:ext uri="{FF2B5EF4-FFF2-40B4-BE49-F238E27FC236}">
+                <a16:creationId xmlns:a16="http://schemas.microsoft.com/office/drawing/2014/main" id="{B1D2E4F6-886A-159D-A1DD-FE9ECAE2C6DC}"/>
+              </a:ext>
+            </a:extLst>
+          </p:cNvPr>
+          <p:cNvSpPr>
+            <a:spLocks noGrp="1"/>
+          </p:cNvSpPr>
+          <p:nvPr>
+            <p:ph type="sldNum" sz="quarter" idx="10"/>
+          </p:nvPr>
+        </p:nvSpPr>
+        <p:spPr/>
+        <p:txBody>
+          <a:bodyPr rtlCol="0"/>
+          <a:lstStyle/>
+          <a:p>
+            <a:pPr rtl="0"/>
+            <a:fld id="{CF2FD335-6D8E-486A-8F5F-DFC7325903FF}" type="slidenum">
+              <a:rPr lang="en-GB" smtClean="0"/>
+              <a:t>18</a:t>
+            </a:fld>
+            <a:endParaRPr lang="en-GB" dirty="0"/>
+          </a:p>
+        </p:txBody>
+      </p:sp>
+    </p:spTree>
+    <p:extLst>
+      <p:ext uri="{BB962C8B-B14F-4D97-AF65-F5344CB8AC3E}">
+        <p14:creationId xmlns:p14="http://schemas.microsoft.com/office/powerpoint/2010/main" val="571488356"/>
+      </p:ext>
+    </p:extLst>
+  </p:cSld>
+  <p:clrMapOvr>
+    <a:masterClrMapping/>
+  </p:clrMapOvr>
+</p:notes>
+</file>
+
+<file path=ppt/notesSlides/notesSlide8.xml><?xml version="1.0" encoding="utf-8"?>
 <p:notes xmlns:a="http://schemas.openxmlformats.org/drawingml/2006/main" xmlns:r="http://schemas.openxmlformats.org/officeDocument/2006/relationships" xmlns:p="http://schemas.openxmlformats.org/presentationml/2006/main">
   <p:cSld>
     <p:spTree>
@@ -11228,7 +11856,7 @@
             <a:pPr rtl="0"/>
             <a:fld id="{32674CE4-FBD8-4481-AEFB-CA53E599A745}" type="slidenum">
               <a:rPr lang="en-GB" smtClean="0"/>
-              <a:t>9</a:t>
+              <a:t>19</a:t>
             </a:fld>
             <a:endParaRPr lang="en-GB" dirty="0"/>
           </a:p>
@@ -11843,6 +12471,679 @@
       </p:transition>
     </mc:Fallback>
   </mc:AlternateContent>
+</p:sldLayout>
+</file>
+
+<file path=ppt/slideLayouts/slideLayout12.xml><?xml version="1.0" encoding="utf-8"?>
+<p:sldLayout xmlns:a="http://schemas.openxmlformats.org/drawingml/2006/main" xmlns:r="http://schemas.openxmlformats.org/officeDocument/2006/relationships" xmlns:p="http://schemas.openxmlformats.org/presentationml/2006/main" userDrawn="1">
+  <p:cSld name="Introduction">
+    <p:spTree>
+      <p:nvGrpSpPr>
+        <p:cNvPr id="1" name=""/>
+        <p:cNvGrpSpPr/>
+        <p:nvPr/>
+      </p:nvGrpSpPr>
+      <p:grpSpPr>
+        <a:xfrm>
+          <a:off x="0" y="0"/>
+          <a:ext cx="0" cy="0"/>
+          <a:chOff x="0" y="0"/>
+          <a:chExt cx="0" cy="0"/>
+        </a:xfrm>
+      </p:grpSpPr>
+      <p:grpSp>
+        <p:nvGrpSpPr>
+          <p:cNvPr id="13" name="Group 12">
+            <a:extLst>
+              <a:ext uri="{FF2B5EF4-FFF2-40B4-BE49-F238E27FC236}">
+                <a16:creationId xmlns:a16="http://schemas.microsoft.com/office/drawing/2014/main" id="{C82066DD-D313-D148-89C7-338EB873A730}"/>
+              </a:ext>
+            </a:extLst>
+          </p:cNvPr>
+          <p:cNvGrpSpPr>
+            <a:grpSpLocks/>
+          </p:cNvGrpSpPr>
+          <p:nvPr userDrawn="1"/>
+        </p:nvGrpSpPr>
+        <p:grpSpPr bwMode="auto">
+          <a:xfrm rot="16200000" flipV="1">
+            <a:off x="0" y="3900132"/>
+            <a:ext cx="2959226" cy="2959226"/>
+            <a:chOff x="0" y="12289"/>
+            <a:chExt cx="3550" cy="3551"/>
+          </a:xfrm>
+        </p:grpSpPr>
+        <p:sp>
+          <p:nvSpPr>
+            <p:cNvPr id="15" name="Freeform 14">
+              <a:extLst>
+                <a:ext uri="{FF2B5EF4-FFF2-40B4-BE49-F238E27FC236}">
+                  <a16:creationId xmlns:a16="http://schemas.microsoft.com/office/drawing/2014/main" id="{A5BBD7C7-99D1-E841-A081-6912D1F2B855}"/>
+                </a:ext>
+              </a:extLst>
+            </p:cNvPr>
+            <p:cNvSpPr>
+              <a:spLocks/>
+            </p:cNvSpPr>
+            <p:nvPr/>
+          </p:nvSpPr>
+          <p:spPr bwMode="auto">
+            <a:xfrm>
+              <a:off x="0" y="12289"/>
+              <a:ext cx="1789" cy="2386"/>
+            </a:xfrm>
+            <a:custGeom>
+              <a:avLst/>
+              <a:gdLst>
+                <a:gd name="T0" fmla="*/ 0 w 1789"/>
+                <a:gd name="T1" fmla="+- 0 12290 12290"/>
+                <a:gd name="T2" fmla="*/ 12290 h 2386"/>
+                <a:gd name="T3" fmla="*/ 0 w 1789"/>
+                <a:gd name="T4" fmla="+- 0 13484 12290"/>
+                <a:gd name="T5" fmla="*/ 13484 h 2386"/>
+                <a:gd name="T6" fmla="*/ 1192 w 1789"/>
+                <a:gd name="T7" fmla="+- 0 14676 12290"/>
+                <a:gd name="T8" fmla="*/ 14676 h 2386"/>
+                <a:gd name="T9" fmla="*/ 1789 w 1789"/>
+                <a:gd name="T10" fmla="+- 0 14079 12290"/>
+                <a:gd name="T11" fmla="*/ 14079 h 2386"/>
+                <a:gd name="T12" fmla="*/ 0 w 1789"/>
+                <a:gd name="T13" fmla="+- 0 12290 12290"/>
+                <a:gd name="T14" fmla="*/ 12290 h 2386"/>
+              </a:gdLst>
+              <a:ahLst/>
+              <a:cxnLst>
+                <a:cxn ang="0">
+                  <a:pos x="T0" y="T2"/>
+                </a:cxn>
+                <a:cxn ang="0">
+                  <a:pos x="T3" y="T5"/>
+                </a:cxn>
+                <a:cxn ang="0">
+                  <a:pos x="T6" y="T8"/>
+                </a:cxn>
+                <a:cxn ang="0">
+                  <a:pos x="T9" y="T11"/>
+                </a:cxn>
+                <a:cxn ang="0">
+                  <a:pos x="T12" y="T14"/>
+                </a:cxn>
+              </a:cxnLst>
+              <a:rect l="0" t="0" r="r" b="b"/>
+              <a:pathLst>
+                <a:path w="1789" h="2386">
+                  <a:moveTo>
+                    <a:pt x="0" y="0"/>
+                  </a:moveTo>
+                  <a:lnTo>
+                    <a:pt x="0" y="1194"/>
+                  </a:lnTo>
+                  <a:lnTo>
+                    <a:pt x="1192" y="2386"/>
+                  </a:lnTo>
+                  <a:lnTo>
+                    <a:pt x="1789" y="1789"/>
+                  </a:lnTo>
+                  <a:lnTo>
+                    <a:pt x="0" y="0"/>
+                  </a:lnTo>
+                  <a:close/>
+                </a:path>
+              </a:pathLst>
+            </a:custGeom>
+            <a:solidFill>
+              <a:schemeClr val="accent6"/>
+            </a:solidFill>
+            <a:ln>
+              <a:noFill/>
+            </a:ln>
+            <a:extLst>
+              <a:ext uri="{91240B29-F687-4F45-9708-019B960494DF}">
+                <a14:hiddenLine xmlns:a14="http://schemas.microsoft.com/office/drawing/2010/main" w="9525">
+                  <a:solidFill>
+                    <a:srgbClr val="000000"/>
+                  </a:solidFill>
+                  <a:round/>
+                  <a:headEnd/>
+                  <a:tailEnd/>
+                </a14:hiddenLine>
+              </a:ext>
+            </a:extLst>
+          </p:spPr>
+          <p:txBody>
+            <a:bodyPr rot="0" vert="horz" wrap="square" lIns="91440" tIns="45720" rIns="91440" bIns="45720" rtlCol="0" anchor="t" anchorCtr="0" upright="1">
+              <a:noAutofit/>
+            </a:bodyPr>
+            <a:lstStyle/>
+            <a:p>
+              <a:pPr rtl="0"/>
+              <a:endParaRPr lang="en-GB" noProof="0" dirty="0"/>
+            </a:p>
+          </p:txBody>
+        </p:sp>
+        <p:sp>
+          <p:nvSpPr>
+            <p:cNvPr id="16" name="Freeform 15">
+              <a:extLst>
+                <a:ext uri="{FF2B5EF4-FFF2-40B4-BE49-F238E27FC236}">
+                  <a16:creationId xmlns:a16="http://schemas.microsoft.com/office/drawing/2014/main" id="{227A14EE-CB79-754A-8B19-EB9874B3158E}"/>
+                </a:ext>
+              </a:extLst>
+            </p:cNvPr>
+            <p:cNvSpPr>
+              <a:spLocks/>
+            </p:cNvSpPr>
+            <p:nvPr/>
+          </p:nvSpPr>
+          <p:spPr bwMode="auto">
+            <a:xfrm>
+              <a:off x="0" y="14678"/>
+              <a:ext cx="1162" cy="1162"/>
+            </a:xfrm>
+            <a:custGeom>
+              <a:avLst/>
+              <a:gdLst>
+                <a:gd name="T0" fmla="*/ 0 w 1162"/>
+                <a:gd name="T1" fmla="+- 0 14679 14679"/>
+                <a:gd name="T2" fmla="*/ 14679 h 1162"/>
+                <a:gd name="T3" fmla="*/ 0 w 1162"/>
+                <a:gd name="T4" fmla="+- 0 15840 14679"/>
+                <a:gd name="T5" fmla="*/ 15840 h 1162"/>
+                <a:gd name="T6" fmla="*/ 1161 w 1162"/>
+                <a:gd name="T7" fmla="+- 0 15840 14679"/>
+                <a:gd name="T8" fmla="*/ 15840 h 1162"/>
+                <a:gd name="T9" fmla="*/ 0 w 1162"/>
+                <a:gd name="T10" fmla="+- 0 14679 14679"/>
+                <a:gd name="T11" fmla="*/ 14679 h 1162"/>
+              </a:gdLst>
+              <a:ahLst/>
+              <a:cxnLst>
+                <a:cxn ang="0">
+                  <a:pos x="T0" y="T2"/>
+                </a:cxn>
+                <a:cxn ang="0">
+                  <a:pos x="T3" y="T5"/>
+                </a:cxn>
+                <a:cxn ang="0">
+                  <a:pos x="T6" y="T8"/>
+                </a:cxn>
+                <a:cxn ang="0">
+                  <a:pos x="T9" y="T11"/>
+                </a:cxn>
+              </a:cxnLst>
+              <a:rect l="0" t="0" r="r" b="b"/>
+              <a:pathLst>
+                <a:path w="1162" h="1162">
+                  <a:moveTo>
+                    <a:pt x="0" y="0"/>
+                  </a:moveTo>
+                  <a:lnTo>
+                    <a:pt x="0" y="1161"/>
+                  </a:lnTo>
+                  <a:lnTo>
+                    <a:pt x="1161" y="1161"/>
+                  </a:lnTo>
+                  <a:lnTo>
+                    <a:pt x="0" y="0"/>
+                  </a:lnTo>
+                  <a:close/>
+                </a:path>
+              </a:pathLst>
+            </a:custGeom>
+            <a:solidFill>
+              <a:schemeClr val="tx2"/>
+            </a:solidFill>
+            <a:ln>
+              <a:noFill/>
+            </a:ln>
+            <a:extLst>
+              <a:ext uri="{91240B29-F687-4F45-9708-019B960494DF}">
+                <a14:hiddenLine xmlns:a14="http://schemas.microsoft.com/office/drawing/2010/main" w="9525">
+                  <a:solidFill>
+                    <a:srgbClr val="000000"/>
+                  </a:solidFill>
+                  <a:round/>
+                  <a:headEnd/>
+                  <a:tailEnd/>
+                </a14:hiddenLine>
+              </a:ext>
+            </a:extLst>
+          </p:spPr>
+          <p:txBody>
+            <a:bodyPr rot="0" vert="horz" wrap="square" lIns="91440" tIns="45720" rIns="91440" bIns="45720" rtlCol="0" anchor="t" anchorCtr="0" upright="1">
+              <a:noAutofit/>
+            </a:bodyPr>
+            <a:lstStyle/>
+            <a:p>
+              <a:pPr rtl="0"/>
+              <a:endParaRPr lang="en-GB" noProof="0" dirty="0"/>
+            </a:p>
+          </p:txBody>
+        </p:sp>
+        <p:sp>
+          <p:nvSpPr>
+            <p:cNvPr id="19" name="Freeform 18">
+              <a:extLst>
+                <a:ext uri="{FF2B5EF4-FFF2-40B4-BE49-F238E27FC236}">
+                  <a16:creationId xmlns:a16="http://schemas.microsoft.com/office/drawing/2014/main" id="{35B38B80-C3D3-4C47-B468-C41A8FF36F2A}"/>
+                </a:ext>
+              </a:extLst>
+            </p:cNvPr>
+            <p:cNvSpPr>
+              <a:spLocks/>
+            </p:cNvSpPr>
+            <p:nvPr/>
+          </p:nvSpPr>
+          <p:spPr bwMode="auto">
+            <a:xfrm>
+              <a:off x="1221" y="14675"/>
+              <a:ext cx="2329" cy="1165"/>
+            </a:xfrm>
+            <a:custGeom>
+              <a:avLst/>
+              <a:gdLst>
+                <a:gd name="T0" fmla="+- 0 3550 1221"/>
+                <a:gd name="T1" fmla="*/ T0 w 2329"/>
+                <a:gd name="T2" fmla="+- 0 15840 14676"/>
+                <a:gd name="T3" fmla="*/ 15840 h 1165"/>
+                <a:gd name="T4" fmla="+- 0 2386 1221"/>
+                <a:gd name="T5" fmla="*/ T4 w 2329"/>
+                <a:gd name="T6" fmla="+- 0 14676 14676"/>
+                <a:gd name="T7" fmla="*/ 14676 h 1165"/>
+                <a:gd name="T8" fmla="+- 0 1221 1221"/>
+                <a:gd name="T9" fmla="*/ T8 w 2329"/>
+                <a:gd name="T10" fmla="+- 0 15840 14676"/>
+                <a:gd name="T11" fmla="*/ 15840 h 1165"/>
+                <a:gd name="T12" fmla="+- 0 3550 1221"/>
+                <a:gd name="T13" fmla="*/ T12 w 2329"/>
+                <a:gd name="T14" fmla="+- 0 15840 14676"/>
+                <a:gd name="T15" fmla="*/ 15840 h 1165"/>
+              </a:gdLst>
+              <a:ahLst/>
+              <a:cxnLst>
+                <a:cxn ang="0">
+                  <a:pos x="T1" y="T3"/>
+                </a:cxn>
+                <a:cxn ang="0">
+                  <a:pos x="T5" y="T7"/>
+                </a:cxn>
+                <a:cxn ang="0">
+                  <a:pos x="T9" y="T11"/>
+                </a:cxn>
+                <a:cxn ang="0">
+                  <a:pos x="T13" y="T15"/>
+                </a:cxn>
+              </a:cxnLst>
+              <a:rect l="0" t="0" r="r" b="b"/>
+              <a:pathLst>
+                <a:path w="2329" h="1165">
+                  <a:moveTo>
+                    <a:pt x="2329" y="1164"/>
+                  </a:moveTo>
+                  <a:lnTo>
+                    <a:pt x="1165" y="0"/>
+                  </a:lnTo>
+                  <a:lnTo>
+                    <a:pt x="0" y="1164"/>
+                  </a:lnTo>
+                  <a:lnTo>
+                    <a:pt x="2329" y="1164"/>
+                  </a:lnTo>
+                </a:path>
+              </a:pathLst>
+            </a:custGeom>
+            <a:solidFill>
+              <a:schemeClr val="accent3"/>
+            </a:solidFill>
+            <a:ln>
+              <a:noFill/>
+            </a:ln>
+            <a:extLst>
+              <a:ext uri="{91240B29-F687-4F45-9708-019B960494DF}">
+                <a14:hiddenLine xmlns:a14="http://schemas.microsoft.com/office/drawing/2010/main" w="9525">
+                  <a:solidFill>
+                    <a:srgbClr val="000000"/>
+                  </a:solidFill>
+                  <a:round/>
+                  <a:headEnd/>
+                  <a:tailEnd/>
+                </a14:hiddenLine>
+              </a:ext>
+            </a:extLst>
+          </p:spPr>
+          <p:txBody>
+            <a:bodyPr rot="0" vert="horz" wrap="square" lIns="91440" tIns="45720" rIns="91440" bIns="45720" rtlCol="0" anchor="t" anchorCtr="0" upright="1">
+              <a:noAutofit/>
+            </a:bodyPr>
+            <a:lstStyle/>
+            <a:p>
+              <a:pPr rtl="0"/>
+              <a:endParaRPr lang="en-GB" noProof="0" dirty="0"/>
+            </a:p>
+          </p:txBody>
+        </p:sp>
+      </p:grpSp>
+      <p:sp>
+        <p:nvSpPr>
+          <p:cNvPr id="14" name="Picture Placeholder 2">
+            <a:extLst>
+              <a:ext uri="{FF2B5EF4-FFF2-40B4-BE49-F238E27FC236}">
+                <a16:creationId xmlns:a16="http://schemas.microsoft.com/office/drawing/2014/main" id="{F0C4E8C2-3240-594A-9D5E-1BCD1AF44C5E}"/>
+              </a:ext>
+            </a:extLst>
+          </p:cNvPr>
+          <p:cNvSpPr>
+            <a:spLocks noGrp="1"/>
+          </p:cNvSpPr>
+          <p:nvPr>
+            <p:ph type="pic" sz="quarter" idx="13"/>
+          </p:nvPr>
+        </p:nvSpPr>
+        <p:spPr>
+          <a:xfrm>
+            <a:off x="6096000" y="-22543"/>
+            <a:ext cx="6096000" cy="6903086"/>
+          </a:xfrm>
+        </p:spPr>
+        <p:txBody>
+          <a:bodyPr rtlCol="0"/>
+          <a:lstStyle/>
+          <a:p>
+            <a:pPr rtl="0"/>
+            <a:r>
+              <a:rPr lang="en-US" noProof="0"/>
+              <a:t>Click icon to add picture</a:t>
+            </a:r>
+            <a:endParaRPr lang="en-GB" noProof="0" dirty="0"/>
+          </a:p>
+        </p:txBody>
+      </p:sp>
+      <p:sp>
+        <p:nvSpPr>
+          <p:cNvPr id="9" name="Title 1">
+            <a:extLst>
+              <a:ext uri="{FF2B5EF4-FFF2-40B4-BE49-F238E27FC236}">
+                <a16:creationId xmlns:a16="http://schemas.microsoft.com/office/drawing/2014/main" id="{A5C37098-CEB2-1E45-989B-3DD92F3B1A30}"/>
+              </a:ext>
+            </a:extLst>
+          </p:cNvPr>
+          <p:cNvSpPr>
+            <a:spLocks noGrp="1"/>
+          </p:cNvSpPr>
+          <p:nvPr>
+            <p:ph type="title"/>
+          </p:nvPr>
+        </p:nvSpPr>
+        <p:spPr>
+          <a:xfrm>
+            <a:off x="964023" y="879063"/>
+            <a:ext cx="4941477" cy="610863"/>
+          </a:xfrm>
+          <a:prstGeom prst="rect">
+            <a:avLst/>
+          </a:prstGeom>
+        </p:spPr>
+        <p:txBody>
+          <a:bodyPr lIns="0" tIns="0" rIns="0" bIns="0" rtlCol="0" anchor="b" anchorCtr="0">
+            <a:normAutofit/>
+          </a:bodyPr>
+          <a:lstStyle>
+            <a:lvl1pPr>
+              <a:defRPr sz="4400" b="1" i="0">
+                <a:latin typeface="+mj-lt"/>
+              </a:defRPr>
+            </a:lvl1pPr>
+          </a:lstStyle>
+          <a:p>
+            <a:pPr rtl="0"/>
+            <a:r>
+              <a:rPr lang="en-US" noProof="0"/>
+              <a:t>Click to edit Master title style</a:t>
+            </a:r>
+            <a:endParaRPr lang="en-GB" noProof="0" dirty="0"/>
+          </a:p>
+        </p:txBody>
+      </p:sp>
+      <p:cxnSp>
+        <p:nvCxnSpPr>
+          <p:cNvPr id="17" name="Straight Connector 16">
+            <a:extLst>
+              <a:ext uri="{FF2B5EF4-FFF2-40B4-BE49-F238E27FC236}">
+                <a16:creationId xmlns:a16="http://schemas.microsoft.com/office/drawing/2014/main" id="{1D23F761-57FC-3649-AE84-0C3EF95EF561}"/>
+              </a:ext>
+            </a:extLst>
+          </p:cNvPr>
+          <p:cNvCxnSpPr>
+            <a:cxnSpLocks/>
+          </p:cNvCxnSpPr>
+          <p:nvPr userDrawn="1"/>
+        </p:nvCxnSpPr>
+        <p:spPr>
+          <a:xfrm>
+            <a:off x="952500" y="1939108"/>
+            <a:ext cx="2133600" cy="3992"/>
+          </a:xfrm>
+          <a:prstGeom prst="line">
+            <a:avLst/>
+          </a:prstGeom>
+          <a:ln w="101600">
+            <a:solidFill>
+              <a:schemeClr val="tx2"/>
+            </a:solidFill>
+          </a:ln>
+        </p:spPr>
+        <p:style>
+          <a:lnRef idx="1">
+            <a:schemeClr val="dk1"/>
+          </a:lnRef>
+          <a:fillRef idx="0">
+            <a:schemeClr val="dk1"/>
+          </a:fillRef>
+          <a:effectRef idx="0">
+            <a:schemeClr val="dk1"/>
+          </a:effectRef>
+          <a:fontRef idx="minor">
+            <a:schemeClr val="tx1"/>
+          </a:fontRef>
+        </p:style>
+      </p:cxnSp>
+      <p:sp>
+        <p:nvSpPr>
+          <p:cNvPr id="18" name="Text Placeholder 29">
+            <a:extLst>
+              <a:ext uri="{FF2B5EF4-FFF2-40B4-BE49-F238E27FC236}">
+                <a16:creationId xmlns:a16="http://schemas.microsoft.com/office/drawing/2014/main" id="{E66F2BC9-2F8A-1543-9AFD-9BAB0E75B31C}"/>
+              </a:ext>
+            </a:extLst>
+          </p:cNvPr>
+          <p:cNvSpPr>
+            <a:spLocks noGrp="1"/>
+          </p:cNvSpPr>
+          <p:nvPr>
+            <p:ph type="body" sz="quarter" idx="11"/>
+          </p:nvPr>
+        </p:nvSpPr>
+        <p:spPr>
+          <a:xfrm>
+            <a:off x="952499" y="2289363"/>
+            <a:ext cx="4572001" cy="2795232"/>
+          </a:xfrm>
+        </p:spPr>
+        <p:txBody>
+          <a:bodyPr lIns="0" tIns="0" rIns="0" bIns="0" rtlCol="0">
+            <a:noAutofit/>
+          </a:bodyPr>
+          <a:lstStyle>
+            <a:lvl1pPr marL="0" indent="0">
+              <a:lnSpc>
+                <a:spcPct val="100000"/>
+              </a:lnSpc>
+              <a:buNone/>
+              <a:defRPr sz="1600" b="0" i="0">
+                <a:solidFill>
+                  <a:schemeClr val="bg1"/>
+                </a:solidFill>
+                <a:latin typeface="+mn-lt"/>
+              </a:defRPr>
+            </a:lvl1pPr>
+            <a:lvl2pPr>
+              <a:defRPr sz="4000"/>
+            </a:lvl2pPr>
+            <a:lvl3pPr>
+              <a:defRPr sz="4000"/>
+            </a:lvl3pPr>
+            <a:lvl4pPr>
+              <a:defRPr sz="4000"/>
+            </a:lvl4pPr>
+            <a:lvl5pPr>
+              <a:defRPr sz="4000"/>
+            </a:lvl5pPr>
+          </a:lstStyle>
+          <a:p>
+            <a:pPr lvl="0" rtl="0"/>
+            <a:r>
+              <a:rPr lang="en-US" noProof="0"/>
+              <a:t>Click to edit Master text styles</a:t>
+            </a:r>
+          </a:p>
+        </p:txBody>
+      </p:sp>
+      <p:sp>
+        <p:nvSpPr>
+          <p:cNvPr id="2" name="Date Placeholder 1">
+            <a:extLst>
+              <a:ext uri="{FF2B5EF4-FFF2-40B4-BE49-F238E27FC236}">
+                <a16:creationId xmlns:a16="http://schemas.microsoft.com/office/drawing/2014/main" id="{CA64E0B3-57C5-4DAF-8531-F39610E77C09}"/>
+              </a:ext>
+            </a:extLst>
+          </p:cNvPr>
+          <p:cNvSpPr>
+            <a:spLocks noGrp="1"/>
+          </p:cNvSpPr>
+          <p:nvPr>
+            <p:ph type="dt" sz="half" idx="14"/>
+          </p:nvPr>
+        </p:nvSpPr>
+        <p:spPr/>
+        <p:txBody>
+          <a:bodyPr rtlCol="0"/>
+          <a:lstStyle/>
+          <a:p>
+            <a:pPr rtl="0"/>
+            <a:fld id="{94200668-9301-4F8B-89F3-A4E2AEA80049}" type="datetime3">
+              <a:rPr lang="en-GB" noProof="0" smtClean="0">
+                <a:latin typeface="+mn-lt"/>
+              </a:rPr>
+              <a:t>2 October, 2025</a:t>
+            </a:fld>
+            <a:endParaRPr lang="en-GB" noProof="0" dirty="0">
+              <a:latin typeface="+mn-lt"/>
+            </a:endParaRPr>
+          </a:p>
+        </p:txBody>
+      </p:sp>
+      <p:sp>
+        <p:nvSpPr>
+          <p:cNvPr id="3" name="Footer Placeholder 2">
+            <a:extLst>
+              <a:ext uri="{FF2B5EF4-FFF2-40B4-BE49-F238E27FC236}">
+                <a16:creationId xmlns:a16="http://schemas.microsoft.com/office/drawing/2014/main" id="{B7E0EC46-C626-4D58-AB64-0B3B850D1482}"/>
+              </a:ext>
+            </a:extLst>
+          </p:cNvPr>
+          <p:cNvSpPr>
+            <a:spLocks noGrp="1"/>
+          </p:cNvSpPr>
+          <p:nvPr>
+            <p:ph type="ftr" sz="quarter" idx="15"/>
+          </p:nvPr>
+        </p:nvSpPr>
+        <p:spPr/>
+        <p:txBody>
+          <a:bodyPr rtlCol="0"/>
+          <a:lstStyle/>
+          <a:p>
+            <a:pPr rtl="0"/>
+            <a:r>
+              <a:rPr lang="en-GB" noProof="0" dirty="0"/>
+              <a:t>Annual Review</a:t>
+            </a:r>
+            <a:endParaRPr lang="en-GB" b="0" noProof="0" dirty="0"/>
+          </a:p>
+        </p:txBody>
+      </p:sp>
+      <p:sp>
+        <p:nvSpPr>
+          <p:cNvPr id="4" name="Slide Number Placeholder 3">
+            <a:extLst>
+              <a:ext uri="{FF2B5EF4-FFF2-40B4-BE49-F238E27FC236}">
+                <a16:creationId xmlns:a16="http://schemas.microsoft.com/office/drawing/2014/main" id="{8F25D00C-8F5C-4528-87FA-F9431D967555}"/>
+              </a:ext>
+            </a:extLst>
+          </p:cNvPr>
+          <p:cNvSpPr>
+            <a:spLocks noGrp="1"/>
+          </p:cNvSpPr>
+          <p:nvPr>
+            <p:ph type="sldNum" sz="quarter" idx="16"/>
+          </p:nvPr>
+        </p:nvSpPr>
+        <p:spPr/>
+        <p:txBody>
+          <a:bodyPr rtlCol="0"/>
+          <a:lstStyle/>
+          <a:p>
+            <a:pPr rtl="0"/>
+            <a:fld id="{294A09A9-5501-47C1-A89A-A340965A2BE2}" type="slidenum">
+              <a:rPr lang="en-GB" noProof="0" smtClean="0"/>
+              <a:pPr/>
+              <a:t>‹#›</a:t>
+            </a:fld>
+            <a:endParaRPr lang="en-GB" noProof="0" dirty="0"/>
+          </a:p>
+        </p:txBody>
+      </p:sp>
+    </p:spTree>
+    <p:extLst>
+      <p:ext uri="{BB962C8B-B14F-4D97-AF65-F5344CB8AC3E}">
+        <p14:creationId xmlns:p14="http://schemas.microsoft.com/office/powerpoint/2010/main" val="3838894794"/>
+      </p:ext>
+    </p:extLst>
+  </p:cSld>
+  <p:clrMapOvr>
+    <a:masterClrMapping/>
+  </p:clrMapOvr>
+  <p:extLst>
+    <p:ext uri="{DCECCB84-F9BA-43D5-87BE-67443E8EF086}">
+      <p15:sldGuideLst xmlns:p15="http://schemas.microsoft.com/office/powerpoint/2012/main">
+        <p15:guide id="1" pos="600">
+          <p15:clr>
+            <a:srgbClr val="FBAE40"/>
+          </p15:clr>
+        </p15:guide>
+        <p15:guide id="6" pos="3480">
+          <p15:clr>
+            <a:srgbClr val="FBAE40"/>
+          </p15:clr>
+        </p15:guide>
+        <p15:guide id="7" orient="horz" pos="1440">
+          <p15:clr>
+            <a:srgbClr val="FBAE40"/>
+          </p15:clr>
+        </p15:guide>
+        <p15:guide id="9" orient="horz" pos="1224">
+          <p15:clr>
+            <a:srgbClr val="FBAE40"/>
+          </p15:clr>
+        </p15:guide>
+        <p15:guide id="10" orient="horz" pos="552">
+          <p15:clr>
+            <a:srgbClr val="FBAE40"/>
+          </p15:clr>
+        </p15:guide>
+      </p15:sldGuideLst>
+    </p:ext>
+  </p:extLst>
 </p:sldLayout>
 </file>
 
@@ -14039,6 +15340,7 @@
     <p:sldLayoutId id="2147483747" r:id="rId9"/>
     <p:sldLayoutId id="2147483748" r:id="rId10"/>
     <p:sldLayoutId id="2147483749" r:id="rId11"/>
+    <p:sldLayoutId id="2147483750" r:id="rId12"/>
   </p:sldLayoutIdLst>
   <mc:AlternateContent xmlns:mc="http://schemas.openxmlformats.org/markup-compatibility/2006" xmlns:p14="http://schemas.microsoft.com/office/powerpoint/2010/main">
     <mc:Choice Requires="p14">
@@ -14974,22 +16276,40 @@
         </p:spPr>
         <p:txBody>
           <a:bodyPr rtlCol="0" anchor="ctr">
-            <a:normAutofit/>
+            <a:normAutofit fontScale="92500" lnSpcReduction="20000"/>
           </a:bodyPr>
           <a:lstStyle/>
           <a:p>
             <a:pPr algn="l" rtl="0"/>
             <a:r>
-              <a:rPr lang="en-GB"/>
+              <a:rPr lang="en-GB" dirty="0"/>
               <a:t>Presented by</a:t>
             </a:r>
           </a:p>
           <a:p>
             <a:pPr algn="l"/>
             <a:r>
-              <a:rPr lang="en-GB"/>
+              <a:rPr lang="en-GB" dirty="0"/>
               <a:t>Group A: Jonathan C., Michael, Craig, Jo</a:t>
             </a:r>
+          </a:p>
+          <a:p>
+            <a:pPr algn="l"/>
+            <a:endParaRPr lang="en-GB" dirty="0"/>
+          </a:p>
+          <a:p>
+            <a:pPr algn="l"/>
+            <a:r>
+              <a:rPr lang="en-GB" dirty="0">
+                <a:hlinkClick r:id="rId3"/>
+              </a:rPr>
+              <a:t>https://github.com/DASHEYJ3/Module_6_ETL_GroupA.git</a:t>
+            </a:r>
+            <a:endParaRPr lang="en-GB" dirty="0"/>
+          </a:p>
+          <a:p>
+            <a:pPr algn="l"/>
+            <a:endParaRPr lang="en-GB" dirty="0"/>
           </a:p>
         </p:txBody>
       </p:sp>
@@ -15157,17 +16477,355 @@
 </p:sld>
 </file>
 
-<file path=ppt/slides/slide2.xml><?xml version="1.0" encoding="utf-8"?>
+<file path=ppt/slides/slide10.xml><?xml version="1.0" encoding="utf-8"?>
 <p:sld xmlns:a="http://schemas.openxmlformats.org/drawingml/2006/main" xmlns:r="http://schemas.openxmlformats.org/officeDocument/2006/relationships" xmlns:p="http://schemas.openxmlformats.org/presentationml/2006/main">
   <p:cSld>
-    <p:bg>
-      <p:bgPr>
-        <a:solidFill>
-          <a:schemeClr val="bg1"/>
-        </a:solidFill>
-        <a:effectLst/>
-      </p:bgPr>
-    </p:bg>
+    <p:spTree>
+      <p:nvGrpSpPr>
+        <p:cNvPr id="1" name="">
+          <a:extLst>
+            <a:ext uri="{FF2B5EF4-FFF2-40B4-BE49-F238E27FC236}">
+              <a16:creationId xmlns:a16="http://schemas.microsoft.com/office/drawing/2014/main" id="{FE35EB3A-FDC4-4AF8-9B01-E0BE49E107EA}"/>
+            </a:ext>
+          </a:extLst>
+        </p:cNvPr>
+        <p:cNvGrpSpPr/>
+        <p:nvPr/>
+      </p:nvGrpSpPr>
+      <p:grpSpPr>
+        <a:xfrm>
+          <a:off x="0" y="0"/>
+          <a:ext cx="0" cy="0"/>
+          <a:chOff x="0" y="0"/>
+          <a:chExt cx="0" cy="0"/>
+        </a:xfrm>
+      </p:grpSpPr>
+      <p:sp>
+        <p:nvSpPr>
+          <p:cNvPr id="3" name="Title 2">
+            <a:extLst>
+              <a:ext uri="{FF2B5EF4-FFF2-40B4-BE49-F238E27FC236}">
+                <a16:creationId xmlns:a16="http://schemas.microsoft.com/office/drawing/2014/main" id="{A0A90CB3-99CA-F05B-6216-780DF19D3BF5}"/>
+              </a:ext>
+            </a:extLst>
+          </p:cNvPr>
+          <p:cNvSpPr>
+            <a:spLocks noGrp="1"/>
+          </p:cNvSpPr>
+          <p:nvPr>
+            <p:ph type="title"/>
+          </p:nvPr>
+        </p:nvSpPr>
+        <p:spPr/>
+        <p:txBody>
+          <a:bodyPr/>
+          <a:lstStyle/>
+          <a:p>
+            <a:r>
+              <a:rPr lang="en-GB" dirty="0"/>
+              <a:t>Implementation</a:t>
+            </a:r>
+          </a:p>
+        </p:txBody>
+      </p:sp>
+      <p:sp>
+        <p:nvSpPr>
+          <p:cNvPr id="5" name="Date Placeholder 4">
+            <a:extLst>
+              <a:ext uri="{FF2B5EF4-FFF2-40B4-BE49-F238E27FC236}">
+                <a16:creationId xmlns:a16="http://schemas.microsoft.com/office/drawing/2014/main" id="{555E893F-B6FE-0DD6-6CC8-2BC208C508AE}"/>
+              </a:ext>
+            </a:extLst>
+          </p:cNvPr>
+          <p:cNvSpPr>
+            <a:spLocks noGrp="1"/>
+          </p:cNvSpPr>
+          <p:nvPr>
+            <p:ph type="dt" sz="half" idx="14"/>
+          </p:nvPr>
+        </p:nvSpPr>
+        <p:spPr>
+          <a:xfrm>
+            <a:off x="826436" y="1588169"/>
+            <a:ext cx="7355038" cy="256397"/>
+          </a:xfrm>
+        </p:spPr>
+        <p:txBody>
+          <a:bodyPr/>
+          <a:lstStyle/>
+          <a:p>
+            <a:pPr rtl="0"/>
+            <a:r>
+              <a:rPr lang="en-GB" noProof="0" dirty="0">
+                <a:latin typeface="+mn-lt"/>
+              </a:rPr>
+              <a:t>Dependencies are defined and everything is visual within Databricks </a:t>
+            </a:r>
+          </a:p>
+        </p:txBody>
+      </p:sp>
+      <p:pic>
+        <p:nvPicPr>
+          <p:cNvPr id="4" name="Picture 3">
+            <a:extLst>
+              <a:ext uri="{FF2B5EF4-FFF2-40B4-BE49-F238E27FC236}">
+                <a16:creationId xmlns:a16="http://schemas.microsoft.com/office/drawing/2014/main" id="{6329FF93-43FA-79C0-D69E-4B8CFBE20FE7}"/>
+              </a:ext>
+            </a:extLst>
+          </p:cNvPr>
+          <p:cNvPicPr>
+            <a:picLocks noChangeAspect="1"/>
+          </p:cNvPicPr>
+          <p:nvPr/>
+        </p:nvPicPr>
+        <p:blipFill>
+          <a:blip r:embed="rId2"/>
+          <a:stretch>
+            <a:fillRect/>
+          </a:stretch>
+        </p:blipFill>
+        <p:spPr>
+          <a:xfrm>
+            <a:off x="808887" y="2273910"/>
+            <a:ext cx="7497715" cy="3917725"/>
+          </a:xfrm>
+          <a:prstGeom prst="rect">
+            <a:avLst/>
+          </a:prstGeom>
+        </p:spPr>
+      </p:pic>
+    </p:spTree>
+    <p:extLst>
+      <p:ext uri="{BB962C8B-B14F-4D97-AF65-F5344CB8AC3E}">
+        <p14:creationId xmlns:p14="http://schemas.microsoft.com/office/powerpoint/2010/main" val="193755343"/>
+      </p:ext>
+    </p:extLst>
+  </p:cSld>
+  <p:clrMapOvr>
+    <a:masterClrMapping/>
+  </p:clrMapOvr>
+</p:sld>
+</file>
+
+<file path=ppt/slides/slide11.xml><?xml version="1.0" encoding="utf-8"?>
+<p:sld xmlns:a="http://schemas.openxmlformats.org/drawingml/2006/main" xmlns:r="http://schemas.openxmlformats.org/officeDocument/2006/relationships" xmlns:p="http://schemas.openxmlformats.org/presentationml/2006/main">
+  <p:cSld>
+    <p:spTree>
+      <p:nvGrpSpPr>
+        <p:cNvPr id="1" name="">
+          <a:extLst>
+            <a:ext uri="{FF2B5EF4-FFF2-40B4-BE49-F238E27FC236}">
+              <a16:creationId xmlns:a16="http://schemas.microsoft.com/office/drawing/2014/main" id="{ED2115D7-DC1A-25B4-17D8-37E121BA470A}"/>
+            </a:ext>
+          </a:extLst>
+        </p:cNvPr>
+        <p:cNvGrpSpPr/>
+        <p:nvPr/>
+      </p:nvGrpSpPr>
+      <p:grpSpPr>
+        <a:xfrm>
+          <a:off x="0" y="0"/>
+          <a:ext cx="0" cy="0"/>
+          <a:chOff x="0" y="0"/>
+          <a:chExt cx="0" cy="0"/>
+        </a:xfrm>
+      </p:grpSpPr>
+      <p:sp>
+        <p:nvSpPr>
+          <p:cNvPr id="3" name="Title 2">
+            <a:extLst>
+              <a:ext uri="{FF2B5EF4-FFF2-40B4-BE49-F238E27FC236}">
+                <a16:creationId xmlns:a16="http://schemas.microsoft.com/office/drawing/2014/main" id="{BDFD3297-06E6-4119-4620-144BF517F1FD}"/>
+              </a:ext>
+            </a:extLst>
+          </p:cNvPr>
+          <p:cNvSpPr>
+            <a:spLocks noGrp="1"/>
+          </p:cNvSpPr>
+          <p:nvPr>
+            <p:ph type="title"/>
+          </p:nvPr>
+        </p:nvSpPr>
+        <p:spPr>
+          <a:xfrm>
+            <a:off x="643556" y="500690"/>
+            <a:ext cx="4941477" cy="610863"/>
+          </a:xfrm>
+        </p:spPr>
+        <p:txBody>
+          <a:bodyPr/>
+          <a:lstStyle/>
+          <a:p>
+            <a:r>
+              <a:rPr lang="en-GB" dirty="0"/>
+              <a:t>Implementation</a:t>
+            </a:r>
+          </a:p>
+        </p:txBody>
+      </p:sp>
+      <p:sp>
+        <p:nvSpPr>
+          <p:cNvPr id="5" name="Date Placeholder 4">
+            <a:extLst>
+              <a:ext uri="{FF2B5EF4-FFF2-40B4-BE49-F238E27FC236}">
+                <a16:creationId xmlns:a16="http://schemas.microsoft.com/office/drawing/2014/main" id="{860117F9-2ACA-B014-ED87-21008A29A3BC}"/>
+              </a:ext>
+            </a:extLst>
+          </p:cNvPr>
+          <p:cNvSpPr>
+            <a:spLocks noGrp="1"/>
+          </p:cNvSpPr>
+          <p:nvPr>
+            <p:ph type="dt" sz="half" idx="14"/>
+          </p:nvPr>
+        </p:nvSpPr>
+        <p:spPr>
+          <a:xfrm>
+            <a:off x="643556" y="1773621"/>
+            <a:ext cx="10352892" cy="740978"/>
+          </a:xfrm>
+        </p:spPr>
+        <p:txBody>
+          <a:bodyPr/>
+          <a:lstStyle/>
+          <a:p>
+            <a:pPr rtl="0"/>
+            <a:r>
+              <a:rPr lang="en-GB" noProof="0" dirty="0">
+                <a:latin typeface="+mn-lt"/>
+              </a:rPr>
+              <a:t>Classifications can be seen in the </a:t>
+            </a:r>
+            <a:r>
+              <a:rPr lang="en-GB" noProof="0" dirty="0" err="1">
+                <a:latin typeface="+mn-lt"/>
+              </a:rPr>
+              <a:t>databricks</a:t>
+            </a:r>
+            <a:r>
+              <a:rPr lang="en-GB" noProof="0" dirty="0">
+                <a:latin typeface="+mn-lt"/>
+              </a:rPr>
+              <a:t> unity catalogue and tags are applied which show categorisation and you can also see that the column is masked</a:t>
+            </a:r>
+          </a:p>
+          <a:p>
+            <a:pPr rtl="0"/>
+            <a:endParaRPr lang="en-GB" noProof="0" dirty="0">
+              <a:latin typeface="+mn-lt"/>
+            </a:endParaRPr>
+          </a:p>
+          <a:p>
+            <a:pPr rtl="0"/>
+            <a:endParaRPr lang="en-GB" noProof="0" dirty="0">
+              <a:latin typeface="+mn-lt"/>
+            </a:endParaRPr>
+          </a:p>
+          <a:p>
+            <a:pPr rtl="0"/>
+            <a:r>
+              <a:rPr lang="en-GB" b="1" noProof="0" dirty="0">
+                <a:latin typeface="+mn-lt"/>
+              </a:rPr>
+              <a:t>Bronze											Silver (inherited)								</a:t>
+            </a:r>
+          </a:p>
+          <a:p>
+            <a:pPr rtl="0"/>
+            <a:endParaRPr lang="en-GB" noProof="0" dirty="0">
+              <a:latin typeface="+mn-lt"/>
+            </a:endParaRPr>
+          </a:p>
+          <a:p>
+            <a:pPr rtl="0"/>
+            <a:endParaRPr lang="en-GB" noProof="0" dirty="0">
+              <a:latin typeface="+mn-lt"/>
+            </a:endParaRPr>
+          </a:p>
+          <a:p>
+            <a:pPr rtl="0"/>
+            <a:endParaRPr lang="en-GB" noProof="0" dirty="0">
+              <a:latin typeface="+mn-lt"/>
+            </a:endParaRPr>
+          </a:p>
+        </p:txBody>
+      </p:sp>
+      <p:pic>
+        <p:nvPicPr>
+          <p:cNvPr id="6" name="Picture 5">
+            <a:extLst>
+              <a:ext uri="{FF2B5EF4-FFF2-40B4-BE49-F238E27FC236}">
+                <a16:creationId xmlns:a16="http://schemas.microsoft.com/office/drawing/2014/main" id="{6871C58A-24FE-B664-5DA2-B04E37C194F3}"/>
+              </a:ext>
+            </a:extLst>
+          </p:cNvPr>
+          <p:cNvPicPr>
+            <a:picLocks noChangeAspect="1"/>
+          </p:cNvPicPr>
+          <p:nvPr/>
+        </p:nvPicPr>
+        <p:blipFill>
+          <a:blip r:embed="rId2"/>
+          <a:stretch>
+            <a:fillRect/>
+          </a:stretch>
+        </p:blipFill>
+        <p:spPr>
+          <a:xfrm>
+            <a:off x="534691" y="2367814"/>
+            <a:ext cx="4610699" cy="4268804"/>
+          </a:xfrm>
+          <a:prstGeom prst="rect">
+            <a:avLst/>
+          </a:prstGeom>
+        </p:spPr>
+      </p:pic>
+      <p:pic>
+        <p:nvPicPr>
+          <p:cNvPr id="8" name="Picture 7">
+            <a:extLst>
+              <a:ext uri="{FF2B5EF4-FFF2-40B4-BE49-F238E27FC236}">
+                <a16:creationId xmlns:a16="http://schemas.microsoft.com/office/drawing/2014/main" id="{824BC85E-C449-4410-1235-1B6624EDB559}"/>
+              </a:ext>
+            </a:extLst>
+          </p:cNvPr>
+          <p:cNvPicPr>
+            <a:picLocks noChangeAspect="1"/>
+          </p:cNvPicPr>
+          <p:nvPr/>
+        </p:nvPicPr>
+        <p:blipFill>
+          <a:blip r:embed="rId3"/>
+          <a:stretch>
+            <a:fillRect/>
+          </a:stretch>
+        </p:blipFill>
+        <p:spPr>
+          <a:xfrm>
+            <a:off x="5491050" y="2261937"/>
+            <a:ext cx="5718079" cy="4596063"/>
+          </a:xfrm>
+          <a:prstGeom prst="rect">
+            <a:avLst/>
+          </a:prstGeom>
+        </p:spPr>
+      </p:pic>
+    </p:spTree>
+    <p:extLst>
+      <p:ext uri="{BB962C8B-B14F-4D97-AF65-F5344CB8AC3E}">
+        <p14:creationId xmlns:p14="http://schemas.microsoft.com/office/powerpoint/2010/main" val="1344706795"/>
+      </p:ext>
+    </p:extLst>
+  </p:cSld>
+  <p:clrMapOvr>
+    <a:masterClrMapping/>
+  </p:clrMapOvr>
+</p:sld>
+</file>
+
+<file path=ppt/slides/slide12.xml><?xml version="1.0" encoding="utf-8"?>
+<p:sld xmlns:a="http://schemas.openxmlformats.org/drawingml/2006/main" xmlns:r="http://schemas.openxmlformats.org/officeDocument/2006/relationships" xmlns:p="http://schemas.openxmlformats.org/presentationml/2006/main">
+  <p:cSld>
     <p:spTree>
       <p:nvGrpSpPr>
         <p:cNvPr id="1" name=""/>
@@ -15182,311 +16840,15 @@
           <a:chExt cx="0" cy="0"/>
         </a:xfrm>
       </p:grpSpPr>
-      <p:sp useBgFill="1">
+      <p:sp>
         <p:nvSpPr>
-          <p:cNvPr id="45" name="Rectangle 44">
+          <p:cNvPr id="3" name="Title 2">
             <a:extLst>
               <a:ext uri="{FF2B5EF4-FFF2-40B4-BE49-F238E27FC236}">
-                <a16:creationId xmlns:a16="http://schemas.microsoft.com/office/drawing/2014/main" id="{BACC6370-2D7E-4714-9D71-7542949D7D5D}"/>
-              </a:ext>
-              <a:ext uri="{C183D7F6-B498-43B3-948B-1728B52AA6E4}">
-                <adec:decorative xmlns:adec="http://schemas.microsoft.com/office/drawing/2017/decorative" val="1"/>
+                <a16:creationId xmlns:a16="http://schemas.microsoft.com/office/drawing/2014/main" id="{242E7916-DE8E-F0C9-4EAD-1F2D160CEBA5}"/>
               </a:ext>
             </a:extLst>
           </p:cNvPr>
-          <p:cNvSpPr>
-            <a:spLocks noGrp="1" noRot="1" noChangeAspect="1" noMove="1" noResize="1" noEditPoints="1" noAdjustHandles="1" noChangeArrowheads="1" noChangeShapeType="1" noTextEdit="1"/>
-          </p:cNvSpPr>
-          <p:nvPr>
-            <p:extLst>
-              <p:ext uri="{386F3935-93C4-4BCD-93E2-E3B085C9AB24}">
-                <p16:designElem xmlns:p16="http://schemas.microsoft.com/office/powerpoint/2015/main" val="1"/>
-              </p:ext>
-            </p:extLst>
-          </p:nvPr>
-        </p:nvSpPr>
-        <p:spPr>
-          <a:xfrm>
-            <a:off x="0" y="0"/>
-            <a:ext cx="12192000" cy="6858000"/>
-          </a:xfrm>
-          <a:prstGeom prst="rect">
-            <a:avLst/>
-          </a:prstGeom>
-          <a:ln w="12700" cap="flat" cmpd="sng" algn="ctr">
-            <a:noFill/>
-            <a:prstDash val="solid"/>
-            <a:miter lim="800000"/>
-          </a:ln>
-          <a:effectLst/>
-          <a:extLst>
-            <a:ext uri="{91240B29-F687-4F45-9708-019B960494DF}">
-              <a14:hiddenLine xmlns:a14="http://schemas.microsoft.com/office/drawing/2010/main" w="12700" cap="flat" cmpd="sng" algn="ctr">
-                <a:solidFill>
-                  <a:schemeClr val="accent1">
-                    <a:shade val="50000"/>
-                  </a:schemeClr>
-                </a:solidFill>
-                <a:prstDash val="solid"/>
-                <a:miter lim="800000"/>
-              </a14:hiddenLine>
-            </a:ext>
-          </a:extLst>
-        </p:spPr>
-        <p:style>
-          <a:lnRef idx="2">
-            <a:schemeClr val="accent1">
-              <a:shade val="50000"/>
-            </a:schemeClr>
-          </a:lnRef>
-          <a:fillRef idx="1">
-            <a:schemeClr val="accent1"/>
-          </a:fillRef>
-          <a:effectRef idx="0">
-            <a:schemeClr val="accent1"/>
-          </a:effectRef>
-          <a:fontRef idx="minor">
-            <a:schemeClr val="lt1"/>
-          </a:fontRef>
-        </p:style>
-        <p:txBody>
-          <a:bodyPr rtlCol="0" anchor="ctr"/>
-          <a:lstStyle/>
-          <a:p>
-            <a:pPr algn="ctr"/>
-            <a:endParaRPr lang="en-US"/>
-          </a:p>
-        </p:txBody>
-      </p:sp>
-      <p:sp>
-        <p:nvSpPr>
-          <p:cNvPr id="46" name="Rectangle 45">
-            <a:extLst>
-              <a:ext uri="{FF2B5EF4-FFF2-40B4-BE49-F238E27FC236}">
-                <a16:creationId xmlns:a16="http://schemas.microsoft.com/office/drawing/2014/main" id="{F68B3F68-107C-434F-AA38-110D5EA91B85}"/>
-              </a:ext>
-              <a:ext uri="{C183D7F6-B498-43B3-948B-1728B52AA6E4}">
-                <adec:decorative xmlns:adec="http://schemas.microsoft.com/office/drawing/2017/decorative" val="1"/>
-              </a:ext>
-            </a:extLst>
-          </p:cNvPr>
-          <p:cNvSpPr>
-            <a:spLocks noGrp="1" noRot="1" noChangeAspect="1" noMove="1" noResize="1" noEditPoints="1" noAdjustHandles="1" noChangeArrowheads="1" noChangeShapeType="1" noTextEdit="1"/>
-          </p:cNvSpPr>
-          <p:nvPr>
-            <p:extLst>
-              <p:ext uri="{386F3935-93C4-4BCD-93E2-E3B085C9AB24}">
-                <p16:designElem xmlns:p16="http://schemas.microsoft.com/office/powerpoint/2015/main" val="1"/>
-              </p:ext>
-            </p:extLst>
-          </p:nvPr>
-        </p:nvSpPr>
-        <p:spPr>
-          <a:xfrm flipH="1">
-            <a:off x="2" y="0"/>
-            <a:ext cx="12191998" cy="1575955"/>
-          </a:xfrm>
-          <a:prstGeom prst="rect">
-            <a:avLst/>
-          </a:prstGeom>
-          <a:gradFill>
-            <a:gsLst>
-              <a:gs pos="0">
-                <a:srgbClr val="000000">
-                  <a:alpha val="96000"/>
-                </a:srgbClr>
-              </a:gs>
-              <a:gs pos="100000">
-                <a:schemeClr val="accent1">
-                  <a:lumMod val="75000"/>
-                </a:schemeClr>
-              </a:gs>
-            </a:gsLst>
-            <a:lin ang="8400000" scaled="0"/>
-          </a:gradFill>
-          <a:ln>
-            <a:noFill/>
-          </a:ln>
-        </p:spPr>
-        <p:style>
-          <a:lnRef idx="2">
-            <a:schemeClr val="accent1">
-              <a:shade val="50000"/>
-            </a:schemeClr>
-          </a:lnRef>
-          <a:fillRef idx="1">
-            <a:schemeClr val="accent1"/>
-          </a:fillRef>
-          <a:effectRef idx="0">
-            <a:schemeClr val="accent1"/>
-          </a:effectRef>
-          <a:fontRef idx="minor">
-            <a:schemeClr val="lt1"/>
-          </a:fontRef>
-        </p:style>
-        <p:txBody>
-          <a:bodyPr rtlCol="0" anchor="ctr"/>
-          <a:lstStyle/>
-          <a:p>
-            <a:pPr algn="ctr"/>
-            <a:endParaRPr lang="en-US"/>
-          </a:p>
-        </p:txBody>
-      </p:sp>
-      <p:sp>
-        <p:nvSpPr>
-          <p:cNvPr id="47" name="Rectangle 46">
-            <a:extLst>
-              <a:ext uri="{FF2B5EF4-FFF2-40B4-BE49-F238E27FC236}">
-                <a16:creationId xmlns:a16="http://schemas.microsoft.com/office/drawing/2014/main" id="{AAD0DBB9-1A4B-4391-81D4-CB19F9AB918A}"/>
-              </a:ext>
-              <a:ext uri="{C183D7F6-B498-43B3-948B-1728B52AA6E4}">
-                <adec:decorative xmlns:adec="http://schemas.microsoft.com/office/drawing/2017/decorative" val="1"/>
-              </a:ext>
-            </a:extLst>
-          </p:cNvPr>
-          <p:cNvSpPr>
-            <a:spLocks noGrp="1" noRot="1" noChangeAspect="1" noMove="1" noResize="1" noEditPoints="1" noAdjustHandles="1" noChangeArrowheads="1" noChangeShapeType="1" noTextEdit="1"/>
-          </p:cNvSpPr>
-          <p:nvPr>
-            <p:extLst>
-              <p:ext uri="{386F3935-93C4-4BCD-93E2-E3B085C9AB24}">
-                <p16:designElem xmlns:p16="http://schemas.microsoft.com/office/powerpoint/2015/main" val="1"/>
-              </p:ext>
-            </p:extLst>
-          </p:nvPr>
-        </p:nvSpPr>
-        <p:spPr>
-          <a:xfrm rot="10800000" flipH="1">
-            <a:off x="8128857" y="0"/>
-            <a:ext cx="4063143" cy="1576412"/>
-          </a:xfrm>
-          <a:prstGeom prst="rect">
-            <a:avLst/>
-          </a:prstGeom>
-          <a:gradFill>
-            <a:gsLst>
-              <a:gs pos="19000">
-                <a:schemeClr val="accent1">
-                  <a:lumMod val="50000"/>
-                  <a:alpha val="68000"/>
-                </a:schemeClr>
-              </a:gs>
-              <a:gs pos="100000">
-                <a:schemeClr val="accent1">
-                  <a:alpha val="79000"/>
-                </a:schemeClr>
-              </a:gs>
-            </a:gsLst>
-            <a:lin ang="19200000" scaled="0"/>
-          </a:gradFill>
-          <a:ln>
-            <a:noFill/>
-          </a:ln>
-        </p:spPr>
-        <p:style>
-          <a:lnRef idx="2">
-            <a:schemeClr val="accent1">
-              <a:shade val="50000"/>
-            </a:schemeClr>
-          </a:lnRef>
-          <a:fillRef idx="1">
-            <a:schemeClr val="accent1"/>
-          </a:fillRef>
-          <a:effectRef idx="0">
-            <a:schemeClr val="accent1"/>
-          </a:effectRef>
-          <a:fontRef idx="minor">
-            <a:schemeClr val="lt1"/>
-          </a:fontRef>
-        </p:style>
-        <p:txBody>
-          <a:bodyPr rtlCol="0" anchor="ctr"/>
-          <a:lstStyle/>
-          <a:p>
-            <a:pPr algn="ctr"/>
-            <a:endParaRPr lang="en-US"/>
-          </a:p>
-        </p:txBody>
-      </p:sp>
-      <p:sp>
-        <p:nvSpPr>
-          <p:cNvPr id="48" name="Rectangle 47">
-            <a:extLst>
-              <a:ext uri="{FF2B5EF4-FFF2-40B4-BE49-F238E27FC236}">
-                <a16:creationId xmlns:a16="http://schemas.microsoft.com/office/drawing/2014/main" id="{063BBA22-50EA-4C4D-BE05-F1CE4E63AA56}"/>
-              </a:ext>
-              <a:ext uri="{C183D7F6-B498-43B3-948B-1728B52AA6E4}">
-                <adec:decorative xmlns:adec="http://schemas.microsoft.com/office/drawing/2017/decorative" val="1"/>
-              </a:ext>
-            </a:extLst>
-          </p:cNvPr>
-          <p:cNvSpPr>
-            <a:spLocks noGrp="1" noRot="1" noChangeAspect="1" noMove="1" noResize="1" noEditPoints="1" noAdjustHandles="1" noChangeArrowheads="1" noChangeShapeType="1" noTextEdit="1"/>
-          </p:cNvSpPr>
-          <p:nvPr>
-            <p:extLst>
-              <p:ext uri="{386F3935-93C4-4BCD-93E2-E3B085C9AB24}">
-                <p16:designElem xmlns:p16="http://schemas.microsoft.com/office/powerpoint/2015/main" val="1"/>
-              </p:ext>
-            </p:extLst>
-          </p:nvPr>
-        </p:nvSpPr>
-        <p:spPr>
-          <a:xfrm rot="5400000">
-            <a:off x="5307777" y="-5307778"/>
-            <a:ext cx="1576446" cy="12192002"/>
-          </a:xfrm>
-          <a:prstGeom prst="rect">
-            <a:avLst/>
-          </a:prstGeom>
-          <a:gradFill>
-            <a:gsLst>
-              <a:gs pos="23000">
-                <a:schemeClr val="accent1">
-                  <a:alpha val="0"/>
-                </a:schemeClr>
-              </a:gs>
-              <a:gs pos="99000">
-                <a:srgbClr val="000000">
-                  <a:alpha val="74000"/>
-                </a:srgbClr>
-              </a:gs>
-            </a:gsLst>
-            <a:lin ang="20400000" scaled="0"/>
-          </a:gradFill>
-          <a:ln>
-            <a:noFill/>
-          </a:ln>
-        </p:spPr>
-        <p:style>
-          <a:lnRef idx="2">
-            <a:schemeClr val="accent1">
-              <a:shade val="50000"/>
-            </a:schemeClr>
-          </a:lnRef>
-          <a:fillRef idx="1">
-            <a:schemeClr val="accent1"/>
-          </a:fillRef>
-          <a:effectRef idx="0">
-            <a:schemeClr val="accent1"/>
-          </a:effectRef>
-          <a:fontRef idx="minor">
-            <a:schemeClr val="lt1"/>
-          </a:fontRef>
-        </p:style>
-        <p:txBody>
-          <a:bodyPr rtlCol="0" anchor="ctr"/>
-          <a:lstStyle/>
-          <a:p>
-            <a:pPr algn="ctr"/>
-            <a:endParaRPr lang="en-US" dirty="0"/>
-          </a:p>
-        </p:txBody>
-      </p:sp>
-      <p:sp>
-        <p:nvSpPr>
-          <p:cNvPr id="2" name="Title 1"/>
           <p:cNvSpPr>
             <a:spLocks noGrp="1"/>
           </p:cNvSpPr>
@@ -15496,85 +16858,713 @@
         </p:nvSpPr>
         <p:spPr>
           <a:xfrm>
-            <a:off x="1371597" y="348865"/>
-            <a:ext cx="10044023" cy="877729"/>
+            <a:off x="964023" y="879063"/>
+            <a:ext cx="6552345" cy="610863"/>
           </a:xfrm>
         </p:spPr>
         <p:txBody>
-          <a:bodyPr rtlCol="0" anchor="ctr">
-            <a:normAutofit/>
-          </a:bodyPr>
+          <a:bodyPr/>
           <a:lstStyle/>
           <a:p>
-            <a:pPr rtl="0"/>
             <a:r>
-              <a:rPr lang="en-GB" sz="4000">
-                <a:solidFill>
-                  <a:srgbClr val="FFFFFF"/>
-                </a:solidFill>
-              </a:rPr>
-              <a:t>Introduction</a:t>
+              <a:rPr lang="en-GB" dirty="0"/>
+              <a:t>Row level Security</a:t>
             </a:r>
           </a:p>
         </p:txBody>
       </p:sp>
-      <p:graphicFrame>
-        <p:nvGraphicFramePr>
-          <p:cNvPr id="5" name="Content Placeholder 2">
+      <p:sp>
+        <p:nvSpPr>
+          <p:cNvPr id="4" name="Text Placeholder 3">
             <a:extLst>
               <a:ext uri="{FF2B5EF4-FFF2-40B4-BE49-F238E27FC236}">
-                <a16:creationId xmlns:a16="http://schemas.microsoft.com/office/drawing/2014/main" id="{2DE1A683-60B4-18DE-0BFB-E3ED3927471B}"/>
+                <a16:creationId xmlns:a16="http://schemas.microsoft.com/office/drawing/2014/main" id="{2984C24C-0CD5-D6D2-D893-4E1442ED231F}"/>
               </a:ext>
             </a:extLst>
           </p:cNvPr>
-          <p:cNvGraphicFramePr>
-            <a:graphicFrameLocks noGrp="1"/>
-          </p:cNvGraphicFramePr>
+          <p:cNvSpPr>
+            <a:spLocks noGrp="1"/>
+          </p:cNvSpPr>
           <p:nvPr>
-            <p:ph idx="1"/>
-            <p:extLst>
-              <p:ext uri="{D42A27DB-BD31-4B8C-83A1-F6EECF244321}">
-                <p14:modId xmlns:p14="http://schemas.microsoft.com/office/powerpoint/2010/main" val="1136623894"/>
-              </p:ext>
-            </p:extLst>
+            <p:ph type="body" sz="quarter" idx="11"/>
           </p:nvPr>
-        </p:nvGraphicFramePr>
-        <p:xfrm>
-          <a:off x="644056" y="2112579"/>
-          <a:ext cx="10927829" cy="4192805"/>
-        </p:xfrm>
-        <a:graphic>
-          <a:graphicData uri="http://schemas.openxmlformats.org/drawingml/2006/diagram">
-            <dgm:relIds xmlns:dgm="http://schemas.openxmlformats.org/drawingml/2006/diagram" xmlns:r="http://schemas.openxmlformats.org/officeDocument/2006/relationships" r:dm="rId3" r:lo="rId4" r:qs="rId5" r:cs="rId6"/>
-          </a:graphicData>
-        </a:graphic>
-      </p:graphicFrame>
+        </p:nvSpPr>
+        <p:spPr>
+          <a:xfrm>
+            <a:off x="964023" y="2108756"/>
+            <a:ext cx="9316213" cy="803957"/>
+          </a:xfrm>
+        </p:spPr>
+        <p:txBody>
+          <a:bodyPr/>
+          <a:lstStyle/>
+          <a:p>
+            <a:r>
+              <a:rPr lang="en-GB" dirty="0">
+                <a:solidFill>
+                  <a:schemeClr val="tx1"/>
+                </a:solidFill>
+              </a:rPr>
+              <a:t>Ensuring users can only see what they should is very important , especially when dealing with external user’s reporting. We have solved this in Power BI and Tableau</a:t>
+            </a:r>
+          </a:p>
+          <a:p>
+            <a:endParaRPr lang="en-GB" dirty="0">
+              <a:solidFill>
+                <a:schemeClr val="tx1"/>
+              </a:solidFill>
+            </a:endParaRPr>
+          </a:p>
+          <a:p>
+            <a:endParaRPr lang="en-GB" dirty="0">
+              <a:solidFill>
+                <a:schemeClr val="tx1"/>
+              </a:solidFill>
+            </a:endParaRPr>
+          </a:p>
+          <a:p>
+            <a:r>
+              <a:rPr lang="en-GB" dirty="0">
+                <a:solidFill>
+                  <a:schemeClr val="tx1"/>
+                </a:solidFill>
+              </a:rPr>
+              <a:t> </a:t>
+            </a:r>
+          </a:p>
+        </p:txBody>
+      </p:sp>
     </p:spTree>
     <p:extLst>
       <p:ext uri="{BB962C8B-B14F-4D97-AF65-F5344CB8AC3E}">
-        <p14:creationId xmlns:p14="http://schemas.microsoft.com/office/powerpoint/2010/main" val="1851896080"/>
+        <p14:creationId xmlns:p14="http://schemas.microsoft.com/office/powerpoint/2010/main" val="2640387457"/>
       </p:ext>
     </p:extLst>
   </p:cSld>
   <p:clrMapOvr>
     <a:masterClrMapping/>
   </p:clrMapOvr>
-  <mc:AlternateContent xmlns:mc="http://schemas.openxmlformats.org/markup-compatibility/2006" xmlns:p14="http://schemas.microsoft.com/office/powerpoint/2010/main">
-    <mc:Choice Requires="p14">
-      <p:transition spd="med" p14:dur="700">
-        <p:fade/>
-      </p:transition>
-    </mc:Choice>
-    <mc:Fallback xmlns="">
-      <p:transition spd="med">
-        <p:fade/>
-      </p:transition>
-    </mc:Fallback>
-  </mc:AlternateContent>
 </p:sld>
 </file>
 
-<file path=ppt/slides/slide3.xml><?xml version="1.0" encoding="utf-8"?>
+<file path=ppt/slides/slide13.xml><?xml version="1.0" encoding="utf-8"?>
+<p:sld xmlns:a="http://schemas.openxmlformats.org/drawingml/2006/main" xmlns:r="http://schemas.openxmlformats.org/officeDocument/2006/relationships" xmlns:p="http://schemas.openxmlformats.org/presentationml/2006/main">
+  <p:cSld>
+    <p:spTree>
+      <p:nvGrpSpPr>
+        <p:cNvPr id="1" name="">
+          <a:extLst>
+            <a:ext uri="{FF2B5EF4-FFF2-40B4-BE49-F238E27FC236}">
+              <a16:creationId xmlns:a16="http://schemas.microsoft.com/office/drawing/2014/main" id="{D9A27A37-9876-84B8-9E06-D95C5EBE4039}"/>
+            </a:ext>
+          </a:extLst>
+        </p:cNvPr>
+        <p:cNvGrpSpPr/>
+        <p:nvPr/>
+      </p:nvGrpSpPr>
+      <p:grpSpPr>
+        <a:xfrm>
+          <a:off x="0" y="0"/>
+          <a:ext cx="0" cy="0"/>
+          <a:chOff x="0" y="0"/>
+          <a:chExt cx="0" cy="0"/>
+        </a:xfrm>
+      </p:grpSpPr>
+      <p:sp>
+        <p:nvSpPr>
+          <p:cNvPr id="3" name="Title 2">
+            <a:extLst>
+              <a:ext uri="{FF2B5EF4-FFF2-40B4-BE49-F238E27FC236}">
+                <a16:creationId xmlns:a16="http://schemas.microsoft.com/office/drawing/2014/main" id="{EDA06941-3946-3146-D1D3-BE129D995F95}"/>
+              </a:ext>
+            </a:extLst>
+          </p:cNvPr>
+          <p:cNvSpPr>
+            <a:spLocks noGrp="1"/>
+          </p:cNvSpPr>
+          <p:nvPr>
+            <p:ph type="title"/>
+          </p:nvPr>
+        </p:nvSpPr>
+        <p:spPr>
+          <a:xfrm>
+            <a:off x="711775" y="355824"/>
+            <a:ext cx="4941477" cy="610863"/>
+          </a:xfrm>
+        </p:spPr>
+        <p:txBody>
+          <a:bodyPr/>
+          <a:lstStyle/>
+          <a:p>
+            <a:r>
+              <a:rPr lang="en-GB" dirty="0"/>
+              <a:t>Implementation</a:t>
+            </a:r>
+          </a:p>
+        </p:txBody>
+      </p:sp>
+      <p:sp>
+        <p:nvSpPr>
+          <p:cNvPr id="5" name="Date Placeholder 4">
+            <a:extLst>
+              <a:ext uri="{FF2B5EF4-FFF2-40B4-BE49-F238E27FC236}">
+                <a16:creationId xmlns:a16="http://schemas.microsoft.com/office/drawing/2014/main" id="{08EAAE35-305E-B069-6F2F-F8273F9FFDE5}"/>
+              </a:ext>
+            </a:extLst>
+          </p:cNvPr>
+          <p:cNvSpPr>
+            <a:spLocks noGrp="1"/>
+          </p:cNvSpPr>
+          <p:nvPr>
+            <p:ph type="dt" sz="half" idx="14"/>
+          </p:nvPr>
+        </p:nvSpPr>
+        <p:spPr>
+          <a:xfrm>
+            <a:off x="785445" y="1489685"/>
+            <a:ext cx="10297714" cy="890907"/>
+          </a:xfrm>
+        </p:spPr>
+        <p:txBody>
+          <a:bodyPr/>
+          <a:lstStyle/>
+          <a:p>
+            <a:pPr rtl="0"/>
+            <a:r>
+              <a:rPr lang="en-GB" noProof="0" dirty="0">
+                <a:solidFill>
+                  <a:schemeClr val="tx1"/>
+                </a:solidFill>
+                <a:latin typeface="+mn-lt"/>
+              </a:rPr>
+              <a:t>Power Bi is embedded in a webpage. When the user accesses a user token is passed to Power BI which is collected with a Power BI command called USERPRINCIPALNAME()</a:t>
+            </a:r>
+          </a:p>
+          <a:p>
+            <a:pPr rtl="0"/>
+            <a:endParaRPr lang="en-GB" noProof="0" dirty="0">
+              <a:solidFill>
+                <a:schemeClr val="tx1"/>
+              </a:solidFill>
+              <a:latin typeface="+mn-lt"/>
+            </a:endParaRPr>
+          </a:p>
+          <a:p>
+            <a:pPr rtl="0"/>
+            <a:r>
+              <a:rPr lang="en-GB" noProof="0" dirty="0">
+                <a:solidFill>
+                  <a:schemeClr val="tx1"/>
+                </a:solidFill>
+                <a:latin typeface="+mn-lt"/>
+              </a:rPr>
+              <a:t>We must filter the data in 2 ways, 1 for Internal users who see everything but external users don’t see anything</a:t>
+            </a:r>
+          </a:p>
+          <a:p>
+            <a:pPr rtl="0"/>
+            <a:endParaRPr lang="en-GB" noProof="0" dirty="0">
+              <a:latin typeface="+mn-lt"/>
+            </a:endParaRPr>
+          </a:p>
+          <a:p>
+            <a:pPr rtl="0"/>
+            <a:endParaRPr lang="en-GB" noProof="0" dirty="0">
+              <a:latin typeface="+mn-lt"/>
+            </a:endParaRPr>
+          </a:p>
+          <a:p>
+            <a:pPr rtl="0"/>
+            <a:endParaRPr lang="en-GB" noProof="0" dirty="0">
+              <a:latin typeface="+mn-lt"/>
+            </a:endParaRPr>
+          </a:p>
+          <a:p>
+            <a:pPr rtl="0"/>
+            <a:endParaRPr lang="en-GB" noProof="0" dirty="0">
+              <a:latin typeface="+mn-lt"/>
+            </a:endParaRPr>
+          </a:p>
+          <a:p>
+            <a:pPr rtl="0"/>
+            <a:endParaRPr lang="en-GB" noProof="0" dirty="0">
+              <a:latin typeface="+mn-lt"/>
+            </a:endParaRPr>
+          </a:p>
+          <a:p>
+            <a:pPr rtl="0"/>
+            <a:endParaRPr lang="en-GB" noProof="0" dirty="0">
+              <a:latin typeface="+mn-lt"/>
+            </a:endParaRPr>
+          </a:p>
+        </p:txBody>
+      </p:sp>
+      <p:pic>
+        <p:nvPicPr>
+          <p:cNvPr id="4" name="Picture 3">
+            <a:extLst>
+              <a:ext uri="{FF2B5EF4-FFF2-40B4-BE49-F238E27FC236}">
+                <a16:creationId xmlns:a16="http://schemas.microsoft.com/office/drawing/2014/main" id="{1E789DD2-DAE3-10DE-0445-8050AEEED24A}"/>
+              </a:ext>
+            </a:extLst>
+          </p:cNvPr>
+          <p:cNvPicPr>
+            <a:picLocks noChangeAspect="1"/>
+          </p:cNvPicPr>
+          <p:nvPr/>
+        </p:nvPicPr>
+        <p:blipFill>
+          <a:blip r:embed="rId2"/>
+          <a:stretch>
+            <a:fillRect/>
+          </a:stretch>
+        </p:blipFill>
+        <p:spPr>
+          <a:xfrm>
+            <a:off x="620880" y="2584864"/>
+            <a:ext cx="5475120" cy="3611880"/>
+          </a:xfrm>
+          <a:prstGeom prst="rect">
+            <a:avLst/>
+          </a:prstGeom>
+        </p:spPr>
+      </p:pic>
+      <p:pic>
+        <p:nvPicPr>
+          <p:cNvPr id="9" name="Picture 8">
+            <a:extLst>
+              <a:ext uri="{FF2B5EF4-FFF2-40B4-BE49-F238E27FC236}">
+                <a16:creationId xmlns:a16="http://schemas.microsoft.com/office/drawing/2014/main" id="{C859D67D-BDAC-84DF-978A-C0C0F3FD7077}"/>
+              </a:ext>
+            </a:extLst>
+          </p:cNvPr>
+          <p:cNvPicPr>
+            <a:picLocks noChangeAspect="1"/>
+          </p:cNvPicPr>
+          <p:nvPr/>
+        </p:nvPicPr>
+        <p:blipFill>
+          <a:blip r:embed="rId3"/>
+          <a:stretch>
+            <a:fillRect/>
+          </a:stretch>
+        </p:blipFill>
+        <p:spPr>
+          <a:xfrm>
+            <a:off x="5905500" y="3107863"/>
+            <a:ext cx="5796993" cy="2565882"/>
+          </a:xfrm>
+          <a:prstGeom prst="rect">
+            <a:avLst/>
+          </a:prstGeom>
+        </p:spPr>
+      </p:pic>
+    </p:spTree>
+    <p:extLst>
+      <p:ext uri="{BB962C8B-B14F-4D97-AF65-F5344CB8AC3E}">
+        <p14:creationId xmlns:p14="http://schemas.microsoft.com/office/powerpoint/2010/main" val="1799355265"/>
+      </p:ext>
+    </p:extLst>
+  </p:cSld>
+  <p:clrMapOvr>
+    <a:masterClrMapping/>
+  </p:clrMapOvr>
+</p:sld>
+</file>
+
+<file path=ppt/slides/slide14.xml><?xml version="1.0" encoding="utf-8"?>
+<p:sld xmlns:a="http://schemas.openxmlformats.org/drawingml/2006/main" xmlns:r="http://schemas.openxmlformats.org/officeDocument/2006/relationships" xmlns:p="http://schemas.openxmlformats.org/presentationml/2006/main">
+  <p:cSld>
+    <p:spTree>
+      <p:nvGrpSpPr>
+        <p:cNvPr id="1" name="">
+          <a:extLst>
+            <a:ext uri="{FF2B5EF4-FFF2-40B4-BE49-F238E27FC236}">
+              <a16:creationId xmlns:a16="http://schemas.microsoft.com/office/drawing/2014/main" id="{389EC825-5193-7873-C1EC-04D8A44B29FC}"/>
+            </a:ext>
+          </a:extLst>
+        </p:cNvPr>
+        <p:cNvGrpSpPr/>
+        <p:nvPr/>
+      </p:nvGrpSpPr>
+      <p:grpSpPr>
+        <a:xfrm>
+          <a:off x="0" y="0"/>
+          <a:ext cx="0" cy="0"/>
+          <a:chOff x="0" y="0"/>
+          <a:chExt cx="0" cy="0"/>
+        </a:xfrm>
+      </p:grpSpPr>
+      <p:sp>
+        <p:nvSpPr>
+          <p:cNvPr id="3" name="Title 2">
+            <a:extLst>
+              <a:ext uri="{FF2B5EF4-FFF2-40B4-BE49-F238E27FC236}">
+                <a16:creationId xmlns:a16="http://schemas.microsoft.com/office/drawing/2014/main" id="{75F44962-AF68-ABCA-98E4-EA2CB5B788CF}"/>
+              </a:ext>
+            </a:extLst>
+          </p:cNvPr>
+          <p:cNvSpPr>
+            <a:spLocks noGrp="1"/>
+          </p:cNvSpPr>
+          <p:nvPr>
+            <p:ph type="title"/>
+          </p:nvPr>
+        </p:nvSpPr>
+        <p:spPr/>
+        <p:txBody>
+          <a:bodyPr/>
+          <a:lstStyle/>
+          <a:p>
+            <a:r>
+              <a:rPr lang="en-GB" dirty="0"/>
+              <a:t>Implementation</a:t>
+            </a:r>
+          </a:p>
+        </p:txBody>
+      </p:sp>
+      <p:sp>
+        <p:nvSpPr>
+          <p:cNvPr id="5" name="Date Placeholder 4">
+            <a:extLst>
+              <a:ext uri="{FF2B5EF4-FFF2-40B4-BE49-F238E27FC236}">
+                <a16:creationId xmlns:a16="http://schemas.microsoft.com/office/drawing/2014/main" id="{D65B88EB-7BE2-6C77-8463-B2513AFFD3BC}"/>
+              </a:ext>
+            </a:extLst>
+          </p:cNvPr>
+          <p:cNvSpPr>
+            <a:spLocks noGrp="1"/>
+          </p:cNvSpPr>
+          <p:nvPr>
+            <p:ph type="dt" sz="half" idx="14"/>
+          </p:nvPr>
+        </p:nvSpPr>
+        <p:spPr>
+          <a:xfrm>
+            <a:off x="643556" y="1489926"/>
+            <a:ext cx="4448208" cy="2002136"/>
+          </a:xfrm>
+        </p:spPr>
+        <p:txBody>
+          <a:bodyPr/>
+          <a:lstStyle/>
+          <a:p>
+            <a:pPr rtl="0"/>
+            <a:endParaRPr lang="en-GB" noProof="0" dirty="0">
+              <a:latin typeface="+mn-lt"/>
+            </a:endParaRPr>
+          </a:p>
+          <a:p>
+            <a:pPr rtl="0"/>
+            <a:endParaRPr lang="en-GB" noProof="0" dirty="0">
+              <a:latin typeface="+mn-lt"/>
+            </a:endParaRPr>
+          </a:p>
+          <a:p>
+            <a:pPr rtl="0"/>
+            <a:endParaRPr lang="en-GB" noProof="0" dirty="0">
+              <a:latin typeface="+mn-lt"/>
+            </a:endParaRPr>
+          </a:p>
+          <a:p>
+            <a:pPr rtl="0"/>
+            <a:endParaRPr lang="en-GB" noProof="0" dirty="0">
+              <a:latin typeface="+mn-lt"/>
+            </a:endParaRPr>
+          </a:p>
+          <a:p>
+            <a:pPr rtl="0"/>
+            <a:endParaRPr lang="en-GB" noProof="0" dirty="0">
+              <a:latin typeface="+mn-lt"/>
+            </a:endParaRPr>
+          </a:p>
+          <a:p>
+            <a:pPr rtl="0"/>
+            <a:endParaRPr lang="en-GB" noProof="0" dirty="0">
+              <a:solidFill>
+                <a:schemeClr val="tx1"/>
+              </a:solidFill>
+              <a:latin typeface="+mn-lt"/>
+            </a:endParaRPr>
+          </a:p>
+          <a:p>
+            <a:pPr rtl="0"/>
+            <a:r>
+              <a:rPr lang="en-GB" noProof="0" dirty="0">
+                <a:solidFill>
+                  <a:schemeClr val="tx1"/>
+                </a:solidFill>
+                <a:latin typeface="+mn-lt"/>
+              </a:rPr>
+              <a:t>There’s 2 tables :</a:t>
+            </a:r>
+          </a:p>
+          <a:p>
+            <a:pPr rtl="0"/>
+            <a:r>
+              <a:rPr lang="en-GB" noProof="0" dirty="0">
+                <a:solidFill>
+                  <a:schemeClr val="tx1"/>
+                </a:solidFill>
+                <a:latin typeface="+mn-lt"/>
+              </a:rPr>
+              <a:t>1 filtered to contain only Internal users</a:t>
+            </a:r>
+          </a:p>
+          <a:p>
+            <a:pPr rtl="0"/>
+            <a:r>
+              <a:rPr lang="en-GB" noProof="0" dirty="0">
+                <a:solidFill>
+                  <a:schemeClr val="tx1"/>
+                </a:solidFill>
+                <a:latin typeface="+mn-lt"/>
+              </a:rPr>
+              <a:t>1 for just external users which also includes the account numbers they have access to</a:t>
+            </a:r>
+          </a:p>
+        </p:txBody>
+      </p:sp>
+      <p:pic>
+        <p:nvPicPr>
+          <p:cNvPr id="6" name="Picture 5">
+            <a:extLst>
+              <a:ext uri="{FF2B5EF4-FFF2-40B4-BE49-F238E27FC236}">
+                <a16:creationId xmlns:a16="http://schemas.microsoft.com/office/drawing/2014/main" id="{E74A1CAC-A1AE-E4A0-D338-BF28A4732944}"/>
+              </a:ext>
+            </a:extLst>
+          </p:cNvPr>
+          <p:cNvPicPr>
+            <a:picLocks noChangeAspect="1"/>
+          </p:cNvPicPr>
+          <p:nvPr/>
+        </p:nvPicPr>
+        <p:blipFill>
+          <a:blip r:embed="rId2"/>
+          <a:stretch>
+            <a:fillRect/>
+          </a:stretch>
+        </p:blipFill>
+        <p:spPr>
+          <a:xfrm>
+            <a:off x="5324507" y="2020662"/>
+            <a:ext cx="5277587" cy="3486637"/>
+          </a:xfrm>
+          <a:prstGeom prst="rect">
+            <a:avLst/>
+          </a:prstGeom>
+        </p:spPr>
+      </p:pic>
+    </p:spTree>
+    <p:extLst>
+      <p:ext uri="{BB962C8B-B14F-4D97-AF65-F5344CB8AC3E}">
+        <p14:creationId xmlns:p14="http://schemas.microsoft.com/office/powerpoint/2010/main" val="4193506387"/>
+      </p:ext>
+    </p:extLst>
+  </p:cSld>
+  <p:clrMapOvr>
+    <a:masterClrMapping/>
+  </p:clrMapOvr>
+</p:sld>
+</file>
+
+<file path=ppt/slides/slide15.xml><?xml version="1.0" encoding="utf-8"?>
+<p:sld xmlns:a="http://schemas.openxmlformats.org/drawingml/2006/main" xmlns:r="http://schemas.openxmlformats.org/officeDocument/2006/relationships" xmlns:p="http://schemas.openxmlformats.org/presentationml/2006/main">
+  <p:cSld>
+    <p:spTree>
+      <p:nvGrpSpPr>
+        <p:cNvPr id="1" name="">
+          <a:extLst>
+            <a:ext uri="{FF2B5EF4-FFF2-40B4-BE49-F238E27FC236}">
+              <a16:creationId xmlns:a16="http://schemas.microsoft.com/office/drawing/2014/main" id="{F268CD9E-2FE0-5791-55C5-A6387DFB592C}"/>
+            </a:ext>
+          </a:extLst>
+        </p:cNvPr>
+        <p:cNvGrpSpPr/>
+        <p:nvPr/>
+      </p:nvGrpSpPr>
+      <p:grpSpPr>
+        <a:xfrm>
+          <a:off x="0" y="0"/>
+          <a:ext cx="0" cy="0"/>
+          <a:chOff x="0" y="0"/>
+          <a:chExt cx="0" cy="0"/>
+        </a:xfrm>
+      </p:grpSpPr>
+      <p:sp>
+        <p:nvSpPr>
+          <p:cNvPr id="3" name="Title 2">
+            <a:extLst>
+              <a:ext uri="{FF2B5EF4-FFF2-40B4-BE49-F238E27FC236}">
+                <a16:creationId xmlns:a16="http://schemas.microsoft.com/office/drawing/2014/main" id="{0C39A120-C56F-9A09-3A8F-3F283C4A580A}"/>
+              </a:ext>
+            </a:extLst>
+          </p:cNvPr>
+          <p:cNvSpPr>
+            <a:spLocks noGrp="1"/>
+          </p:cNvSpPr>
+          <p:nvPr>
+            <p:ph type="title"/>
+          </p:nvPr>
+        </p:nvSpPr>
+        <p:spPr/>
+        <p:txBody>
+          <a:bodyPr/>
+          <a:lstStyle/>
+          <a:p>
+            <a:r>
+              <a:rPr lang="en-GB" dirty="0"/>
+              <a:t>Implementation</a:t>
+            </a:r>
+          </a:p>
+        </p:txBody>
+      </p:sp>
+      <p:sp>
+        <p:nvSpPr>
+          <p:cNvPr id="5" name="Date Placeholder 4">
+            <a:extLst>
+              <a:ext uri="{FF2B5EF4-FFF2-40B4-BE49-F238E27FC236}">
+                <a16:creationId xmlns:a16="http://schemas.microsoft.com/office/drawing/2014/main" id="{F89C3BEB-00CA-B575-D7B2-21A48C5259CF}"/>
+              </a:ext>
+            </a:extLst>
+          </p:cNvPr>
+          <p:cNvSpPr>
+            <a:spLocks noGrp="1"/>
+          </p:cNvSpPr>
+          <p:nvPr>
+            <p:ph type="dt" sz="half" idx="14"/>
+          </p:nvPr>
+        </p:nvSpPr>
+        <p:spPr>
+          <a:xfrm>
+            <a:off x="643556" y="1489926"/>
+            <a:ext cx="4448208" cy="3871346"/>
+          </a:xfrm>
+        </p:spPr>
+        <p:txBody>
+          <a:bodyPr/>
+          <a:lstStyle/>
+          <a:p>
+            <a:pPr rtl="0"/>
+            <a:endParaRPr lang="en-GB" noProof="0" dirty="0">
+              <a:latin typeface="+mn-lt"/>
+            </a:endParaRPr>
+          </a:p>
+          <a:p>
+            <a:pPr rtl="0"/>
+            <a:endParaRPr lang="en-GB" noProof="0" dirty="0">
+              <a:latin typeface="+mn-lt"/>
+            </a:endParaRPr>
+          </a:p>
+          <a:p>
+            <a:pPr rtl="0"/>
+            <a:endParaRPr lang="en-GB" noProof="0" dirty="0">
+              <a:latin typeface="+mn-lt"/>
+            </a:endParaRPr>
+          </a:p>
+          <a:p>
+            <a:pPr rtl="0"/>
+            <a:endParaRPr lang="en-GB" noProof="0" dirty="0">
+              <a:latin typeface="+mn-lt"/>
+            </a:endParaRPr>
+          </a:p>
+          <a:p>
+            <a:pPr rtl="0"/>
+            <a:endParaRPr lang="en-GB" noProof="0" dirty="0">
+              <a:latin typeface="+mn-lt"/>
+            </a:endParaRPr>
+          </a:p>
+          <a:p>
+            <a:pPr rtl="0"/>
+            <a:endParaRPr lang="en-GB" noProof="0" dirty="0">
+              <a:solidFill>
+                <a:schemeClr val="tx1"/>
+              </a:solidFill>
+              <a:latin typeface="+mn-lt"/>
+            </a:endParaRPr>
+          </a:p>
+          <a:p>
+            <a:pPr rtl="0"/>
+            <a:r>
+              <a:rPr lang="en-GB" noProof="0" dirty="0">
+                <a:solidFill>
+                  <a:schemeClr val="tx1"/>
+                </a:solidFill>
+                <a:latin typeface="+mn-lt"/>
+              </a:rPr>
+              <a:t>You can see the external table is linked to the vendor account table which is used in the filter</a:t>
+            </a:r>
+          </a:p>
+          <a:p>
+            <a:pPr rtl="0"/>
+            <a:r>
+              <a:rPr lang="en-GB" noProof="0" dirty="0">
+                <a:solidFill>
+                  <a:schemeClr val="tx1"/>
+                </a:solidFill>
+                <a:latin typeface="+mn-lt"/>
+              </a:rPr>
+              <a:t>The Internal user isn’t so internal users simply bypass that join condition and can access everything </a:t>
+            </a:r>
+          </a:p>
+          <a:p>
+            <a:pPr rtl="0"/>
+            <a:r>
+              <a:rPr lang="en-GB" noProof="0" dirty="0">
+                <a:solidFill>
+                  <a:schemeClr val="tx1"/>
+                </a:solidFill>
+                <a:latin typeface="+mn-lt"/>
+              </a:rPr>
+              <a:t>Where as External users only see what they should </a:t>
+            </a:r>
+          </a:p>
+        </p:txBody>
+      </p:sp>
+      <p:pic>
+        <p:nvPicPr>
+          <p:cNvPr id="4" name="Picture 3">
+            <a:extLst>
+              <a:ext uri="{FF2B5EF4-FFF2-40B4-BE49-F238E27FC236}">
+                <a16:creationId xmlns:a16="http://schemas.microsoft.com/office/drawing/2014/main" id="{421598BF-D85B-8710-E138-1CF31D9CFA52}"/>
+              </a:ext>
+            </a:extLst>
+          </p:cNvPr>
+          <p:cNvPicPr>
+            <a:picLocks noChangeAspect="1"/>
+          </p:cNvPicPr>
+          <p:nvPr/>
+        </p:nvPicPr>
+        <p:blipFill>
+          <a:blip r:embed="rId2"/>
+          <a:stretch>
+            <a:fillRect/>
+          </a:stretch>
+        </p:blipFill>
+        <p:spPr>
+          <a:xfrm>
+            <a:off x="5255455" y="1029902"/>
+            <a:ext cx="6489869" cy="5279457"/>
+          </a:xfrm>
+          <a:prstGeom prst="rect">
+            <a:avLst/>
+          </a:prstGeom>
+        </p:spPr>
+      </p:pic>
+    </p:spTree>
+    <p:extLst>
+      <p:ext uri="{BB962C8B-B14F-4D97-AF65-F5344CB8AC3E}">
+        <p14:creationId xmlns:p14="http://schemas.microsoft.com/office/powerpoint/2010/main" val="2492970297"/>
+      </p:ext>
+    </p:extLst>
+  </p:cSld>
+  <p:clrMapOvr>
+    <a:masterClrMapping/>
+  </p:clrMapOvr>
+</p:sld>
+</file>
+
+<file path=ppt/slides/slide16.xml><?xml version="1.0" encoding="utf-8"?>
 <p:sld xmlns:a="http://schemas.openxmlformats.org/drawingml/2006/main" xmlns:r="http://schemas.openxmlformats.org/officeDocument/2006/relationships" xmlns:p="http://schemas.openxmlformats.org/presentationml/2006/main">
   <p:cSld>
     <p:bg>
@@ -15587,7 +17577,13 @@
     </p:bg>
     <p:spTree>
       <p:nvGrpSpPr>
-        <p:cNvPr id="1" name=""/>
+        <p:cNvPr id="1" name="">
+          <a:extLst>
+            <a:ext uri="{FF2B5EF4-FFF2-40B4-BE49-F238E27FC236}">
+              <a16:creationId xmlns:a16="http://schemas.microsoft.com/office/drawing/2014/main" id="{601E99D1-A6C0-0EF0-98E3-F5D7041863CB}"/>
+            </a:ext>
+          </a:extLst>
+        </p:cNvPr>
         <p:cNvGrpSpPr/>
         <p:nvPr/>
       </p:nvGrpSpPr>
@@ -16223,7 +18219,13 @@
       </p:sp>
       <p:sp>
         <p:nvSpPr>
-          <p:cNvPr id="2" name="Title 1"/>
+          <p:cNvPr id="2" name="Title 1">
+            <a:extLst>
+              <a:ext uri="{FF2B5EF4-FFF2-40B4-BE49-F238E27FC236}">
+                <a16:creationId xmlns:a16="http://schemas.microsoft.com/office/drawing/2014/main" id="{1374E588-9044-8F37-0E27-792398B6E253}"/>
+              </a:ext>
+            </a:extLst>
+          </p:cNvPr>
           <p:cNvSpPr>
             <a:spLocks noGrp="1"/>
           </p:cNvSpPr>
@@ -16250,14 +18252,20 @@
                   <a:srgbClr val="FFFFFF"/>
                 </a:solidFill>
               </a:rPr>
-              <a:t>Sprint 1 - PLANNING</a:t>
+              <a:t>Sprint 2 - EXECUTION</a:t>
             </a:r>
           </a:p>
         </p:txBody>
       </p:sp>
       <p:sp>
         <p:nvSpPr>
-          <p:cNvPr id="3" name="Content Placeholder 2"/>
+          <p:cNvPr id="3" name="Content Placeholder 2">
+            <a:extLst>
+              <a:ext uri="{FF2B5EF4-FFF2-40B4-BE49-F238E27FC236}">
+                <a16:creationId xmlns:a16="http://schemas.microsoft.com/office/drawing/2014/main" id="{9F204DCB-25F0-786A-6900-9A534177B03F}"/>
+              </a:ext>
+            </a:extLst>
+          </p:cNvPr>
           <p:cNvSpPr>
             <a:spLocks noGrp="1"/>
           </p:cNvSpPr>
@@ -16277,97 +18285,21 @@
           </a:bodyPr>
           <a:lstStyle/>
           <a:p>
-            <a:pPr rtl="0"/>
             <a:r>
-              <a:rPr lang="en-GB" sz="2000" dirty="0"/>
-              <a:t>Reviewed the scripts</a:t>
+              <a:rPr lang="en-GB" sz="2000" b="1" dirty="0"/>
+              <a:t>As a Data Engineer, I want to visualise the data flow and look for ways to improve it: </a:t>
             </a:r>
           </a:p>
           <a:p>
-            <a:pPr rtl="0"/>
-            <a:r>
-              <a:rPr lang="en-GB" sz="2000" dirty="0"/>
-              <a:t>Reviewed the skill base of the Team</a:t>
-            </a:r>
-          </a:p>
-          <a:p>
-            <a:pPr rtl="0"/>
-            <a:r>
-              <a:rPr lang="en-GB" sz="2000" dirty="0"/>
-              <a:t>Agree on tasks and roles</a:t>
-            </a:r>
-          </a:p>
-          <a:p>
-            <a:pPr rtl="0"/>
-            <a:endParaRPr lang="en-GB" sz="2000" dirty="0"/>
-          </a:p>
-          <a:p>
-            <a:pPr rtl="0"/>
-            <a:r>
-              <a:rPr lang="en-GB" sz="2000" dirty="0"/>
-              <a:t>MSCW</a:t>
-            </a:r>
-          </a:p>
-          <a:p>
-            <a:pPr rtl="0"/>
-            <a:r>
-              <a:rPr lang="en-GB" sz="2000" dirty="0"/>
-              <a:t>Must Have: meaningful logs, visibility</a:t>
-            </a:r>
-          </a:p>
-          <a:p>
-            <a:pPr rtl="0"/>
-            <a:r>
-              <a:rPr lang="en-GB" sz="2000" dirty="0"/>
-              <a:t>Must Have: response to failures/alerting</a:t>
-            </a:r>
-          </a:p>
-          <a:p>
-            <a:pPr rtl="0"/>
-            <a:r>
-              <a:rPr lang="en-GB" sz="2000" dirty="0"/>
-              <a:t>Must Have: Quality and Governance</a:t>
-            </a:r>
-          </a:p>
-          <a:p>
-            <a:pPr rtl="0"/>
-            <a:r>
-              <a:rPr lang="en-GB" sz="2000" dirty="0"/>
-              <a:t>Must Have: persisted database/reusable code</a:t>
-            </a:r>
-          </a:p>
-          <a:p>
-            <a:pPr rtl="0"/>
-            <a:r>
-              <a:rPr lang="en-GB" sz="2000" dirty="0"/>
-              <a:t>Should Have: pull data from API/sources (no hard-coded logic where a data source exists)</a:t>
-            </a:r>
-          </a:p>
-          <a:p>
-            <a:pPr rtl="0"/>
-            <a:r>
-              <a:rPr lang="en-GB" sz="2000" dirty="0"/>
-              <a:t>Should Have: Power BI Dashboard</a:t>
-            </a:r>
-          </a:p>
-          <a:p>
-            <a:pPr rtl="0"/>
-            <a:r>
-              <a:rPr lang="en-GB" sz="2000" dirty="0"/>
-              <a:t>Could Have: GitHub repo</a:t>
-            </a:r>
-          </a:p>
-          <a:p>
-            <a:pPr rtl="0"/>
-            <a:r>
-              <a:rPr lang="en-GB" sz="2000" dirty="0"/>
-              <a:t>Could Have: Kanban Board</a:t>
-            </a:r>
-          </a:p>
-          <a:p>
-            <a:pPr marL="0" indent="0" rtl="0">
+            <a:pPr marL="0" indent="0">
               <a:buNone/>
             </a:pPr>
+            <a:r>
+              <a:rPr lang="en-GB" sz="2000" dirty="0">
+                <a:hlinkClick r:id="rId3"/>
+              </a:rPr>
+              <a:t>Module_6_ETL_GroupA/ETL Project Data Flow.pdf at main · DASHEYJ3/Module_6_ETL_GroupA</a:t>
+            </a:r>
             <a:endParaRPr lang="en-GB" sz="2000" dirty="0"/>
           </a:p>
           <a:p>
@@ -16379,20 +18311,20 @@
     </p:spTree>
     <p:extLst>
       <p:ext uri="{BB962C8B-B14F-4D97-AF65-F5344CB8AC3E}">
-        <p14:creationId xmlns:p14="http://schemas.microsoft.com/office/powerpoint/2010/main" val="384888077"/>
+        <p14:creationId xmlns:p14="http://schemas.microsoft.com/office/powerpoint/2010/main" val="1143452794"/>
       </p:ext>
     </p:extLst>
   </p:cSld>
   <p:clrMapOvr>
     <a:masterClrMapping/>
   </p:clrMapOvr>
-  <mc:AlternateContent xmlns:mc="http://schemas.openxmlformats.org/markup-compatibility/2006" xmlns:p14="http://schemas.microsoft.com/office/powerpoint/2010/main">
-    <mc:Choice Requires="p14">
+  <mc:AlternateContent xmlns:mc="http://schemas.openxmlformats.org/markup-compatibility/2006">
+    <mc:Choice xmlns:p14="http://schemas.microsoft.com/office/powerpoint/2010/main" Requires="p14">
       <p:transition spd="med" p14:dur="700">
         <p:fade/>
       </p:transition>
     </mc:Choice>
-    <mc:Fallback xmlns="">
+    <mc:Fallback>
       <p:transition spd="med">
         <p:fade/>
       </p:transition>
@@ -16401,7 +18333,7 @@
 </p:sld>
 </file>
 
-<file path=ppt/slides/slide4.xml><?xml version="1.0" encoding="utf-8"?>
+<file path=ppt/slides/slide17.xml><?xml version="1.0" encoding="utf-8"?>
 <p:sld xmlns:a="http://schemas.openxmlformats.org/drawingml/2006/main" xmlns:r="http://schemas.openxmlformats.org/officeDocument/2006/relationships" xmlns:p="http://schemas.openxmlformats.org/presentationml/2006/main">
   <p:cSld>
     <p:bg>
@@ -16417,7 +18349,7 @@
         <p:cNvPr id="1" name="">
           <a:extLst>
             <a:ext uri="{FF2B5EF4-FFF2-40B4-BE49-F238E27FC236}">
-              <a16:creationId xmlns:a16="http://schemas.microsoft.com/office/drawing/2014/main" id="{082BD8D1-E451-7015-BDF9-CB8BDEB23F70}"/>
+              <a16:creationId xmlns:a16="http://schemas.microsoft.com/office/drawing/2014/main" id="{61AF2B73-1450-C563-B7D1-F135465FEAF4}"/>
             </a:ext>
           </a:extLst>
         </p:cNvPr>
@@ -16434,10 +18366,10 @@
       </p:grpSpPr>
       <p:sp useBgFill="1">
         <p:nvSpPr>
-          <p:cNvPr id="25" name="Rectangle 24">
+          <p:cNvPr id="8" name="Rectangle 7">
             <a:extLst>
               <a:ext uri="{FF2B5EF4-FFF2-40B4-BE49-F238E27FC236}">
-                <a16:creationId xmlns:a16="http://schemas.microsoft.com/office/drawing/2014/main" id="{E30FC4F1-5282-A8FF-92A6-2373737106CC}"/>
+                <a16:creationId xmlns:a16="http://schemas.microsoft.com/office/drawing/2014/main" id="{F8CC93BF-8A59-9663-D579-24D6F110F158}"/>
               </a:ext>
               <a:ext uri="{C183D7F6-B498-43B3-948B-1728B52AA6E4}">
                 <adec:decorative xmlns:adec="http://schemas.microsoft.com/office/drawing/2017/decorative" val="1"/>
@@ -16508,12 +18440,2100 @@
           </a:p>
         </p:txBody>
       </p:sp>
+      <p:sp useBgFill="1">
+        <p:nvSpPr>
+          <p:cNvPr id="10" name="Rectangle 9">
+            <a:extLst>
+              <a:ext uri="{FF2B5EF4-FFF2-40B4-BE49-F238E27FC236}">
+                <a16:creationId xmlns:a16="http://schemas.microsoft.com/office/drawing/2014/main" id="{E9B7A410-786C-E4E8-8B92-9D815AA093FF}"/>
+              </a:ext>
+              <a:ext uri="{C183D7F6-B498-43B3-948B-1728B52AA6E4}">
+                <adec:decorative xmlns:adec="http://schemas.microsoft.com/office/drawing/2017/decorative" val="1"/>
+              </a:ext>
+            </a:extLst>
+          </p:cNvPr>
+          <p:cNvSpPr>
+            <a:spLocks noGrp="1" noRot="1" noChangeAspect="1" noMove="1" noResize="1" noEditPoints="1" noAdjustHandles="1" noChangeArrowheads="1" noChangeShapeType="1" noTextEdit="1"/>
+          </p:cNvSpPr>
+          <p:nvPr>
+            <p:extLst>
+              <p:ext uri="{386F3935-93C4-4BCD-93E2-E3B085C9AB24}">
+                <p16:designElem xmlns:p16="http://schemas.microsoft.com/office/powerpoint/2015/main" val="1"/>
+              </p:ext>
+            </p:extLst>
+          </p:nvPr>
+        </p:nvSpPr>
+        <p:spPr>
+          <a:xfrm>
+            <a:off x="0" y="0"/>
+            <a:ext cx="12188952" cy="6858000"/>
+          </a:xfrm>
+          <a:prstGeom prst="rect">
+            <a:avLst/>
+          </a:prstGeom>
+          <a:ln w="12700" cap="flat" cmpd="sng" algn="ctr">
+            <a:noFill/>
+            <a:prstDash val="solid"/>
+            <a:miter lim="800000"/>
+          </a:ln>
+          <a:effectLst/>
+          <a:extLst>
+            <a:ext uri="{91240B29-F687-4F45-9708-019B960494DF}">
+              <a14:hiddenLine xmlns:a14="http://schemas.microsoft.com/office/drawing/2010/main" w="12700" cap="flat" cmpd="sng" algn="ctr">
+                <a:solidFill>
+                  <a:schemeClr val="accent1">
+                    <a:shade val="50000"/>
+                  </a:schemeClr>
+                </a:solidFill>
+                <a:prstDash val="solid"/>
+                <a:miter lim="800000"/>
+              </a14:hiddenLine>
+            </a:ext>
+          </a:extLst>
+        </p:spPr>
+        <p:style>
+          <a:lnRef idx="2">
+            <a:schemeClr val="accent1">
+              <a:shade val="50000"/>
+            </a:schemeClr>
+          </a:lnRef>
+          <a:fillRef idx="1">
+            <a:schemeClr val="accent1"/>
+          </a:fillRef>
+          <a:effectRef idx="0">
+            <a:schemeClr val="accent1"/>
+          </a:effectRef>
+          <a:fontRef idx="minor">
+            <a:schemeClr val="lt1"/>
+          </a:fontRef>
+        </p:style>
+        <p:txBody>
+          <a:bodyPr rtlCol="0" anchor="ctr"/>
+          <a:lstStyle/>
+          <a:p>
+            <a:pPr algn="ctr"/>
+            <a:endParaRPr lang="en-US"/>
+          </a:p>
+        </p:txBody>
+      </p:sp>
       <p:sp>
         <p:nvSpPr>
-          <p:cNvPr id="26" name="Rectangle 25">
+          <p:cNvPr id="12" name="Rectangle 11">
             <a:extLst>
               <a:ext uri="{FF2B5EF4-FFF2-40B4-BE49-F238E27FC236}">
-                <a16:creationId xmlns:a16="http://schemas.microsoft.com/office/drawing/2014/main" id="{4CFB4215-590A-89D5-3E09-4C17863BE909}"/>
+                <a16:creationId xmlns:a16="http://schemas.microsoft.com/office/drawing/2014/main" id="{894F6F7B-A833-D8E1-587D-925AC5DB02CA}"/>
+              </a:ext>
+              <a:ext uri="{C183D7F6-B498-43B3-948B-1728B52AA6E4}">
+                <adec:decorative xmlns:adec="http://schemas.microsoft.com/office/drawing/2017/decorative" val="1"/>
+              </a:ext>
+            </a:extLst>
+          </p:cNvPr>
+          <p:cNvSpPr>
+            <a:spLocks noGrp="1" noRot="1" noChangeAspect="1" noMove="1" noResize="1" noEditPoints="1" noAdjustHandles="1" noChangeArrowheads="1" noChangeShapeType="1" noTextEdit="1"/>
+          </p:cNvSpPr>
+          <p:nvPr>
+            <p:extLst>
+              <p:ext uri="{386F3935-93C4-4BCD-93E2-E3B085C9AB24}">
+                <p16:designElem xmlns:p16="http://schemas.microsoft.com/office/powerpoint/2015/main" val="1"/>
+              </p:ext>
+            </p:extLst>
+          </p:nvPr>
+        </p:nvSpPr>
+        <p:spPr>
+          <a:xfrm rot="5400000" flipH="1">
+            <a:off x="-1410084" y="1410082"/>
+            <a:ext cx="6858000" cy="4037836"/>
+          </a:xfrm>
+          <a:prstGeom prst="rect">
+            <a:avLst/>
+          </a:prstGeom>
+          <a:gradFill>
+            <a:gsLst>
+              <a:gs pos="8000">
+                <a:srgbClr val="000000"/>
+              </a:gs>
+              <a:gs pos="100000">
+                <a:schemeClr val="accent1">
+                  <a:lumMod val="75000"/>
+                </a:schemeClr>
+              </a:gs>
+            </a:gsLst>
+            <a:lin ang="3000000" scaled="0"/>
+          </a:gradFill>
+          <a:ln>
+            <a:noFill/>
+          </a:ln>
+        </p:spPr>
+        <p:style>
+          <a:lnRef idx="2">
+            <a:schemeClr val="accent1">
+              <a:shade val="50000"/>
+            </a:schemeClr>
+          </a:lnRef>
+          <a:fillRef idx="1">
+            <a:schemeClr val="accent1"/>
+          </a:fillRef>
+          <a:effectRef idx="0">
+            <a:schemeClr val="accent1"/>
+          </a:effectRef>
+          <a:fontRef idx="minor">
+            <a:schemeClr val="lt1"/>
+          </a:fontRef>
+        </p:style>
+        <p:txBody>
+          <a:bodyPr rtlCol="0" anchor="ctr"/>
+          <a:lstStyle/>
+          <a:p>
+            <a:pPr algn="ctr"/>
+            <a:endParaRPr lang="en-US"/>
+          </a:p>
+        </p:txBody>
+      </p:sp>
+      <p:sp>
+        <p:nvSpPr>
+          <p:cNvPr id="14" name="Rectangle 13">
+            <a:extLst>
+              <a:ext uri="{FF2B5EF4-FFF2-40B4-BE49-F238E27FC236}">
+                <a16:creationId xmlns:a16="http://schemas.microsoft.com/office/drawing/2014/main" id="{B2933CA9-D597-A182-BFB9-205D1745F9C2}"/>
+              </a:ext>
+              <a:ext uri="{C183D7F6-B498-43B3-948B-1728B52AA6E4}">
+                <adec:decorative xmlns:adec="http://schemas.microsoft.com/office/drawing/2017/decorative" val="1"/>
+              </a:ext>
+            </a:extLst>
+          </p:cNvPr>
+          <p:cNvSpPr>
+            <a:spLocks noGrp="1" noRot="1" noChangeAspect="1" noMove="1" noResize="1" noEditPoints="1" noAdjustHandles="1" noChangeArrowheads="1" noChangeShapeType="1" noTextEdit="1"/>
+          </p:cNvSpPr>
+          <p:nvPr>
+            <p:extLst>
+              <p:ext uri="{386F3935-93C4-4BCD-93E2-E3B085C9AB24}">
+                <p16:designElem xmlns:p16="http://schemas.microsoft.com/office/powerpoint/2015/main" val="1"/>
+              </p:ext>
+            </p:extLst>
+          </p:nvPr>
+        </p:nvSpPr>
+        <p:spPr>
+          <a:xfrm rot="5400000" flipH="1">
+            <a:off x="-1410085" y="1420219"/>
+            <a:ext cx="6857999" cy="4037839"/>
+          </a:xfrm>
+          <a:prstGeom prst="rect">
+            <a:avLst/>
+          </a:prstGeom>
+          <a:gradFill>
+            <a:gsLst>
+              <a:gs pos="0">
+                <a:srgbClr val="000000">
+                  <a:alpha val="0"/>
+                </a:srgbClr>
+              </a:gs>
+              <a:gs pos="99000">
+                <a:schemeClr val="accent1">
+                  <a:alpha val="46000"/>
+                </a:schemeClr>
+              </a:gs>
+            </a:gsLst>
+            <a:lin ang="1800000" scaled="0"/>
+          </a:gradFill>
+          <a:ln>
+            <a:noFill/>
+          </a:ln>
+        </p:spPr>
+        <p:style>
+          <a:lnRef idx="2">
+            <a:schemeClr val="accent1">
+              <a:shade val="50000"/>
+            </a:schemeClr>
+          </a:lnRef>
+          <a:fillRef idx="1">
+            <a:schemeClr val="accent1"/>
+          </a:fillRef>
+          <a:effectRef idx="0">
+            <a:schemeClr val="accent1"/>
+          </a:effectRef>
+          <a:fontRef idx="minor">
+            <a:schemeClr val="lt1"/>
+          </a:fontRef>
+        </p:style>
+        <p:txBody>
+          <a:bodyPr rtlCol="0" anchor="ctr"/>
+          <a:lstStyle/>
+          <a:p>
+            <a:pPr algn="ctr"/>
+            <a:endParaRPr lang="en-US"/>
+          </a:p>
+        </p:txBody>
+      </p:sp>
+      <p:sp>
+        <p:nvSpPr>
+          <p:cNvPr id="16" name="Rectangle 15">
+            <a:extLst>
+              <a:ext uri="{FF2B5EF4-FFF2-40B4-BE49-F238E27FC236}">
+                <a16:creationId xmlns:a16="http://schemas.microsoft.com/office/drawing/2014/main" id="{D3BF7E0D-18CA-6BC4-66A8-88C0B6E1EAF6}"/>
+              </a:ext>
+              <a:ext uri="{C183D7F6-B498-43B3-948B-1728B52AA6E4}">
+                <adec:decorative xmlns:adec="http://schemas.microsoft.com/office/drawing/2017/decorative" val="1"/>
+              </a:ext>
+            </a:extLst>
+          </p:cNvPr>
+          <p:cNvSpPr>
+            <a:spLocks noGrp="1" noRot="1" noChangeAspect="1" noMove="1" noResize="1" noEditPoints="1" noAdjustHandles="1" noChangeArrowheads="1" noChangeShapeType="1" noTextEdit="1"/>
+          </p:cNvSpPr>
+          <p:nvPr>
+            <p:extLst>
+              <p:ext uri="{386F3935-93C4-4BCD-93E2-E3B085C9AB24}">
+                <p16:designElem xmlns:p16="http://schemas.microsoft.com/office/powerpoint/2015/main" val="1"/>
+              </p:ext>
+            </p:extLst>
+          </p:nvPr>
+        </p:nvSpPr>
+        <p:spPr>
+          <a:xfrm rot="5400000" flipH="1">
+            <a:off x="767923" y="3588085"/>
+            <a:ext cx="2501979" cy="4037841"/>
+          </a:xfrm>
+          <a:prstGeom prst="rect">
+            <a:avLst/>
+          </a:prstGeom>
+          <a:gradFill>
+            <a:gsLst>
+              <a:gs pos="2000">
+                <a:schemeClr val="accent1">
+                  <a:alpha val="29000"/>
+                </a:schemeClr>
+              </a:gs>
+              <a:gs pos="100000">
+                <a:srgbClr val="000000">
+                  <a:alpha val="30000"/>
+                </a:srgbClr>
+              </a:gs>
+            </a:gsLst>
+            <a:lin ang="7800000" scaled="0"/>
+          </a:gradFill>
+          <a:ln>
+            <a:noFill/>
+          </a:ln>
+        </p:spPr>
+        <p:style>
+          <a:lnRef idx="2">
+            <a:schemeClr val="accent1">
+              <a:shade val="50000"/>
+            </a:schemeClr>
+          </a:lnRef>
+          <a:fillRef idx="1">
+            <a:schemeClr val="accent1"/>
+          </a:fillRef>
+          <a:effectRef idx="0">
+            <a:schemeClr val="accent1"/>
+          </a:effectRef>
+          <a:fontRef idx="minor">
+            <a:schemeClr val="lt1"/>
+          </a:fontRef>
+        </p:style>
+        <p:txBody>
+          <a:bodyPr rtlCol="0" anchor="ctr"/>
+          <a:lstStyle/>
+          <a:p>
+            <a:pPr algn="ctr"/>
+            <a:endParaRPr lang="en-US" dirty="0"/>
+          </a:p>
+        </p:txBody>
+      </p:sp>
+      <p:sp>
+        <p:nvSpPr>
+          <p:cNvPr id="18" name="Freeform: Shape 17">
+            <a:extLst>
+              <a:ext uri="{FF2B5EF4-FFF2-40B4-BE49-F238E27FC236}">
+                <a16:creationId xmlns:a16="http://schemas.microsoft.com/office/drawing/2014/main" id="{61109DB2-7401-19B7-3FAB-A4F6A65BB0FD}"/>
+              </a:ext>
+              <a:ext uri="{C183D7F6-B498-43B3-948B-1728B52AA6E4}">
+                <adec:decorative xmlns:adec="http://schemas.microsoft.com/office/drawing/2017/decorative" val="1"/>
+              </a:ext>
+            </a:extLst>
+          </p:cNvPr>
+          <p:cNvSpPr>
+            <a:spLocks noGrp="1" noRot="1" noChangeAspect="1" noMove="1" noResize="1" noEditPoints="1" noAdjustHandles="1" noChangeArrowheads="1" noChangeShapeType="1" noTextEdit="1"/>
+          </p:cNvSpPr>
+          <p:nvPr>
+            <p:extLst>
+              <p:ext uri="{386F3935-93C4-4BCD-93E2-E3B085C9AB24}">
+                <p16:designElem xmlns:p16="http://schemas.microsoft.com/office/powerpoint/2015/main" val="1"/>
+              </p:ext>
+            </p:extLst>
+          </p:nvPr>
+        </p:nvSpPr>
+        <p:spPr>
+          <a:xfrm rot="20635413">
+            <a:off x="-501737" y="969718"/>
+            <a:ext cx="3900357" cy="4178958"/>
+          </a:xfrm>
+          <a:custGeom>
+            <a:avLst/>
+            <a:gdLst>
+              <a:gd name="connsiteX0" fmla="*/ 2432225 w 3900357"/>
+              <a:gd name="connsiteY0" fmla="*/ 93939 h 4178958"/>
+              <a:gd name="connsiteX1" fmla="*/ 3900357 w 3900357"/>
+              <a:gd name="connsiteY1" fmla="*/ 2089479 h 4178958"/>
+              <a:gd name="connsiteX2" fmla="*/ 1810878 w 3900357"/>
+              <a:gd name="connsiteY2" fmla="*/ 4178958 h 4178958"/>
+              <a:gd name="connsiteX3" fmla="*/ 78249 w 3900357"/>
+              <a:gd name="connsiteY3" fmla="*/ 3257727 h 4178958"/>
+              <a:gd name="connsiteX4" fmla="*/ 0 w 3900357"/>
+              <a:gd name="connsiteY4" fmla="*/ 3128923 h 4178958"/>
+              <a:gd name="connsiteX5" fmla="*/ 831324 w 3900357"/>
+              <a:gd name="connsiteY5" fmla="*/ 244281 h 4178958"/>
+              <a:gd name="connsiteX6" fmla="*/ 997559 w 3900357"/>
+              <a:gd name="connsiteY6" fmla="*/ 164202 h 4178958"/>
+              <a:gd name="connsiteX7" fmla="*/ 1810878 w 3900357"/>
+              <a:gd name="connsiteY7" fmla="*/ 0 h 4178958"/>
+              <a:gd name="connsiteX8" fmla="*/ 2432225 w 3900357"/>
+              <a:gd name="connsiteY8" fmla="*/ 93939 h 4178958"/>
+            </a:gdLst>
+            <a:ahLst/>
+            <a:cxnLst>
+              <a:cxn ang="0">
+                <a:pos x="connsiteX0" y="connsiteY0"/>
+              </a:cxn>
+              <a:cxn ang="0">
+                <a:pos x="connsiteX1" y="connsiteY1"/>
+              </a:cxn>
+              <a:cxn ang="0">
+                <a:pos x="connsiteX2" y="connsiteY2"/>
+              </a:cxn>
+              <a:cxn ang="0">
+                <a:pos x="connsiteX3" y="connsiteY3"/>
+              </a:cxn>
+              <a:cxn ang="0">
+                <a:pos x="connsiteX4" y="connsiteY4"/>
+              </a:cxn>
+              <a:cxn ang="0">
+                <a:pos x="connsiteX5" y="connsiteY5"/>
+              </a:cxn>
+              <a:cxn ang="0">
+                <a:pos x="connsiteX6" y="connsiteY6"/>
+              </a:cxn>
+              <a:cxn ang="0">
+                <a:pos x="connsiteX7" y="connsiteY7"/>
+              </a:cxn>
+              <a:cxn ang="0">
+                <a:pos x="connsiteX8" y="connsiteY8"/>
+              </a:cxn>
+            </a:cxnLst>
+            <a:rect l="l" t="t" r="r" b="b"/>
+            <a:pathLst>
+              <a:path w="3900357" h="4178958">
+                <a:moveTo>
+                  <a:pt x="2432225" y="93939"/>
+                </a:moveTo>
+                <a:cubicBezTo>
+                  <a:pt x="3282786" y="358491"/>
+                  <a:pt x="3900357" y="1151865"/>
+                  <a:pt x="3900357" y="2089479"/>
+                </a:cubicBezTo>
+                <a:cubicBezTo>
+                  <a:pt x="3900357" y="3243466"/>
+                  <a:pt x="2964865" y="4178958"/>
+                  <a:pt x="1810878" y="4178958"/>
+                </a:cubicBezTo>
+                <a:cubicBezTo>
+                  <a:pt x="1089636" y="4178958"/>
+                  <a:pt x="453744" y="3813531"/>
+                  <a:pt x="78249" y="3257727"/>
+                </a:cubicBezTo>
+                <a:lnTo>
+                  <a:pt x="0" y="3128923"/>
+                </a:lnTo>
+                <a:lnTo>
+                  <a:pt x="831324" y="244281"/>
+                </a:lnTo>
+                <a:lnTo>
+                  <a:pt x="997559" y="164202"/>
+                </a:lnTo>
+                <a:cubicBezTo>
+                  <a:pt x="1247540" y="58468"/>
+                  <a:pt x="1522381" y="0"/>
+                  <a:pt x="1810878" y="0"/>
+                </a:cubicBezTo>
+                <a:cubicBezTo>
+                  <a:pt x="2027251" y="0"/>
+                  <a:pt x="2235942" y="32888"/>
+                  <a:pt x="2432225" y="93939"/>
+                </a:cubicBezTo>
+                <a:close/>
+              </a:path>
+            </a:pathLst>
+          </a:custGeom>
+          <a:gradFill>
+            <a:gsLst>
+              <a:gs pos="29000">
+                <a:srgbClr val="000000">
+                  <a:alpha val="0"/>
+                </a:srgbClr>
+              </a:gs>
+              <a:gs pos="100000">
+                <a:schemeClr val="accent1">
+                  <a:alpha val="43000"/>
+                </a:schemeClr>
+              </a:gs>
+            </a:gsLst>
+            <a:lin ang="1800000" scaled="0"/>
+          </a:gradFill>
+          <a:ln>
+            <a:noFill/>
+          </a:ln>
+        </p:spPr>
+        <p:style>
+          <a:lnRef idx="2">
+            <a:schemeClr val="accent1">
+              <a:shade val="50000"/>
+            </a:schemeClr>
+          </a:lnRef>
+          <a:fillRef idx="1">
+            <a:schemeClr val="accent1"/>
+          </a:fillRef>
+          <a:effectRef idx="0">
+            <a:schemeClr val="accent1"/>
+          </a:effectRef>
+          <a:fontRef idx="minor">
+            <a:schemeClr val="lt1"/>
+          </a:fontRef>
+        </p:style>
+        <p:txBody>
+          <a:bodyPr wrap="square" rtlCol="0" anchor="ctr">
+            <a:noAutofit/>
+          </a:bodyPr>
+          <a:lstStyle/>
+          <a:p>
+            <a:pPr algn="ctr"/>
+            <a:endParaRPr lang="en-US" dirty="0"/>
+          </a:p>
+        </p:txBody>
+      </p:sp>
+      <p:sp>
+        <p:nvSpPr>
+          <p:cNvPr id="20" name="Rectangle 19">
+            <a:extLst>
+              <a:ext uri="{FF2B5EF4-FFF2-40B4-BE49-F238E27FC236}">
+                <a16:creationId xmlns:a16="http://schemas.microsoft.com/office/drawing/2014/main" id="{6919103C-420E-5553-8E6F-67E6F8B1AF5B}"/>
+              </a:ext>
+              <a:ext uri="{C183D7F6-B498-43B3-948B-1728B52AA6E4}">
+                <adec:decorative xmlns:adec="http://schemas.microsoft.com/office/drawing/2017/decorative" val="1"/>
+              </a:ext>
+            </a:extLst>
+          </p:cNvPr>
+          <p:cNvSpPr>
+            <a:spLocks noGrp="1" noRot="1" noChangeAspect="1" noMove="1" noResize="1" noEditPoints="1" noAdjustHandles="1" noChangeArrowheads="1" noChangeShapeType="1" noTextEdit="1"/>
+          </p:cNvSpPr>
+          <p:nvPr>
+            <p:extLst>
+              <p:ext uri="{386F3935-93C4-4BCD-93E2-E3B085C9AB24}">
+                <p16:designElem xmlns:p16="http://schemas.microsoft.com/office/powerpoint/2015/main" val="1"/>
+              </p:ext>
+            </p:extLst>
+          </p:nvPr>
+        </p:nvSpPr>
+        <p:spPr>
+          <a:xfrm rot="5400000" flipH="1">
+            <a:off x="-1410093" y="1399943"/>
+            <a:ext cx="6858003" cy="4037835"/>
+          </a:xfrm>
+          <a:prstGeom prst="rect">
+            <a:avLst/>
+          </a:prstGeom>
+          <a:gradFill>
+            <a:gsLst>
+              <a:gs pos="0">
+                <a:srgbClr val="000000">
+                  <a:alpha val="0"/>
+                </a:srgbClr>
+              </a:gs>
+              <a:gs pos="99000">
+                <a:schemeClr val="accent1">
+                  <a:lumMod val="60000"/>
+                  <a:lumOff val="40000"/>
+                  <a:alpha val="11000"/>
+                </a:schemeClr>
+              </a:gs>
+            </a:gsLst>
+            <a:lin ang="7200000" scaled="0"/>
+          </a:gradFill>
+          <a:ln>
+            <a:noFill/>
+          </a:ln>
+        </p:spPr>
+        <p:style>
+          <a:lnRef idx="2">
+            <a:schemeClr val="accent1">
+              <a:shade val="50000"/>
+            </a:schemeClr>
+          </a:lnRef>
+          <a:fillRef idx="1">
+            <a:schemeClr val="accent1"/>
+          </a:fillRef>
+          <a:effectRef idx="0">
+            <a:schemeClr val="accent1"/>
+          </a:effectRef>
+          <a:fontRef idx="minor">
+            <a:schemeClr val="lt1"/>
+          </a:fontRef>
+        </p:style>
+        <p:txBody>
+          <a:bodyPr rtlCol="0" anchor="ctr"/>
+          <a:lstStyle/>
+          <a:p>
+            <a:pPr algn="ctr"/>
+            <a:endParaRPr lang="en-US"/>
+          </a:p>
+        </p:txBody>
+      </p:sp>
+      <p:sp>
+        <p:nvSpPr>
+          <p:cNvPr id="2" name="Title 1">
+            <a:extLst>
+              <a:ext uri="{FF2B5EF4-FFF2-40B4-BE49-F238E27FC236}">
+                <a16:creationId xmlns:a16="http://schemas.microsoft.com/office/drawing/2014/main" id="{CE72AD8F-F75F-C107-1840-2F6636B4E0E5}"/>
+              </a:ext>
+            </a:extLst>
+          </p:cNvPr>
+          <p:cNvSpPr>
+            <a:spLocks noGrp="1"/>
+          </p:cNvSpPr>
+          <p:nvPr>
+            <p:ph type="title"/>
+          </p:nvPr>
+        </p:nvSpPr>
+        <p:spPr>
+          <a:xfrm>
+            <a:off x="466722" y="586855"/>
+            <a:ext cx="3201366" cy="3387497"/>
+          </a:xfrm>
+        </p:spPr>
+        <p:txBody>
+          <a:bodyPr rtlCol="0" anchor="b">
+            <a:normAutofit/>
+          </a:bodyPr>
+          <a:lstStyle/>
+          <a:p>
+            <a:pPr algn="r" rtl="0"/>
+            <a:r>
+              <a:rPr lang="en-GB" sz="4000">
+                <a:solidFill>
+                  <a:srgbClr val="FFFFFF"/>
+                </a:solidFill>
+              </a:rPr>
+              <a:t>Sprint 2 - EXECUTION</a:t>
+            </a:r>
+          </a:p>
+        </p:txBody>
+      </p:sp>
+      <p:sp>
+        <p:nvSpPr>
+          <p:cNvPr id="3" name="Content Placeholder 2">
+            <a:extLst>
+              <a:ext uri="{FF2B5EF4-FFF2-40B4-BE49-F238E27FC236}">
+                <a16:creationId xmlns:a16="http://schemas.microsoft.com/office/drawing/2014/main" id="{8F0933D9-98EA-6939-5B25-DCED90E325CF}"/>
+              </a:ext>
+            </a:extLst>
+          </p:cNvPr>
+          <p:cNvSpPr>
+            <a:spLocks noGrp="1"/>
+          </p:cNvSpPr>
+          <p:nvPr>
+            <p:ph idx="1"/>
+          </p:nvPr>
+        </p:nvSpPr>
+        <p:spPr>
+          <a:xfrm>
+            <a:off x="4433603" y="1234766"/>
+            <a:ext cx="7232880" cy="2533194"/>
+          </a:xfrm>
+        </p:spPr>
+        <p:txBody>
+          <a:bodyPr rtlCol="0" anchor="ctr">
+            <a:normAutofit/>
+          </a:bodyPr>
+          <a:lstStyle/>
+          <a:p>
+            <a:r>
+              <a:rPr lang="en-GB" sz="2000" b="1" dirty="0">
+                <a:hlinkClick r:id="rId3"/>
+              </a:rPr>
+              <a:t>https://github.com/DASHEYJ3/Module_6_ETL_GroupA.git</a:t>
+            </a:r>
+            <a:endParaRPr lang="en-GB" sz="2000" b="1" dirty="0"/>
+          </a:p>
+          <a:p>
+            <a:endParaRPr lang="en-GB" sz="2000" b="1" dirty="0"/>
+          </a:p>
+          <a:p>
+            <a:r>
+              <a:rPr lang="en-GB" sz="2000" b="1" dirty="0"/>
+              <a:t>Python ETL</a:t>
+            </a:r>
+          </a:p>
+          <a:p>
+            <a:pPr marL="0" indent="0">
+              <a:buNone/>
+            </a:pPr>
+            <a:endParaRPr lang="en-GB" sz="2000" b="1" dirty="0"/>
+          </a:p>
+        </p:txBody>
+      </p:sp>
+      <p:sp>
+        <p:nvSpPr>
+          <p:cNvPr id="5" name="TextBox 4">
+            <a:extLst>
+              <a:ext uri="{FF2B5EF4-FFF2-40B4-BE49-F238E27FC236}">
+                <a16:creationId xmlns:a16="http://schemas.microsoft.com/office/drawing/2014/main" id="{DF6CD7D3-2A81-8EC5-E50B-669824CACB0B}"/>
+              </a:ext>
+            </a:extLst>
+          </p:cNvPr>
+          <p:cNvSpPr txBox="1"/>
+          <p:nvPr/>
+        </p:nvSpPr>
+        <p:spPr>
+          <a:xfrm>
+            <a:off x="4433603" y="3767960"/>
+            <a:ext cx="7583213" cy="1508105"/>
+          </a:xfrm>
+          <a:prstGeom prst="rect">
+            <a:avLst/>
+          </a:prstGeom>
+          <a:noFill/>
+        </p:spPr>
+        <p:txBody>
+          <a:bodyPr wrap="square" rtlCol="0">
+            <a:spAutoFit/>
+          </a:bodyPr>
+          <a:lstStyle/>
+          <a:p>
+            <a:pPr marL="285750" indent="-285750">
+              <a:buFont typeface="Arial" panose="020B0604020202020204" pitchFamily="34" charset="0"/>
+              <a:buChar char="•"/>
+            </a:pPr>
+            <a:r>
+              <a:rPr lang="en-GB" b="1" dirty="0"/>
+              <a:t>As a Data Engineer, I want automatic retry functionality for transient failures so that temporary issues don't cause complete pipeline failures.</a:t>
+            </a:r>
+          </a:p>
+          <a:p>
+            <a:endParaRPr lang="en-GB" b="1" dirty="0"/>
+          </a:p>
+          <a:p>
+            <a:r>
+              <a:rPr lang="en-GB" b="1" dirty="0">
+                <a:hlinkClick r:id="rId3"/>
+              </a:rPr>
+              <a:t>https://github.com/DASHEYJ3/Module_6_ETL_GroupA.git</a:t>
+            </a:r>
+            <a:endParaRPr lang="en-GB" b="1" dirty="0"/>
+          </a:p>
+          <a:p>
+            <a:endParaRPr lang="en-GB" dirty="0"/>
+          </a:p>
+        </p:txBody>
+      </p:sp>
+    </p:spTree>
+    <p:extLst>
+      <p:ext uri="{BB962C8B-B14F-4D97-AF65-F5344CB8AC3E}">
+        <p14:creationId xmlns:p14="http://schemas.microsoft.com/office/powerpoint/2010/main" val="2680350040"/>
+      </p:ext>
+    </p:extLst>
+  </p:cSld>
+  <p:clrMapOvr>
+    <a:masterClrMapping/>
+  </p:clrMapOvr>
+  <mc:AlternateContent xmlns:mc="http://schemas.openxmlformats.org/markup-compatibility/2006">
+    <mc:Choice xmlns:p14="http://schemas.microsoft.com/office/powerpoint/2010/main" Requires="p14">
+      <p:transition spd="med" p14:dur="700">
+        <p:fade/>
+      </p:transition>
+    </mc:Choice>
+    <mc:Fallback>
+      <p:transition spd="med">
+        <p:fade/>
+      </p:transition>
+    </mc:Fallback>
+  </mc:AlternateContent>
+</p:sld>
+</file>
+
+<file path=ppt/slides/slide18.xml><?xml version="1.0" encoding="utf-8"?>
+<p:sld xmlns:a="http://schemas.openxmlformats.org/drawingml/2006/main" xmlns:r="http://schemas.openxmlformats.org/officeDocument/2006/relationships" xmlns:p="http://schemas.openxmlformats.org/presentationml/2006/main">
+  <p:cSld>
+    <p:bg>
+      <p:bgPr>
+        <a:solidFill>
+          <a:schemeClr val="bg1"/>
+        </a:solidFill>
+        <a:effectLst/>
+      </p:bgPr>
+    </p:bg>
+    <p:spTree>
+      <p:nvGrpSpPr>
+        <p:cNvPr id="1" name="">
+          <a:extLst>
+            <a:ext uri="{FF2B5EF4-FFF2-40B4-BE49-F238E27FC236}">
+              <a16:creationId xmlns:a16="http://schemas.microsoft.com/office/drawing/2014/main" id="{19892D0E-DFBB-F008-F59C-817551D3DE2C}"/>
+            </a:ext>
+          </a:extLst>
+        </p:cNvPr>
+        <p:cNvGrpSpPr/>
+        <p:nvPr/>
+      </p:nvGrpSpPr>
+      <p:grpSpPr>
+        <a:xfrm>
+          <a:off x="0" y="0"/>
+          <a:ext cx="0" cy="0"/>
+          <a:chOff x="0" y="0"/>
+          <a:chExt cx="0" cy="0"/>
+        </a:xfrm>
+      </p:grpSpPr>
+      <p:sp useBgFill="1">
+        <p:nvSpPr>
+          <p:cNvPr id="8" name="Rectangle 7">
+            <a:extLst>
+              <a:ext uri="{FF2B5EF4-FFF2-40B4-BE49-F238E27FC236}">
+                <a16:creationId xmlns:a16="http://schemas.microsoft.com/office/drawing/2014/main" id="{16246B71-4046-7F47-8B02-772A7A3BB6EE}"/>
+              </a:ext>
+              <a:ext uri="{C183D7F6-B498-43B3-948B-1728B52AA6E4}">
+                <adec:decorative xmlns:adec="http://schemas.microsoft.com/office/drawing/2017/decorative" val="1"/>
+              </a:ext>
+            </a:extLst>
+          </p:cNvPr>
+          <p:cNvSpPr>
+            <a:spLocks noGrp="1" noRot="1" noChangeAspect="1" noMove="1" noResize="1" noEditPoints="1" noAdjustHandles="1" noChangeArrowheads="1" noChangeShapeType="1" noTextEdit="1"/>
+          </p:cNvSpPr>
+          <p:nvPr>
+            <p:extLst>
+              <p:ext uri="{386F3935-93C4-4BCD-93E2-E3B085C9AB24}">
+                <p16:designElem xmlns:p16="http://schemas.microsoft.com/office/powerpoint/2015/main" val="1"/>
+              </p:ext>
+            </p:extLst>
+          </p:nvPr>
+        </p:nvSpPr>
+        <p:spPr>
+          <a:xfrm>
+            <a:off x="0" y="0"/>
+            <a:ext cx="12192000" cy="6858000"/>
+          </a:xfrm>
+          <a:prstGeom prst="rect">
+            <a:avLst/>
+          </a:prstGeom>
+          <a:ln w="12700" cap="flat" cmpd="sng" algn="ctr">
+            <a:noFill/>
+            <a:prstDash val="solid"/>
+            <a:miter lim="800000"/>
+          </a:ln>
+          <a:effectLst/>
+          <a:extLst>
+            <a:ext uri="{91240B29-F687-4F45-9708-019B960494DF}">
+              <a14:hiddenLine xmlns:a14="http://schemas.microsoft.com/office/drawing/2010/main" w="12700" cap="flat" cmpd="sng" algn="ctr">
+                <a:solidFill>
+                  <a:schemeClr val="accent1">
+                    <a:shade val="50000"/>
+                  </a:schemeClr>
+                </a:solidFill>
+                <a:prstDash val="solid"/>
+                <a:miter lim="800000"/>
+              </a14:hiddenLine>
+            </a:ext>
+          </a:extLst>
+        </p:spPr>
+        <p:style>
+          <a:lnRef idx="2">
+            <a:schemeClr val="accent1">
+              <a:shade val="50000"/>
+            </a:schemeClr>
+          </a:lnRef>
+          <a:fillRef idx="1">
+            <a:schemeClr val="accent1"/>
+          </a:fillRef>
+          <a:effectRef idx="0">
+            <a:schemeClr val="accent1"/>
+          </a:effectRef>
+          <a:fontRef idx="minor">
+            <a:schemeClr val="lt1"/>
+          </a:fontRef>
+        </p:style>
+        <p:txBody>
+          <a:bodyPr rtlCol="0" anchor="ctr"/>
+          <a:lstStyle/>
+          <a:p>
+            <a:pPr algn="ctr"/>
+            <a:endParaRPr lang="en-US"/>
+          </a:p>
+        </p:txBody>
+      </p:sp>
+      <p:sp useBgFill="1">
+        <p:nvSpPr>
+          <p:cNvPr id="10" name="Rectangle 9">
+            <a:extLst>
+              <a:ext uri="{FF2B5EF4-FFF2-40B4-BE49-F238E27FC236}">
+                <a16:creationId xmlns:a16="http://schemas.microsoft.com/office/drawing/2014/main" id="{01F5DEAC-0709-88C5-E07A-3D0F5C404AD1}"/>
+              </a:ext>
+              <a:ext uri="{C183D7F6-B498-43B3-948B-1728B52AA6E4}">
+                <adec:decorative xmlns:adec="http://schemas.microsoft.com/office/drawing/2017/decorative" val="1"/>
+              </a:ext>
+            </a:extLst>
+          </p:cNvPr>
+          <p:cNvSpPr>
+            <a:spLocks noGrp="1" noRot="1" noChangeAspect="1" noMove="1" noResize="1" noEditPoints="1" noAdjustHandles="1" noChangeArrowheads="1" noChangeShapeType="1" noTextEdit="1"/>
+          </p:cNvSpPr>
+          <p:nvPr>
+            <p:extLst>
+              <p:ext uri="{386F3935-93C4-4BCD-93E2-E3B085C9AB24}">
+                <p16:designElem xmlns:p16="http://schemas.microsoft.com/office/powerpoint/2015/main" val="1"/>
+              </p:ext>
+            </p:extLst>
+          </p:nvPr>
+        </p:nvSpPr>
+        <p:spPr>
+          <a:xfrm>
+            <a:off x="0" y="0"/>
+            <a:ext cx="12188952" cy="6858000"/>
+          </a:xfrm>
+          <a:prstGeom prst="rect">
+            <a:avLst/>
+          </a:prstGeom>
+          <a:ln w="12700" cap="flat" cmpd="sng" algn="ctr">
+            <a:noFill/>
+            <a:prstDash val="solid"/>
+            <a:miter lim="800000"/>
+          </a:ln>
+          <a:effectLst/>
+          <a:extLst>
+            <a:ext uri="{91240B29-F687-4F45-9708-019B960494DF}">
+              <a14:hiddenLine xmlns:a14="http://schemas.microsoft.com/office/drawing/2010/main" w="12700" cap="flat" cmpd="sng" algn="ctr">
+                <a:solidFill>
+                  <a:schemeClr val="accent1">
+                    <a:shade val="50000"/>
+                  </a:schemeClr>
+                </a:solidFill>
+                <a:prstDash val="solid"/>
+                <a:miter lim="800000"/>
+              </a14:hiddenLine>
+            </a:ext>
+          </a:extLst>
+        </p:spPr>
+        <p:style>
+          <a:lnRef idx="2">
+            <a:schemeClr val="accent1">
+              <a:shade val="50000"/>
+            </a:schemeClr>
+          </a:lnRef>
+          <a:fillRef idx="1">
+            <a:schemeClr val="accent1"/>
+          </a:fillRef>
+          <a:effectRef idx="0">
+            <a:schemeClr val="accent1"/>
+          </a:effectRef>
+          <a:fontRef idx="minor">
+            <a:schemeClr val="lt1"/>
+          </a:fontRef>
+        </p:style>
+        <p:txBody>
+          <a:bodyPr rtlCol="0" anchor="ctr"/>
+          <a:lstStyle/>
+          <a:p>
+            <a:pPr algn="ctr"/>
+            <a:endParaRPr lang="en-US"/>
+          </a:p>
+        </p:txBody>
+      </p:sp>
+      <p:sp>
+        <p:nvSpPr>
+          <p:cNvPr id="12" name="Rectangle 11">
+            <a:extLst>
+              <a:ext uri="{FF2B5EF4-FFF2-40B4-BE49-F238E27FC236}">
+                <a16:creationId xmlns:a16="http://schemas.microsoft.com/office/drawing/2014/main" id="{0569C3DF-BF42-8F4A-B8B9-8C49979667BC}"/>
+              </a:ext>
+              <a:ext uri="{C183D7F6-B498-43B3-948B-1728B52AA6E4}">
+                <adec:decorative xmlns:adec="http://schemas.microsoft.com/office/drawing/2017/decorative" val="1"/>
+              </a:ext>
+            </a:extLst>
+          </p:cNvPr>
+          <p:cNvSpPr>
+            <a:spLocks noGrp="1" noRot="1" noChangeAspect="1" noMove="1" noResize="1" noEditPoints="1" noAdjustHandles="1" noChangeArrowheads="1" noChangeShapeType="1" noTextEdit="1"/>
+          </p:cNvSpPr>
+          <p:nvPr>
+            <p:extLst>
+              <p:ext uri="{386F3935-93C4-4BCD-93E2-E3B085C9AB24}">
+                <p16:designElem xmlns:p16="http://schemas.microsoft.com/office/powerpoint/2015/main" val="1"/>
+              </p:ext>
+            </p:extLst>
+          </p:nvPr>
+        </p:nvSpPr>
+        <p:spPr>
+          <a:xfrm rot="5400000" flipH="1">
+            <a:off x="-1410084" y="1410082"/>
+            <a:ext cx="6858000" cy="4037836"/>
+          </a:xfrm>
+          <a:prstGeom prst="rect">
+            <a:avLst/>
+          </a:prstGeom>
+          <a:gradFill>
+            <a:gsLst>
+              <a:gs pos="8000">
+                <a:srgbClr val="000000"/>
+              </a:gs>
+              <a:gs pos="100000">
+                <a:schemeClr val="accent1">
+                  <a:lumMod val="75000"/>
+                </a:schemeClr>
+              </a:gs>
+            </a:gsLst>
+            <a:lin ang="3000000" scaled="0"/>
+          </a:gradFill>
+          <a:ln>
+            <a:noFill/>
+          </a:ln>
+        </p:spPr>
+        <p:style>
+          <a:lnRef idx="2">
+            <a:schemeClr val="accent1">
+              <a:shade val="50000"/>
+            </a:schemeClr>
+          </a:lnRef>
+          <a:fillRef idx="1">
+            <a:schemeClr val="accent1"/>
+          </a:fillRef>
+          <a:effectRef idx="0">
+            <a:schemeClr val="accent1"/>
+          </a:effectRef>
+          <a:fontRef idx="minor">
+            <a:schemeClr val="lt1"/>
+          </a:fontRef>
+        </p:style>
+        <p:txBody>
+          <a:bodyPr rtlCol="0" anchor="ctr"/>
+          <a:lstStyle/>
+          <a:p>
+            <a:pPr algn="ctr"/>
+            <a:endParaRPr lang="en-US"/>
+          </a:p>
+        </p:txBody>
+      </p:sp>
+      <p:sp>
+        <p:nvSpPr>
+          <p:cNvPr id="14" name="Rectangle 13">
+            <a:extLst>
+              <a:ext uri="{FF2B5EF4-FFF2-40B4-BE49-F238E27FC236}">
+                <a16:creationId xmlns:a16="http://schemas.microsoft.com/office/drawing/2014/main" id="{0FE40F87-3049-F68B-E198-2B49AD3A59B2}"/>
+              </a:ext>
+              <a:ext uri="{C183D7F6-B498-43B3-948B-1728B52AA6E4}">
+                <adec:decorative xmlns:adec="http://schemas.microsoft.com/office/drawing/2017/decorative" val="1"/>
+              </a:ext>
+            </a:extLst>
+          </p:cNvPr>
+          <p:cNvSpPr>
+            <a:spLocks noGrp="1" noRot="1" noChangeAspect="1" noMove="1" noResize="1" noEditPoints="1" noAdjustHandles="1" noChangeArrowheads="1" noChangeShapeType="1" noTextEdit="1"/>
+          </p:cNvSpPr>
+          <p:nvPr>
+            <p:extLst>
+              <p:ext uri="{386F3935-93C4-4BCD-93E2-E3B085C9AB24}">
+                <p16:designElem xmlns:p16="http://schemas.microsoft.com/office/powerpoint/2015/main" val="1"/>
+              </p:ext>
+            </p:extLst>
+          </p:nvPr>
+        </p:nvSpPr>
+        <p:spPr>
+          <a:xfrm rot="5400000" flipH="1">
+            <a:off x="-1410085" y="1420219"/>
+            <a:ext cx="6857999" cy="4037839"/>
+          </a:xfrm>
+          <a:prstGeom prst="rect">
+            <a:avLst/>
+          </a:prstGeom>
+          <a:gradFill>
+            <a:gsLst>
+              <a:gs pos="0">
+                <a:srgbClr val="000000">
+                  <a:alpha val="0"/>
+                </a:srgbClr>
+              </a:gs>
+              <a:gs pos="99000">
+                <a:schemeClr val="accent1">
+                  <a:alpha val="46000"/>
+                </a:schemeClr>
+              </a:gs>
+            </a:gsLst>
+            <a:lin ang="1800000" scaled="0"/>
+          </a:gradFill>
+          <a:ln>
+            <a:noFill/>
+          </a:ln>
+        </p:spPr>
+        <p:style>
+          <a:lnRef idx="2">
+            <a:schemeClr val="accent1">
+              <a:shade val="50000"/>
+            </a:schemeClr>
+          </a:lnRef>
+          <a:fillRef idx="1">
+            <a:schemeClr val="accent1"/>
+          </a:fillRef>
+          <a:effectRef idx="0">
+            <a:schemeClr val="accent1"/>
+          </a:effectRef>
+          <a:fontRef idx="minor">
+            <a:schemeClr val="lt1"/>
+          </a:fontRef>
+        </p:style>
+        <p:txBody>
+          <a:bodyPr rtlCol="0" anchor="ctr"/>
+          <a:lstStyle/>
+          <a:p>
+            <a:pPr algn="ctr"/>
+            <a:endParaRPr lang="en-US"/>
+          </a:p>
+        </p:txBody>
+      </p:sp>
+      <p:sp>
+        <p:nvSpPr>
+          <p:cNvPr id="16" name="Rectangle 15">
+            <a:extLst>
+              <a:ext uri="{FF2B5EF4-FFF2-40B4-BE49-F238E27FC236}">
+                <a16:creationId xmlns:a16="http://schemas.microsoft.com/office/drawing/2014/main" id="{D262F1A3-3569-3C9C-16A7-ACC5A94C1FF4}"/>
+              </a:ext>
+              <a:ext uri="{C183D7F6-B498-43B3-948B-1728B52AA6E4}">
+                <adec:decorative xmlns:adec="http://schemas.microsoft.com/office/drawing/2017/decorative" val="1"/>
+              </a:ext>
+            </a:extLst>
+          </p:cNvPr>
+          <p:cNvSpPr>
+            <a:spLocks noGrp="1" noRot="1" noChangeAspect="1" noMove="1" noResize="1" noEditPoints="1" noAdjustHandles="1" noChangeArrowheads="1" noChangeShapeType="1" noTextEdit="1"/>
+          </p:cNvSpPr>
+          <p:nvPr>
+            <p:extLst>
+              <p:ext uri="{386F3935-93C4-4BCD-93E2-E3B085C9AB24}">
+                <p16:designElem xmlns:p16="http://schemas.microsoft.com/office/powerpoint/2015/main" val="1"/>
+              </p:ext>
+            </p:extLst>
+          </p:nvPr>
+        </p:nvSpPr>
+        <p:spPr>
+          <a:xfrm rot="5400000" flipH="1">
+            <a:off x="767923" y="3588085"/>
+            <a:ext cx="2501979" cy="4037841"/>
+          </a:xfrm>
+          <a:prstGeom prst="rect">
+            <a:avLst/>
+          </a:prstGeom>
+          <a:gradFill>
+            <a:gsLst>
+              <a:gs pos="2000">
+                <a:schemeClr val="accent1">
+                  <a:alpha val="29000"/>
+                </a:schemeClr>
+              </a:gs>
+              <a:gs pos="100000">
+                <a:srgbClr val="000000">
+                  <a:alpha val="30000"/>
+                </a:srgbClr>
+              </a:gs>
+            </a:gsLst>
+            <a:lin ang="7800000" scaled="0"/>
+          </a:gradFill>
+          <a:ln>
+            <a:noFill/>
+          </a:ln>
+        </p:spPr>
+        <p:style>
+          <a:lnRef idx="2">
+            <a:schemeClr val="accent1">
+              <a:shade val="50000"/>
+            </a:schemeClr>
+          </a:lnRef>
+          <a:fillRef idx="1">
+            <a:schemeClr val="accent1"/>
+          </a:fillRef>
+          <a:effectRef idx="0">
+            <a:schemeClr val="accent1"/>
+          </a:effectRef>
+          <a:fontRef idx="minor">
+            <a:schemeClr val="lt1"/>
+          </a:fontRef>
+        </p:style>
+        <p:txBody>
+          <a:bodyPr rtlCol="0" anchor="ctr"/>
+          <a:lstStyle/>
+          <a:p>
+            <a:pPr algn="ctr"/>
+            <a:endParaRPr lang="en-US" dirty="0"/>
+          </a:p>
+        </p:txBody>
+      </p:sp>
+      <p:sp>
+        <p:nvSpPr>
+          <p:cNvPr id="18" name="Freeform: Shape 17">
+            <a:extLst>
+              <a:ext uri="{FF2B5EF4-FFF2-40B4-BE49-F238E27FC236}">
+                <a16:creationId xmlns:a16="http://schemas.microsoft.com/office/drawing/2014/main" id="{17371434-9E3A-7FFF-FB69-C93F7B56BCF3}"/>
+              </a:ext>
+              <a:ext uri="{C183D7F6-B498-43B3-948B-1728B52AA6E4}">
+                <adec:decorative xmlns:adec="http://schemas.microsoft.com/office/drawing/2017/decorative" val="1"/>
+              </a:ext>
+            </a:extLst>
+          </p:cNvPr>
+          <p:cNvSpPr>
+            <a:spLocks noGrp="1" noRot="1" noChangeAspect="1" noMove="1" noResize="1" noEditPoints="1" noAdjustHandles="1" noChangeArrowheads="1" noChangeShapeType="1" noTextEdit="1"/>
+          </p:cNvSpPr>
+          <p:nvPr>
+            <p:extLst>
+              <p:ext uri="{386F3935-93C4-4BCD-93E2-E3B085C9AB24}">
+                <p16:designElem xmlns:p16="http://schemas.microsoft.com/office/powerpoint/2015/main" val="1"/>
+              </p:ext>
+            </p:extLst>
+          </p:nvPr>
+        </p:nvSpPr>
+        <p:spPr>
+          <a:xfrm rot="20635413">
+            <a:off x="-501737" y="969718"/>
+            <a:ext cx="3900357" cy="4178958"/>
+          </a:xfrm>
+          <a:custGeom>
+            <a:avLst/>
+            <a:gdLst>
+              <a:gd name="connsiteX0" fmla="*/ 2432225 w 3900357"/>
+              <a:gd name="connsiteY0" fmla="*/ 93939 h 4178958"/>
+              <a:gd name="connsiteX1" fmla="*/ 3900357 w 3900357"/>
+              <a:gd name="connsiteY1" fmla="*/ 2089479 h 4178958"/>
+              <a:gd name="connsiteX2" fmla="*/ 1810878 w 3900357"/>
+              <a:gd name="connsiteY2" fmla="*/ 4178958 h 4178958"/>
+              <a:gd name="connsiteX3" fmla="*/ 78249 w 3900357"/>
+              <a:gd name="connsiteY3" fmla="*/ 3257727 h 4178958"/>
+              <a:gd name="connsiteX4" fmla="*/ 0 w 3900357"/>
+              <a:gd name="connsiteY4" fmla="*/ 3128923 h 4178958"/>
+              <a:gd name="connsiteX5" fmla="*/ 831324 w 3900357"/>
+              <a:gd name="connsiteY5" fmla="*/ 244281 h 4178958"/>
+              <a:gd name="connsiteX6" fmla="*/ 997559 w 3900357"/>
+              <a:gd name="connsiteY6" fmla="*/ 164202 h 4178958"/>
+              <a:gd name="connsiteX7" fmla="*/ 1810878 w 3900357"/>
+              <a:gd name="connsiteY7" fmla="*/ 0 h 4178958"/>
+              <a:gd name="connsiteX8" fmla="*/ 2432225 w 3900357"/>
+              <a:gd name="connsiteY8" fmla="*/ 93939 h 4178958"/>
+            </a:gdLst>
+            <a:ahLst/>
+            <a:cxnLst>
+              <a:cxn ang="0">
+                <a:pos x="connsiteX0" y="connsiteY0"/>
+              </a:cxn>
+              <a:cxn ang="0">
+                <a:pos x="connsiteX1" y="connsiteY1"/>
+              </a:cxn>
+              <a:cxn ang="0">
+                <a:pos x="connsiteX2" y="connsiteY2"/>
+              </a:cxn>
+              <a:cxn ang="0">
+                <a:pos x="connsiteX3" y="connsiteY3"/>
+              </a:cxn>
+              <a:cxn ang="0">
+                <a:pos x="connsiteX4" y="connsiteY4"/>
+              </a:cxn>
+              <a:cxn ang="0">
+                <a:pos x="connsiteX5" y="connsiteY5"/>
+              </a:cxn>
+              <a:cxn ang="0">
+                <a:pos x="connsiteX6" y="connsiteY6"/>
+              </a:cxn>
+              <a:cxn ang="0">
+                <a:pos x="connsiteX7" y="connsiteY7"/>
+              </a:cxn>
+              <a:cxn ang="0">
+                <a:pos x="connsiteX8" y="connsiteY8"/>
+              </a:cxn>
+            </a:cxnLst>
+            <a:rect l="l" t="t" r="r" b="b"/>
+            <a:pathLst>
+              <a:path w="3900357" h="4178958">
+                <a:moveTo>
+                  <a:pt x="2432225" y="93939"/>
+                </a:moveTo>
+                <a:cubicBezTo>
+                  <a:pt x="3282786" y="358491"/>
+                  <a:pt x="3900357" y="1151865"/>
+                  <a:pt x="3900357" y="2089479"/>
+                </a:cubicBezTo>
+                <a:cubicBezTo>
+                  <a:pt x="3900357" y="3243466"/>
+                  <a:pt x="2964865" y="4178958"/>
+                  <a:pt x="1810878" y="4178958"/>
+                </a:cubicBezTo>
+                <a:cubicBezTo>
+                  <a:pt x="1089636" y="4178958"/>
+                  <a:pt x="453744" y="3813531"/>
+                  <a:pt x="78249" y="3257727"/>
+                </a:cubicBezTo>
+                <a:lnTo>
+                  <a:pt x="0" y="3128923"/>
+                </a:lnTo>
+                <a:lnTo>
+                  <a:pt x="831324" y="244281"/>
+                </a:lnTo>
+                <a:lnTo>
+                  <a:pt x="997559" y="164202"/>
+                </a:lnTo>
+                <a:cubicBezTo>
+                  <a:pt x="1247540" y="58468"/>
+                  <a:pt x="1522381" y="0"/>
+                  <a:pt x="1810878" y="0"/>
+                </a:cubicBezTo>
+                <a:cubicBezTo>
+                  <a:pt x="2027251" y="0"/>
+                  <a:pt x="2235942" y="32888"/>
+                  <a:pt x="2432225" y="93939"/>
+                </a:cubicBezTo>
+                <a:close/>
+              </a:path>
+            </a:pathLst>
+          </a:custGeom>
+          <a:gradFill>
+            <a:gsLst>
+              <a:gs pos="29000">
+                <a:srgbClr val="000000">
+                  <a:alpha val="0"/>
+                </a:srgbClr>
+              </a:gs>
+              <a:gs pos="100000">
+                <a:schemeClr val="accent1">
+                  <a:alpha val="43000"/>
+                </a:schemeClr>
+              </a:gs>
+            </a:gsLst>
+            <a:lin ang="1800000" scaled="0"/>
+          </a:gradFill>
+          <a:ln>
+            <a:noFill/>
+          </a:ln>
+        </p:spPr>
+        <p:style>
+          <a:lnRef idx="2">
+            <a:schemeClr val="accent1">
+              <a:shade val="50000"/>
+            </a:schemeClr>
+          </a:lnRef>
+          <a:fillRef idx="1">
+            <a:schemeClr val="accent1"/>
+          </a:fillRef>
+          <a:effectRef idx="0">
+            <a:schemeClr val="accent1"/>
+          </a:effectRef>
+          <a:fontRef idx="minor">
+            <a:schemeClr val="lt1"/>
+          </a:fontRef>
+        </p:style>
+        <p:txBody>
+          <a:bodyPr wrap="square" rtlCol="0" anchor="ctr">
+            <a:noAutofit/>
+          </a:bodyPr>
+          <a:lstStyle/>
+          <a:p>
+            <a:pPr algn="ctr"/>
+            <a:endParaRPr lang="en-US" dirty="0"/>
+          </a:p>
+        </p:txBody>
+      </p:sp>
+      <p:sp>
+        <p:nvSpPr>
+          <p:cNvPr id="20" name="Rectangle 19">
+            <a:extLst>
+              <a:ext uri="{FF2B5EF4-FFF2-40B4-BE49-F238E27FC236}">
+                <a16:creationId xmlns:a16="http://schemas.microsoft.com/office/drawing/2014/main" id="{5FA37065-5584-436A-505A-646AF9D57DF7}"/>
+              </a:ext>
+              <a:ext uri="{C183D7F6-B498-43B3-948B-1728B52AA6E4}">
+                <adec:decorative xmlns:adec="http://schemas.microsoft.com/office/drawing/2017/decorative" val="1"/>
+              </a:ext>
+            </a:extLst>
+          </p:cNvPr>
+          <p:cNvSpPr>
+            <a:spLocks noGrp="1" noRot="1" noChangeAspect="1" noMove="1" noResize="1" noEditPoints="1" noAdjustHandles="1" noChangeArrowheads="1" noChangeShapeType="1" noTextEdit="1"/>
+          </p:cNvSpPr>
+          <p:nvPr>
+            <p:extLst>
+              <p:ext uri="{386F3935-93C4-4BCD-93E2-E3B085C9AB24}">
+                <p16:designElem xmlns:p16="http://schemas.microsoft.com/office/powerpoint/2015/main" val="1"/>
+              </p:ext>
+            </p:extLst>
+          </p:nvPr>
+        </p:nvSpPr>
+        <p:spPr>
+          <a:xfrm rot="5400000" flipH="1">
+            <a:off x="-1410093" y="1399943"/>
+            <a:ext cx="6858003" cy="4037835"/>
+          </a:xfrm>
+          <a:prstGeom prst="rect">
+            <a:avLst/>
+          </a:prstGeom>
+          <a:gradFill>
+            <a:gsLst>
+              <a:gs pos="0">
+                <a:srgbClr val="000000">
+                  <a:alpha val="0"/>
+                </a:srgbClr>
+              </a:gs>
+              <a:gs pos="99000">
+                <a:schemeClr val="accent1">
+                  <a:lumMod val="60000"/>
+                  <a:lumOff val="40000"/>
+                  <a:alpha val="11000"/>
+                </a:schemeClr>
+              </a:gs>
+            </a:gsLst>
+            <a:lin ang="7200000" scaled="0"/>
+          </a:gradFill>
+          <a:ln>
+            <a:noFill/>
+          </a:ln>
+        </p:spPr>
+        <p:style>
+          <a:lnRef idx="2">
+            <a:schemeClr val="accent1">
+              <a:shade val="50000"/>
+            </a:schemeClr>
+          </a:lnRef>
+          <a:fillRef idx="1">
+            <a:schemeClr val="accent1"/>
+          </a:fillRef>
+          <a:effectRef idx="0">
+            <a:schemeClr val="accent1"/>
+          </a:effectRef>
+          <a:fontRef idx="minor">
+            <a:schemeClr val="lt1"/>
+          </a:fontRef>
+        </p:style>
+        <p:txBody>
+          <a:bodyPr rtlCol="0" anchor="ctr"/>
+          <a:lstStyle/>
+          <a:p>
+            <a:pPr algn="ctr"/>
+            <a:endParaRPr lang="en-US"/>
+          </a:p>
+        </p:txBody>
+      </p:sp>
+      <p:sp>
+        <p:nvSpPr>
+          <p:cNvPr id="2" name="Title 1">
+            <a:extLst>
+              <a:ext uri="{FF2B5EF4-FFF2-40B4-BE49-F238E27FC236}">
+                <a16:creationId xmlns:a16="http://schemas.microsoft.com/office/drawing/2014/main" id="{C507C6CA-7922-2F5D-6330-0A2C07EE8BF1}"/>
+              </a:ext>
+            </a:extLst>
+          </p:cNvPr>
+          <p:cNvSpPr>
+            <a:spLocks noGrp="1"/>
+          </p:cNvSpPr>
+          <p:nvPr>
+            <p:ph type="title"/>
+          </p:nvPr>
+        </p:nvSpPr>
+        <p:spPr>
+          <a:xfrm>
+            <a:off x="466722" y="586855"/>
+            <a:ext cx="3201366" cy="3387497"/>
+          </a:xfrm>
+        </p:spPr>
+        <p:txBody>
+          <a:bodyPr rtlCol="0" anchor="b">
+            <a:normAutofit/>
+          </a:bodyPr>
+          <a:lstStyle/>
+          <a:p>
+            <a:pPr algn="r" rtl="0"/>
+            <a:r>
+              <a:rPr lang="en-GB" sz="4000">
+                <a:solidFill>
+                  <a:srgbClr val="FFFFFF"/>
+                </a:solidFill>
+              </a:rPr>
+              <a:t>Sprint 2 - EXECUTION</a:t>
+            </a:r>
+          </a:p>
+        </p:txBody>
+      </p:sp>
+      <p:sp>
+        <p:nvSpPr>
+          <p:cNvPr id="3" name="Content Placeholder 2">
+            <a:extLst>
+              <a:ext uri="{FF2B5EF4-FFF2-40B4-BE49-F238E27FC236}">
+                <a16:creationId xmlns:a16="http://schemas.microsoft.com/office/drawing/2014/main" id="{B281CD50-1F87-3924-4DC6-550EDEBCDE77}"/>
+              </a:ext>
+            </a:extLst>
+          </p:cNvPr>
+          <p:cNvSpPr>
+            <a:spLocks noGrp="1"/>
+          </p:cNvSpPr>
+          <p:nvPr>
+            <p:ph idx="1"/>
+          </p:nvPr>
+        </p:nvSpPr>
+        <p:spPr>
+          <a:xfrm>
+            <a:off x="4364647" y="649480"/>
+            <a:ext cx="7000959" cy="1954297"/>
+          </a:xfrm>
+        </p:spPr>
+        <p:txBody>
+          <a:bodyPr rtlCol="0" anchor="ctr">
+            <a:normAutofit/>
+          </a:bodyPr>
+          <a:lstStyle/>
+          <a:p>
+            <a:r>
+              <a:rPr lang="en-GB" sz="2000" b="1" dirty="0"/>
+              <a:t>As a Data Engineer, I want to design a monitoring dashboard so that stakeholders can see pipeline health at a glance.</a:t>
+            </a:r>
+          </a:p>
+          <a:p>
+            <a:pPr rtl="0"/>
+            <a:endParaRPr lang="en-GB" sz="2000" dirty="0"/>
+          </a:p>
+          <a:p>
+            <a:pPr rtl="0"/>
+            <a:endParaRPr lang="en-GB" sz="2000" dirty="0"/>
+          </a:p>
+        </p:txBody>
+      </p:sp>
+      <p:pic>
+        <p:nvPicPr>
+          <p:cNvPr id="5" name="Picture 4">
+            <a:extLst>
+              <a:ext uri="{FF2B5EF4-FFF2-40B4-BE49-F238E27FC236}">
+                <a16:creationId xmlns:a16="http://schemas.microsoft.com/office/drawing/2014/main" id="{42C52BB7-BCFD-347A-FE0F-4DE3090D983E}"/>
+              </a:ext>
+            </a:extLst>
+          </p:cNvPr>
+          <p:cNvPicPr>
+            <a:picLocks noChangeAspect="1"/>
+          </p:cNvPicPr>
+          <p:nvPr/>
+        </p:nvPicPr>
+        <p:blipFill>
+          <a:blip r:embed="rId3"/>
+          <a:stretch>
+            <a:fillRect/>
+          </a:stretch>
+        </p:blipFill>
+        <p:spPr>
+          <a:xfrm>
+            <a:off x="4083607" y="1727606"/>
+            <a:ext cx="3781519" cy="1979751"/>
+          </a:xfrm>
+          <a:prstGeom prst="rect">
+            <a:avLst/>
+          </a:prstGeom>
+        </p:spPr>
+      </p:pic>
+      <p:pic>
+        <p:nvPicPr>
+          <p:cNvPr id="7" name="Picture 6">
+            <a:extLst>
+              <a:ext uri="{FF2B5EF4-FFF2-40B4-BE49-F238E27FC236}">
+                <a16:creationId xmlns:a16="http://schemas.microsoft.com/office/drawing/2014/main" id="{9794672F-9FEE-C413-BF46-EF3D699A54C5}"/>
+              </a:ext>
+            </a:extLst>
+          </p:cNvPr>
+          <p:cNvPicPr>
+            <a:picLocks noChangeAspect="1"/>
+          </p:cNvPicPr>
+          <p:nvPr/>
+        </p:nvPicPr>
+        <p:blipFill>
+          <a:blip r:embed="rId4"/>
+          <a:stretch>
+            <a:fillRect/>
+          </a:stretch>
+        </p:blipFill>
+        <p:spPr>
+          <a:xfrm>
+            <a:off x="7865126" y="1732738"/>
+            <a:ext cx="4546731" cy="1762361"/>
+          </a:xfrm>
+          <a:prstGeom prst="rect">
+            <a:avLst/>
+          </a:prstGeom>
+        </p:spPr>
+      </p:pic>
+      <p:pic>
+        <p:nvPicPr>
+          <p:cNvPr id="11" name="Picture 10">
+            <a:extLst>
+              <a:ext uri="{FF2B5EF4-FFF2-40B4-BE49-F238E27FC236}">
+                <a16:creationId xmlns:a16="http://schemas.microsoft.com/office/drawing/2014/main" id="{DF95C95F-83AA-E8EE-E6D8-685CD67FFCF9}"/>
+              </a:ext>
+            </a:extLst>
+          </p:cNvPr>
+          <p:cNvPicPr>
+            <a:picLocks noChangeAspect="1"/>
+          </p:cNvPicPr>
+          <p:nvPr/>
+        </p:nvPicPr>
+        <p:blipFill>
+          <a:blip r:embed="rId5"/>
+          <a:stretch>
+            <a:fillRect/>
+          </a:stretch>
+        </p:blipFill>
+        <p:spPr>
+          <a:xfrm>
+            <a:off x="3980792" y="3681903"/>
+            <a:ext cx="8786301" cy="4063137"/>
+          </a:xfrm>
+          <a:prstGeom prst="rect">
+            <a:avLst/>
+          </a:prstGeom>
+        </p:spPr>
+      </p:pic>
+    </p:spTree>
+    <p:extLst>
+      <p:ext uri="{BB962C8B-B14F-4D97-AF65-F5344CB8AC3E}">
+        <p14:creationId xmlns:p14="http://schemas.microsoft.com/office/powerpoint/2010/main" val="849285604"/>
+      </p:ext>
+    </p:extLst>
+  </p:cSld>
+  <p:clrMapOvr>
+    <a:masterClrMapping/>
+  </p:clrMapOvr>
+  <mc:AlternateContent xmlns:mc="http://schemas.openxmlformats.org/markup-compatibility/2006">
+    <mc:Choice xmlns:p14="http://schemas.microsoft.com/office/powerpoint/2010/main" Requires="p14">
+      <p:transition spd="med" p14:dur="700">
+        <p:fade/>
+      </p:transition>
+    </mc:Choice>
+    <mc:Fallback>
+      <p:transition spd="med">
+        <p:fade/>
+      </p:transition>
+    </mc:Fallback>
+  </mc:AlternateContent>
+</p:sld>
+</file>
+
+<file path=ppt/slides/slide19.xml><?xml version="1.0" encoding="utf-8"?>
+<p:sld xmlns:a="http://schemas.openxmlformats.org/drawingml/2006/main" xmlns:r="http://schemas.openxmlformats.org/officeDocument/2006/relationships" xmlns:p="http://schemas.openxmlformats.org/presentationml/2006/main">
+  <p:cSld>
+    <p:bg>
+      <p:bgPr>
+        <a:solidFill>
+          <a:schemeClr val="bg1"/>
+        </a:solidFill>
+        <a:effectLst/>
+      </p:bgPr>
+    </p:bg>
+    <p:spTree>
+      <p:nvGrpSpPr>
+        <p:cNvPr id="1" name=""/>
+        <p:cNvGrpSpPr/>
+        <p:nvPr/>
+      </p:nvGrpSpPr>
+      <p:grpSpPr>
+        <a:xfrm>
+          <a:off x="0" y="0"/>
+          <a:ext cx="0" cy="0"/>
+          <a:chOff x="0" y="0"/>
+          <a:chExt cx="0" cy="0"/>
+        </a:xfrm>
+      </p:grpSpPr>
+      <p:sp useBgFill="1">
+        <p:nvSpPr>
+          <p:cNvPr id="31" name="Rectangle 30">
+            <a:extLst>
+              <a:ext uri="{FF2B5EF4-FFF2-40B4-BE49-F238E27FC236}">
+                <a16:creationId xmlns:a16="http://schemas.microsoft.com/office/drawing/2014/main" id="{BACC6370-2D7E-4714-9D71-7542949D7D5D}"/>
+              </a:ext>
+              <a:ext uri="{C183D7F6-B498-43B3-948B-1728B52AA6E4}">
+                <adec:decorative xmlns:adec="http://schemas.microsoft.com/office/drawing/2017/decorative" val="1"/>
+              </a:ext>
+            </a:extLst>
+          </p:cNvPr>
+          <p:cNvSpPr>
+            <a:spLocks noGrp="1" noRot="1" noChangeAspect="1" noMove="1" noResize="1" noEditPoints="1" noAdjustHandles="1" noChangeArrowheads="1" noChangeShapeType="1" noTextEdit="1"/>
+          </p:cNvSpPr>
+          <p:nvPr>
+            <p:extLst>
+              <p:ext uri="{386F3935-93C4-4BCD-93E2-E3B085C9AB24}">
+                <p16:designElem xmlns:p16="http://schemas.microsoft.com/office/powerpoint/2015/main" val="1"/>
+              </p:ext>
+            </p:extLst>
+          </p:nvPr>
+        </p:nvSpPr>
+        <p:spPr>
+          <a:xfrm>
+            <a:off x="0" y="0"/>
+            <a:ext cx="12192000" cy="6858000"/>
+          </a:xfrm>
+          <a:prstGeom prst="rect">
+            <a:avLst/>
+          </a:prstGeom>
+          <a:ln w="12700" cap="flat" cmpd="sng" algn="ctr">
+            <a:noFill/>
+            <a:prstDash val="solid"/>
+            <a:miter lim="800000"/>
+          </a:ln>
+          <a:effectLst/>
+          <a:extLst>
+            <a:ext uri="{91240B29-F687-4F45-9708-019B960494DF}">
+              <a14:hiddenLine xmlns:a14="http://schemas.microsoft.com/office/drawing/2010/main" w="12700" cap="flat" cmpd="sng" algn="ctr">
+                <a:solidFill>
+                  <a:schemeClr val="accent1">
+                    <a:shade val="50000"/>
+                  </a:schemeClr>
+                </a:solidFill>
+                <a:prstDash val="solid"/>
+                <a:miter lim="800000"/>
+              </a14:hiddenLine>
+            </a:ext>
+          </a:extLst>
+        </p:spPr>
+        <p:style>
+          <a:lnRef idx="2">
+            <a:schemeClr val="accent1">
+              <a:shade val="50000"/>
+            </a:schemeClr>
+          </a:lnRef>
+          <a:fillRef idx="1">
+            <a:schemeClr val="accent1"/>
+          </a:fillRef>
+          <a:effectRef idx="0">
+            <a:schemeClr val="accent1"/>
+          </a:effectRef>
+          <a:fontRef idx="minor">
+            <a:schemeClr val="lt1"/>
+          </a:fontRef>
+        </p:style>
+        <p:txBody>
+          <a:bodyPr rtlCol="0" anchor="ctr"/>
+          <a:lstStyle/>
+          <a:p>
+            <a:pPr algn="ctr"/>
+            <a:endParaRPr lang="en-US"/>
+          </a:p>
+        </p:txBody>
+      </p:sp>
+      <p:sp>
+        <p:nvSpPr>
+          <p:cNvPr id="32" name="Rectangle 31">
+            <a:extLst>
+              <a:ext uri="{FF2B5EF4-FFF2-40B4-BE49-F238E27FC236}">
+                <a16:creationId xmlns:a16="http://schemas.microsoft.com/office/drawing/2014/main" id="{F68B3F68-107C-434F-AA38-110D5EA91B85}"/>
+              </a:ext>
+              <a:ext uri="{C183D7F6-B498-43B3-948B-1728B52AA6E4}">
+                <adec:decorative xmlns:adec="http://schemas.microsoft.com/office/drawing/2017/decorative" val="1"/>
+              </a:ext>
+            </a:extLst>
+          </p:cNvPr>
+          <p:cNvSpPr>
+            <a:spLocks noGrp="1" noRot="1" noChangeAspect="1" noMove="1" noResize="1" noEditPoints="1" noAdjustHandles="1" noChangeArrowheads="1" noChangeShapeType="1" noTextEdit="1"/>
+          </p:cNvSpPr>
+          <p:nvPr>
+            <p:extLst>
+              <p:ext uri="{386F3935-93C4-4BCD-93E2-E3B085C9AB24}">
+                <p16:designElem xmlns:p16="http://schemas.microsoft.com/office/powerpoint/2015/main" val="1"/>
+              </p:ext>
+            </p:extLst>
+          </p:nvPr>
+        </p:nvSpPr>
+        <p:spPr>
+          <a:xfrm flipH="1">
+            <a:off x="2" y="0"/>
+            <a:ext cx="12191998" cy="2170031"/>
+          </a:xfrm>
+          <a:prstGeom prst="rect">
+            <a:avLst/>
+          </a:prstGeom>
+          <a:gradFill>
+            <a:gsLst>
+              <a:gs pos="0">
+                <a:srgbClr val="000000">
+                  <a:alpha val="96000"/>
+                </a:srgbClr>
+              </a:gs>
+              <a:gs pos="100000">
+                <a:schemeClr val="accent1">
+                  <a:lumMod val="75000"/>
+                </a:schemeClr>
+              </a:gs>
+            </a:gsLst>
+            <a:lin ang="19800000" scaled="0"/>
+          </a:gradFill>
+          <a:ln>
+            <a:noFill/>
+          </a:ln>
+        </p:spPr>
+        <p:style>
+          <a:lnRef idx="2">
+            <a:schemeClr val="accent1">
+              <a:shade val="50000"/>
+            </a:schemeClr>
+          </a:lnRef>
+          <a:fillRef idx="1">
+            <a:schemeClr val="accent1"/>
+          </a:fillRef>
+          <a:effectRef idx="0">
+            <a:schemeClr val="accent1"/>
+          </a:effectRef>
+          <a:fontRef idx="minor">
+            <a:schemeClr val="lt1"/>
+          </a:fontRef>
+        </p:style>
+        <p:txBody>
+          <a:bodyPr rtlCol="0" anchor="ctr"/>
+          <a:lstStyle/>
+          <a:p>
+            <a:pPr algn="ctr"/>
+            <a:endParaRPr lang="en-US"/>
+          </a:p>
+        </p:txBody>
+      </p:sp>
+      <p:sp>
+        <p:nvSpPr>
+          <p:cNvPr id="33" name="Rectangle 32">
+            <a:extLst>
+              <a:ext uri="{FF2B5EF4-FFF2-40B4-BE49-F238E27FC236}">
+                <a16:creationId xmlns:a16="http://schemas.microsoft.com/office/drawing/2014/main" id="{AAD0DBB9-1A4B-4391-81D4-CB19F9AB918A}"/>
+              </a:ext>
+              <a:ext uri="{C183D7F6-B498-43B3-948B-1728B52AA6E4}">
+                <adec:decorative xmlns:adec="http://schemas.microsoft.com/office/drawing/2017/decorative" val="1"/>
+              </a:ext>
+            </a:extLst>
+          </p:cNvPr>
+          <p:cNvSpPr>
+            <a:spLocks noGrp="1" noRot="1" noChangeAspect="1" noMove="1" noResize="1" noEditPoints="1" noAdjustHandles="1" noChangeArrowheads="1" noChangeShapeType="1" noTextEdit="1"/>
+          </p:cNvSpPr>
+          <p:nvPr>
+            <p:extLst>
+              <p:ext uri="{386F3935-93C4-4BCD-93E2-E3B085C9AB24}">
+                <p16:designElem xmlns:p16="http://schemas.microsoft.com/office/powerpoint/2015/main" val="1"/>
+              </p:ext>
+            </p:extLst>
+          </p:nvPr>
+        </p:nvSpPr>
+        <p:spPr>
+          <a:xfrm flipH="1">
+            <a:off x="8082819" y="0"/>
+            <a:ext cx="4097211" cy="2170661"/>
+          </a:xfrm>
+          <a:prstGeom prst="rect">
+            <a:avLst/>
+          </a:prstGeom>
+          <a:gradFill>
+            <a:gsLst>
+              <a:gs pos="19000">
+                <a:schemeClr val="accent1">
+                  <a:lumMod val="50000"/>
+                  <a:alpha val="68000"/>
+                </a:schemeClr>
+              </a:gs>
+              <a:gs pos="100000">
+                <a:schemeClr val="accent1">
+                  <a:alpha val="48000"/>
+                </a:schemeClr>
+              </a:gs>
+            </a:gsLst>
+            <a:lin ang="19200000" scaled="0"/>
+          </a:gradFill>
+          <a:ln>
+            <a:noFill/>
+          </a:ln>
+        </p:spPr>
+        <p:style>
+          <a:lnRef idx="2">
+            <a:schemeClr val="accent1">
+              <a:shade val="50000"/>
+            </a:schemeClr>
+          </a:lnRef>
+          <a:fillRef idx="1">
+            <a:schemeClr val="accent1"/>
+          </a:fillRef>
+          <a:effectRef idx="0">
+            <a:schemeClr val="accent1"/>
+          </a:effectRef>
+          <a:fontRef idx="minor">
+            <a:schemeClr val="lt1"/>
+          </a:fontRef>
+        </p:style>
+        <p:txBody>
+          <a:bodyPr rtlCol="0" anchor="ctr"/>
+          <a:lstStyle/>
+          <a:p>
+            <a:pPr algn="ctr"/>
+            <a:endParaRPr lang="en-US"/>
+          </a:p>
+        </p:txBody>
+      </p:sp>
+      <p:sp>
+        <p:nvSpPr>
+          <p:cNvPr id="34" name="Rectangle 33">
+            <a:extLst>
+              <a:ext uri="{FF2B5EF4-FFF2-40B4-BE49-F238E27FC236}">
+                <a16:creationId xmlns:a16="http://schemas.microsoft.com/office/drawing/2014/main" id="{063BBA22-50EA-4C4D-BE05-F1CE4E63AA56}"/>
+              </a:ext>
+              <a:ext uri="{C183D7F6-B498-43B3-948B-1728B52AA6E4}">
+                <adec:decorative xmlns:adec="http://schemas.microsoft.com/office/drawing/2017/decorative" val="1"/>
+              </a:ext>
+            </a:extLst>
+          </p:cNvPr>
+          <p:cNvSpPr>
+            <a:spLocks noGrp="1" noRot="1" noChangeAspect="1" noMove="1" noResize="1" noEditPoints="1" noAdjustHandles="1" noChangeArrowheads="1" noChangeShapeType="1" noTextEdit="1"/>
+          </p:cNvSpPr>
+          <p:nvPr>
+            <p:extLst>
+              <p:ext uri="{386F3935-93C4-4BCD-93E2-E3B085C9AB24}">
+                <p16:designElem xmlns:p16="http://schemas.microsoft.com/office/powerpoint/2015/main" val="1"/>
+              </p:ext>
+            </p:extLst>
+          </p:nvPr>
+        </p:nvSpPr>
+        <p:spPr>
+          <a:xfrm rot="16200000" flipH="1">
+            <a:off x="5010646" y="-5010043"/>
+            <a:ext cx="2170709" cy="12192000"/>
+          </a:xfrm>
+          <a:prstGeom prst="rect">
+            <a:avLst/>
+          </a:prstGeom>
+          <a:gradFill>
+            <a:gsLst>
+              <a:gs pos="23000">
+                <a:schemeClr val="accent1">
+                  <a:lumMod val="75000"/>
+                  <a:alpha val="16000"/>
+                </a:schemeClr>
+              </a:gs>
+              <a:gs pos="99000">
+                <a:srgbClr val="000000">
+                  <a:alpha val="45000"/>
+                </a:srgbClr>
+              </a:gs>
+            </a:gsLst>
+            <a:lin ang="21000000" scaled="0"/>
+          </a:gradFill>
+          <a:ln>
+            <a:noFill/>
+          </a:ln>
+        </p:spPr>
+        <p:style>
+          <a:lnRef idx="2">
+            <a:schemeClr val="accent1">
+              <a:shade val="50000"/>
+            </a:schemeClr>
+          </a:lnRef>
+          <a:fillRef idx="1">
+            <a:schemeClr val="accent1"/>
+          </a:fillRef>
+          <a:effectRef idx="0">
+            <a:schemeClr val="accent1"/>
+          </a:effectRef>
+          <a:fontRef idx="minor">
+            <a:schemeClr val="lt1"/>
+          </a:fontRef>
+        </p:style>
+        <p:txBody>
+          <a:bodyPr rtlCol="0" anchor="ctr"/>
+          <a:lstStyle/>
+          <a:p>
+            <a:pPr algn="ctr"/>
+            <a:endParaRPr lang="en-US" dirty="0"/>
+          </a:p>
+        </p:txBody>
+      </p:sp>
+      <p:sp>
+        <p:nvSpPr>
+          <p:cNvPr id="2" name="Title 1"/>
+          <p:cNvSpPr>
+            <a:spLocks noGrp="1"/>
+          </p:cNvSpPr>
+          <p:nvPr>
+            <p:ph type="title"/>
+          </p:nvPr>
+        </p:nvSpPr>
+        <p:spPr>
+          <a:xfrm>
+            <a:off x="1383564" y="348865"/>
+            <a:ext cx="9718111" cy="1576446"/>
+          </a:xfrm>
+        </p:spPr>
+        <p:txBody>
+          <a:bodyPr rtlCol="0" anchor="ctr">
+            <a:normAutofit/>
+          </a:bodyPr>
+          <a:lstStyle/>
+          <a:p>
+            <a:pPr rtl="0"/>
+            <a:r>
+              <a:rPr lang="en-GB" sz="4000">
+                <a:solidFill>
+                  <a:srgbClr val="FFFFFF"/>
+                </a:solidFill>
+              </a:rPr>
+              <a:t>Wrap-up</a:t>
+            </a:r>
+          </a:p>
+        </p:txBody>
+      </p:sp>
+      <p:graphicFrame>
+        <p:nvGraphicFramePr>
+          <p:cNvPr id="35" name="Content Placeholder 2">
+            <a:extLst>
+              <a:ext uri="{FF2B5EF4-FFF2-40B4-BE49-F238E27FC236}">
+                <a16:creationId xmlns:a16="http://schemas.microsoft.com/office/drawing/2014/main" id="{B69FC522-4E84-6E63-19EE-51598ABA5C50}"/>
+              </a:ext>
+            </a:extLst>
+          </p:cNvPr>
+          <p:cNvGraphicFramePr>
+            <a:graphicFrameLocks noGrp="1"/>
+          </p:cNvGraphicFramePr>
+          <p:nvPr>
+            <p:ph idx="1"/>
+            <p:extLst>
+              <p:ext uri="{D42A27DB-BD31-4B8C-83A1-F6EECF244321}">
+                <p14:modId xmlns:p14="http://schemas.microsoft.com/office/powerpoint/2010/main" val="2062794051"/>
+              </p:ext>
+            </p:extLst>
+          </p:nvPr>
+        </p:nvGraphicFramePr>
+        <p:xfrm>
+          <a:off x="644056" y="2615979"/>
+          <a:ext cx="10927829" cy="3689405"/>
+        </p:xfrm>
+        <a:graphic>
+          <a:graphicData uri="http://schemas.openxmlformats.org/drawingml/2006/diagram">
+            <dgm:relIds xmlns:dgm="http://schemas.openxmlformats.org/drawingml/2006/diagram" xmlns:r="http://schemas.openxmlformats.org/officeDocument/2006/relationships" r:dm="rId3" r:lo="rId4" r:qs="rId5" r:cs="rId6"/>
+          </a:graphicData>
+        </a:graphic>
+      </p:graphicFrame>
+    </p:spTree>
+    <p:extLst>
+      <p:ext uri="{BB962C8B-B14F-4D97-AF65-F5344CB8AC3E}">
+        <p14:creationId xmlns:p14="http://schemas.microsoft.com/office/powerpoint/2010/main" val="3514341159"/>
+      </p:ext>
+    </p:extLst>
+  </p:cSld>
+  <p:clrMapOvr>
+    <a:masterClrMapping/>
+  </p:clrMapOvr>
+  <mc:AlternateContent xmlns:mc="http://schemas.openxmlformats.org/markup-compatibility/2006" xmlns:p14="http://schemas.microsoft.com/office/powerpoint/2010/main">
+    <mc:Choice Requires="p14">
+      <p:transition spd="med" p14:dur="700">
+        <p:fade/>
+      </p:transition>
+    </mc:Choice>
+    <mc:Fallback xmlns="">
+      <p:transition spd="med">
+        <p:fade/>
+      </p:transition>
+    </mc:Fallback>
+  </mc:AlternateContent>
+</p:sld>
+</file>
+
+<file path=ppt/slides/slide2.xml><?xml version="1.0" encoding="utf-8"?>
+<p:sld xmlns:a="http://schemas.openxmlformats.org/drawingml/2006/main" xmlns:r="http://schemas.openxmlformats.org/officeDocument/2006/relationships" xmlns:p="http://schemas.openxmlformats.org/presentationml/2006/main">
+  <p:cSld>
+    <p:bg>
+      <p:bgPr>
+        <a:solidFill>
+          <a:schemeClr val="bg1"/>
+        </a:solidFill>
+        <a:effectLst/>
+      </p:bgPr>
+    </p:bg>
+    <p:spTree>
+      <p:nvGrpSpPr>
+        <p:cNvPr id="1" name=""/>
+        <p:cNvGrpSpPr/>
+        <p:nvPr/>
+      </p:nvGrpSpPr>
+      <p:grpSpPr>
+        <a:xfrm>
+          <a:off x="0" y="0"/>
+          <a:ext cx="0" cy="0"/>
+          <a:chOff x="0" y="0"/>
+          <a:chExt cx="0" cy="0"/>
+        </a:xfrm>
+      </p:grpSpPr>
+      <p:sp useBgFill="1">
+        <p:nvSpPr>
+          <p:cNvPr id="45" name="Rectangle 44">
+            <a:extLst>
+              <a:ext uri="{FF2B5EF4-FFF2-40B4-BE49-F238E27FC236}">
+                <a16:creationId xmlns:a16="http://schemas.microsoft.com/office/drawing/2014/main" id="{BACC6370-2D7E-4714-9D71-7542949D7D5D}"/>
+              </a:ext>
+              <a:ext uri="{C183D7F6-B498-43B3-948B-1728B52AA6E4}">
+                <adec:decorative xmlns:adec="http://schemas.microsoft.com/office/drawing/2017/decorative" val="1"/>
+              </a:ext>
+            </a:extLst>
+          </p:cNvPr>
+          <p:cNvSpPr>
+            <a:spLocks noGrp="1" noRot="1" noChangeAspect="1" noMove="1" noResize="1" noEditPoints="1" noAdjustHandles="1" noChangeArrowheads="1" noChangeShapeType="1" noTextEdit="1"/>
+          </p:cNvSpPr>
+          <p:nvPr>
+            <p:extLst>
+              <p:ext uri="{386F3935-93C4-4BCD-93E2-E3B085C9AB24}">
+                <p16:designElem xmlns:p16="http://schemas.microsoft.com/office/powerpoint/2015/main" val="1"/>
+              </p:ext>
+            </p:extLst>
+          </p:nvPr>
+        </p:nvSpPr>
+        <p:spPr>
+          <a:xfrm>
+            <a:off x="0" y="0"/>
+            <a:ext cx="12192000" cy="6858000"/>
+          </a:xfrm>
+          <a:prstGeom prst="rect">
+            <a:avLst/>
+          </a:prstGeom>
+          <a:ln w="12700" cap="flat" cmpd="sng" algn="ctr">
+            <a:noFill/>
+            <a:prstDash val="solid"/>
+            <a:miter lim="800000"/>
+          </a:ln>
+          <a:effectLst/>
+          <a:extLst>
+            <a:ext uri="{91240B29-F687-4F45-9708-019B960494DF}">
+              <a14:hiddenLine xmlns:a14="http://schemas.microsoft.com/office/drawing/2010/main" w="12700" cap="flat" cmpd="sng" algn="ctr">
+                <a:solidFill>
+                  <a:schemeClr val="accent1">
+                    <a:shade val="50000"/>
+                  </a:schemeClr>
+                </a:solidFill>
+                <a:prstDash val="solid"/>
+                <a:miter lim="800000"/>
+              </a14:hiddenLine>
+            </a:ext>
+          </a:extLst>
+        </p:spPr>
+        <p:style>
+          <a:lnRef idx="2">
+            <a:schemeClr val="accent1">
+              <a:shade val="50000"/>
+            </a:schemeClr>
+          </a:lnRef>
+          <a:fillRef idx="1">
+            <a:schemeClr val="accent1"/>
+          </a:fillRef>
+          <a:effectRef idx="0">
+            <a:schemeClr val="accent1"/>
+          </a:effectRef>
+          <a:fontRef idx="minor">
+            <a:schemeClr val="lt1"/>
+          </a:fontRef>
+        </p:style>
+        <p:txBody>
+          <a:bodyPr rtlCol="0" anchor="ctr"/>
+          <a:lstStyle/>
+          <a:p>
+            <a:pPr algn="ctr"/>
+            <a:endParaRPr lang="en-US"/>
+          </a:p>
+        </p:txBody>
+      </p:sp>
+      <p:sp>
+        <p:nvSpPr>
+          <p:cNvPr id="46" name="Rectangle 45">
+            <a:extLst>
+              <a:ext uri="{FF2B5EF4-FFF2-40B4-BE49-F238E27FC236}">
+                <a16:creationId xmlns:a16="http://schemas.microsoft.com/office/drawing/2014/main" id="{F68B3F68-107C-434F-AA38-110D5EA91B85}"/>
               </a:ext>
               <a:ext uri="{C183D7F6-B498-43B3-948B-1728B52AA6E4}">
                 <adec:decorative xmlns:adec="http://schemas.microsoft.com/office/drawing/2017/decorative" val="1"/>
@@ -16585,10 +20605,10 @@
       </p:sp>
       <p:sp>
         <p:nvSpPr>
-          <p:cNvPr id="14" name="Rectangle 13">
+          <p:cNvPr id="47" name="Rectangle 46">
             <a:extLst>
               <a:ext uri="{FF2B5EF4-FFF2-40B4-BE49-F238E27FC236}">
-                <a16:creationId xmlns:a16="http://schemas.microsoft.com/office/drawing/2014/main" id="{621F932D-4A59-C7D0-5097-DD4649A0BB57}"/>
+                <a16:creationId xmlns:a16="http://schemas.microsoft.com/office/drawing/2014/main" id="{AAD0DBB9-1A4B-4391-81D4-CB19F9AB918A}"/>
               </a:ext>
               <a:ext uri="{C183D7F6-B498-43B3-948B-1728B52AA6E4}">
                 <adec:decorative xmlns:adec="http://schemas.microsoft.com/office/drawing/2017/decorative" val="1"/>
@@ -16661,10 +20681,10 @@
       </p:sp>
       <p:sp>
         <p:nvSpPr>
-          <p:cNvPr id="16" name="Rectangle 15">
+          <p:cNvPr id="48" name="Rectangle 47">
             <a:extLst>
               <a:ext uri="{FF2B5EF4-FFF2-40B4-BE49-F238E27FC236}">
-                <a16:creationId xmlns:a16="http://schemas.microsoft.com/office/drawing/2014/main" id="{70154CB9-6B4D-5DF7-4122-A82AC156ADB9}"/>
+                <a16:creationId xmlns:a16="http://schemas.microsoft.com/office/drawing/2014/main" id="{063BBA22-50EA-4C4D-BE05-F1CE4E63AA56}"/>
               </a:ext>
               <a:ext uri="{C183D7F6-B498-43B3-948B-1728B52AA6E4}">
                 <adec:decorative xmlns:adec="http://schemas.microsoft.com/office/drawing/2017/decorative" val="1"/>
@@ -16736,13 +20756,7 @@
       </p:sp>
       <p:sp>
         <p:nvSpPr>
-          <p:cNvPr id="2" name="Title 1">
-            <a:extLst>
-              <a:ext uri="{FF2B5EF4-FFF2-40B4-BE49-F238E27FC236}">
-                <a16:creationId xmlns:a16="http://schemas.microsoft.com/office/drawing/2014/main" id="{B8BD36D9-9CE3-EE09-F959-66181CB18913}"/>
-              </a:ext>
-            </a:extLst>
-          </p:cNvPr>
+          <p:cNvPr id="2" name="Title 1"/>
           <p:cNvSpPr>
             <a:spLocks noGrp="1"/>
           </p:cNvSpPr>
@@ -16757,1045 +20771,29 @@
           </a:xfrm>
         </p:spPr>
         <p:txBody>
-          <a:bodyPr anchor="ctr">
+          <a:bodyPr rtlCol="0" anchor="ctr">
             <a:normAutofit/>
           </a:bodyPr>
           <a:lstStyle/>
           <a:p>
+            <a:pPr rtl="0"/>
             <a:r>
-              <a:rPr lang="en-GB" sz="4000" dirty="0">
+              <a:rPr lang="en-GB" sz="4000">
                 <a:solidFill>
                   <a:srgbClr val="FFFFFF"/>
                 </a:solidFill>
               </a:rPr>
-              <a:t>User Stories – Sprint 1</a:t>
+              <a:t>Introduction</a:t>
             </a:r>
-          </a:p>
-        </p:txBody>
-      </p:sp>
-      <p:sp>
-        <p:nvSpPr>
-          <p:cNvPr id="5" name="Rectangle 1">
-            <a:extLst>
-              <a:ext uri="{FF2B5EF4-FFF2-40B4-BE49-F238E27FC236}">
-                <a16:creationId xmlns:a16="http://schemas.microsoft.com/office/drawing/2014/main" id="{BFDAAD2D-D990-3258-C1E2-65FC1999BD49}"/>
-              </a:ext>
-            </a:extLst>
-          </p:cNvPr>
-          <p:cNvSpPr>
-            <a:spLocks noChangeArrowheads="1"/>
-          </p:cNvSpPr>
-          <p:nvPr/>
-        </p:nvSpPr>
-        <p:spPr bwMode="auto">
-          <a:xfrm>
-            <a:off x="0" y="-361637"/>
-            <a:ext cx="12192000" cy="723275"/>
-          </a:xfrm>
-          <a:prstGeom prst="rect">
-            <a:avLst/>
-          </a:prstGeom>
-          <a:noFill/>
-          <a:ln>
-            <a:noFill/>
-          </a:ln>
-          <a:effectLst/>
-          <a:extLst>
-            <a:ext uri="{909E8E84-426E-40DD-AFC4-6F175D3DCCD1}">
-              <a14:hiddenFill xmlns:a14="http://schemas.microsoft.com/office/drawing/2010/main">
-                <a:solidFill>
-                  <a:schemeClr val="accent1"/>
-                </a:solidFill>
-              </a14:hiddenFill>
-            </a:ext>
-            <a:ext uri="{91240B29-F687-4F45-9708-019B960494DF}">
-              <a14:hiddenLine xmlns:a14="http://schemas.microsoft.com/office/drawing/2010/main" w="9525">
-                <a:solidFill>
-                  <a:schemeClr val="tx1"/>
-                </a:solidFill>
-                <a:miter lim="800000"/>
-                <a:headEnd/>
-                <a:tailEnd/>
-              </a14:hiddenLine>
-            </a:ext>
-            <a:ext uri="{AF507438-7753-43E0-B8FC-AC1667EBCBE1}">
-              <a14:hiddenEffects xmlns:a14="http://schemas.microsoft.com/office/drawing/2010/main">
-                <a:effectLst>
-                  <a:outerShdw dist="35921" dir="2700000" algn="ctr" rotWithShape="0">
-                    <a:schemeClr val="bg2"/>
-                  </a:outerShdw>
-                </a:effectLst>
-              </a14:hiddenEffects>
-            </a:ext>
-          </a:extLst>
-        </p:spPr>
-        <p:txBody>
-          <a:bodyPr vert="horz" wrap="square" lIns="91440" tIns="45720" rIns="91440" bIns="45720" numCol="1" anchor="ctr" anchorCtr="0" compatLnSpc="1">
-            <a:prstTxWarp prst="textNoShape">
-              <a:avLst/>
-            </a:prstTxWarp>
-            <a:spAutoFit/>
-          </a:bodyPr>
-          <a:lstStyle>
-            <a:lvl1pPr eaLnBrk="0" fontAlgn="base" hangingPunct="0">
-              <a:spcBef>
-                <a:spcPct val="0"/>
-              </a:spcBef>
-              <a:spcAft>
-                <a:spcPct val="0"/>
-              </a:spcAft>
-              <a:defRPr>
-                <a:solidFill>
-                  <a:schemeClr val="tx1"/>
-                </a:solidFill>
-                <a:latin typeface="Arial" panose="020B0604020202020204" pitchFamily="34" charset="0"/>
-              </a:defRPr>
-            </a:lvl1pPr>
-            <a:lvl2pPr eaLnBrk="0" fontAlgn="base" hangingPunct="0">
-              <a:spcBef>
-                <a:spcPct val="0"/>
-              </a:spcBef>
-              <a:spcAft>
-                <a:spcPct val="0"/>
-              </a:spcAft>
-              <a:defRPr>
-                <a:solidFill>
-                  <a:schemeClr val="tx1"/>
-                </a:solidFill>
-                <a:latin typeface="Arial" panose="020B0604020202020204" pitchFamily="34" charset="0"/>
-              </a:defRPr>
-            </a:lvl2pPr>
-            <a:lvl3pPr eaLnBrk="0" fontAlgn="base" hangingPunct="0">
-              <a:spcBef>
-                <a:spcPct val="0"/>
-              </a:spcBef>
-              <a:spcAft>
-                <a:spcPct val="0"/>
-              </a:spcAft>
-              <a:defRPr>
-                <a:solidFill>
-                  <a:schemeClr val="tx1"/>
-                </a:solidFill>
-                <a:latin typeface="Arial" panose="020B0604020202020204" pitchFamily="34" charset="0"/>
-              </a:defRPr>
-            </a:lvl3pPr>
-            <a:lvl4pPr eaLnBrk="0" fontAlgn="base" hangingPunct="0">
-              <a:spcBef>
-                <a:spcPct val="0"/>
-              </a:spcBef>
-              <a:spcAft>
-                <a:spcPct val="0"/>
-              </a:spcAft>
-              <a:defRPr>
-                <a:solidFill>
-                  <a:schemeClr val="tx1"/>
-                </a:solidFill>
-                <a:latin typeface="Arial" panose="020B0604020202020204" pitchFamily="34" charset="0"/>
-              </a:defRPr>
-            </a:lvl4pPr>
-            <a:lvl5pPr eaLnBrk="0" fontAlgn="base" hangingPunct="0">
-              <a:spcBef>
-                <a:spcPct val="0"/>
-              </a:spcBef>
-              <a:spcAft>
-                <a:spcPct val="0"/>
-              </a:spcAft>
-              <a:defRPr>
-                <a:solidFill>
-                  <a:schemeClr val="tx1"/>
-                </a:solidFill>
-                <a:latin typeface="Arial" panose="020B0604020202020204" pitchFamily="34" charset="0"/>
-              </a:defRPr>
-            </a:lvl5pPr>
-            <a:lvl6pPr eaLnBrk="0" fontAlgn="base" hangingPunct="0">
-              <a:spcBef>
-                <a:spcPct val="0"/>
-              </a:spcBef>
-              <a:spcAft>
-                <a:spcPct val="0"/>
-              </a:spcAft>
-              <a:defRPr>
-                <a:solidFill>
-                  <a:schemeClr val="tx1"/>
-                </a:solidFill>
-                <a:latin typeface="Arial" panose="020B0604020202020204" pitchFamily="34" charset="0"/>
-              </a:defRPr>
-            </a:lvl6pPr>
-            <a:lvl7pPr eaLnBrk="0" fontAlgn="base" hangingPunct="0">
-              <a:spcBef>
-                <a:spcPct val="0"/>
-              </a:spcBef>
-              <a:spcAft>
-                <a:spcPct val="0"/>
-              </a:spcAft>
-              <a:defRPr>
-                <a:solidFill>
-                  <a:schemeClr val="tx1"/>
-                </a:solidFill>
-                <a:latin typeface="Arial" panose="020B0604020202020204" pitchFamily="34" charset="0"/>
-              </a:defRPr>
-            </a:lvl7pPr>
-            <a:lvl8pPr eaLnBrk="0" fontAlgn="base" hangingPunct="0">
-              <a:spcBef>
-                <a:spcPct val="0"/>
-              </a:spcBef>
-              <a:spcAft>
-                <a:spcPct val="0"/>
-              </a:spcAft>
-              <a:defRPr>
-                <a:solidFill>
-                  <a:schemeClr val="tx1"/>
-                </a:solidFill>
-                <a:latin typeface="Arial" panose="020B0604020202020204" pitchFamily="34" charset="0"/>
-              </a:defRPr>
-            </a:lvl8pPr>
-            <a:lvl9pPr eaLnBrk="0" fontAlgn="base" hangingPunct="0">
-              <a:spcBef>
-                <a:spcPct val="0"/>
-              </a:spcBef>
-              <a:spcAft>
-                <a:spcPct val="0"/>
-              </a:spcAft>
-              <a:defRPr>
-                <a:solidFill>
-                  <a:schemeClr val="tx1"/>
-                </a:solidFill>
-                <a:latin typeface="Arial" panose="020B0604020202020204" pitchFamily="34" charset="0"/>
-              </a:defRPr>
-            </a:lvl9pPr>
-          </a:lstStyle>
-          <a:p>
-            <a:pPr marL="0" marR="0" lvl="0" indent="0" algn="l" defTabSz="914400" rtl="0" eaLnBrk="0" fontAlgn="base" latinLnBrk="0" hangingPunct="0">
-              <a:spcBef>
-                <a:spcPct val="0"/>
-              </a:spcBef>
-              <a:spcAft>
-                <a:spcPts val="600"/>
-              </a:spcAft>
-              <a:buClrTx/>
-              <a:buSzTx/>
-              <a:buFontTx/>
-              <a:buNone/>
-              <a:tabLst/>
-            </a:pPr>
-            <a:r>
-              <a:rPr kumimoji="0" lang="en-US" altLang="en-US" b="0" i="0" u="none" strike="noStrike" cap="none" normalizeH="0" baseline="0">
-                <a:ln>
-                  <a:noFill/>
-                </a:ln>
-                <a:solidFill>
-                  <a:srgbClr val="000000"/>
-                </a:solidFill>
-                <a:effectLst/>
-                <a:latin typeface="Times New Roman" panose="02020603050405020304" pitchFamily="18" charset="0"/>
-                <a:cs typeface="Times New Roman" panose="02020603050405020304" pitchFamily="18" charset="0"/>
-              </a:rPr>
-              <a:t> </a:t>
-            </a:r>
-            <a:endParaRPr kumimoji="0" lang="en-US" altLang="en-US" b="0" i="0" u="none" strike="noStrike" cap="none" normalizeH="0" baseline="0">
-              <a:ln>
-                <a:noFill/>
-              </a:ln>
-              <a:solidFill>
-                <a:schemeClr val="tx1"/>
-              </a:solidFill>
-              <a:effectLst/>
-            </a:endParaRPr>
-          </a:p>
-          <a:p>
-            <a:pPr marL="0" marR="0" lvl="0" indent="0" algn="l" defTabSz="914400" rtl="0" eaLnBrk="0" fontAlgn="base" latinLnBrk="0" hangingPunct="0">
-              <a:spcBef>
-                <a:spcPct val="0"/>
-              </a:spcBef>
-              <a:spcAft>
-                <a:spcPts val="600"/>
-              </a:spcAft>
-              <a:buClrTx/>
-              <a:buSzTx/>
-              <a:buFontTx/>
-              <a:buNone/>
-              <a:tabLst/>
-            </a:pPr>
-            <a:endParaRPr kumimoji="0" lang="en-US" altLang="en-US" b="0" i="0" u="none" strike="noStrike" cap="none" normalizeH="0" baseline="0">
-              <a:ln>
-                <a:noFill/>
-              </a:ln>
-              <a:solidFill>
-                <a:schemeClr val="tx1"/>
-              </a:solidFill>
-              <a:effectLst/>
-              <a:latin typeface="Arial" panose="020B0604020202020204" pitchFamily="34" charset="0"/>
-            </a:endParaRPr>
-          </a:p>
-        </p:txBody>
-      </p:sp>
-      <p:sp>
-        <p:nvSpPr>
-          <p:cNvPr id="6" name="Content Placeholder 5">
-            <a:extLst>
-              <a:ext uri="{FF2B5EF4-FFF2-40B4-BE49-F238E27FC236}">
-                <a16:creationId xmlns:a16="http://schemas.microsoft.com/office/drawing/2014/main" id="{4C5E16DD-6DBF-1C8C-039D-1A7E284EDEA9}"/>
-              </a:ext>
-            </a:extLst>
-          </p:cNvPr>
-          <p:cNvSpPr>
-            <a:spLocks noGrp="1"/>
-          </p:cNvSpPr>
-          <p:nvPr>
-            <p:ph idx="1"/>
-          </p:nvPr>
-        </p:nvSpPr>
-        <p:spPr/>
-        <p:txBody>
-          <a:bodyPr>
-            <a:normAutofit fontScale="47500" lnSpcReduction="20000"/>
-          </a:bodyPr>
-          <a:lstStyle/>
-          <a:p>
-            <a:r>
-              <a:rPr lang="en-GB" b="1" dirty="0"/>
-              <a:t>As a Data Engineer, I want to design a monitoring dashboard so that stakeholders can see pipeline health at a glance.</a:t>
-            </a:r>
-          </a:p>
-          <a:p>
-            <a:r>
-              <a:rPr lang="en-GB" b="1" dirty="0"/>
-              <a:t>As a Data Engineer, I want to visualise our ETL data flow so that team members understand the pipeline structure.</a:t>
-            </a:r>
-          </a:p>
-          <a:p>
-            <a:r>
-              <a:rPr lang="en-GB" b="1" dirty="0"/>
-              <a:t>As a Data Engineer, I want to assess what's missing for production deployment so that we can prioritise improvements.</a:t>
-            </a:r>
-          </a:p>
-          <a:p>
-            <a:r>
-              <a:rPr lang="en-GB" b="1" dirty="0"/>
-              <a:t>As a Data Steward, I want to create a change log for all improvements so we can track what's been changed in the pipeline.</a:t>
-            </a:r>
-          </a:p>
-          <a:p>
-            <a:r>
-              <a:rPr lang="en-GB" b="1" dirty="0"/>
-              <a:t>As a Developer, I want to parameterise the data source and output file so that others can reuse it.</a:t>
-            </a:r>
-          </a:p>
-          <a:p>
-            <a:r>
-              <a:rPr lang="en-GB" b="1" dirty="0"/>
-              <a:t>As a Data Engineer, I want structured logging in our ETL pipeline so that I can track execution progress and identify issues.</a:t>
-            </a:r>
-          </a:p>
-          <a:p>
-            <a:r>
-              <a:rPr lang="en-GB" b="1" dirty="0"/>
-              <a:t>As a Data Engineer, I want to monitor database connectivity so that I can detect connection issues before they cause pipeline failures.</a:t>
-            </a:r>
-          </a:p>
-          <a:p>
-            <a:r>
-              <a:rPr lang="en-GB" b="1" dirty="0"/>
-              <a:t>As a Data Operations Manager, I want a comprehensive monitoring strategy so that our team can effectively observe pipeline health.</a:t>
-            </a:r>
-          </a:p>
-          <a:p>
-            <a:r>
-              <a:rPr lang="en-GB" b="1" dirty="0"/>
-              <a:t>As a Data Engineering Team Lead, I want to understand current monitoring gaps so that I can prioritise observability improvements.</a:t>
-            </a:r>
-          </a:p>
-          <a:p>
-            <a:r>
-              <a:rPr lang="en-GB" b="1" dirty="0"/>
-              <a:t>As a Data Engineer, I want a clear incident response process so that I can quickly resolve pipeline failures.</a:t>
-            </a:r>
-          </a:p>
-          <a:p>
-            <a:r>
-              <a:rPr lang="en-GB" b="1" dirty="0"/>
-              <a:t>Technology Decision = Azure/Fabric Monitoring</a:t>
-            </a:r>
-          </a:p>
-          <a:p>
-            <a:r>
-              <a:rPr lang="en-GB" b="1" dirty="0"/>
-              <a:t>As a Data Operations Manager, I want a comprehensive logging strategy so that our team can effectively troubleshoot pipeline issues.</a:t>
-            </a:r>
-          </a:p>
-          <a:p>
-            <a:r>
-              <a:rPr lang="en-GB" b="1" dirty="0"/>
-              <a:t>As a Data Engineer, I want detailed pipeline performance metrics so that I can optimise processing time and resource usage.</a:t>
-            </a:r>
-          </a:p>
-          <a:p>
-            <a:r>
-              <a:rPr lang="en-GB" b="1" dirty="0"/>
-              <a:t>As a Data Operations Team, I want email notifications for critical pipeline failures so that we can respond quickly to issues.</a:t>
-            </a:r>
-          </a:p>
-        </p:txBody>
-      </p:sp>
-    </p:spTree>
-    <p:extLst>
-      <p:ext uri="{BB962C8B-B14F-4D97-AF65-F5344CB8AC3E}">
-        <p14:creationId xmlns:p14="http://schemas.microsoft.com/office/powerpoint/2010/main" val="2630440565"/>
-      </p:ext>
-    </p:extLst>
-  </p:cSld>
-  <p:clrMapOvr>
-    <a:masterClrMapping/>
-  </p:clrMapOvr>
-  <mc:AlternateContent xmlns:mc="http://schemas.openxmlformats.org/markup-compatibility/2006">
-    <mc:Choice xmlns:p14="http://schemas.microsoft.com/office/powerpoint/2010/main" Requires="p14">
-      <p:transition spd="med" p14:dur="700">
-        <p:fade/>
-      </p:transition>
-    </mc:Choice>
-    <mc:Fallback>
-      <p:transition spd="med">
-        <p:fade/>
-      </p:transition>
-    </mc:Fallback>
-  </mc:AlternateContent>
-</p:sld>
-</file>
-
-<file path=ppt/slides/slide5.xml><?xml version="1.0" encoding="utf-8"?>
-<p:sld xmlns:a="http://schemas.openxmlformats.org/drawingml/2006/main" xmlns:r="http://schemas.openxmlformats.org/officeDocument/2006/relationships" xmlns:p="http://schemas.openxmlformats.org/presentationml/2006/main">
-  <p:cSld>
-    <p:bg>
-      <p:bgPr>
-        <a:solidFill>
-          <a:schemeClr val="bg1"/>
-        </a:solidFill>
-        <a:effectLst/>
-      </p:bgPr>
-    </p:bg>
-    <p:spTree>
-      <p:nvGrpSpPr>
-        <p:cNvPr id="1" name="">
-          <a:extLst>
-            <a:ext uri="{FF2B5EF4-FFF2-40B4-BE49-F238E27FC236}">
-              <a16:creationId xmlns:a16="http://schemas.microsoft.com/office/drawing/2014/main" id="{2DB97F43-6115-223A-1AF8-65B5E85F826A}"/>
-            </a:ext>
-          </a:extLst>
-        </p:cNvPr>
-        <p:cNvGrpSpPr/>
-        <p:nvPr/>
-      </p:nvGrpSpPr>
-      <p:grpSpPr>
-        <a:xfrm>
-          <a:off x="0" y="0"/>
-          <a:ext cx="0" cy="0"/>
-          <a:chOff x="0" y="0"/>
-          <a:chExt cx="0" cy="0"/>
-        </a:xfrm>
-      </p:grpSpPr>
-      <p:sp useBgFill="1">
-        <p:nvSpPr>
-          <p:cNvPr id="25" name="Rectangle 24">
-            <a:extLst>
-              <a:ext uri="{FF2B5EF4-FFF2-40B4-BE49-F238E27FC236}">
-                <a16:creationId xmlns:a16="http://schemas.microsoft.com/office/drawing/2014/main" id="{9D281B60-64D9-2FE0-00CB-40649860C1FC}"/>
-              </a:ext>
-              <a:ext uri="{C183D7F6-B498-43B3-948B-1728B52AA6E4}">
-                <adec:decorative xmlns:adec="http://schemas.microsoft.com/office/drawing/2017/decorative" val="1"/>
-              </a:ext>
-            </a:extLst>
-          </p:cNvPr>
-          <p:cNvSpPr>
-            <a:spLocks noGrp="1" noRot="1" noChangeAspect="1" noMove="1" noResize="1" noEditPoints="1" noAdjustHandles="1" noChangeArrowheads="1" noChangeShapeType="1" noTextEdit="1"/>
-          </p:cNvSpPr>
-          <p:nvPr>
-            <p:extLst>
-              <p:ext uri="{386F3935-93C4-4BCD-93E2-E3B085C9AB24}">
-                <p16:designElem xmlns:p16="http://schemas.microsoft.com/office/powerpoint/2015/main" val="1"/>
-              </p:ext>
-            </p:extLst>
-          </p:nvPr>
-        </p:nvSpPr>
-        <p:spPr>
-          <a:xfrm>
-            <a:off x="0" y="0"/>
-            <a:ext cx="12192000" cy="6858000"/>
-          </a:xfrm>
-          <a:prstGeom prst="rect">
-            <a:avLst/>
-          </a:prstGeom>
-          <a:ln w="12700" cap="flat" cmpd="sng" algn="ctr">
-            <a:noFill/>
-            <a:prstDash val="solid"/>
-            <a:miter lim="800000"/>
-          </a:ln>
-          <a:effectLst/>
-          <a:extLst>
-            <a:ext uri="{91240B29-F687-4F45-9708-019B960494DF}">
-              <a14:hiddenLine xmlns:a14="http://schemas.microsoft.com/office/drawing/2010/main" w="12700" cap="flat" cmpd="sng" algn="ctr">
-                <a:solidFill>
-                  <a:schemeClr val="accent1">
-                    <a:shade val="50000"/>
-                  </a:schemeClr>
-                </a:solidFill>
-                <a:prstDash val="solid"/>
-                <a:miter lim="800000"/>
-              </a14:hiddenLine>
-            </a:ext>
-          </a:extLst>
-        </p:spPr>
-        <p:style>
-          <a:lnRef idx="2">
-            <a:schemeClr val="accent1">
-              <a:shade val="50000"/>
-            </a:schemeClr>
-          </a:lnRef>
-          <a:fillRef idx="1">
-            <a:schemeClr val="accent1"/>
-          </a:fillRef>
-          <a:effectRef idx="0">
-            <a:schemeClr val="accent1"/>
-          </a:effectRef>
-          <a:fontRef idx="minor">
-            <a:schemeClr val="lt1"/>
-          </a:fontRef>
-        </p:style>
-        <p:txBody>
-          <a:bodyPr rtlCol="0" anchor="ctr"/>
-          <a:lstStyle/>
-          <a:p>
-            <a:pPr algn="ctr"/>
-            <a:endParaRPr lang="en-US"/>
-          </a:p>
-        </p:txBody>
-      </p:sp>
-      <p:sp>
-        <p:nvSpPr>
-          <p:cNvPr id="26" name="Rectangle 25">
-            <a:extLst>
-              <a:ext uri="{FF2B5EF4-FFF2-40B4-BE49-F238E27FC236}">
-                <a16:creationId xmlns:a16="http://schemas.microsoft.com/office/drawing/2014/main" id="{2EAC16FF-B5BC-6FD8-6583-477D4AD4EA8A}"/>
-              </a:ext>
-              <a:ext uri="{C183D7F6-B498-43B3-948B-1728B52AA6E4}">
-                <adec:decorative xmlns:adec="http://schemas.microsoft.com/office/drawing/2017/decorative" val="1"/>
-              </a:ext>
-            </a:extLst>
-          </p:cNvPr>
-          <p:cNvSpPr>
-            <a:spLocks noGrp="1" noRot="1" noChangeAspect="1" noMove="1" noResize="1" noEditPoints="1" noAdjustHandles="1" noChangeArrowheads="1" noChangeShapeType="1" noTextEdit="1"/>
-          </p:cNvSpPr>
-          <p:nvPr>
-            <p:extLst>
-              <p:ext uri="{386F3935-93C4-4BCD-93E2-E3B085C9AB24}">
-                <p16:designElem xmlns:p16="http://schemas.microsoft.com/office/powerpoint/2015/main" val="1"/>
-              </p:ext>
-            </p:extLst>
-          </p:nvPr>
-        </p:nvSpPr>
-        <p:spPr>
-          <a:xfrm flipH="1">
-            <a:off x="2" y="0"/>
-            <a:ext cx="12191998" cy="1575955"/>
-          </a:xfrm>
-          <a:prstGeom prst="rect">
-            <a:avLst/>
-          </a:prstGeom>
-          <a:gradFill>
-            <a:gsLst>
-              <a:gs pos="0">
-                <a:srgbClr val="000000">
-                  <a:alpha val="96000"/>
-                </a:srgbClr>
-              </a:gs>
-              <a:gs pos="100000">
-                <a:schemeClr val="accent1">
-                  <a:lumMod val="75000"/>
-                </a:schemeClr>
-              </a:gs>
-            </a:gsLst>
-            <a:lin ang="8400000" scaled="0"/>
-          </a:gradFill>
-          <a:ln>
-            <a:noFill/>
-          </a:ln>
-        </p:spPr>
-        <p:style>
-          <a:lnRef idx="2">
-            <a:schemeClr val="accent1">
-              <a:shade val="50000"/>
-            </a:schemeClr>
-          </a:lnRef>
-          <a:fillRef idx="1">
-            <a:schemeClr val="accent1"/>
-          </a:fillRef>
-          <a:effectRef idx="0">
-            <a:schemeClr val="accent1"/>
-          </a:effectRef>
-          <a:fontRef idx="minor">
-            <a:schemeClr val="lt1"/>
-          </a:fontRef>
-        </p:style>
-        <p:txBody>
-          <a:bodyPr rtlCol="0" anchor="ctr"/>
-          <a:lstStyle/>
-          <a:p>
-            <a:pPr algn="ctr"/>
-            <a:endParaRPr lang="en-US"/>
-          </a:p>
-        </p:txBody>
-      </p:sp>
-      <p:sp>
-        <p:nvSpPr>
-          <p:cNvPr id="14" name="Rectangle 13">
-            <a:extLst>
-              <a:ext uri="{FF2B5EF4-FFF2-40B4-BE49-F238E27FC236}">
-                <a16:creationId xmlns:a16="http://schemas.microsoft.com/office/drawing/2014/main" id="{A7D87D53-28D2-9A3B-8BDF-1656E0124AC1}"/>
-              </a:ext>
-              <a:ext uri="{C183D7F6-B498-43B3-948B-1728B52AA6E4}">
-                <adec:decorative xmlns:adec="http://schemas.microsoft.com/office/drawing/2017/decorative" val="1"/>
-              </a:ext>
-            </a:extLst>
-          </p:cNvPr>
-          <p:cNvSpPr>
-            <a:spLocks noGrp="1" noRot="1" noChangeAspect="1" noMove="1" noResize="1" noEditPoints="1" noAdjustHandles="1" noChangeArrowheads="1" noChangeShapeType="1" noTextEdit="1"/>
-          </p:cNvSpPr>
-          <p:nvPr>
-            <p:extLst>
-              <p:ext uri="{386F3935-93C4-4BCD-93E2-E3B085C9AB24}">
-                <p16:designElem xmlns:p16="http://schemas.microsoft.com/office/powerpoint/2015/main" val="1"/>
-              </p:ext>
-            </p:extLst>
-          </p:nvPr>
-        </p:nvSpPr>
-        <p:spPr>
-          <a:xfrm rot="10800000" flipH="1">
-            <a:off x="8128857" y="0"/>
-            <a:ext cx="4063143" cy="1576412"/>
-          </a:xfrm>
-          <a:prstGeom prst="rect">
-            <a:avLst/>
-          </a:prstGeom>
-          <a:gradFill>
-            <a:gsLst>
-              <a:gs pos="19000">
-                <a:schemeClr val="accent1">
-                  <a:lumMod val="50000"/>
-                  <a:alpha val="68000"/>
-                </a:schemeClr>
-              </a:gs>
-              <a:gs pos="100000">
-                <a:schemeClr val="accent1">
-                  <a:alpha val="79000"/>
-                </a:schemeClr>
-              </a:gs>
-            </a:gsLst>
-            <a:lin ang="19200000" scaled="0"/>
-          </a:gradFill>
-          <a:ln>
-            <a:noFill/>
-          </a:ln>
-        </p:spPr>
-        <p:style>
-          <a:lnRef idx="2">
-            <a:schemeClr val="accent1">
-              <a:shade val="50000"/>
-            </a:schemeClr>
-          </a:lnRef>
-          <a:fillRef idx="1">
-            <a:schemeClr val="accent1"/>
-          </a:fillRef>
-          <a:effectRef idx="0">
-            <a:schemeClr val="accent1"/>
-          </a:effectRef>
-          <a:fontRef idx="minor">
-            <a:schemeClr val="lt1"/>
-          </a:fontRef>
-        </p:style>
-        <p:txBody>
-          <a:bodyPr rtlCol="0" anchor="ctr"/>
-          <a:lstStyle/>
-          <a:p>
-            <a:pPr algn="ctr"/>
-            <a:endParaRPr lang="en-US"/>
-          </a:p>
-        </p:txBody>
-      </p:sp>
-      <p:sp>
-        <p:nvSpPr>
-          <p:cNvPr id="16" name="Rectangle 15">
-            <a:extLst>
-              <a:ext uri="{FF2B5EF4-FFF2-40B4-BE49-F238E27FC236}">
-                <a16:creationId xmlns:a16="http://schemas.microsoft.com/office/drawing/2014/main" id="{BC6DB9B0-CAD3-C309-42F4-F9C772CC640F}"/>
-              </a:ext>
-              <a:ext uri="{C183D7F6-B498-43B3-948B-1728B52AA6E4}">
-                <adec:decorative xmlns:adec="http://schemas.microsoft.com/office/drawing/2017/decorative" val="1"/>
-              </a:ext>
-            </a:extLst>
-          </p:cNvPr>
-          <p:cNvSpPr>
-            <a:spLocks noGrp="1" noRot="1" noChangeAspect="1" noMove="1" noResize="1" noEditPoints="1" noAdjustHandles="1" noChangeArrowheads="1" noChangeShapeType="1" noTextEdit="1"/>
-          </p:cNvSpPr>
-          <p:nvPr>
-            <p:extLst>
-              <p:ext uri="{386F3935-93C4-4BCD-93E2-E3B085C9AB24}">
-                <p16:designElem xmlns:p16="http://schemas.microsoft.com/office/powerpoint/2015/main" val="1"/>
-              </p:ext>
-            </p:extLst>
-          </p:nvPr>
-        </p:nvSpPr>
-        <p:spPr>
-          <a:xfrm rot="5400000">
-            <a:off x="5307777" y="-5307778"/>
-            <a:ext cx="1576446" cy="12192002"/>
-          </a:xfrm>
-          <a:prstGeom prst="rect">
-            <a:avLst/>
-          </a:prstGeom>
-          <a:gradFill>
-            <a:gsLst>
-              <a:gs pos="23000">
-                <a:schemeClr val="accent1">
-                  <a:alpha val="0"/>
-                </a:schemeClr>
-              </a:gs>
-              <a:gs pos="99000">
-                <a:srgbClr val="000000">
-                  <a:alpha val="74000"/>
-                </a:srgbClr>
-              </a:gs>
-            </a:gsLst>
-            <a:lin ang="20400000" scaled="0"/>
-          </a:gradFill>
-          <a:ln>
-            <a:noFill/>
-          </a:ln>
-        </p:spPr>
-        <p:style>
-          <a:lnRef idx="2">
-            <a:schemeClr val="accent1">
-              <a:shade val="50000"/>
-            </a:schemeClr>
-          </a:lnRef>
-          <a:fillRef idx="1">
-            <a:schemeClr val="accent1"/>
-          </a:fillRef>
-          <a:effectRef idx="0">
-            <a:schemeClr val="accent1"/>
-          </a:effectRef>
-          <a:fontRef idx="minor">
-            <a:schemeClr val="lt1"/>
-          </a:fontRef>
-        </p:style>
-        <p:txBody>
-          <a:bodyPr rtlCol="0" anchor="ctr"/>
-          <a:lstStyle/>
-          <a:p>
-            <a:pPr algn="ctr"/>
-            <a:endParaRPr lang="en-US" dirty="0"/>
-          </a:p>
-        </p:txBody>
-      </p:sp>
-      <p:sp>
-        <p:nvSpPr>
-          <p:cNvPr id="2" name="Title 1">
-            <a:extLst>
-              <a:ext uri="{FF2B5EF4-FFF2-40B4-BE49-F238E27FC236}">
-                <a16:creationId xmlns:a16="http://schemas.microsoft.com/office/drawing/2014/main" id="{DD0F6105-E4E9-AAFD-E819-03DF50AC87B3}"/>
-              </a:ext>
-            </a:extLst>
-          </p:cNvPr>
-          <p:cNvSpPr>
-            <a:spLocks noGrp="1"/>
-          </p:cNvSpPr>
-          <p:nvPr>
-            <p:ph type="title"/>
-          </p:nvPr>
-        </p:nvSpPr>
-        <p:spPr>
-          <a:xfrm>
-            <a:off x="1371597" y="348865"/>
-            <a:ext cx="10044023" cy="877729"/>
-          </a:xfrm>
-        </p:spPr>
-        <p:txBody>
-          <a:bodyPr anchor="ctr">
-            <a:normAutofit/>
-          </a:bodyPr>
-          <a:lstStyle/>
-          <a:p>
-            <a:r>
-              <a:rPr lang="en-GB" sz="4000" dirty="0">
-                <a:solidFill>
-                  <a:srgbClr val="FFFFFF"/>
-                </a:solidFill>
-              </a:rPr>
-              <a:t>Monitoring Strategy and Incident Response</a:t>
-            </a:r>
-          </a:p>
-        </p:txBody>
-      </p:sp>
-      <p:sp>
-        <p:nvSpPr>
-          <p:cNvPr id="5" name="Rectangle 1">
-            <a:extLst>
-              <a:ext uri="{FF2B5EF4-FFF2-40B4-BE49-F238E27FC236}">
-                <a16:creationId xmlns:a16="http://schemas.microsoft.com/office/drawing/2014/main" id="{37774DBB-D667-17CA-752D-B32345400CDA}"/>
-              </a:ext>
-            </a:extLst>
-          </p:cNvPr>
-          <p:cNvSpPr>
-            <a:spLocks noChangeArrowheads="1"/>
-          </p:cNvSpPr>
-          <p:nvPr/>
-        </p:nvSpPr>
-        <p:spPr bwMode="auto">
-          <a:xfrm>
-            <a:off x="0" y="-361637"/>
-            <a:ext cx="12192000" cy="723275"/>
-          </a:xfrm>
-          <a:prstGeom prst="rect">
-            <a:avLst/>
-          </a:prstGeom>
-          <a:noFill/>
-          <a:ln>
-            <a:noFill/>
-          </a:ln>
-          <a:effectLst/>
-          <a:extLst>
-            <a:ext uri="{909E8E84-426E-40DD-AFC4-6F175D3DCCD1}">
-              <a14:hiddenFill xmlns:a14="http://schemas.microsoft.com/office/drawing/2010/main">
-                <a:solidFill>
-                  <a:schemeClr val="accent1"/>
-                </a:solidFill>
-              </a14:hiddenFill>
-            </a:ext>
-            <a:ext uri="{91240B29-F687-4F45-9708-019B960494DF}">
-              <a14:hiddenLine xmlns:a14="http://schemas.microsoft.com/office/drawing/2010/main" w="9525">
-                <a:solidFill>
-                  <a:schemeClr val="tx1"/>
-                </a:solidFill>
-                <a:miter lim="800000"/>
-                <a:headEnd/>
-                <a:tailEnd/>
-              </a14:hiddenLine>
-            </a:ext>
-            <a:ext uri="{AF507438-7753-43E0-B8FC-AC1667EBCBE1}">
-              <a14:hiddenEffects xmlns:a14="http://schemas.microsoft.com/office/drawing/2010/main">
-                <a:effectLst>
-                  <a:outerShdw dist="35921" dir="2700000" algn="ctr" rotWithShape="0">
-                    <a:schemeClr val="bg2"/>
-                  </a:outerShdw>
-                </a:effectLst>
-              </a14:hiddenEffects>
-            </a:ext>
-          </a:extLst>
-        </p:spPr>
-        <p:txBody>
-          <a:bodyPr vert="horz" wrap="square" lIns="91440" tIns="45720" rIns="91440" bIns="45720" numCol="1" anchor="ctr" anchorCtr="0" compatLnSpc="1">
-            <a:prstTxWarp prst="textNoShape">
-              <a:avLst/>
-            </a:prstTxWarp>
-            <a:spAutoFit/>
-          </a:bodyPr>
-          <a:lstStyle>
-            <a:lvl1pPr eaLnBrk="0" fontAlgn="base" hangingPunct="0">
-              <a:spcBef>
-                <a:spcPct val="0"/>
-              </a:spcBef>
-              <a:spcAft>
-                <a:spcPct val="0"/>
-              </a:spcAft>
-              <a:defRPr>
-                <a:solidFill>
-                  <a:schemeClr val="tx1"/>
-                </a:solidFill>
-                <a:latin typeface="Arial" panose="020B0604020202020204" pitchFamily="34" charset="0"/>
-              </a:defRPr>
-            </a:lvl1pPr>
-            <a:lvl2pPr eaLnBrk="0" fontAlgn="base" hangingPunct="0">
-              <a:spcBef>
-                <a:spcPct val="0"/>
-              </a:spcBef>
-              <a:spcAft>
-                <a:spcPct val="0"/>
-              </a:spcAft>
-              <a:defRPr>
-                <a:solidFill>
-                  <a:schemeClr val="tx1"/>
-                </a:solidFill>
-                <a:latin typeface="Arial" panose="020B0604020202020204" pitchFamily="34" charset="0"/>
-              </a:defRPr>
-            </a:lvl2pPr>
-            <a:lvl3pPr eaLnBrk="0" fontAlgn="base" hangingPunct="0">
-              <a:spcBef>
-                <a:spcPct val="0"/>
-              </a:spcBef>
-              <a:spcAft>
-                <a:spcPct val="0"/>
-              </a:spcAft>
-              <a:defRPr>
-                <a:solidFill>
-                  <a:schemeClr val="tx1"/>
-                </a:solidFill>
-                <a:latin typeface="Arial" panose="020B0604020202020204" pitchFamily="34" charset="0"/>
-              </a:defRPr>
-            </a:lvl3pPr>
-            <a:lvl4pPr eaLnBrk="0" fontAlgn="base" hangingPunct="0">
-              <a:spcBef>
-                <a:spcPct val="0"/>
-              </a:spcBef>
-              <a:spcAft>
-                <a:spcPct val="0"/>
-              </a:spcAft>
-              <a:defRPr>
-                <a:solidFill>
-                  <a:schemeClr val="tx1"/>
-                </a:solidFill>
-                <a:latin typeface="Arial" panose="020B0604020202020204" pitchFamily="34" charset="0"/>
-              </a:defRPr>
-            </a:lvl4pPr>
-            <a:lvl5pPr eaLnBrk="0" fontAlgn="base" hangingPunct="0">
-              <a:spcBef>
-                <a:spcPct val="0"/>
-              </a:spcBef>
-              <a:spcAft>
-                <a:spcPct val="0"/>
-              </a:spcAft>
-              <a:defRPr>
-                <a:solidFill>
-                  <a:schemeClr val="tx1"/>
-                </a:solidFill>
-                <a:latin typeface="Arial" panose="020B0604020202020204" pitchFamily="34" charset="0"/>
-              </a:defRPr>
-            </a:lvl5pPr>
-            <a:lvl6pPr eaLnBrk="0" fontAlgn="base" hangingPunct="0">
-              <a:spcBef>
-                <a:spcPct val="0"/>
-              </a:spcBef>
-              <a:spcAft>
-                <a:spcPct val="0"/>
-              </a:spcAft>
-              <a:defRPr>
-                <a:solidFill>
-                  <a:schemeClr val="tx1"/>
-                </a:solidFill>
-                <a:latin typeface="Arial" panose="020B0604020202020204" pitchFamily="34" charset="0"/>
-              </a:defRPr>
-            </a:lvl6pPr>
-            <a:lvl7pPr eaLnBrk="0" fontAlgn="base" hangingPunct="0">
-              <a:spcBef>
-                <a:spcPct val="0"/>
-              </a:spcBef>
-              <a:spcAft>
-                <a:spcPct val="0"/>
-              </a:spcAft>
-              <a:defRPr>
-                <a:solidFill>
-                  <a:schemeClr val="tx1"/>
-                </a:solidFill>
-                <a:latin typeface="Arial" panose="020B0604020202020204" pitchFamily="34" charset="0"/>
-              </a:defRPr>
-            </a:lvl7pPr>
-            <a:lvl8pPr eaLnBrk="0" fontAlgn="base" hangingPunct="0">
-              <a:spcBef>
-                <a:spcPct val="0"/>
-              </a:spcBef>
-              <a:spcAft>
-                <a:spcPct val="0"/>
-              </a:spcAft>
-              <a:defRPr>
-                <a:solidFill>
-                  <a:schemeClr val="tx1"/>
-                </a:solidFill>
-                <a:latin typeface="Arial" panose="020B0604020202020204" pitchFamily="34" charset="0"/>
-              </a:defRPr>
-            </a:lvl8pPr>
-            <a:lvl9pPr eaLnBrk="0" fontAlgn="base" hangingPunct="0">
-              <a:spcBef>
-                <a:spcPct val="0"/>
-              </a:spcBef>
-              <a:spcAft>
-                <a:spcPct val="0"/>
-              </a:spcAft>
-              <a:defRPr>
-                <a:solidFill>
-                  <a:schemeClr val="tx1"/>
-                </a:solidFill>
-                <a:latin typeface="Arial" panose="020B0604020202020204" pitchFamily="34" charset="0"/>
-              </a:defRPr>
-            </a:lvl9pPr>
-          </a:lstStyle>
-          <a:p>
-            <a:pPr marL="0" marR="0" lvl="0" indent="0" algn="l" defTabSz="914400" rtl="0" eaLnBrk="0" fontAlgn="base" latinLnBrk="0" hangingPunct="0">
-              <a:spcBef>
-                <a:spcPct val="0"/>
-              </a:spcBef>
-              <a:spcAft>
-                <a:spcPts val="600"/>
-              </a:spcAft>
-              <a:buClrTx/>
-              <a:buSzTx/>
-              <a:buFontTx/>
-              <a:buNone/>
-              <a:tabLst/>
-            </a:pPr>
-            <a:r>
-              <a:rPr kumimoji="0" lang="en-US" altLang="en-US" b="0" i="0" u="none" strike="noStrike" cap="none" normalizeH="0" baseline="0">
-                <a:ln>
-                  <a:noFill/>
-                </a:ln>
-                <a:solidFill>
-                  <a:srgbClr val="000000"/>
-                </a:solidFill>
-                <a:effectLst/>
-                <a:latin typeface="Times New Roman" panose="02020603050405020304" pitchFamily="18" charset="0"/>
-                <a:cs typeface="Times New Roman" panose="02020603050405020304" pitchFamily="18" charset="0"/>
-              </a:rPr>
-              <a:t> </a:t>
-            </a:r>
-            <a:endParaRPr kumimoji="0" lang="en-US" altLang="en-US" b="0" i="0" u="none" strike="noStrike" cap="none" normalizeH="0" baseline="0">
-              <a:ln>
-                <a:noFill/>
-              </a:ln>
-              <a:solidFill>
-                <a:schemeClr val="tx1"/>
-              </a:solidFill>
-              <a:effectLst/>
-            </a:endParaRPr>
-          </a:p>
-          <a:p>
-            <a:pPr marL="0" marR="0" lvl="0" indent="0" algn="l" defTabSz="914400" rtl="0" eaLnBrk="0" fontAlgn="base" latinLnBrk="0" hangingPunct="0">
-              <a:spcBef>
-                <a:spcPct val="0"/>
-              </a:spcBef>
-              <a:spcAft>
-                <a:spcPts val="600"/>
-              </a:spcAft>
-              <a:buClrTx/>
-              <a:buSzTx/>
-              <a:buFontTx/>
-              <a:buNone/>
-              <a:tabLst/>
-            </a:pPr>
-            <a:endParaRPr kumimoji="0" lang="en-US" altLang="en-US" b="0" i="0" u="none" strike="noStrike" cap="none" normalizeH="0" baseline="0">
-              <a:ln>
-                <a:noFill/>
-              </a:ln>
-              <a:solidFill>
-                <a:schemeClr val="tx1"/>
-              </a:solidFill>
-              <a:effectLst/>
-              <a:latin typeface="Arial" panose="020B0604020202020204" pitchFamily="34" charset="0"/>
-            </a:endParaRPr>
           </a:p>
         </p:txBody>
       </p:sp>
       <p:graphicFrame>
         <p:nvGraphicFramePr>
-          <p:cNvPr id="9" name="Content Placeholder 8">
+          <p:cNvPr id="5" name="Content Placeholder 2">
             <a:extLst>
               <a:ext uri="{FF2B5EF4-FFF2-40B4-BE49-F238E27FC236}">
-                <a16:creationId xmlns:a16="http://schemas.microsoft.com/office/drawing/2014/main" id="{19DB3D26-4412-8C60-A457-B523F0B10851}"/>
+                <a16:creationId xmlns:a16="http://schemas.microsoft.com/office/drawing/2014/main" id="{2DE1A683-60B4-18DE-0BFB-E3ED3927471B}"/>
               </a:ext>
             </a:extLst>
           </p:cNvPr>
@@ -17806,136 +20804,38 @@
             <p:ph idx="1"/>
             <p:extLst>
               <p:ext uri="{D42A27DB-BD31-4B8C-83A1-F6EECF244321}">
-                <p14:modId xmlns:p14="http://schemas.microsoft.com/office/powerpoint/2010/main" val="2909168972"/>
+                <p14:modId xmlns:p14="http://schemas.microsoft.com/office/powerpoint/2010/main" val="1136623894"/>
               </p:ext>
             </p:extLst>
           </p:nvPr>
         </p:nvGraphicFramePr>
         <p:xfrm>
-          <a:off x="262760" y="1728968"/>
-          <a:ext cx="6997262" cy="1808454"/>
+          <a:off x="644056" y="2112579"/>
+          <a:ext cx="10927829" cy="4192805"/>
         </p:xfrm>
         <a:graphic>
           <a:graphicData uri="http://schemas.openxmlformats.org/drawingml/2006/diagram">
-            <dgm:relIds xmlns:dgm="http://schemas.openxmlformats.org/drawingml/2006/diagram" xmlns:r="http://schemas.openxmlformats.org/officeDocument/2006/relationships" r:dm="rId2" r:lo="rId3" r:qs="rId4" r:cs="rId5"/>
+            <dgm:relIds xmlns:dgm="http://schemas.openxmlformats.org/drawingml/2006/diagram" xmlns:r="http://schemas.openxmlformats.org/officeDocument/2006/relationships" r:dm="rId3" r:lo="rId4" r:qs="rId5" r:cs="rId6"/>
           </a:graphicData>
         </a:graphic>
       </p:graphicFrame>
-      <p:sp>
-        <p:nvSpPr>
-          <p:cNvPr id="4" name="TextBox 3">
-            <a:extLst>
-              <a:ext uri="{FF2B5EF4-FFF2-40B4-BE49-F238E27FC236}">
-                <a16:creationId xmlns:a16="http://schemas.microsoft.com/office/drawing/2014/main" id="{93D602C8-AFC4-0614-F189-F24CAD5F96C5}"/>
-              </a:ext>
-            </a:extLst>
-          </p:cNvPr>
-          <p:cNvSpPr txBox="1"/>
-          <p:nvPr/>
-        </p:nvSpPr>
-        <p:spPr>
-          <a:xfrm>
-            <a:off x="292513" y="3887274"/>
-            <a:ext cx="7464121" cy="2862322"/>
-          </a:xfrm>
-          <a:prstGeom prst="rect">
-            <a:avLst/>
-          </a:prstGeom>
-          <a:noFill/>
-        </p:spPr>
-        <p:txBody>
-          <a:bodyPr wrap="square">
-            <a:spAutoFit/>
-          </a:bodyPr>
-          <a:lstStyle/>
-          <a:p>
-            <a:r>
-              <a:rPr lang="en-GB" dirty="0"/>
-              <a:t>Power BI Dashboard and on-screen alerting in Data Ops</a:t>
-            </a:r>
-          </a:p>
-          <a:p>
-            <a:endParaRPr lang="en-GB" dirty="0"/>
-          </a:p>
-          <a:p>
-            <a:r>
-              <a:rPr lang="en-GB" dirty="0"/>
-              <a:t>Incident Strategy – agree P1, P2 response times with Data Engineering Team as a resolving team.  </a:t>
-            </a:r>
-          </a:p>
-          <a:p>
-            <a:r>
-              <a:rPr lang="en-GB" dirty="0"/>
-              <a:t>Email Alerting to central Data Operations inbox/Teams Channel.</a:t>
-            </a:r>
-          </a:p>
-          <a:p>
-            <a:endParaRPr lang="en-GB" dirty="0"/>
-          </a:p>
-          <a:p>
-            <a:r>
-              <a:rPr lang="en-GB" dirty="0"/>
-              <a:t>Comms Strategy – agree comms templates to Stakeholders when there are outages, both Planned and Unplanned.</a:t>
-            </a:r>
-          </a:p>
-          <a:p>
-            <a:endParaRPr lang="en-GB" dirty="0"/>
-          </a:p>
-          <a:p>
-            <a:r>
-              <a:rPr lang="en-GB" dirty="0"/>
-              <a:t>Root Cause Analysis and Problem strategy</a:t>
-            </a:r>
-          </a:p>
-        </p:txBody>
-      </p:sp>
-      <p:pic>
-        <p:nvPicPr>
-          <p:cNvPr id="8" name="Picture 7">
-            <a:extLst>
-              <a:ext uri="{FF2B5EF4-FFF2-40B4-BE49-F238E27FC236}">
-                <a16:creationId xmlns:a16="http://schemas.microsoft.com/office/drawing/2014/main" id="{712CAEC4-E470-C2D3-BB3A-1414D8275B63}"/>
-              </a:ext>
-            </a:extLst>
-          </p:cNvPr>
-          <p:cNvPicPr>
-            <a:picLocks noChangeAspect="1"/>
-          </p:cNvPicPr>
-          <p:nvPr/>
-        </p:nvPicPr>
-        <p:blipFill>
-          <a:blip r:embed="rId7"/>
-          <a:stretch>
-            <a:fillRect/>
-          </a:stretch>
-        </p:blipFill>
-        <p:spPr>
-          <a:xfrm>
-            <a:off x="7552535" y="2530250"/>
-            <a:ext cx="4633362" cy="2885319"/>
-          </a:xfrm>
-          <a:prstGeom prst="rect">
-            <a:avLst/>
-          </a:prstGeom>
-        </p:spPr>
-      </p:pic>
     </p:spTree>
     <p:extLst>
       <p:ext uri="{BB962C8B-B14F-4D97-AF65-F5344CB8AC3E}">
-        <p14:creationId xmlns:p14="http://schemas.microsoft.com/office/powerpoint/2010/main" val="829419679"/>
+        <p14:creationId xmlns:p14="http://schemas.microsoft.com/office/powerpoint/2010/main" val="1851896080"/>
       </p:ext>
     </p:extLst>
   </p:cSld>
   <p:clrMapOvr>
     <a:masterClrMapping/>
   </p:clrMapOvr>
-  <mc:AlternateContent xmlns:mc="http://schemas.openxmlformats.org/markup-compatibility/2006">
-    <mc:Choice xmlns:p14="http://schemas.microsoft.com/office/powerpoint/2010/main" Requires="p14">
+  <mc:AlternateContent xmlns:mc="http://schemas.openxmlformats.org/markup-compatibility/2006" xmlns:p14="http://schemas.microsoft.com/office/powerpoint/2010/main">
+    <mc:Choice Requires="p14">
       <p:transition spd="med" p14:dur="700">
         <p:fade/>
       </p:transition>
     </mc:Choice>
-    <mc:Fallback>
+    <mc:Fallback xmlns="">
       <p:transition spd="med">
         <p:fade/>
       </p:transition>
@@ -17944,7 +20844,7 @@
 </p:sld>
 </file>
 
-<file path=ppt/slides/slide6.xml><?xml version="1.0" encoding="utf-8"?>
+<file path=ppt/slides/slide3.xml><?xml version="1.0" encoding="utf-8"?>
 <p:sld xmlns:a="http://schemas.openxmlformats.org/drawingml/2006/main" xmlns:r="http://schemas.openxmlformats.org/officeDocument/2006/relationships" xmlns:p="http://schemas.openxmlformats.org/presentationml/2006/main">
   <p:cSld>
     <p:bg>
@@ -18326,35 +21226,35 @@
             <p:ph idx="1"/>
             <p:extLst>
               <p:ext uri="{D42A27DB-BD31-4B8C-83A1-F6EECF244321}">
-                <p14:modId xmlns:p14="http://schemas.microsoft.com/office/powerpoint/2010/main" val="2203551656"/>
+                <p14:modId xmlns:p14="http://schemas.microsoft.com/office/powerpoint/2010/main" val="262258580"/>
               </p:ext>
             </p:extLst>
           </p:nvPr>
         </p:nvGraphicFramePr>
         <p:xfrm>
-          <a:off x="891525" y="1668742"/>
-          <a:ext cx="10140936" cy="5146841"/>
+          <a:off x="677917" y="1638521"/>
+          <a:ext cx="10149591" cy="4953103"/>
         </p:xfrm>
         <a:graphic>
           <a:graphicData uri="http://schemas.openxmlformats.org/drawingml/2006/table">
             <a:tbl>
               <a:tblPr firstRow="1" bandRow="1"/>
               <a:tblGrid>
-                <a:gridCol w="3555855">
+                <a:gridCol w="3564510">
                   <a:extLst>
                     <a:ext uri="{9D8B030D-6E8A-4147-A177-3AD203B41FA5}">
                       <a16:colId xmlns:a16="http://schemas.microsoft.com/office/drawing/2014/main" val="1999847760"/>
                     </a:ext>
                   </a:extLst>
                 </a:gridCol>
-                <a:gridCol w="3305854">
+                <a:gridCol w="3088537">
                   <a:extLst>
                     <a:ext uri="{9D8B030D-6E8A-4147-A177-3AD203B41FA5}">
                       <a16:colId xmlns:a16="http://schemas.microsoft.com/office/drawing/2014/main" val="290124964"/>
                     </a:ext>
                   </a:extLst>
                 </a:gridCol>
-                <a:gridCol w="3279227">
+                <a:gridCol w="3496544">
                   <a:extLst>
                     <a:ext uri="{9D8B030D-6E8A-4147-A177-3AD203B41FA5}">
                       <a16:colId xmlns:a16="http://schemas.microsoft.com/office/drawing/2014/main" val="1271569179"/>
@@ -18594,11 +21494,22 @@
                     <a:bodyPr/>
                     <a:lstStyle/>
                     <a:p>
-                      <a:pPr algn="l" fontAlgn="base">
+                      <a:pPr marL="0" marR="0" lvl="0" indent="0" algn="l" defTabSz="914400" rtl="0" eaLnBrk="1" fontAlgn="base" latinLnBrk="0" hangingPunct="1">
                         <a:lnSpc>
                           <a:spcPts val="2550"/>
                         </a:lnSpc>
+                        <a:spcBef>
+                          <a:spcPts val="0"/>
+                        </a:spcBef>
+                        <a:spcAft>
+                          <a:spcPts val="0"/>
+                        </a:spcAft>
+                        <a:buClrTx/>
+                        <a:buSzTx/>
+                        <a:buFontTx/>
                         <a:buNone/>
+                        <a:tabLst/>
+                        <a:defRPr/>
                       </a:pPr>
                       <a:r>
                         <a:rPr lang="en-US" sz="1600" b="0" i="0" dirty="0">
@@ -18608,27 +21519,7 @@
                           <a:effectLst/>
                           <a:latin typeface="+mn-lt"/>
                         </a:rPr>
-                        <a:t>Run </a:t>
-                      </a:r>
-                      <a:r>
-                        <a:rPr lang="en-US" sz="1600" b="0" i="0" dirty="0" err="1">
-                          <a:solidFill>
-                            <a:srgbClr val="000000"/>
-                          </a:solidFill>
-                          <a:effectLst/>
-                          <a:latin typeface="+mn-lt"/>
-                        </a:rPr>
-                        <a:t>Jupyter</a:t>
-                      </a:r>
-                      <a:r>
-                        <a:rPr lang="en-US" sz="1600" b="0" i="0" dirty="0">
-                          <a:solidFill>
-                            <a:srgbClr val="000000"/>
-                          </a:solidFill>
-                          <a:effectLst/>
-                          <a:latin typeface="+mn-lt"/>
-                        </a:rPr>
-                        <a:t> Notebook</a:t>
+                        <a:t>Identify API/sources</a:t>
                       </a:r>
                     </a:p>
                   </a:txBody>
@@ -18683,16 +21574,13 @@
                         </a:lnSpc>
                         <a:buNone/>
                       </a:pPr>
-                      <a:r>
-                        <a:rPr lang="en-US" sz="1600" b="0" i="0" dirty="0">
-                          <a:solidFill>
-                            <a:srgbClr val="000000"/>
-                          </a:solidFill>
-                          <a:effectLst/>
-                          <a:latin typeface="+mn-lt"/>
-                        </a:rPr>
-                        <a:t>Agree MOSCOW</a:t>
-                      </a:r>
+                      <a:endParaRPr lang="en-US" sz="1600" b="0" i="0" dirty="0">
+                        <a:solidFill>
+                          <a:srgbClr val="000000"/>
+                        </a:solidFill>
+                        <a:effectLst/>
+                        <a:latin typeface="+mn-lt"/>
+                      </a:endParaRPr>
                     </a:p>
                   </a:txBody>
                   <a:tcPr marL="143691" marR="143691" marT="71846" marB="71846" anchor="ctr">
@@ -18740,11 +21628,22 @@
                     <a:bodyPr/>
                     <a:lstStyle/>
                     <a:p>
-                      <a:pPr algn="l" fontAlgn="base">
+                      <a:pPr marL="0" marR="0" lvl="0" indent="0" algn="l" defTabSz="914400" rtl="0" eaLnBrk="1" fontAlgn="base" latinLnBrk="0" hangingPunct="1">
                         <a:lnSpc>
                           <a:spcPts val="2550"/>
                         </a:lnSpc>
+                        <a:spcBef>
+                          <a:spcPts val="0"/>
+                        </a:spcBef>
+                        <a:spcAft>
+                          <a:spcPts val="0"/>
+                        </a:spcAft>
+                        <a:buClrTx/>
+                        <a:buSzTx/>
+                        <a:buFontTx/>
                         <a:buNone/>
+                        <a:tabLst/>
+                        <a:defRPr/>
                       </a:pPr>
                       <a:r>
                         <a:rPr lang="en-US" sz="1600" b="0" i="0" dirty="0">
@@ -18754,7 +21653,27 @@
                           <a:effectLst/>
                           <a:latin typeface="+mn-lt"/>
                         </a:rPr>
-                        <a:t>Task 7​</a:t>
+                        <a:t>Reviewed </a:t>
+                      </a:r>
+                      <a:r>
+                        <a:rPr lang="en-US" sz="1600" b="0" i="0" dirty="0" err="1">
+                          <a:solidFill>
+                            <a:srgbClr val="000000"/>
+                          </a:solidFill>
+                          <a:effectLst/>
+                          <a:latin typeface="+mn-lt"/>
+                        </a:rPr>
+                        <a:t>Jupyter</a:t>
+                      </a:r>
+                      <a:r>
+                        <a:rPr lang="en-US" sz="1600" b="0" i="0" dirty="0">
+                          <a:solidFill>
+                            <a:srgbClr val="000000"/>
+                          </a:solidFill>
+                          <a:effectLst/>
+                          <a:latin typeface="+mn-lt"/>
+                        </a:rPr>
+                        <a:t> Notebook and identified improvements</a:t>
                       </a:r>
                     </a:p>
                   </a:txBody>
@@ -18810,11 +21729,22 @@
                     <a:bodyPr/>
                     <a:lstStyle/>
                     <a:p>
-                      <a:pPr algn="l" fontAlgn="base">
+                      <a:pPr marL="0" marR="0" lvl="0" indent="0" algn="l" defTabSz="914400" rtl="0" eaLnBrk="1" fontAlgn="base" latinLnBrk="0" hangingPunct="1">
                         <a:lnSpc>
                           <a:spcPts val="2550"/>
                         </a:lnSpc>
+                        <a:spcBef>
+                          <a:spcPts val="0"/>
+                        </a:spcBef>
+                        <a:spcAft>
+                          <a:spcPts val="0"/>
+                        </a:spcAft>
+                        <a:buClrTx/>
+                        <a:buSzTx/>
+                        <a:buFontTx/>
                         <a:buNone/>
+                        <a:tabLst/>
+                        <a:defRPr/>
                       </a:pPr>
                       <a:r>
                         <a:rPr lang="en-US" sz="1600" b="0" i="0" dirty="0">
@@ -18824,8 +21754,23 @@
                           <a:effectLst/>
                           <a:latin typeface="+mn-lt"/>
                         </a:rPr>
-                        <a:t>Review build/improvements</a:t>
+                        <a:t>Agree Monitoring Strategy/Incident Response</a:t>
                       </a:r>
+                    </a:p>
+                    <a:p>
+                      <a:pPr algn="l" fontAlgn="base">
+                        <a:lnSpc>
+                          <a:spcPts val="2550"/>
+                        </a:lnSpc>
+                        <a:buNone/>
+                      </a:pPr>
+                      <a:endParaRPr lang="en-US" sz="1600" b="0" i="0" dirty="0">
+                        <a:solidFill>
+                          <a:srgbClr val="000000"/>
+                        </a:solidFill>
+                        <a:effectLst/>
+                        <a:latin typeface="+mn-lt"/>
+                      </a:endParaRPr>
                     </a:p>
                   </a:txBody>
                   <a:tcPr marL="143691" marR="143691" marT="71846" marB="71846" anchor="ctr">
@@ -18873,22 +21818,37 @@
                     <a:bodyPr/>
                     <a:lstStyle/>
                     <a:p>
-                      <a:pPr algn="l" fontAlgn="base">
+                      <a:pPr marL="0" marR="0" lvl="0" indent="0" algn="l" defTabSz="914400" rtl="0" eaLnBrk="1" fontAlgn="base" latinLnBrk="0" hangingPunct="1">
                         <a:lnSpc>
                           <a:spcPts val="2550"/>
                         </a:lnSpc>
+                        <a:spcBef>
+                          <a:spcPts val="0"/>
+                        </a:spcBef>
+                        <a:spcAft>
+                          <a:spcPts val="0"/>
+                        </a:spcAft>
+                        <a:buClrTx/>
+                        <a:buSzTx/>
+                        <a:buFontTx/>
                         <a:buNone/>
+                        <a:tabLst/>
+                        <a:defRPr/>
                       </a:pPr>
-                      <a:r>
-                        <a:rPr lang="en-US" sz="1600" b="0" i="0" dirty="0">
-                          <a:solidFill>
-                            <a:srgbClr val="000000"/>
-                          </a:solidFill>
-                          <a:effectLst/>
-                          <a:latin typeface="+mn-lt"/>
-                        </a:rPr>
-                        <a:t>Data Flow Diagram</a:t>
-                      </a:r>
+                      <a:endParaRPr kumimoji="0" lang="en-US" sz="1600" b="0" i="0" u="none" strike="noStrike" kern="1200" cap="none" spc="0" normalizeH="0" baseline="0" noProof="0" dirty="0">
+                        <a:ln>
+                          <a:noFill/>
+                        </a:ln>
+                        <a:solidFill>
+                          <a:srgbClr val="000000"/>
+                        </a:solidFill>
+                        <a:effectLst/>
+                        <a:uLnTx/>
+                        <a:uFillTx/>
+                        <a:latin typeface="Calibri" panose="020F0502020204030204"/>
+                        <a:ea typeface="+mn-ea"/>
+                        <a:cs typeface="+mn-cs"/>
+                      </a:endParaRPr>
                     </a:p>
                   </a:txBody>
                   <a:tcPr marL="143691" marR="143691" marT="71846" marB="71846" anchor="ctr">
@@ -18936,21 +21896,39 @@
                     <a:bodyPr/>
                     <a:lstStyle/>
                     <a:p>
-                      <a:pPr algn="l" fontAlgn="base">
+                      <a:pPr marL="0" marR="0" lvl="0" indent="0" algn="l" defTabSz="914400" rtl="0" eaLnBrk="1" fontAlgn="base" latinLnBrk="0" hangingPunct="1">
                         <a:lnSpc>
                           <a:spcPts val="2550"/>
                         </a:lnSpc>
+                        <a:spcBef>
+                          <a:spcPts val="0"/>
+                        </a:spcBef>
+                        <a:spcAft>
+                          <a:spcPts val="0"/>
+                        </a:spcAft>
+                        <a:buClrTx/>
+                        <a:buSzTx/>
+                        <a:buFontTx/>
                         <a:buNone/>
+                        <a:tabLst/>
+                        <a:defRPr/>
                       </a:pPr>
                       <a:r>
-                        <a:rPr lang="en-US" sz="1600" b="0" i="0" dirty="0">
+                        <a:rPr kumimoji="0" lang="en-US" sz="1600" b="0" i="0" u="none" strike="noStrike" kern="1200" cap="none" spc="0" normalizeH="0" baseline="0" noProof="0" dirty="0">
+                          <a:ln>
+                            <a:noFill/>
+                          </a:ln>
                           <a:solidFill>
                             <a:srgbClr val="000000"/>
                           </a:solidFill>
                           <a:effectLst/>
-                          <a:latin typeface="+mn-lt"/>
+                          <a:uLnTx/>
+                          <a:uFillTx/>
+                          <a:latin typeface="Calibri" panose="020F0502020204030204"/>
+                          <a:ea typeface="+mn-ea"/>
+                          <a:cs typeface="+mn-cs"/>
                         </a:rPr>
-                        <a:t>Task 8​</a:t>
+                        <a:t>Data Flow Diagram</a:t>
                       </a:r>
                     </a:p>
                   </a:txBody>
@@ -19012,16 +21990,13 @@
                         </a:lnSpc>
                         <a:buNone/>
                       </a:pPr>
-                      <a:r>
-                        <a:rPr lang="en-US" sz="1600" b="0" i="0" dirty="0">
-                          <a:solidFill>
-                            <a:srgbClr val="000000"/>
-                          </a:solidFill>
-                          <a:effectLst/>
-                          <a:latin typeface="+mn-lt"/>
-                        </a:rPr>
-                        <a:t>Agree Technology/code</a:t>
-                      </a:r>
+                      <a:endParaRPr lang="en-US" sz="1600" b="0" i="0" dirty="0">
+                        <a:solidFill>
+                          <a:srgbClr val="000000"/>
+                        </a:solidFill>
+                        <a:effectLst/>
+                        <a:latin typeface="+mn-lt"/>
+                      </a:endParaRPr>
                     </a:p>
                   </a:txBody>
                   <a:tcPr marL="143691" marR="143691" marT="71846" marB="71846" anchor="ctr">
@@ -19143,7 +22118,7 @@
                           <a:effectLst/>
                           <a:latin typeface="+mn-lt"/>
                         </a:rPr>
-                        <a:t>Task 9​</a:t>
+                        <a:t>ETL and Retry using Python</a:t>
                       </a:r>
                     </a:p>
                   </a:txBody>
@@ -19194,69 +22169,6 @@
                 </a:extLst>
               </a:tr>
               <a:tr h="709146">
-                <a:tc>
-                  <a:txBody>
-                    <a:bodyPr/>
-                    <a:lstStyle/>
-                    <a:p>
-                      <a:pPr algn="l" fontAlgn="base">
-                        <a:lnSpc>
-                          <a:spcPts val="2550"/>
-                        </a:lnSpc>
-                        <a:buNone/>
-                      </a:pPr>
-                      <a:r>
-                        <a:rPr lang="en-US" sz="1600" b="0" i="0" dirty="0">
-                          <a:solidFill>
-                            <a:srgbClr val="000000"/>
-                          </a:solidFill>
-                          <a:effectLst/>
-                          <a:latin typeface="+mn-lt"/>
-                        </a:rPr>
-                        <a:t>Identify API/sources</a:t>
-                      </a:r>
-                    </a:p>
-                  </a:txBody>
-                  <a:tcPr marL="143691" marR="143691" marT="71846" marB="71846" anchor="ctr">
-                    <a:lnL w="12700" cap="flat" cmpd="sng" algn="ctr">
-                      <a:solidFill>
-                        <a:srgbClr val="FFFFFF"/>
-                      </a:solidFill>
-                      <a:prstDash val="solid"/>
-                      <a:round/>
-                      <a:headEnd type="none" w="med" len="med"/>
-                      <a:tailEnd type="none" w="med" len="med"/>
-                    </a:lnL>
-                    <a:lnR w="12700" cap="flat" cmpd="sng" algn="ctr">
-                      <a:solidFill>
-                        <a:srgbClr val="FFFFFF"/>
-                      </a:solidFill>
-                      <a:prstDash val="solid"/>
-                      <a:round/>
-                      <a:headEnd type="none" w="med" len="med"/>
-                      <a:tailEnd type="none" w="med" len="med"/>
-                    </a:lnR>
-                    <a:lnT w="7620" cap="flat" cmpd="sng" algn="ctr">
-                      <a:solidFill>
-                        <a:srgbClr val="000000"/>
-                      </a:solidFill>
-                      <a:prstDash val="solid"/>
-                      <a:round/>
-                      <a:headEnd type="none" w="med" len="med"/>
-                      <a:tailEnd type="none" w="med" len="med"/>
-                    </a:lnT>
-                    <a:lnB w="7620" cap="flat" cmpd="sng" algn="ctr">
-                      <a:solidFill>
-                        <a:srgbClr val="000000"/>
-                      </a:solidFill>
-                      <a:prstDash val="solid"/>
-                      <a:round/>
-                      <a:headEnd type="none" w="med" len="med"/>
-                      <a:tailEnd type="none" w="med" len="med"/>
-                    </a:lnB>
-                    <a:noFill/>
-                  </a:tcPr>
-                </a:tc>
                 <a:tc>
                   <a:txBody>
                     <a:bodyPr/>
@@ -19377,13 +22289,6 @@
                     <a:noFill/>
                   </a:tcPr>
                 </a:tc>
-                <a:extLst>
-                  <a:ext uri="{0D108BD9-81ED-4DB2-BD59-A6C34878D82A}">
-                    <a16:rowId xmlns:a16="http://schemas.microsoft.com/office/drawing/2014/main" val="2936337773"/>
-                  </a:ext>
-                </a:extLst>
-              </a:tr>
-              <a:tr h="709146">
                 <a:tc>
                   <a:txBody>
                     <a:bodyPr/>
@@ -19403,128 +22308,8 @@
                           <a:effectLst/>
                           <a:latin typeface="+mn-lt"/>
                         </a:rPr>
-                        <a:t>Agree Dashboard content</a:t>
+                        <a:t>High Level Data Engineering Dashboard - scoping</a:t>
                       </a:r>
-                    </a:p>
-                  </a:txBody>
-                  <a:tcPr marL="143691" marR="143691" marT="71846" marB="71846" anchor="ctr">
-                    <a:lnL w="12700" cap="flat" cmpd="sng" algn="ctr">
-                      <a:solidFill>
-                        <a:srgbClr val="FFFFFF"/>
-                      </a:solidFill>
-                      <a:prstDash val="solid"/>
-                      <a:round/>
-                      <a:headEnd type="none" w="med" len="med"/>
-                      <a:tailEnd type="none" w="med" len="med"/>
-                    </a:lnL>
-                    <a:lnR w="12700" cap="flat" cmpd="sng" algn="ctr">
-                      <a:solidFill>
-                        <a:srgbClr val="FFFFFF"/>
-                      </a:solidFill>
-                      <a:prstDash val="solid"/>
-                      <a:round/>
-                      <a:headEnd type="none" w="med" len="med"/>
-                      <a:tailEnd type="none" w="med" len="med"/>
-                    </a:lnR>
-                    <a:lnT w="7620" cap="flat" cmpd="sng" algn="ctr">
-                      <a:solidFill>
-                        <a:srgbClr val="000000"/>
-                      </a:solidFill>
-                      <a:prstDash val="solid"/>
-                      <a:round/>
-                      <a:headEnd type="none" w="med" len="med"/>
-                      <a:tailEnd type="none" w="med" len="med"/>
-                    </a:lnT>
-                    <a:lnB w="7620" cap="flat" cmpd="sng" algn="ctr">
-                      <a:solidFill>
-                        <a:srgbClr val="000000"/>
-                      </a:solidFill>
-                      <a:prstDash val="solid"/>
-                      <a:round/>
-                      <a:headEnd type="none" w="med" len="med"/>
-                      <a:tailEnd type="none" w="med" len="med"/>
-                    </a:lnB>
-                    <a:noFill/>
-                  </a:tcPr>
-                </a:tc>
-                <a:tc>
-                  <a:txBody>
-                    <a:bodyPr/>
-                    <a:lstStyle/>
-                    <a:p>
-                      <a:pPr algn="l" fontAlgn="base">
-                        <a:lnSpc>
-                          <a:spcPts val="2550"/>
-                        </a:lnSpc>
-                        <a:buNone/>
-                      </a:pPr>
-                      <a:endParaRPr lang="en-US" sz="1600" b="0" i="0" dirty="0">
-                        <a:solidFill>
-                          <a:srgbClr val="000000"/>
-                        </a:solidFill>
-                        <a:effectLst/>
-                        <a:latin typeface="+mn-lt"/>
-                      </a:endParaRPr>
-                    </a:p>
-                  </a:txBody>
-                  <a:tcPr marL="143691" marR="143691" marT="71846" marB="71846" anchor="ctr">
-                    <a:lnL w="12700" cap="flat" cmpd="sng" algn="ctr">
-                      <a:solidFill>
-                        <a:srgbClr val="FFFFFF"/>
-                      </a:solidFill>
-                      <a:prstDash val="solid"/>
-                      <a:round/>
-                      <a:headEnd type="none" w="med" len="med"/>
-                      <a:tailEnd type="none" w="med" len="med"/>
-                    </a:lnL>
-                    <a:lnR w="12700" cap="flat" cmpd="sng" algn="ctr">
-                      <a:solidFill>
-                        <a:srgbClr val="FFFFFF"/>
-                      </a:solidFill>
-                      <a:prstDash val="solid"/>
-                      <a:round/>
-                      <a:headEnd type="none" w="med" len="med"/>
-                      <a:tailEnd type="none" w="med" len="med"/>
-                    </a:lnR>
-                    <a:lnT w="7620" cap="flat" cmpd="sng" algn="ctr">
-                      <a:solidFill>
-                        <a:srgbClr val="000000"/>
-                      </a:solidFill>
-                      <a:prstDash val="solid"/>
-                      <a:round/>
-                      <a:headEnd type="none" w="med" len="med"/>
-                      <a:tailEnd type="none" w="med" len="med"/>
-                    </a:lnT>
-                    <a:lnB w="7620" cap="flat" cmpd="sng" algn="ctr">
-                      <a:solidFill>
-                        <a:srgbClr val="000000"/>
-                      </a:solidFill>
-                      <a:prstDash val="solid"/>
-                      <a:round/>
-                      <a:headEnd type="none" w="med" len="med"/>
-                      <a:tailEnd type="none" w="med" len="med"/>
-                    </a:lnB>
-                    <a:noFill/>
-                  </a:tcPr>
-                </a:tc>
-                <a:tc>
-                  <a:txBody>
-                    <a:bodyPr/>
-                    <a:lstStyle/>
-                    <a:p>
-                      <a:pPr algn="l" fontAlgn="base">
-                        <a:lnSpc>
-                          <a:spcPts val="2550"/>
-                        </a:lnSpc>
-                        <a:buNone/>
-                      </a:pPr>
-                      <a:endParaRPr lang="en-US" sz="1600" b="0" i="0" dirty="0">
-                        <a:solidFill>
-                          <a:srgbClr val="000000"/>
-                        </a:solidFill>
-                        <a:effectLst/>
-                        <a:latin typeface="+mn-lt"/>
-                      </a:endParaRPr>
                     </a:p>
                   </a:txBody>
                   <a:tcPr marL="143691" marR="143691" marT="71846" marB="71846" anchor="ctr">
@@ -19569,7 +22354,7 @@
                 </a:tc>
                 <a:extLst>
                   <a:ext uri="{0D108BD9-81ED-4DB2-BD59-A6C34878D82A}">
-                    <a16:rowId xmlns:a16="http://schemas.microsoft.com/office/drawing/2014/main" val="228107511"/>
+                    <a16:rowId xmlns:a16="http://schemas.microsoft.com/office/drawing/2014/main" val="2936337773"/>
                   </a:ext>
                 </a:extLst>
               </a:tr>
@@ -19585,16 +22370,13 @@
                         </a:lnSpc>
                         <a:buNone/>
                       </a:pPr>
-                      <a:r>
-                        <a:rPr lang="en-US" sz="1600" b="0" i="0" dirty="0">
-                          <a:solidFill>
-                            <a:srgbClr val="000000"/>
-                          </a:solidFill>
-                          <a:effectLst/>
-                          <a:latin typeface="+mn-lt"/>
-                        </a:rPr>
-                        <a:t>Agree Monitoring Strategy/Incident Response</a:t>
-                      </a:r>
+                      <a:endParaRPr lang="en-US" sz="1600" b="0" i="0" dirty="0">
+                        <a:solidFill>
+                          <a:srgbClr val="000000"/>
+                        </a:solidFill>
+                        <a:effectLst/>
+                        <a:latin typeface="+mn-lt"/>
+                      </a:endParaRPr>
                     </a:p>
                   </a:txBody>
                   <a:tcPr marL="143691" marR="143691" marT="71846" marB="71846" anchor="ctr">
@@ -19708,13 +22490,16 @@
                         </a:lnSpc>
                         <a:buNone/>
                       </a:pPr>
-                      <a:endParaRPr lang="en-US" sz="1600" b="0" i="0" dirty="0">
-                        <a:solidFill>
-                          <a:srgbClr val="000000"/>
-                        </a:solidFill>
-                        <a:effectLst/>
-                        <a:latin typeface="+mn-lt"/>
-                      </a:endParaRPr>
+                      <a:r>
+                        <a:rPr lang="en-US" sz="1600" b="0" i="0" dirty="0">
+                          <a:solidFill>
+                            <a:srgbClr val="000000"/>
+                          </a:solidFill>
+                          <a:effectLst/>
+                          <a:latin typeface="+mn-lt"/>
+                        </a:rPr>
+                        <a:t>GitHub Repo</a:t>
+                      </a:r>
                     </a:p>
                   </a:txBody>
                   <a:tcPr marL="143691" marR="143691" marT="71846" marB="71846" anchor="ctr">
@@ -20048,7 +22833,7 @@
 </p:sld>
 </file>
 
-<file path=ppt/slides/slide7.xml><?xml version="1.0" encoding="utf-8"?>
+<file path=ppt/slides/slide4.xml><?xml version="1.0" encoding="utf-8"?>
 <p:sld xmlns:a="http://schemas.openxmlformats.org/drawingml/2006/main" xmlns:r="http://schemas.openxmlformats.org/officeDocument/2006/relationships" xmlns:p="http://schemas.openxmlformats.org/presentationml/2006/main">
   <p:cSld>
     <p:bg>
@@ -20061,13 +22846,7 @@
     </p:bg>
     <p:spTree>
       <p:nvGrpSpPr>
-        <p:cNvPr id="1" name="">
-          <a:extLst>
-            <a:ext uri="{FF2B5EF4-FFF2-40B4-BE49-F238E27FC236}">
-              <a16:creationId xmlns:a16="http://schemas.microsoft.com/office/drawing/2014/main" id="{601E99D1-A6C0-0EF0-98E3-F5D7041863CB}"/>
-            </a:ext>
-          </a:extLst>
-        </p:cNvPr>
+        <p:cNvPr id="1" name=""/>
         <p:cNvGrpSpPr/>
         <p:nvPr/>
       </p:nvGrpSpPr>
@@ -20703,13 +23482,7 @@
       </p:sp>
       <p:sp>
         <p:nvSpPr>
-          <p:cNvPr id="2" name="Title 1">
-            <a:extLst>
-              <a:ext uri="{FF2B5EF4-FFF2-40B4-BE49-F238E27FC236}">
-                <a16:creationId xmlns:a16="http://schemas.microsoft.com/office/drawing/2014/main" id="{1374E588-9044-8F37-0E27-792398B6E253}"/>
-              </a:ext>
-            </a:extLst>
-          </p:cNvPr>
+          <p:cNvPr id="2" name="Title 1"/>
           <p:cNvSpPr>
             <a:spLocks noGrp="1"/>
           </p:cNvSpPr>
@@ -20736,20 +23509,14 @@
                   <a:srgbClr val="FFFFFF"/>
                 </a:solidFill>
               </a:rPr>
-              <a:t>Sprint 2 - EXECUTION</a:t>
+              <a:t>Sprint 1 - PLANNING</a:t>
             </a:r>
           </a:p>
         </p:txBody>
       </p:sp>
       <p:sp>
         <p:nvSpPr>
-          <p:cNvPr id="3" name="Content Placeholder 2">
-            <a:extLst>
-              <a:ext uri="{FF2B5EF4-FFF2-40B4-BE49-F238E27FC236}">
-                <a16:creationId xmlns:a16="http://schemas.microsoft.com/office/drawing/2014/main" id="{9F204DCB-25F0-786A-6900-9A534177B03F}"/>
-              </a:ext>
-            </a:extLst>
-          </p:cNvPr>
+          <p:cNvPr id="3" name="Content Placeholder 2"/>
           <p:cNvSpPr>
             <a:spLocks noGrp="1"/>
           </p:cNvSpPr>
@@ -20771,47 +23538,122 @@
           <a:p>
             <a:pPr rtl="0"/>
             <a:r>
-              <a:rPr lang="en-GB" sz="2000"/>
-              <a:t>BUILD PIPELINE</a:t>
+              <a:rPr lang="en-GB" sz="2000" dirty="0"/>
+              <a:t>Reviewed the scripts</a:t>
             </a:r>
           </a:p>
           <a:p>
             <a:pPr rtl="0"/>
             <a:r>
-              <a:rPr lang="en-GB" sz="2000"/>
-              <a:t>Testing</a:t>
+              <a:rPr lang="en-GB" sz="2000" dirty="0"/>
+              <a:t>Reviewed the skill base of the Team</a:t>
             </a:r>
           </a:p>
           <a:p>
             <a:pPr rtl="0"/>
             <a:r>
-              <a:rPr lang="en-GB" sz="2000"/>
-              <a:t>Power BI Dashboard</a:t>
+              <a:rPr lang="en-GB" sz="2000" dirty="0"/>
+              <a:t>Agree on tasks and roles</a:t>
             </a:r>
           </a:p>
           <a:p>
             <a:pPr rtl="0"/>
-            <a:endParaRPr lang="en-GB" sz="2000"/>
+            <a:endParaRPr lang="en-GB" sz="2000" dirty="0"/>
+          </a:p>
+          <a:p>
+            <a:pPr marL="0" indent="0" rtl="0">
+              <a:buNone/>
+            </a:pPr>
+            <a:r>
+              <a:rPr lang="en-GB" sz="2000" dirty="0"/>
+              <a:t>MSCW</a:t>
+            </a:r>
+          </a:p>
+          <a:p>
+            <a:pPr rtl="0"/>
+            <a:r>
+              <a:rPr lang="en-GB" sz="2000" dirty="0"/>
+              <a:t>Must Have: meaningful logs, visibility</a:t>
+            </a:r>
+          </a:p>
+          <a:p>
+            <a:pPr rtl="0"/>
+            <a:r>
+              <a:rPr lang="en-GB" sz="2000" dirty="0"/>
+              <a:t>Must Have: response to failures/alerting</a:t>
+            </a:r>
+          </a:p>
+          <a:p>
+            <a:pPr rtl="0"/>
+            <a:r>
+              <a:rPr lang="en-GB" sz="2000" dirty="0"/>
+              <a:t>Must Have: Quality and Governance</a:t>
+            </a:r>
+          </a:p>
+          <a:p>
+            <a:pPr rtl="0"/>
+            <a:r>
+              <a:rPr lang="en-GB" sz="2000" dirty="0"/>
+              <a:t>Must Have: persisted database/reusable code</a:t>
+            </a:r>
+          </a:p>
+          <a:p>
+            <a:pPr rtl="0"/>
+            <a:r>
+              <a:rPr lang="en-GB" sz="2000" dirty="0"/>
+              <a:t>Should Have: pull data from API/sources (no hard-coded logic where a data source exists)</a:t>
+            </a:r>
+          </a:p>
+          <a:p>
+            <a:pPr rtl="0"/>
+            <a:r>
+              <a:rPr lang="en-GB" sz="2000" dirty="0"/>
+              <a:t>Should Have: Power BI Dashboard</a:t>
+            </a:r>
+          </a:p>
+          <a:p>
+            <a:pPr rtl="0"/>
+            <a:r>
+              <a:rPr lang="en-GB" sz="2000" dirty="0"/>
+              <a:t>Could Have: GitHub repo</a:t>
+            </a:r>
+          </a:p>
+          <a:p>
+            <a:pPr rtl="0"/>
+            <a:r>
+              <a:rPr lang="en-GB" sz="2000" dirty="0"/>
+              <a:t>Could Have: Kanban Board</a:t>
+            </a:r>
+          </a:p>
+          <a:p>
+            <a:pPr marL="0" indent="0" rtl="0">
+              <a:buNone/>
+            </a:pPr>
+            <a:endParaRPr lang="en-GB" sz="2000" dirty="0"/>
+          </a:p>
+          <a:p>
+            <a:pPr rtl="0"/>
+            <a:endParaRPr lang="en-GB" sz="2000" dirty="0"/>
           </a:p>
         </p:txBody>
       </p:sp>
     </p:spTree>
     <p:extLst>
       <p:ext uri="{BB962C8B-B14F-4D97-AF65-F5344CB8AC3E}">
-        <p14:creationId xmlns:p14="http://schemas.microsoft.com/office/powerpoint/2010/main" val="1143452794"/>
+        <p14:creationId xmlns:p14="http://schemas.microsoft.com/office/powerpoint/2010/main" val="384888077"/>
       </p:ext>
     </p:extLst>
   </p:cSld>
   <p:clrMapOvr>
     <a:masterClrMapping/>
   </p:clrMapOvr>
-  <mc:AlternateContent xmlns:mc="http://schemas.openxmlformats.org/markup-compatibility/2006">
-    <mc:Choice xmlns:p14="http://schemas.microsoft.com/office/powerpoint/2010/main" Requires="p14">
+  <mc:AlternateContent xmlns:mc="http://schemas.openxmlformats.org/markup-compatibility/2006" xmlns:p14="http://schemas.microsoft.com/office/powerpoint/2010/main">
+    <mc:Choice Requires="p14">
       <p:transition spd="med" p14:dur="700">
         <p:fade/>
       </p:transition>
     </mc:Choice>
-    <mc:Fallback>
+    <mc:Fallback xmlns="">
       <p:transition spd="med">
         <p:fade/>
       </p:transition>
@@ -20820,8 +23662,8 @@
 </p:sld>
 </file>
 
-<file path=ppt/slides/slide8.xml><?xml version="1.0" encoding="utf-8"?>
-<p:sld xmlns:a="http://schemas.openxmlformats.org/drawingml/2006/main" xmlns:r="http://schemas.openxmlformats.org/officeDocument/2006/relationships" xmlns:p="http://schemas.openxmlformats.org/presentationml/2006/main">
+<file path=ppt/slides/slide5.xml><?xml version="1.0" encoding="utf-8"?>
+<p:sld xmlns:a="http://schemas.openxmlformats.org/drawingml/2006/main" xmlns:r="http://schemas.openxmlformats.org/officeDocument/2006/relationships" xmlns:p="http://schemas.openxmlformats.org/presentationml/2006/main" show="0">
   <p:cSld>
     <p:bg>
       <p:bgPr>
@@ -20836,7 +23678,7 @@
         <p:cNvPr id="1" name="">
           <a:extLst>
             <a:ext uri="{FF2B5EF4-FFF2-40B4-BE49-F238E27FC236}">
-              <a16:creationId xmlns:a16="http://schemas.microsoft.com/office/drawing/2014/main" id="{6128BB51-7B01-FF71-05A3-A3C1D1F3E6B8}"/>
+              <a16:creationId xmlns:a16="http://schemas.microsoft.com/office/drawing/2014/main" id="{082BD8D1-E451-7015-BDF9-CB8BDEB23F70}"/>
             </a:ext>
           </a:extLst>
         </p:cNvPr>
@@ -20853,10 +23695,10 @@
       </p:grpSpPr>
       <p:sp useBgFill="1">
         <p:nvSpPr>
-          <p:cNvPr id="8" name="Rectangle 7">
+          <p:cNvPr id="25" name="Rectangle 24">
             <a:extLst>
               <a:ext uri="{FF2B5EF4-FFF2-40B4-BE49-F238E27FC236}">
-                <a16:creationId xmlns:a16="http://schemas.microsoft.com/office/drawing/2014/main" id="{09588DA8-065E-4F6F-8EFD-43104AB2E0CF}"/>
+                <a16:creationId xmlns:a16="http://schemas.microsoft.com/office/drawing/2014/main" id="{E30FC4F1-5282-A8FF-92A6-2373737106CC}"/>
               </a:ext>
               <a:ext uri="{C183D7F6-B498-43B3-948B-1728B52AA6E4}">
                 <adec:decorative xmlns:adec="http://schemas.microsoft.com/office/drawing/2017/decorative" val="1"/>
@@ -20927,12 +23769,12 @@
           </a:p>
         </p:txBody>
       </p:sp>
-      <p:sp useBgFill="1">
+      <p:sp>
         <p:nvSpPr>
-          <p:cNvPr id="10" name="Rectangle 9">
+          <p:cNvPr id="26" name="Rectangle 25">
             <a:extLst>
               <a:ext uri="{FF2B5EF4-FFF2-40B4-BE49-F238E27FC236}">
-                <a16:creationId xmlns:a16="http://schemas.microsoft.com/office/drawing/2014/main" id="{C4285719-470E-454C-AF62-8323075F1F5B}"/>
+                <a16:creationId xmlns:a16="http://schemas.microsoft.com/office/drawing/2014/main" id="{4CFB4215-590A-89D5-3E09-4C17863BE909}"/>
               </a:ext>
               <a:ext uri="{C183D7F6-B498-43B3-948B-1728B52AA6E4}">
                 <adec:decorative xmlns:adec="http://schemas.microsoft.com/office/drawing/2017/decorative" val="1"/>
@@ -20951,93 +23793,19 @@
           </p:nvPr>
         </p:nvSpPr>
         <p:spPr>
-          <a:xfrm>
-            <a:off x="0" y="0"/>
-            <a:ext cx="12188952" cy="6858000"/>
-          </a:xfrm>
-          <a:prstGeom prst="rect">
-            <a:avLst/>
-          </a:prstGeom>
-          <a:ln w="12700" cap="flat" cmpd="sng" algn="ctr">
-            <a:noFill/>
-            <a:prstDash val="solid"/>
-            <a:miter lim="800000"/>
-          </a:ln>
-          <a:effectLst/>
-          <a:extLst>
-            <a:ext uri="{91240B29-F687-4F45-9708-019B960494DF}">
-              <a14:hiddenLine xmlns:a14="http://schemas.microsoft.com/office/drawing/2010/main" w="12700" cap="flat" cmpd="sng" algn="ctr">
-                <a:solidFill>
-                  <a:schemeClr val="accent1">
-                    <a:shade val="50000"/>
-                  </a:schemeClr>
-                </a:solidFill>
-                <a:prstDash val="solid"/>
-                <a:miter lim="800000"/>
-              </a14:hiddenLine>
-            </a:ext>
-          </a:extLst>
-        </p:spPr>
-        <p:style>
-          <a:lnRef idx="2">
-            <a:schemeClr val="accent1">
-              <a:shade val="50000"/>
-            </a:schemeClr>
-          </a:lnRef>
-          <a:fillRef idx="1">
-            <a:schemeClr val="accent1"/>
-          </a:fillRef>
-          <a:effectRef idx="0">
-            <a:schemeClr val="accent1"/>
-          </a:effectRef>
-          <a:fontRef idx="minor">
-            <a:schemeClr val="lt1"/>
-          </a:fontRef>
-        </p:style>
-        <p:txBody>
-          <a:bodyPr rtlCol="0" anchor="ctr"/>
-          <a:lstStyle/>
-          <a:p>
-            <a:pPr algn="ctr"/>
-            <a:endParaRPr lang="en-US"/>
-          </a:p>
-        </p:txBody>
-      </p:sp>
-      <p:sp>
-        <p:nvSpPr>
-          <p:cNvPr id="12" name="Rectangle 11">
-            <a:extLst>
-              <a:ext uri="{FF2B5EF4-FFF2-40B4-BE49-F238E27FC236}">
-                <a16:creationId xmlns:a16="http://schemas.microsoft.com/office/drawing/2014/main" id="{CD9FE4EF-C4D8-49A0-B2FF-81D8DB7D8A24}"/>
-              </a:ext>
-              <a:ext uri="{C183D7F6-B498-43B3-948B-1728B52AA6E4}">
-                <adec:decorative xmlns:adec="http://schemas.microsoft.com/office/drawing/2017/decorative" val="1"/>
-              </a:ext>
-            </a:extLst>
-          </p:cNvPr>
-          <p:cNvSpPr>
-            <a:spLocks noGrp="1" noRot="1" noChangeAspect="1" noMove="1" noResize="1" noEditPoints="1" noAdjustHandles="1" noChangeArrowheads="1" noChangeShapeType="1" noTextEdit="1"/>
-          </p:cNvSpPr>
-          <p:nvPr>
-            <p:extLst>
-              <p:ext uri="{386F3935-93C4-4BCD-93E2-E3B085C9AB24}">
-                <p16:designElem xmlns:p16="http://schemas.microsoft.com/office/powerpoint/2015/main" val="1"/>
-              </p:ext>
-            </p:extLst>
-          </p:nvPr>
-        </p:nvSpPr>
-        <p:spPr>
-          <a:xfrm rot="5400000" flipH="1">
-            <a:off x="-1410084" y="1410082"/>
-            <a:ext cx="6858000" cy="4037836"/>
+          <a:xfrm flipH="1">
+            <a:off x="2" y="0"/>
+            <a:ext cx="12191998" cy="1575955"/>
           </a:xfrm>
           <a:prstGeom prst="rect">
             <a:avLst/>
           </a:prstGeom>
           <a:gradFill>
             <a:gsLst>
-              <a:gs pos="8000">
-                <a:srgbClr val="000000"/>
+              <a:gs pos="0">
+                <a:srgbClr val="000000">
+                  <a:alpha val="96000"/>
+                </a:srgbClr>
               </a:gs>
               <a:gs pos="100000">
                 <a:schemeClr val="accent1">
@@ -21045,7 +23813,7 @@
                 </a:schemeClr>
               </a:gs>
             </a:gsLst>
-            <a:lin ang="3000000" scaled="0"/>
+            <a:lin ang="8400000" scaled="0"/>
           </a:gradFill>
           <a:ln>
             <a:noFill/>
@@ -21081,7 +23849,7 @@
           <p:cNvPr id="14" name="Rectangle 13">
             <a:extLst>
               <a:ext uri="{FF2B5EF4-FFF2-40B4-BE49-F238E27FC236}">
-                <a16:creationId xmlns:a16="http://schemas.microsoft.com/office/drawing/2014/main" id="{4300840D-0A0B-4512-BACA-B439D5B9C57C}"/>
+                <a16:creationId xmlns:a16="http://schemas.microsoft.com/office/drawing/2014/main" id="{621F932D-4A59-C7D0-5097-DD4649A0BB57}"/>
               </a:ext>
               <a:ext uri="{C183D7F6-B498-43B3-948B-1728B52AA6E4}">
                 <adec:decorative xmlns:adec="http://schemas.microsoft.com/office/drawing/2017/decorative" val="1"/>
@@ -21100,27 +23868,28 @@
           </p:nvPr>
         </p:nvSpPr>
         <p:spPr>
-          <a:xfrm rot="5400000" flipH="1">
-            <a:off x="-1410085" y="1420219"/>
-            <a:ext cx="6857999" cy="4037839"/>
+          <a:xfrm rot="10800000" flipH="1">
+            <a:off x="8128857" y="0"/>
+            <a:ext cx="4063143" cy="1576412"/>
           </a:xfrm>
           <a:prstGeom prst="rect">
             <a:avLst/>
           </a:prstGeom>
           <a:gradFill>
             <a:gsLst>
-              <a:gs pos="0">
-                <a:srgbClr val="000000">
-                  <a:alpha val="0"/>
-                </a:srgbClr>
+              <a:gs pos="19000">
+                <a:schemeClr val="accent1">
+                  <a:lumMod val="50000"/>
+                  <a:alpha val="68000"/>
+                </a:schemeClr>
               </a:gs>
-              <a:gs pos="99000">
+              <a:gs pos="100000">
                 <a:schemeClr val="accent1">
-                  <a:alpha val="46000"/>
+                  <a:alpha val="79000"/>
                 </a:schemeClr>
               </a:gs>
             </a:gsLst>
-            <a:lin ang="1800000" scaled="0"/>
+            <a:lin ang="19200000" scaled="0"/>
           </a:gradFill>
           <a:ln>
             <a:noFill/>
@@ -21156,7 +23925,7 @@
           <p:cNvPr id="16" name="Rectangle 15">
             <a:extLst>
               <a:ext uri="{FF2B5EF4-FFF2-40B4-BE49-F238E27FC236}">
-                <a16:creationId xmlns:a16="http://schemas.microsoft.com/office/drawing/2014/main" id="{D2B78728-A580-49A7-84F9-6EF6F583ADE0}"/>
+                <a16:creationId xmlns:a16="http://schemas.microsoft.com/office/drawing/2014/main" id="{70154CB9-6B4D-5DF7-4122-A82AC156ADB9}"/>
               </a:ext>
               <a:ext uri="{C183D7F6-B498-43B3-948B-1728B52AA6E4}">
                 <adec:decorative xmlns:adec="http://schemas.microsoft.com/office/drawing/2017/decorative" val="1"/>
@@ -21175,27 +23944,27 @@
           </p:nvPr>
         </p:nvSpPr>
         <p:spPr>
-          <a:xfrm rot="5400000" flipH="1">
-            <a:off x="767923" y="3588085"/>
-            <a:ext cx="2501979" cy="4037841"/>
+          <a:xfrm rot="5400000">
+            <a:off x="5307777" y="-5307778"/>
+            <a:ext cx="1576446" cy="12192002"/>
           </a:xfrm>
           <a:prstGeom prst="rect">
             <a:avLst/>
           </a:prstGeom>
           <a:gradFill>
             <a:gsLst>
-              <a:gs pos="2000">
+              <a:gs pos="23000">
                 <a:schemeClr val="accent1">
-                  <a:alpha val="29000"/>
+                  <a:alpha val="0"/>
                 </a:schemeClr>
               </a:gs>
-              <a:gs pos="100000">
+              <a:gs pos="99000">
                 <a:srgbClr val="000000">
-                  <a:alpha val="30000"/>
+                  <a:alpha val="74000"/>
                 </a:srgbClr>
               </a:gs>
             </a:gsLst>
-            <a:lin ang="7800000" scaled="0"/>
+            <a:lin ang="20400000" scaled="0"/>
           </a:gradFill>
           <a:ln>
             <a:noFill/>
@@ -21228,257 +23997,10 @@
       </p:sp>
       <p:sp>
         <p:nvSpPr>
-          <p:cNvPr id="18" name="Freeform: Shape 17">
-            <a:extLst>
-              <a:ext uri="{FF2B5EF4-FFF2-40B4-BE49-F238E27FC236}">
-                <a16:creationId xmlns:a16="http://schemas.microsoft.com/office/drawing/2014/main" id="{38FAA1A1-D861-433F-88FA-1E9D6FD31D11}"/>
-              </a:ext>
-              <a:ext uri="{C183D7F6-B498-43B3-948B-1728B52AA6E4}">
-                <adec:decorative xmlns:adec="http://schemas.microsoft.com/office/drawing/2017/decorative" val="1"/>
-              </a:ext>
-            </a:extLst>
-          </p:cNvPr>
-          <p:cNvSpPr>
-            <a:spLocks noGrp="1" noRot="1" noChangeAspect="1" noMove="1" noResize="1" noEditPoints="1" noAdjustHandles="1" noChangeArrowheads="1" noChangeShapeType="1" noTextEdit="1"/>
-          </p:cNvSpPr>
-          <p:nvPr>
-            <p:extLst>
-              <p:ext uri="{386F3935-93C4-4BCD-93E2-E3B085C9AB24}">
-                <p16:designElem xmlns:p16="http://schemas.microsoft.com/office/powerpoint/2015/main" val="1"/>
-              </p:ext>
-            </p:extLst>
-          </p:nvPr>
-        </p:nvSpPr>
-        <p:spPr>
-          <a:xfrm rot="20635413">
-            <a:off x="-501737" y="969718"/>
-            <a:ext cx="3900357" cy="4178958"/>
-          </a:xfrm>
-          <a:custGeom>
-            <a:avLst/>
-            <a:gdLst>
-              <a:gd name="connsiteX0" fmla="*/ 2432225 w 3900357"/>
-              <a:gd name="connsiteY0" fmla="*/ 93939 h 4178958"/>
-              <a:gd name="connsiteX1" fmla="*/ 3900357 w 3900357"/>
-              <a:gd name="connsiteY1" fmla="*/ 2089479 h 4178958"/>
-              <a:gd name="connsiteX2" fmla="*/ 1810878 w 3900357"/>
-              <a:gd name="connsiteY2" fmla="*/ 4178958 h 4178958"/>
-              <a:gd name="connsiteX3" fmla="*/ 78249 w 3900357"/>
-              <a:gd name="connsiteY3" fmla="*/ 3257727 h 4178958"/>
-              <a:gd name="connsiteX4" fmla="*/ 0 w 3900357"/>
-              <a:gd name="connsiteY4" fmla="*/ 3128923 h 4178958"/>
-              <a:gd name="connsiteX5" fmla="*/ 831324 w 3900357"/>
-              <a:gd name="connsiteY5" fmla="*/ 244281 h 4178958"/>
-              <a:gd name="connsiteX6" fmla="*/ 997559 w 3900357"/>
-              <a:gd name="connsiteY6" fmla="*/ 164202 h 4178958"/>
-              <a:gd name="connsiteX7" fmla="*/ 1810878 w 3900357"/>
-              <a:gd name="connsiteY7" fmla="*/ 0 h 4178958"/>
-              <a:gd name="connsiteX8" fmla="*/ 2432225 w 3900357"/>
-              <a:gd name="connsiteY8" fmla="*/ 93939 h 4178958"/>
-            </a:gdLst>
-            <a:ahLst/>
-            <a:cxnLst>
-              <a:cxn ang="0">
-                <a:pos x="connsiteX0" y="connsiteY0"/>
-              </a:cxn>
-              <a:cxn ang="0">
-                <a:pos x="connsiteX1" y="connsiteY1"/>
-              </a:cxn>
-              <a:cxn ang="0">
-                <a:pos x="connsiteX2" y="connsiteY2"/>
-              </a:cxn>
-              <a:cxn ang="0">
-                <a:pos x="connsiteX3" y="connsiteY3"/>
-              </a:cxn>
-              <a:cxn ang="0">
-                <a:pos x="connsiteX4" y="connsiteY4"/>
-              </a:cxn>
-              <a:cxn ang="0">
-                <a:pos x="connsiteX5" y="connsiteY5"/>
-              </a:cxn>
-              <a:cxn ang="0">
-                <a:pos x="connsiteX6" y="connsiteY6"/>
-              </a:cxn>
-              <a:cxn ang="0">
-                <a:pos x="connsiteX7" y="connsiteY7"/>
-              </a:cxn>
-              <a:cxn ang="0">
-                <a:pos x="connsiteX8" y="connsiteY8"/>
-              </a:cxn>
-            </a:cxnLst>
-            <a:rect l="l" t="t" r="r" b="b"/>
-            <a:pathLst>
-              <a:path w="3900357" h="4178958">
-                <a:moveTo>
-                  <a:pt x="2432225" y="93939"/>
-                </a:moveTo>
-                <a:cubicBezTo>
-                  <a:pt x="3282786" y="358491"/>
-                  <a:pt x="3900357" y="1151865"/>
-                  <a:pt x="3900357" y="2089479"/>
-                </a:cubicBezTo>
-                <a:cubicBezTo>
-                  <a:pt x="3900357" y="3243466"/>
-                  <a:pt x="2964865" y="4178958"/>
-                  <a:pt x="1810878" y="4178958"/>
-                </a:cubicBezTo>
-                <a:cubicBezTo>
-                  <a:pt x="1089636" y="4178958"/>
-                  <a:pt x="453744" y="3813531"/>
-                  <a:pt x="78249" y="3257727"/>
-                </a:cubicBezTo>
-                <a:lnTo>
-                  <a:pt x="0" y="3128923"/>
-                </a:lnTo>
-                <a:lnTo>
-                  <a:pt x="831324" y="244281"/>
-                </a:lnTo>
-                <a:lnTo>
-                  <a:pt x="997559" y="164202"/>
-                </a:lnTo>
-                <a:cubicBezTo>
-                  <a:pt x="1247540" y="58468"/>
-                  <a:pt x="1522381" y="0"/>
-                  <a:pt x="1810878" y="0"/>
-                </a:cubicBezTo>
-                <a:cubicBezTo>
-                  <a:pt x="2027251" y="0"/>
-                  <a:pt x="2235942" y="32888"/>
-                  <a:pt x="2432225" y="93939"/>
-                </a:cubicBezTo>
-                <a:close/>
-              </a:path>
-            </a:pathLst>
-          </a:custGeom>
-          <a:gradFill>
-            <a:gsLst>
-              <a:gs pos="29000">
-                <a:srgbClr val="000000">
-                  <a:alpha val="0"/>
-                </a:srgbClr>
-              </a:gs>
-              <a:gs pos="100000">
-                <a:schemeClr val="accent1">
-                  <a:alpha val="43000"/>
-                </a:schemeClr>
-              </a:gs>
-            </a:gsLst>
-            <a:lin ang="1800000" scaled="0"/>
-          </a:gradFill>
-          <a:ln>
-            <a:noFill/>
-          </a:ln>
-        </p:spPr>
-        <p:style>
-          <a:lnRef idx="2">
-            <a:schemeClr val="accent1">
-              <a:shade val="50000"/>
-            </a:schemeClr>
-          </a:lnRef>
-          <a:fillRef idx="1">
-            <a:schemeClr val="accent1"/>
-          </a:fillRef>
-          <a:effectRef idx="0">
-            <a:schemeClr val="accent1"/>
-          </a:effectRef>
-          <a:fontRef idx="minor">
-            <a:schemeClr val="lt1"/>
-          </a:fontRef>
-        </p:style>
-        <p:txBody>
-          <a:bodyPr wrap="square" rtlCol="0" anchor="ctr">
-            <a:noAutofit/>
-          </a:bodyPr>
-          <a:lstStyle/>
-          <a:p>
-            <a:pPr algn="ctr"/>
-            <a:endParaRPr lang="en-US" dirty="0"/>
-          </a:p>
-        </p:txBody>
-      </p:sp>
-      <p:sp>
-        <p:nvSpPr>
-          <p:cNvPr id="20" name="Rectangle 19">
-            <a:extLst>
-              <a:ext uri="{FF2B5EF4-FFF2-40B4-BE49-F238E27FC236}">
-                <a16:creationId xmlns:a16="http://schemas.microsoft.com/office/drawing/2014/main" id="{8D71EDA1-87BF-4D5D-AB79-F346FD19278A}"/>
-              </a:ext>
-              <a:ext uri="{C183D7F6-B498-43B3-948B-1728B52AA6E4}">
-                <adec:decorative xmlns:adec="http://schemas.microsoft.com/office/drawing/2017/decorative" val="1"/>
-              </a:ext>
-            </a:extLst>
-          </p:cNvPr>
-          <p:cNvSpPr>
-            <a:spLocks noGrp="1" noRot="1" noChangeAspect="1" noMove="1" noResize="1" noEditPoints="1" noAdjustHandles="1" noChangeArrowheads="1" noChangeShapeType="1" noTextEdit="1"/>
-          </p:cNvSpPr>
-          <p:nvPr>
-            <p:extLst>
-              <p:ext uri="{386F3935-93C4-4BCD-93E2-E3B085C9AB24}">
-                <p16:designElem xmlns:p16="http://schemas.microsoft.com/office/powerpoint/2015/main" val="1"/>
-              </p:ext>
-            </p:extLst>
-          </p:nvPr>
-        </p:nvSpPr>
-        <p:spPr>
-          <a:xfrm rot="5400000" flipH="1">
-            <a:off x="-1410093" y="1399943"/>
-            <a:ext cx="6858003" cy="4037835"/>
-          </a:xfrm>
-          <a:prstGeom prst="rect">
-            <a:avLst/>
-          </a:prstGeom>
-          <a:gradFill>
-            <a:gsLst>
-              <a:gs pos="0">
-                <a:srgbClr val="000000">
-                  <a:alpha val="0"/>
-                </a:srgbClr>
-              </a:gs>
-              <a:gs pos="99000">
-                <a:schemeClr val="accent1">
-                  <a:lumMod val="60000"/>
-                  <a:lumOff val="40000"/>
-                  <a:alpha val="11000"/>
-                </a:schemeClr>
-              </a:gs>
-            </a:gsLst>
-            <a:lin ang="7200000" scaled="0"/>
-          </a:gradFill>
-          <a:ln>
-            <a:noFill/>
-          </a:ln>
-        </p:spPr>
-        <p:style>
-          <a:lnRef idx="2">
-            <a:schemeClr val="accent1">
-              <a:shade val="50000"/>
-            </a:schemeClr>
-          </a:lnRef>
-          <a:fillRef idx="1">
-            <a:schemeClr val="accent1"/>
-          </a:fillRef>
-          <a:effectRef idx="0">
-            <a:schemeClr val="accent1"/>
-          </a:effectRef>
-          <a:fontRef idx="minor">
-            <a:schemeClr val="lt1"/>
-          </a:fontRef>
-        </p:style>
-        <p:txBody>
-          <a:bodyPr rtlCol="0" anchor="ctr"/>
-          <a:lstStyle/>
-          <a:p>
-            <a:pPr algn="ctr"/>
-            <a:endParaRPr lang="en-US"/>
-          </a:p>
-        </p:txBody>
-      </p:sp>
-      <p:sp>
-        <p:nvSpPr>
           <p:cNvPr id="2" name="Title 1">
             <a:extLst>
               <a:ext uri="{FF2B5EF4-FFF2-40B4-BE49-F238E27FC236}">
-                <a16:creationId xmlns:a16="http://schemas.microsoft.com/office/drawing/2014/main" id="{B7495E15-C4A4-4E5A-4C8F-A15F241DFDA7}"/>
+                <a16:creationId xmlns:a16="http://schemas.microsoft.com/office/drawing/2014/main" id="{B8BD36D9-9CE3-EE09-F959-66181CB18913}"/>
               </a:ext>
             </a:extLst>
           </p:cNvPr>
@@ -21491,34 +24013,289 @@
         </p:nvSpPr>
         <p:spPr>
           <a:xfrm>
-            <a:off x="466722" y="586855"/>
-            <a:ext cx="3201366" cy="3387497"/>
+            <a:off x="1371597" y="348865"/>
+            <a:ext cx="10044023" cy="877729"/>
           </a:xfrm>
         </p:spPr>
         <p:txBody>
-          <a:bodyPr rtlCol="0" anchor="b">
+          <a:bodyPr anchor="ctr">
             <a:normAutofit/>
           </a:bodyPr>
           <a:lstStyle/>
           <a:p>
-            <a:pPr algn="r" rtl="0"/>
             <a:r>
-              <a:rPr lang="en-GB" sz="4000">
+              <a:rPr lang="en-GB" sz="4000" dirty="0">
                 <a:solidFill>
                   <a:srgbClr val="FFFFFF"/>
                 </a:solidFill>
               </a:rPr>
-              <a:t>Sprint 3 - DEMO</a:t>
+              <a:t>User Stories – Sprint 1</a:t>
             </a:r>
           </a:p>
         </p:txBody>
       </p:sp>
       <p:sp>
         <p:nvSpPr>
-          <p:cNvPr id="3" name="Content Placeholder 2">
+          <p:cNvPr id="5" name="Rectangle 1">
             <a:extLst>
               <a:ext uri="{FF2B5EF4-FFF2-40B4-BE49-F238E27FC236}">
-                <a16:creationId xmlns:a16="http://schemas.microsoft.com/office/drawing/2014/main" id="{DF3152A1-F431-B1ED-C54A-B24D08F16A83}"/>
+                <a16:creationId xmlns:a16="http://schemas.microsoft.com/office/drawing/2014/main" id="{BFDAAD2D-D990-3258-C1E2-65FC1999BD49}"/>
+              </a:ext>
+            </a:extLst>
+          </p:cNvPr>
+          <p:cNvSpPr>
+            <a:spLocks noChangeArrowheads="1"/>
+          </p:cNvSpPr>
+          <p:nvPr/>
+        </p:nvSpPr>
+        <p:spPr bwMode="auto">
+          <a:xfrm>
+            <a:off x="0" y="-361637"/>
+            <a:ext cx="12192000" cy="723275"/>
+          </a:xfrm>
+          <a:prstGeom prst="rect">
+            <a:avLst/>
+          </a:prstGeom>
+          <a:noFill/>
+          <a:ln>
+            <a:noFill/>
+          </a:ln>
+          <a:effectLst/>
+          <a:extLst>
+            <a:ext uri="{909E8E84-426E-40DD-AFC4-6F175D3DCCD1}">
+              <a14:hiddenFill xmlns:a14="http://schemas.microsoft.com/office/drawing/2010/main">
+                <a:solidFill>
+                  <a:schemeClr val="accent1"/>
+                </a:solidFill>
+              </a14:hiddenFill>
+            </a:ext>
+            <a:ext uri="{91240B29-F687-4F45-9708-019B960494DF}">
+              <a14:hiddenLine xmlns:a14="http://schemas.microsoft.com/office/drawing/2010/main" w="9525">
+                <a:solidFill>
+                  <a:schemeClr val="tx1"/>
+                </a:solidFill>
+                <a:miter lim="800000"/>
+                <a:headEnd/>
+                <a:tailEnd/>
+              </a14:hiddenLine>
+            </a:ext>
+            <a:ext uri="{AF507438-7753-43E0-B8FC-AC1667EBCBE1}">
+              <a14:hiddenEffects xmlns:a14="http://schemas.microsoft.com/office/drawing/2010/main">
+                <a:effectLst>
+                  <a:outerShdw dist="35921" dir="2700000" algn="ctr" rotWithShape="0">
+                    <a:schemeClr val="bg2"/>
+                  </a:outerShdw>
+                </a:effectLst>
+              </a14:hiddenEffects>
+            </a:ext>
+          </a:extLst>
+        </p:spPr>
+        <p:txBody>
+          <a:bodyPr vert="horz" wrap="square" lIns="91440" tIns="45720" rIns="91440" bIns="45720" numCol="1" anchor="ctr" anchorCtr="0" compatLnSpc="1">
+            <a:prstTxWarp prst="textNoShape">
+              <a:avLst/>
+            </a:prstTxWarp>
+            <a:spAutoFit/>
+          </a:bodyPr>
+          <a:lstStyle>
+            <a:lvl1pPr eaLnBrk="0" fontAlgn="base" hangingPunct="0">
+              <a:spcBef>
+                <a:spcPct val="0"/>
+              </a:spcBef>
+              <a:spcAft>
+                <a:spcPct val="0"/>
+              </a:spcAft>
+              <a:defRPr>
+                <a:solidFill>
+                  <a:schemeClr val="tx1"/>
+                </a:solidFill>
+                <a:latin typeface="Arial" panose="020B0604020202020204" pitchFamily="34" charset="0"/>
+              </a:defRPr>
+            </a:lvl1pPr>
+            <a:lvl2pPr eaLnBrk="0" fontAlgn="base" hangingPunct="0">
+              <a:spcBef>
+                <a:spcPct val="0"/>
+              </a:spcBef>
+              <a:spcAft>
+                <a:spcPct val="0"/>
+              </a:spcAft>
+              <a:defRPr>
+                <a:solidFill>
+                  <a:schemeClr val="tx1"/>
+                </a:solidFill>
+                <a:latin typeface="Arial" panose="020B0604020202020204" pitchFamily="34" charset="0"/>
+              </a:defRPr>
+            </a:lvl2pPr>
+            <a:lvl3pPr eaLnBrk="0" fontAlgn="base" hangingPunct="0">
+              <a:spcBef>
+                <a:spcPct val="0"/>
+              </a:spcBef>
+              <a:spcAft>
+                <a:spcPct val="0"/>
+              </a:spcAft>
+              <a:defRPr>
+                <a:solidFill>
+                  <a:schemeClr val="tx1"/>
+                </a:solidFill>
+                <a:latin typeface="Arial" panose="020B0604020202020204" pitchFamily="34" charset="0"/>
+              </a:defRPr>
+            </a:lvl3pPr>
+            <a:lvl4pPr eaLnBrk="0" fontAlgn="base" hangingPunct="0">
+              <a:spcBef>
+                <a:spcPct val="0"/>
+              </a:spcBef>
+              <a:spcAft>
+                <a:spcPct val="0"/>
+              </a:spcAft>
+              <a:defRPr>
+                <a:solidFill>
+                  <a:schemeClr val="tx1"/>
+                </a:solidFill>
+                <a:latin typeface="Arial" panose="020B0604020202020204" pitchFamily="34" charset="0"/>
+              </a:defRPr>
+            </a:lvl4pPr>
+            <a:lvl5pPr eaLnBrk="0" fontAlgn="base" hangingPunct="0">
+              <a:spcBef>
+                <a:spcPct val="0"/>
+              </a:spcBef>
+              <a:spcAft>
+                <a:spcPct val="0"/>
+              </a:spcAft>
+              <a:defRPr>
+                <a:solidFill>
+                  <a:schemeClr val="tx1"/>
+                </a:solidFill>
+                <a:latin typeface="Arial" panose="020B0604020202020204" pitchFamily="34" charset="0"/>
+              </a:defRPr>
+            </a:lvl5pPr>
+            <a:lvl6pPr eaLnBrk="0" fontAlgn="base" hangingPunct="0">
+              <a:spcBef>
+                <a:spcPct val="0"/>
+              </a:spcBef>
+              <a:spcAft>
+                <a:spcPct val="0"/>
+              </a:spcAft>
+              <a:defRPr>
+                <a:solidFill>
+                  <a:schemeClr val="tx1"/>
+                </a:solidFill>
+                <a:latin typeface="Arial" panose="020B0604020202020204" pitchFamily="34" charset="0"/>
+              </a:defRPr>
+            </a:lvl6pPr>
+            <a:lvl7pPr eaLnBrk="0" fontAlgn="base" hangingPunct="0">
+              <a:spcBef>
+                <a:spcPct val="0"/>
+              </a:spcBef>
+              <a:spcAft>
+                <a:spcPct val="0"/>
+              </a:spcAft>
+              <a:defRPr>
+                <a:solidFill>
+                  <a:schemeClr val="tx1"/>
+                </a:solidFill>
+                <a:latin typeface="Arial" panose="020B0604020202020204" pitchFamily="34" charset="0"/>
+              </a:defRPr>
+            </a:lvl7pPr>
+            <a:lvl8pPr eaLnBrk="0" fontAlgn="base" hangingPunct="0">
+              <a:spcBef>
+                <a:spcPct val="0"/>
+              </a:spcBef>
+              <a:spcAft>
+                <a:spcPct val="0"/>
+              </a:spcAft>
+              <a:defRPr>
+                <a:solidFill>
+                  <a:schemeClr val="tx1"/>
+                </a:solidFill>
+                <a:latin typeface="Arial" panose="020B0604020202020204" pitchFamily="34" charset="0"/>
+              </a:defRPr>
+            </a:lvl8pPr>
+            <a:lvl9pPr eaLnBrk="0" fontAlgn="base" hangingPunct="0">
+              <a:spcBef>
+                <a:spcPct val="0"/>
+              </a:spcBef>
+              <a:spcAft>
+                <a:spcPct val="0"/>
+              </a:spcAft>
+              <a:defRPr>
+                <a:solidFill>
+                  <a:schemeClr val="tx1"/>
+                </a:solidFill>
+                <a:latin typeface="Arial" panose="020B0604020202020204" pitchFamily="34" charset="0"/>
+              </a:defRPr>
+            </a:lvl9pPr>
+          </a:lstStyle>
+          <a:p>
+            <a:pPr marL="0" marR="0" lvl="0" indent="0" algn="l" defTabSz="914400" rtl="0" eaLnBrk="0" fontAlgn="base" latinLnBrk="0" hangingPunct="0">
+              <a:spcBef>
+                <a:spcPct val="0"/>
+              </a:spcBef>
+              <a:spcAft>
+                <a:spcPts val="600"/>
+              </a:spcAft>
+              <a:buClrTx/>
+              <a:buSzTx/>
+              <a:buFontTx/>
+              <a:buNone/>
+              <a:tabLst/>
+            </a:pPr>
+            <a:r>
+              <a:rPr kumimoji="0" lang="en-US" altLang="en-US" b="0" i="0" u="none" strike="noStrike" cap="none" normalizeH="0" baseline="0">
+                <a:ln>
+                  <a:noFill/>
+                </a:ln>
+                <a:solidFill>
+                  <a:srgbClr val="000000"/>
+                </a:solidFill>
+                <a:effectLst/>
+                <a:latin typeface="Times New Roman" panose="02020603050405020304" pitchFamily="18" charset="0"/>
+                <a:cs typeface="Times New Roman" panose="02020603050405020304" pitchFamily="18" charset="0"/>
+              </a:rPr>
+              <a:t> </a:t>
+            </a:r>
+            <a:endParaRPr kumimoji="0" lang="en-US" altLang="en-US" b="0" i="0" u="none" strike="noStrike" cap="none" normalizeH="0" baseline="0">
+              <a:ln>
+                <a:noFill/>
+              </a:ln>
+              <a:solidFill>
+                <a:schemeClr val="tx1"/>
+              </a:solidFill>
+              <a:effectLst/>
+            </a:endParaRPr>
+          </a:p>
+          <a:p>
+            <a:pPr marL="0" marR="0" lvl="0" indent="0" algn="l" defTabSz="914400" rtl="0" eaLnBrk="0" fontAlgn="base" latinLnBrk="0" hangingPunct="0">
+              <a:spcBef>
+                <a:spcPct val="0"/>
+              </a:spcBef>
+              <a:spcAft>
+                <a:spcPts val="600"/>
+              </a:spcAft>
+              <a:buClrTx/>
+              <a:buSzTx/>
+              <a:buFontTx/>
+              <a:buNone/>
+              <a:tabLst/>
+            </a:pPr>
+            <a:endParaRPr kumimoji="0" lang="en-US" altLang="en-US" b="0" i="0" u="none" strike="noStrike" cap="none" normalizeH="0" baseline="0">
+              <a:ln>
+                <a:noFill/>
+              </a:ln>
+              <a:solidFill>
+                <a:schemeClr val="tx1"/>
+              </a:solidFill>
+              <a:effectLst/>
+              <a:latin typeface="Arial" panose="020B0604020202020204" pitchFamily="34" charset="0"/>
+            </a:endParaRPr>
+          </a:p>
+        </p:txBody>
+      </p:sp>
+      <p:sp>
+        <p:nvSpPr>
+          <p:cNvPr id="6" name="Content Placeholder 5">
+            <a:extLst>
+              <a:ext uri="{FF2B5EF4-FFF2-40B4-BE49-F238E27FC236}">
+                <a16:creationId xmlns:a16="http://schemas.microsoft.com/office/drawing/2014/main" id="{4C5E16DD-6DBF-1C8C-039D-1A7E284EDEA9}"/>
               </a:ext>
             </a:extLst>
           </p:cNvPr>
@@ -21531,27 +24308,102 @@
         </p:nvSpPr>
         <p:spPr>
           <a:xfrm>
-            <a:off x="4810259" y="649480"/>
-            <a:ext cx="6555347" cy="5546047"/>
+            <a:off x="838200" y="1825625"/>
+            <a:ext cx="10515600" cy="4598823"/>
           </a:xfrm>
         </p:spPr>
         <p:txBody>
-          <a:bodyPr rtlCol="0" anchor="ctr">
-            <a:normAutofit/>
+          <a:bodyPr>
+            <a:normAutofit fontScale="55000" lnSpcReduction="20000"/>
           </a:bodyPr>
           <a:lstStyle/>
           <a:p>
-            <a:pPr marL="0" indent="0" rtl="0">
+            <a:pPr marL="0" indent="0">
               <a:buNone/>
             </a:pPr>
-            <a:endParaRPr lang="en-GB" sz="2000"/>
+            <a:r>
+              <a:rPr lang="en-GB" dirty="0">
+                <a:hlinkClick r:id="rId2"/>
+              </a:rPr>
+              <a:t>Instructions &amp; Overview - Module 6 - Data Operations</a:t>
+            </a:r>
+            <a:endParaRPr lang="en-GB" b="1" dirty="0"/>
+          </a:p>
+          <a:p>
+            <a:endParaRPr lang="en-GB" b="1" dirty="0"/>
+          </a:p>
+          <a:p>
+            <a:r>
+              <a:rPr lang="en-GB" b="1" dirty="0"/>
+              <a:t>As a Data Engineer, I want to design a monitoring dashboard so that stakeholders can see pipeline health at a glance.</a:t>
+            </a:r>
+          </a:p>
+          <a:p>
+            <a:r>
+              <a:rPr lang="en-GB" b="1" dirty="0"/>
+              <a:t>As a Data Engineer, I want to visualise our ETL data flow so that team members understand the pipeline structure.</a:t>
+            </a:r>
+          </a:p>
+          <a:p>
+            <a:r>
+              <a:rPr lang="en-GB" b="1" dirty="0"/>
+              <a:t>As a Data Engineer, I want to assess what's missing for production deployment so that we can prioritise improvements.</a:t>
+            </a:r>
+          </a:p>
+          <a:p>
+            <a:r>
+              <a:rPr lang="en-GB" b="1" dirty="0"/>
+              <a:t>As a Data Engineer, I want structured logging in our ETL pipeline so that I can track execution progress and identify issues.</a:t>
+            </a:r>
+          </a:p>
+          <a:p>
+            <a:endParaRPr lang="en-GB" b="1" dirty="0"/>
+          </a:p>
+          <a:p>
+            <a:r>
+              <a:rPr lang="en-GB" b="1" dirty="0"/>
+              <a:t>As a Data Engineer, I want a clear incident response process so that I can quickly resolve pipeline failures.</a:t>
+            </a:r>
+          </a:p>
+          <a:p>
+            <a:r>
+              <a:rPr lang="en-GB" b="1" dirty="0"/>
+              <a:t>As a Data Engineering Team Lead, I want a clear error classification system so that incidents are escalated appropriately.</a:t>
+            </a:r>
+          </a:p>
+          <a:p>
+            <a:endParaRPr lang="en-GB" b="1" dirty="0"/>
+          </a:p>
+          <a:p>
+            <a:r>
+              <a:rPr lang="en-GB" b="1" dirty="0"/>
+              <a:t>As a Data Engineer, I want automatic retry functionality for transient failures so that temporary issues don't cause complete pipeline failures.</a:t>
+            </a:r>
+          </a:p>
+          <a:p>
+            <a:r>
+              <a:rPr lang="en-GB" b="1" dirty="0"/>
+              <a:t>As a Data Engineer, I want to test failure scenarios so that I can validate our recovery procedures.</a:t>
+            </a:r>
+          </a:p>
+          <a:p>
+            <a:endParaRPr lang="en-GB" b="1" dirty="0"/>
+          </a:p>
+          <a:p>
+            <a:r>
+              <a:rPr lang="en-GB" b="1" dirty="0"/>
+              <a:t>As a Data Operations Manager, I want a comprehensive disaster recovery plan so that we can restore operations quickly after major failures.</a:t>
+            </a:r>
+          </a:p>
+          <a:p>
+            <a:endParaRPr lang="en-GB" b="1" dirty="0"/>
           </a:p>
         </p:txBody>
       </p:sp>
     </p:spTree>
     <p:extLst>
       <p:ext uri="{BB962C8B-B14F-4D97-AF65-F5344CB8AC3E}">
-        <p14:creationId xmlns:p14="http://schemas.microsoft.com/office/powerpoint/2010/main" val="3599373703"/>
+        <p14:creationId xmlns:p14="http://schemas.microsoft.com/office/powerpoint/2010/main" val="2630440565"/>
       </p:ext>
     </p:extLst>
   </p:cSld>
@@ -21573,7 +24425,7 @@
 </p:sld>
 </file>
 
-<file path=ppt/slides/slide9.xml><?xml version="1.0" encoding="utf-8"?>
+<file path=ppt/slides/slide6.xml><?xml version="1.0" encoding="utf-8"?>
 <p:sld xmlns:a="http://schemas.openxmlformats.org/drawingml/2006/main" xmlns:r="http://schemas.openxmlformats.org/officeDocument/2006/relationships" xmlns:p="http://schemas.openxmlformats.org/presentationml/2006/main">
   <p:cSld>
     <p:bg>
@@ -21586,7 +24438,13 @@
     </p:bg>
     <p:spTree>
       <p:nvGrpSpPr>
-        <p:cNvPr id="1" name=""/>
+        <p:cNvPr id="1" name="">
+          <a:extLst>
+            <a:ext uri="{FF2B5EF4-FFF2-40B4-BE49-F238E27FC236}">
+              <a16:creationId xmlns:a16="http://schemas.microsoft.com/office/drawing/2014/main" id="{2DB97F43-6115-223A-1AF8-65B5E85F826A}"/>
+            </a:ext>
+          </a:extLst>
+        </p:cNvPr>
         <p:cNvGrpSpPr/>
         <p:nvPr/>
       </p:nvGrpSpPr>
@@ -21600,10 +24458,10 @@
       </p:grpSpPr>
       <p:sp useBgFill="1">
         <p:nvSpPr>
-          <p:cNvPr id="31" name="Rectangle 30">
+          <p:cNvPr id="25" name="Rectangle 24">
             <a:extLst>
               <a:ext uri="{FF2B5EF4-FFF2-40B4-BE49-F238E27FC236}">
-                <a16:creationId xmlns:a16="http://schemas.microsoft.com/office/drawing/2014/main" id="{BACC6370-2D7E-4714-9D71-7542949D7D5D}"/>
+                <a16:creationId xmlns:a16="http://schemas.microsoft.com/office/drawing/2014/main" id="{9D281B60-64D9-2FE0-00CB-40649860C1FC}"/>
               </a:ext>
               <a:ext uri="{C183D7F6-B498-43B3-948B-1728B52AA6E4}">
                 <adec:decorative xmlns:adec="http://schemas.microsoft.com/office/drawing/2017/decorative" val="1"/>
@@ -21676,10 +24534,10 @@
       </p:sp>
       <p:sp>
         <p:nvSpPr>
-          <p:cNvPr id="32" name="Rectangle 31">
+          <p:cNvPr id="26" name="Rectangle 25">
             <a:extLst>
               <a:ext uri="{FF2B5EF4-FFF2-40B4-BE49-F238E27FC236}">
-                <a16:creationId xmlns:a16="http://schemas.microsoft.com/office/drawing/2014/main" id="{F68B3F68-107C-434F-AA38-110D5EA91B85}"/>
+                <a16:creationId xmlns:a16="http://schemas.microsoft.com/office/drawing/2014/main" id="{2EAC16FF-B5BC-6FD8-6583-477D4AD4EA8A}"/>
               </a:ext>
               <a:ext uri="{C183D7F6-B498-43B3-948B-1728B52AA6E4}">
                 <adec:decorative xmlns:adec="http://schemas.microsoft.com/office/drawing/2017/decorative" val="1"/>
@@ -21700,7 +24558,7 @@
         <p:spPr>
           <a:xfrm flipH="1">
             <a:off x="2" y="0"/>
-            <a:ext cx="12191998" cy="2170031"/>
+            <a:ext cx="12191998" cy="1575955"/>
           </a:xfrm>
           <a:prstGeom prst="rect">
             <a:avLst/>
@@ -21718,7 +24576,7 @@
                 </a:schemeClr>
               </a:gs>
             </a:gsLst>
-            <a:lin ang="19800000" scaled="0"/>
+            <a:lin ang="8400000" scaled="0"/>
           </a:gradFill>
           <a:ln>
             <a:noFill/>
@@ -21751,10 +24609,10 @@
       </p:sp>
       <p:sp>
         <p:nvSpPr>
-          <p:cNvPr id="33" name="Rectangle 32">
+          <p:cNvPr id="14" name="Rectangle 13">
             <a:extLst>
               <a:ext uri="{FF2B5EF4-FFF2-40B4-BE49-F238E27FC236}">
-                <a16:creationId xmlns:a16="http://schemas.microsoft.com/office/drawing/2014/main" id="{AAD0DBB9-1A4B-4391-81D4-CB19F9AB918A}"/>
+                <a16:creationId xmlns:a16="http://schemas.microsoft.com/office/drawing/2014/main" id="{A7D87D53-28D2-9A3B-8BDF-1656E0124AC1}"/>
               </a:ext>
               <a:ext uri="{C183D7F6-B498-43B3-948B-1728B52AA6E4}">
                 <adec:decorative xmlns:adec="http://schemas.microsoft.com/office/drawing/2017/decorative" val="1"/>
@@ -21773,9 +24631,9 @@
           </p:nvPr>
         </p:nvSpPr>
         <p:spPr>
-          <a:xfrm flipH="1">
-            <a:off x="8082819" y="0"/>
-            <a:ext cx="4097211" cy="2170661"/>
+          <a:xfrm rot="10800000" flipH="1">
+            <a:off x="8128857" y="0"/>
+            <a:ext cx="4063143" cy="1576412"/>
           </a:xfrm>
           <a:prstGeom prst="rect">
             <a:avLst/>
@@ -21790,7 +24648,7 @@
               </a:gs>
               <a:gs pos="100000">
                 <a:schemeClr val="accent1">
-                  <a:alpha val="48000"/>
+                  <a:alpha val="79000"/>
                 </a:schemeClr>
               </a:gs>
             </a:gsLst>
@@ -21827,10 +24685,10 @@
       </p:sp>
       <p:sp>
         <p:nvSpPr>
-          <p:cNvPr id="34" name="Rectangle 33">
+          <p:cNvPr id="16" name="Rectangle 15">
             <a:extLst>
               <a:ext uri="{FF2B5EF4-FFF2-40B4-BE49-F238E27FC236}">
-                <a16:creationId xmlns:a16="http://schemas.microsoft.com/office/drawing/2014/main" id="{063BBA22-50EA-4C4D-BE05-F1CE4E63AA56}"/>
+                <a16:creationId xmlns:a16="http://schemas.microsoft.com/office/drawing/2014/main" id="{BC6DB9B0-CAD3-C309-42F4-F9C772CC640F}"/>
               </a:ext>
               <a:ext uri="{C183D7F6-B498-43B3-948B-1728B52AA6E4}">
                 <adec:decorative xmlns:adec="http://schemas.microsoft.com/office/drawing/2017/decorative" val="1"/>
@@ -21849,9 +24707,9 @@
           </p:nvPr>
         </p:nvSpPr>
         <p:spPr>
-          <a:xfrm rot="16200000" flipH="1">
-            <a:off x="5010646" y="-5010043"/>
-            <a:ext cx="2170709" cy="12192000"/>
+          <a:xfrm rot="5400000">
+            <a:off x="5307777" y="-5307778"/>
+            <a:ext cx="1576446" cy="12192002"/>
           </a:xfrm>
           <a:prstGeom prst="rect">
             <a:avLst/>
@@ -21860,17 +24718,16 @@
             <a:gsLst>
               <a:gs pos="23000">
                 <a:schemeClr val="accent1">
-                  <a:lumMod val="75000"/>
-                  <a:alpha val="16000"/>
+                  <a:alpha val="0"/>
                 </a:schemeClr>
               </a:gs>
               <a:gs pos="99000">
                 <a:srgbClr val="000000">
-                  <a:alpha val="45000"/>
+                  <a:alpha val="74000"/>
                 </a:srgbClr>
               </a:gs>
             </a:gsLst>
-            <a:lin ang="21000000" scaled="0"/>
+            <a:lin ang="20400000" scaled="0"/>
           </a:gradFill>
           <a:ln>
             <a:noFill/>
@@ -21903,7 +24760,13 @@
       </p:sp>
       <p:sp>
         <p:nvSpPr>
-          <p:cNvPr id="2" name="Title 1"/>
+          <p:cNvPr id="2" name="Title 1">
+            <a:extLst>
+              <a:ext uri="{FF2B5EF4-FFF2-40B4-BE49-F238E27FC236}">
+                <a16:creationId xmlns:a16="http://schemas.microsoft.com/office/drawing/2014/main" id="{DD0F6105-E4E9-AAFD-E819-03DF50AC87B3}"/>
+              </a:ext>
+            </a:extLst>
+          </p:cNvPr>
           <p:cNvSpPr>
             <a:spLocks noGrp="1"/>
           </p:cNvSpPr>
@@ -21913,34 +24776,289 @@
         </p:nvSpPr>
         <p:spPr>
           <a:xfrm>
-            <a:off x="1383564" y="348865"/>
-            <a:ext cx="9718111" cy="1576446"/>
+            <a:off x="1371597" y="348865"/>
+            <a:ext cx="10044023" cy="877729"/>
           </a:xfrm>
         </p:spPr>
         <p:txBody>
-          <a:bodyPr rtlCol="0" anchor="ctr">
+          <a:bodyPr anchor="ctr">
             <a:normAutofit/>
           </a:bodyPr>
           <a:lstStyle/>
           <a:p>
-            <a:pPr rtl="0"/>
             <a:r>
-              <a:rPr lang="en-GB" sz="4000">
+              <a:rPr lang="en-GB" sz="4000" dirty="0">
                 <a:solidFill>
                   <a:srgbClr val="FFFFFF"/>
                 </a:solidFill>
               </a:rPr>
-              <a:t>Wrap-up</a:t>
+              <a:t>Monitoring Strategy and Incident Response</a:t>
             </a:r>
+          </a:p>
+        </p:txBody>
+      </p:sp>
+      <p:sp>
+        <p:nvSpPr>
+          <p:cNvPr id="5" name="Rectangle 1">
+            <a:extLst>
+              <a:ext uri="{FF2B5EF4-FFF2-40B4-BE49-F238E27FC236}">
+                <a16:creationId xmlns:a16="http://schemas.microsoft.com/office/drawing/2014/main" id="{37774DBB-D667-17CA-752D-B32345400CDA}"/>
+              </a:ext>
+            </a:extLst>
+          </p:cNvPr>
+          <p:cNvSpPr>
+            <a:spLocks noChangeArrowheads="1"/>
+          </p:cNvSpPr>
+          <p:nvPr/>
+        </p:nvSpPr>
+        <p:spPr bwMode="auto">
+          <a:xfrm>
+            <a:off x="0" y="-361637"/>
+            <a:ext cx="12192000" cy="723275"/>
+          </a:xfrm>
+          <a:prstGeom prst="rect">
+            <a:avLst/>
+          </a:prstGeom>
+          <a:noFill/>
+          <a:ln>
+            <a:noFill/>
+          </a:ln>
+          <a:effectLst/>
+          <a:extLst>
+            <a:ext uri="{909E8E84-426E-40DD-AFC4-6F175D3DCCD1}">
+              <a14:hiddenFill xmlns:a14="http://schemas.microsoft.com/office/drawing/2010/main">
+                <a:solidFill>
+                  <a:schemeClr val="accent1"/>
+                </a:solidFill>
+              </a14:hiddenFill>
+            </a:ext>
+            <a:ext uri="{91240B29-F687-4F45-9708-019B960494DF}">
+              <a14:hiddenLine xmlns:a14="http://schemas.microsoft.com/office/drawing/2010/main" w="9525">
+                <a:solidFill>
+                  <a:schemeClr val="tx1"/>
+                </a:solidFill>
+                <a:miter lim="800000"/>
+                <a:headEnd/>
+                <a:tailEnd/>
+              </a14:hiddenLine>
+            </a:ext>
+            <a:ext uri="{AF507438-7753-43E0-B8FC-AC1667EBCBE1}">
+              <a14:hiddenEffects xmlns:a14="http://schemas.microsoft.com/office/drawing/2010/main">
+                <a:effectLst>
+                  <a:outerShdw dist="35921" dir="2700000" algn="ctr" rotWithShape="0">
+                    <a:schemeClr val="bg2"/>
+                  </a:outerShdw>
+                </a:effectLst>
+              </a14:hiddenEffects>
+            </a:ext>
+          </a:extLst>
+        </p:spPr>
+        <p:txBody>
+          <a:bodyPr vert="horz" wrap="square" lIns="91440" tIns="45720" rIns="91440" bIns="45720" numCol="1" anchor="ctr" anchorCtr="0" compatLnSpc="1">
+            <a:prstTxWarp prst="textNoShape">
+              <a:avLst/>
+            </a:prstTxWarp>
+            <a:spAutoFit/>
+          </a:bodyPr>
+          <a:lstStyle>
+            <a:lvl1pPr eaLnBrk="0" fontAlgn="base" hangingPunct="0">
+              <a:spcBef>
+                <a:spcPct val="0"/>
+              </a:spcBef>
+              <a:spcAft>
+                <a:spcPct val="0"/>
+              </a:spcAft>
+              <a:defRPr>
+                <a:solidFill>
+                  <a:schemeClr val="tx1"/>
+                </a:solidFill>
+                <a:latin typeface="Arial" panose="020B0604020202020204" pitchFamily="34" charset="0"/>
+              </a:defRPr>
+            </a:lvl1pPr>
+            <a:lvl2pPr eaLnBrk="0" fontAlgn="base" hangingPunct="0">
+              <a:spcBef>
+                <a:spcPct val="0"/>
+              </a:spcBef>
+              <a:spcAft>
+                <a:spcPct val="0"/>
+              </a:spcAft>
+              <a:defRPr>
+                <a:solidFill>
+                  <a:schemeClr val="tx1"/>
+                </a:solidFill>
+                <a:latin typeface="Arial" panose="020B0604020202020204" pitchFamily="34" charset="0"/>
+              </a:defRPr>
+            </a:lvl2pPr>
+            <a:lvl3pPr eaLnBrk="0" fontAlgn="base" hangingPunct="0">
+              <a:spcBef>
+                <a:spcPct val="0"/>
+              </a:spcBef>
+              <a:spcAft>
+                <a:spcPct val="0"/>
+              </a:spcAft>
+              <a:defRPr>
+                <a:solidFill>
+                  <a:schemeClr val="tx1"/>
+                </a:solidFill>
+                <a:latin typeface="Arial" panose="020B0604020202020204" pitchFamily="34" charset="0"/>
+              </a:defRPr>
+            </a:lvl3pPr>
+            <a:lvl4pPr eaLnBrk="0" fontAlgn="base" hangingPunct="0">
+              <a:spcBef>
+                <a:spcPct val="0"/>
+              </a:spcBef>
+              <a:spcAft>
+                <a:spcPct val="0"/>
+              </a:spcAft>
+              <a:defRPr>
+                <a:solidFill>
+                  <a:schemeClr val="tx1"/>
+                </a:solidFill>
+                <a:latin typeface="Arial" panose="020B0604020202020204" pitchFamily="34" charset="0"/>
+              </a:defRPr>
+            </a:lvl4pPr>
+            <a:lvl5pPr eaLnBrk="0" fontAlgn="base" hangingPunct="0">
+              <a:spcBef>
+                <a:spcPct val="0"/>
+              </a:spcBef>
+              <a:spcAft>
+                <a:spcPct val="0"/>
+              </a:spcAft>
+              <a:defRPr>
+                <a:solidFill>
+                  <a:schemeClr val="tx1"/>
+                </a:solidFill>
+                <a:latin typeface="Arial" panose="020B0604020202020204" pitchFamily="34" charset="0"/>
+              </a:defRPr>
+            </a:lvl5pPr>
+            <a:lvl6pPr eaLnBrk="0" fontAlgn="base" hangingPunct="0">
+              <a:spcBef>
+                <a:spcPct val="0"/>
+              </a:spcBef>
+              <a:spcAft>
+                <a:spcPct val="0"/>
+              </a:spcAft>
+              <a:defRPr>
+                <a:solidFill>
+                  <a:schemeClr val="tx1"/>
+                </a:solidFill>
+                <a:latin typeface="Arial" panose="020B0604020202020204" pitchFamily="34" charset="0"/>
+              </a:defRPr>
+            </a:lvl6pPr>
+            <a:lvl7pPr eaLnBrk="0" fontAlgn="base" hangingPunct="0">
+              <a:spcBef>
+                <a:spcPct val="0"/>
+              </a:spcBef>
+              <a:spcAft>
+                <a:spcPct val="0"/>
+              </a:spcAft>
+              <a:defRPr>
+                <a:solidFill>
+                  <a:schemeClr val="tx1"/>
+                </a:solidFill>
+                <a:latin typeface="Arial" panose="020B0604020202020204" pitchFamily="34" charset="0"/>
+              </a:defRPr>
+            </a:lvl7pPr>
+            <a:lvl8pPr eaLnBrk="0" fontAlgn="base" hangingPunct="0">
+              <a:spcBef>
+                <a:spcPct val="0"/>
+              </a:spcBef>
+              <a:spcAft>
+                <a:spcPct val="0"/>
+              </a:spcAft>
+              <a:defRPr>
+                <a:solidFill>
+                  <a:schemeClr val="tx1"/>
+                </a:solidFill>
+                <a:latin typeface="Arial" panose="020B0604020202020204" pitchFamily="34" charset="0"/>
+              </a:defRPr>
+            </a:lvl8pPr>
+            <a:lvl9pPr eaLnBrk="0" fontAlgn="base" hangingPunct="0">
+              <a:spcBef>
+                <a:spcPct val="0"/>
+              </a:spcBef>
+              <a:spcAft>
+                <a:spcPct val="0"/>
+              </a:spcAft>
+              <a:defRPr>
+                <a:solidFill>
+                  <a:schemeClr val="tx1"/>
+                </a:solidFill>
+                <a:latin typeface="Arial" panose="020B0604020202020204" pitchFamily="34" charset="0"/>
+              </a:defRPr>
+            </a:lvl9pPr>
+          </a:lstStyle>
+          <a:p>
+            <a:pPr marL="0" marR="0" lvl="0" indent="0" algn="l" defTabSz="914400" rtl="0" eaLnBrk="0" fontAlgn="base" latinLnBrk="0" hangingPunct="0">
+              <a:spcBef>
+                <a:spcPct val="0"/>
+              </a:spcBef>
+              <a:spcAft>
+                <a:spcPts val="600"/>
+              </a:spcAft>
+              <a:buClrTx/>
+              <a:buSzTx/>
+              <a:buFontTx/>
+              <a:buNone/>
+              <a:tabLst/>
+            </a:pPr>
+            <a:r>
+              <a:rPr kumimoji="0" lang="en-US" altLang="en-US" b="0" i="0" u="none" strike="noStrike" cap="none" normalizeH="0" baseline="0">
+                <a:ln>
+                  <a:noFill/>
+                </a:ln>
+                <a:solidFill>
+                  <a:srgbClr val="000000"/>
+                </a:solidFill>
+                <a:effectLst/>
+                <a:latin typeface="Times New Roman" panose="02020603050405020304" pitchFamily="18" charset="0"/>
+                <a:cs typeface="Times New Roman" panose="02020603050405020304" pitchFamily="18" charset="0"/>
+              </a:rPr>
+              <a:t> </a:t>
+            </a:r>
+            <a:endParaRPr kumimoji="0" lang="en-US" altLang="en-US" b="0" i="0" u="none" strike="noStrike" cap="none" normalizeH="0" baseline="0">
+              <a:ln>
+                <a:noFill/>
+              </a:ln>
+              <a:solidFill>
+                <a:schemeClr val="tx1"/>
+              </a:solidFill>
+              <a:effectLst/>
+            </a:endParaRPr>
+          </a:p>
+          <a:p>
+            <a:pPr marL="0" marR="0" lvl="0" indent="0" algn="l" defTabSz="914400" rtl="0" eaLnBrk="0" fontAlgn="base" latinLnBrk="0" hangingPunct="0">
+              <a:spcBef>
+                <a:spcPct val="0"/>
+              </a:spcBef>
+              <a:spcAft>
+                <a:spcPts val="600"/>
+              </a:spcAft>
+              <a:buClrTx/>
+              <a:buSzTx/>
+              <a:buFontTx/>
+              <a:buNone/>
+              <a:tabLst/>
+            </a:pPr>
+            <a:endParaRPr kumimoji="0" lang="en-US" altLang="en-US" b="0" i="0" u="none" strike="noStrike" cap="none" normalizeH="0" baseline="0">
+              <a:ln>
+                <a:noFill/>
+              </a:ln>
+              <a:solidFill>
+                <a:schemeClr val="tx1"/>
+              </a:solidFill>
+              <a:effectLst/>
+              <a:latin typeface="Arial" panose="020B0604020202020204" pitchFamily="34" charset="0"/>
+            </a:endParaRPr>
           </a:p>
         </p:txBody>
       </p:sp>
       <p:graphicFrame>
         <p:nvGraphicFramePr>
-          <p:cNvPr id="35" name="Content Placeholder 2">
+          <p:cNvPr id="9" name="Content Placeholder 8">
             <a:extLst>
               <a:ext uri="{FF2B5EF4-FFF2-40B4-BE49-F238E27FC236}">
-                <a16:creationId xmlns:a16="http://schemas.microsoft.com/office/drawing/2014/main" id="{B69FC522-4E84-6E63-19EE-51598ABA5C50}"/>
+                <a16:creationId xmlns:a16="http://schemas.microsoft.com/office/drawing/2014/main" id="{19DB3D26-4412-8C60-A457-B523F0B10851}"/>
               </a:ext>
             </a:extLst>
           </p:cNvPr>
@@ -21951,43 +25069,1120 @@
             <p:ph idx="1"/>
             <p:extLst>
               <p:ext uri="{D42A27DB-BD31-4B8C-83A1-F6EECF244321}">
-                <p14:modId xmlns:p14="http://schemas.microsoft.com/office/powerpoint/2010/main" val="2062794051"/>
+                <p14:modId xmlns:p14="http://schemas.microsoft.com/office/powerpoint/2010/main" val="2909168972"/>
               </p:ext>
             </p:extLst>
           </p:nvPr>
         </p:nvGraphicFramePr>
         <p:xfrm>
-          <a:off x="644056" y="2615979"/>
-          <a:ext cx="10927829" cy="3689405"/>
+          <a:off x="262760" y="1728968"/>
+          <a:ext cx="6997262" cy="1808454"/>
         </p:xfrm>
         <a:graphic>
           <a:graphicData uri="http://schemas.openxmlformats.org/drawingml/2006/diagram">
-            <dgm:relIds xmlns:dgm="http://schemas.openxmlformats.org/drawingml/2006/diagram" xmlns:r="http://schemas.openxmlformats.org/officeDocument/2006/relationships" r:dm="rId3" r:lo="rId4" r:qs="rId5" r:cs="rId6"/>
+            <dgm:relIds xmlns:dgm="http://schemas.openxmlformats.org/drawingml/2006/diagram" xmlns:r="http://schemas.openxmlformats.org/officeDocument/2006/relationships" r:dm="rId2" r:lo="rId3" r:qs="rId4" r:cs="rId5"/>
           </a:graphicData>
         </a:graphic>
       </p:graphicFrame>
+      <p:sp>
+        <p:nvSpPr>
+          <p:cNvPr id="4" name="TextBox 3">
+            <a:extLst>
+              <a:ext uri="{FF2B5EF4-FFF2-40B4-BE49-F238E27FC236}">
+                <a16:creationId xmlns:a16="http://schemas.microsoft.com/office/drawing/2014/main" id="{93D602C8-AFC4-0614-F189-F24CAD5F96C5}"/>
+              </a:ext>
+            </a:extLst>
+          </p:cNvPr>
+          <p:cNvSpPr txBox="1"/>
+          <p:nvPr/>
+        </p:nvSpPr>
+        <p:spPr>
+          <a:xfrm>
+            <a:off x="292513" y="3887274"/>
+            <a:ext cx="7464121" cy="2862322"/>
+          </a:xfrm>
+          <a:prstGeom prst="rect">
+            <a:avLst/>
+          </a:prstGeom>
+          <a:noFill/>
+        </p:spPr>
+        <p:txBody>
+          <a:bodyPr wrap="square">
+            <a:spAutoFit/>
+          </a:bodyPr>
+          <a:lstStyle/>
+          <a:p>
+            <a:r>
+              <a:rPr lang="en-GB" dirty="0"/>
+              <a:t>Power BI Dashboard and on-screen alerting in Data Ops</a:t>
+            </a:r>
+          </a:p>
+          <a:p>
+            <a:endParaRPr lang="en-GB" dirty="0"/>
+          </a:p>
+          <a:p>
+            <a:r>
+              <a:rPr lang="en-GB" dirty="0"/>
+              <a:t>Incident Strategy – agree P1, P2 response times with Data Engineering Team as a resolving team.  </a:t>
+            </a:r>
+          </a:p>
+          <a:p>
+            <a:r>
+              <a:rPr lang="en-GB" dirty="0"/>
+              <a:t>Email Alerting to central Data Operations inbox/Teams Channel.</a:t>
+            </a:r>
+          </a:p>
+          <a:p>
+            <a:endParaRPr lang="en-GB" dirty="0"/>
+          </a:p>
+          <a:p>
+            <a:r>
+              <a:rPr lang="en-GB" dirty="0"/>
+              <a:t>Comms Strategy – agree comms templates to Stakeholders when there are outages, both Planned and Unplanned.</a:t>
+            </a:r>
+          </a:p>
+          <a:p>
+            <a:endParaRPr lang="en-GB" dirty="0"/>
+          </a:p>
+          <a:p>
+            <a:r>
+              <a:rPr lang="en-GB" dirty="0"/>
+              <a:t>Root Cause Analysis and Problem strategy</a:t>
+            </a:r>
+          </a:p>
+        </p:txBody>
+      </p:sp>
+      <p:pic>
+        <p:nvPicPr>
+          <p:cNvPr id="8" name="Picture 7">
+            <a:extLst>
+              <a:ext uri="{FF2B5EF4-FFF2-40B4-BE49-F238E27FC236}">
+                <a16:creationId xmlns:a16="http://schemas.microsoft.com/office/drawing/2014/main" id="{712CAEC4-E470-C2D3-BB3A-1414D8275B63}"/>
+              </a:ext>
+            </a:extLst>
+          </p:cNvPr>
+          <p:cNvPicPr>
+            <a:picLocks noChangeAspect="1"/>
+          </p:cNvPicPr>
+          <p:nvPr/>
+        </p:nvPicPr>
+        <p:blipFill>
+          <a:blip r:embed="rId7"/>
+          <a:stretch>
+            <a:fillRect/>
+          </a:stretch>
+        </p:blipFill>
+        <p:spPr>
+          <a:xfrm>
+            <a:off x="7552535" y="2530250"/>
+            <a:ext cx="4633362" cy="2885319"/>
+          </a:xfrm>
+          <a:prstGeom prst="rect">
+            <a:avLst/>
+          </a:prstGeom>
+        </p:spPr>
+      </p:pic>
     </p:spTree>
     <p:extLst>
       <p:ext uri="{BB962C8B-B14F-4D97-AF65-F5344CB8AC3E}">
-        <p14:creationId xmlns:p14="http://schemas.microsoft.com/office/powerpoint/2010/main" val="3514341159"/>
+        <p14:creationId xmlns:p14="http://schemas.microsoft.com/office/powerpoint/2010/main" val="829419679"/>
       </p:ext>
     </p:extLst>
   </p:cSld>
   <p:clrMapOvr>
     <a:masterClrMapping/>
   </p:clrMapOvr>
-  <mc:AlternateContent xmlns:mc="http://schemas.openxmlformats.org/markup-compatibility/2006" xmlns:p14="http://schemas.microsoft.com/office/powerpoint/2010/main">
-    <mc:Choice Requires="p14">
+  <mc:AlternateContent xmlns:mc="http://schemas.openxmlformats.org/markup-compatibility/2006">
+    <mc:Choice xmlns:p14="http://schemas.microsoft.com/office/powerpoint/2010/main" Requires="p14">
       <p:transition spd="med" p14:dur="700">
         <p:fade/>
       </p:transition>
     </mc:Choice>
-    <mc:Fallback xmlns="">
+    <mc:Fallback>
       <p:transition spd="med">
         <p:fade/>
       </p:transition>
     </mc:Fallback>
   </mc:AlternateContent>
+</p:sld>
+</file>
+
+<file path=ppt/slides/slide7.xml><?xml version="1.0" encoding="utf-8"?>
+<p:sld xmlns:a="http://schemas.openxmlformats.org/drawingml/2006/main" xmlns:r="http://schemas.openxmlformats.org/officeDocument/2006/relationships" xmlns:p="http://schemas.openxmlformats.org/presentationml/2006/main">
+  <p:cSld>
+    <p:spTree>
+      <p:nvGrpSpPr>
+        <p:cNvPr id="1" name=""/>
+        <p:cNvGrpSpPr/>
+        <p:nvPr/>
+      </p:nvGrpSpPr>
+      <p:grpSpPr>
+        <a:xfrm>
+          <a:off x="0" y="0"/>
+          <a:ext cx="0" cy="0"/>
+          <a:chOff x="0" y="0"/>
+          <a:chExt cx="0" cy="0"/>
+        </a:xfrm>
+      </p:grpSpPr>
+      <p:sp>
+        <p:nvSpPr>
+          <p:cNvPr id="3" name="Title 2">
+            <a:extLst>
+              <a:ext uri="{FF2B5EF4-FFF2-40B4-BE49-F238E27FC236}">
+                <a16:creationId xmlns:a16="http://schemas.microsoft.com/office/drawing/2014/main" id="{1353F689-2E51-BF4F-AE47-7CEB7CC4C52A}"/>
+              </a:ext>
+            </a:extLst>
+          </p:cNvPr>
+          <p:cNvSpPr>
+            <a:spLocks noGrp="1"/>
+          </p:cNvSpPr>
+          <p:nvPr>
+            <p:ph type="title"/>
+          </p:nvPr>
+        </p:nvSpPr>
+        <p:spPr>
+          <a:xfrm>
+            <a:off x="881727" y="430875"/>
+            <a:ext cx="7750209" cy="610863"/>
+          </a:xfrm>
+        </p:spPr>
+        <p:txBody>
+          <a:bodyPr rtlCol="0">
+            <a:normAutofit/>
+          </a:bodyPr>
+          <a:lstStyle/>
+          <a:p>
+            <a:pPr rtl="0"/>
+            <a:r>
+              <a:rPr lang="en-GB" dirty="0"/>
+              <a:t>Governance Framework</a:t>
+            </a:r>
+          </a:p>
+        </p:txBody>
+      </p:sp>
+      <p:sp>
+        <p:nvSpPr>
+          <p:cNvPr id="4" name="Text Placeholder 3">
+            <a:extLst>
+              <a:ext uri="{FF2B5EF4-FFF2-40B4-BE49-F238E27FC236}">
+                <a16:creationId xmlns:a16="http://schemas.microsoft.com/office/drawing/2014/main" id="{A17F80A9-6337-524E-AC61-32C5AFEE8E6D}"/>
+              </a:ext>
+            </a:extLst>
+          </p:cNvPr>
+          <p:cNvSpPr>
+            <a:spLocks noGrp="1"/>
+          </p:cNvSpPr>
+          <p:nvPr>
+            <p:ph type="body" sz="quarter" idx="11"/>
+          </p:nvPr>
+        </p:nvSpPr>
+        <p:spPr>
+          <a:xfrm>
+            <a:off x="756665" y="1256091"/>
+            <a:ext cx="10678669" cy="610864"/>
+          </a:xfrm>
+        </p:spPr>
+        <p:txBody>
+          <a:bodyPr rtlCol="0"/>
+          <a:lstStyle/>
+          <a:p>
+            <a:pPr rtl="0"/>
+            <a:r>
+              <a:rPr lang="en-GB" dirty="0">
+                <a:solidFill>
+                  <a:schemeClr val="tx1"/>
+                </a:solidFill>
+              </a:rPr>
+              <a:t>Governance is something which is very important and ensuring that customers can trust us with their data is essential in these times with increasing cyber attacks and the importance of data in general. </a:t>
+            </a:r>
+          </a:p>
+          <a:p>
+            <a:pPr rtl="0"/>
+            <a:endParaRPr lang="en-GB" dirty="0">
+              <a:solidFill>
+                <a:schemeClr val="tx1"/>
+              </a:solidFill>
+            </a:endParaRPr>
+          </a:p>
+          <a:p>
+            <a:pPr rtl="0"/>
+            <a:endParaRPr lang="en-GB" dirty="0"/>
+          </a:p>
+          <a:p>
+            <a:pPr rtl="0"/>
+            <a:endParaRPr lang="en-GB" dirty="0"/>
+          </a:p>
+          <a:p>
+            <a:pPr rtl="0"/>
+            <a:endParaRPr lang="en-GB" dirty="0"/>
+          </a:p>
+          <a:p>
+            <a:pPr rtl="0"/>
+            <a:endParaRPr lang="en-GB" dirty="0"/>
+          </a:p>
+          <a:p>
+            <a:pPr rtl="0"/>
+            <a:endParaRPr lang="en-GB" dirty="0"/>
+          </a:p>
+        </p:txBody>
+      </p:sp>
+      <p:sp>
+        <p:nvSpPr>
+          <p:cNvPr id="9" name="Text Placeholder 3">
+            <a:extLst>
+              <a:ext uri="{FF2B5EF4-FFF2-40B4-BE49-F238E27FC236}">
+                <a16:creationId xmlns:a16="http://schemas.microsoft.com/office/drawing/2014/main" id="{C32262F7-4156-99C1-386C-42E2DA1B881D}"/>
+              </a:ext>
+            </a:extLst>
+          </p:cNvPr>
+          <p:cNvSpPr txBox="1">
+            <a:spLocks/>
+          </p:cNvSpPr>
+          <p:nvPr/>
+        </p:nvSpPr>
+        <p:spPr>
+          <a:xfrm>
+            <a:off x="756664" y="2277067"/>
+            <a:ext cx="10678669" cy="3837117"/>
+          </a:xfrm>
+          <a:prstGeom prst="rect">
+            <a:avLst/>
+          </a:prstGeom>
+        </p:spPr>
+        <p:txBody>
+          <a:bodyPr vert="horz" lIns="0" tIns="0" rIns="0" bIns="0" rtlCol="0">
+            <a:noAutofit/>
+          </a:bodyPr>
+          <a:lstStyle>
+            <a:lvl1pPr marL="0" indent="0" algn="l" defTabSz="914400" rtl="0" eaLnBrk="1" latinLnBrk="0" hangingPunct="1">
+              <a:lnSpc>
+                <a:spcPct val="100000"/>
+              </a:lnSpc>
+              <a:spcBef>
+                <a:spcPts val="1000"/>
+              </a:spcBef>
+              <a:buFont typeface="Arial" panose="020B0604020202020204" pitchFamily="34" charset="0"/>
+              <a:buNone/>
+              <a:defRPr sz="1600" b="0" i="0" kern="1200">
+                <a:solidFill>
+                  <a:schemeClr val="bg1"/>
+                </a:solidFill>
+                <a:latin typeface="+mn-lt"/>
+                <a:ea typeface="+mn-ea"/>
+                <a:cs typeface="+mn-cs"/>
+              </a:defRPr>
+            </a:lvl1pPr>
+            <a:lvl2pPr marL="685800" indent="-228600" algn="l" defTabSz="914400" rtl="0" eaLnBrk="1" latinLnBrk="0" hangingPunct="1">
+              <a:lnSpc>
+                <a:spcPct val="90000"/>
+              </a:lnSpc>
+              <a:spcBef>
+                <a:spcPts val="500"/>
+              </a:spcBef>
+              <a:buFont typeface="Arial" panose="020B0604020202020204" pitchFamily="34" charset="0"/>
+              <a:buChar char="•"/>
+              <a:defRPr sz="4000" b="0" i="0" kern="1200">
+                <a:solidFill>
+                  <a:schemeClr val="bg1"/>
+                </a:solidFill>
+                <a:latin typeface="+mn-lt"/>
+                <a:ea typeface="+mn-ea"/>
+                <a:cs typeface="+mn-cs"/>
+              </a:defRPr>
+            </a:lvl2pPr>
+            <a:lvl3pPr marL="1143000" indent="-228600" algn="l" defTabSz="914400" rtl="0" eaLnBrk="1" latinLnBrk="0" hangingPunct="1">
+              <a:lnSpc>
+                <a:spcPct val="90000"/>
+              </a:lnSpc>
+              <a:spcBef>
+                <a:spcPts val="500"/>
+              </a:spcBef>
+              <a:buFont typeface="Arial" panose="020B0604020202020204" pitchFamily="34" charset="0"/>
+              <a:buChar char="•"/>
+              <a:defRPr sz="4000" b="0" i="0" kern="1200">
+                <a:solidFill>
+                  <a:schemeClr val="bg1"/>
+                </a:solidFill>
+                <a:latin typeface="+mn-lt"/>
+                <a:ea typeface="+mn-ea"/>
+                <a:cs typeface="+mn-cs"/>
+              </a:defRPr>
+            </a:lvl3pPr>
+            <a:lvl4pPr marL="1600200" indent="-228600" algn="l" defTabSz="914400" rtl="0" eaLnBrk="1" latinLnBrk="0" hangingPunct="1">
+              <a:lnSpc>
+                <a:spcPct val="90000"/>
+              </a:lnSpc>
+              <a:spcBef>
+                <a:spcPts val="500"/>
+              </a:spcBef>
+              <a:buFont typeface="Arial" panose="020B0604020202020204" pitchFamily="34" charset="0"/>
+              <a:buChar char="•"/>
+              <a:defRPr sz="4000" b="0" i="0" kern="1200">
+                <a:solidFill>
+                  <a:schemeClr val="bg1"/>
+                </a:solidFill>
+                <a:latin typeface="+mn-lt"/>
+                <a:ea typeface="+mn-ea"/>
+                <a:cs typeface="+mn-cs"/>
+              </a:defRPr>
+            </a:lvl4pPr>
+            <a:lvl5pPr marL="2057400" indent="-228600" algn="l" defTabSz="914400" rtl="0" eaLnBrk="1" latinLnBrk="0" hangingPunct="1">
+              <a:lnSpc>
+                <a:spcPct val="90000"/>
+              </a:lnSpc>
+              <a:spcBef>
+                <a:spcPts val="500"/>
+              </a:spcBef>
+              <a:buFont typeface="Arial" panose="020B0604020202020204" pitchFamily="34" charset="0"/>
+              <a:buChar char="•"/>
+              <a:defRPr sz="4000" b="0" i="0" kern="1200">
+                <a:solidFill>
+                  <a:schemeClr val="bg1"/>
+                </a:solidFill>
+                <a:latin typeface="+mn-lt"/>
+                <a:ea typeface="+mn-ea"/>
+                <a:cs typeface="+mn-cs"/>
+              </a:defRPr>
+            </a:lvl5pPr>
+            <a:lvl6pPr marL="2514600" indent="-228600" algn="l" defTabSz="914400" rtl="0" eaLnBrk="1" latinLnBrk="0" hangingPunct="1">
+              <a:lnSpc>
+                <a:spcPct val="90000"/>
+              </a:lnSpc>
+              <a:spcBef>
+                <a:spcPts val="500"/>
+              </a:spcBef>
+              <a:buFont typeface="Arial" panose="020B0604020202020204" pitchFamily="34" charset="0"/>
+              <a:buChar char="•"/>
+              <a:defRPr sz="1800" kern="1200">
+                <a:solidFill>
+                  <a:schemeClr val="tx1"/>
+                </a:solidFill>
+                <a:latin typeface="+mn-lt"/>
+                <a:ea typeface="+mn-ea"/>
+                <a:cs typeface="+mn-cs"/>
+              </a:defRPr>
+            </a:lvl6pPr>
+            <a:lvl7pPr marL="2971800" indent="-228600" algn="l" defTabSz="914400" rtl="0" eaLnBrk="1" latinLnBrk="0" hangingPunct="1">
+              <a:lnSpc>
+                <a:spcPct val="90000"/>
+              </a:lnSpc>
+              <a:spcBef>
+                <a:spcPts val="500"/>
+              </a:spcBef>
+              <a:buFont typeface="Arial" panose="020B0604020202020204" pitchFamily="34" charset="0"/>
+              <a:buChar char="•"/>
+              <a:defRPr sz="1800" kern="1200">
+                <a:solidFill>
+                  <a:schemeClr val="tx1"/>
+                </a:solidFill>
+                <a:latin typeface="+mn-lt"/>
+                <a:ea typeface="+mn-ea"/>
+                <a:cs typeface="+mn-cs"/>
+              </a:defRPr>
+            </a:lvl7pPr>
+            <a:lvl8pPr marL="3429000" indent="-228600" algn="l" defTabSz="914400" rtl="0" eaLnBrk="1" latinLnBrk="0" hangingPunct="1">
+              <a:lnSpc>
+                <a:spcPct val="90000"/>
+              </a:lnSpc>
+              <a:spcBef>
+                <a:spcPts val="500"/>
+              </a:spcBef>
+              <a:buFont typeface="Arial" panose="020B0604020202020204" pitchFamily="34" charset="0"/>
+              <a:buChar char="•"/>
+              <a:defRPr sz="1800" kern="1200">
+                <a:solidFill>
+                  <a:schemeClr val="tx1"/>
+                </a:solidFill>
+                <a:latin typeface="+mn-lt"/>
+                <a:ea typeface="+mn-ea"/>
+                <a:cs typeface="+mn-cs"/>
+              </a:defRPr>
+            </a:lvl8pPr>
+            <a:lvl9pPr marL="3886200" indent="-228600" algn="l" defTabSz="914400" rtl="0" eaLnBrk="1" latinLnBrk="0" hangingPunct="1">
+              <a:lnSpc>
+                <a:spcPct val="90000"/>
+              </a:lnSpc>
+              <a:spcBef>
+                <a:spcPts val="500"/>
+              </a:spcBef>
+              <a:buFont typeface="Arial" panose="020B0604020202020204" pitchFamily="34" charset="0"/>
+              <a:buChar char="•"/>
+              <a:defRPr sz="1800" kern="1200">
+                <a:solidFill>
+                  <a:schemeClr val="tx1"/>
+                </a:solidFill>
+                <a:latin typeface="+mn-lt"/>
+                <a:ea typeface="+mn-ea"/>
+                <a:cs typeface="+mn-cs"/>
+              </a:defRPr>
+            </a:lvl9pPr>
+          </a:lstStyle>
+          <a:p>
+            <a:r>
+              <a:rPr lang="en-GB" sz="2800" b="1" dirty="0">
+                <a:solidFill>
+                  <a:schemeClr val="tx1"/>
+                </a:solidFill>
+              </a:rPr>
+              <a:t>Approach</a:t>
+            </a:r>
+          </a:p>
+          <a:p>
+            <a:r>
+              <a:rPr lang="en-GB" dirty="0">
+                <a:solidFill>
+                  <a:schemeClr val="tx1"/>
+                </a:solidFill>
+              </a:rPr>
+              <a:t>Create a Data Governance Framework which sets sensitivity at a table and column level which is hierarchical.</a:t>
+            </a:r>
+          </a:p>
+          <a:p>
+            <a:r>
+              <a:rPr lang="en-GB" dirty="0">
+                <a:solidFill>
+                  <a:schemeClr val="tx1"/>
+                </a:solidFill>
+              </a:rPr>
+              <a:t>Each project has the following groups created:</a:t>
+            </a:r>
+          </a:p>
+          <a:p>
+            <a:pPr marL="285750" indent="-285750">
+              <a:buFont typeface="Arial" panose="020B0604020202020204" pitchFamily="34" charset="0"/>
+              <a:buChar char="•"/>
+            </a:pPr>
+            <a:r>
+              <a:rPr lang="en-GB" dirty="0">
+                <a:solidFill>
+                  <a:schemeClr val="tx1"/>
+                </a:solidFill>
+              </a:rPr>
+              <a:t>Public – Data can be seen by anyone with access</a:t>
+            </a:r>
+          </a:p>
+          <a:p>
+            <a:pPr marL="285750" indent="-285750">
+              <a:buFont typeface="Arial" panose="020B0604020202020204" pitchFamily="34" charset="0"/>
+              <a:buChar char="•"/>
+            </a:pPr>
+            <a:r>
+              <a:rPr lang="en-GB" dirty="0">
+                <a:solidFill>
+                  <a:schemeClr val="tx1"/>
+                </a:solidFill>
+              </a:rPr>
+              <a:t>Internal – some degree of sensitivity address , usernames etc</a:t>
+            </a:r>
+          </a:p>
+          <a:p>
+            <a:pPr marL="285750" indent="-285750">
+              <a:buFont typeface="Arial" panose="020B0604020202020204" pitchFamily="34" charset="0"/>
+              <a:buChar char="•"/>
+            </a:pPr>
+            <a:r>
+              <a:rPr lang="en-GB" dirty="0">
+                <a:solidFill>
+                  <a:schemeClr val="tx1"/>
+                </a:solidFill>
+              </a:rPr>
+              <a:t>Sensitive – telephone numbers bank account details etc</a:t>
+            </a:r>
+          </a:p>
+          <a:p>
+            <a:r>
+              <a:rPr lang="en-GB" dirty="0">
+                <a:solidFill>
+                  <a:schemeClr val="tx1"/>
+                </a:solidFill>
+              </a:rPr>
+              <a:t>If no table level is set then it is by default Public</a:t>
+            </a:r>
+          </a:p>
+          <a:p>
+            <a:r>
+              <a:rPr lang="en-GB" dirty="0">
+                <a:solidFill>
+                  <a:schemeClr val="tx1"/>
+                </a:solidFill>
+              </a:rPr>
+              <a:t>Downstream tables inherit the permissions of their parent.</a:t>
+            </a:r>
+          </a:p>
+          <a:p>
+            <a:r>
+              <a:rPr lang="en-GB" dirty="0">
+                <a:solidFill>
+                  <a:schemeClr val="tx1"/>
+                </a:solidFill>
+              </a:rPr>
+              <a:t>Users are then given access to the group for what they can see. Not even data Engineers are given sensitive if not needed,</a:t>
+            </a:r>
+          </a:p>
+          <a:p>
+            <a:endParaRPr lang="en-GB" dirty="0">
+              <a:solidFill>
+                <a:schemeClr val="tx1"/>
+              </a:solidFill>
+            </a:endParaRPr>
+          </a:p>
+          <a:p>
+            <a:endParaRPr lang="en-GB" dirty="0">
+              <a:solidFill>
+                <a:schemeClr val="tx1"/>
+              </a:solidFill>
+              <a:highlight>
+                <a:srgbClr val="000000"/>
+              </a:highlight>
+            </a:endParaRPr>
+          </a:p>
+          <a:p>
+            <a:endParaRPr lang="en-GB" dirty="0">
+              <a:highlight>
+                <a:srgbClr val="000000"/>
+              </a:highlight>
+            </a:endParaRPr>
+          </a:p>
+          <a:p>
+            <a:endParaRPr lang="en-GB" dirty="0"/>
+          </a:p>
+          <a:p>
+            <a:endParaRPr lang="en-GB" dirty="0"/>
+          </a:p>
+          <a:p>
+            <a:endParaRPr lang="en-GB" dirty="0"/>
+          </a:p>
+          <a:p>
+            <a:endParaRPr lang="en-GB" dirty="0"/>
+          </a:p>
+          <a:p>
+            <a:endParaRPr lang="en-GB" dirty="0"/>
+          </a:p>
+        </p:txBody>
+      </p:sp>
+    </p:spTree>
+    <p:extLst>
+      <p:ext uri="{BB962C8B-B14F-4D97-AF65-F5344CB8AC3E}">
+        <p14:creationId xmlns:p14="http://schemas.microsoft.com/office/powerpoint/2010/main" val="391246093"/>
+      </p:ext>
+    </p:extLst>
+  </p:cSld>
+  <p:clrMapOvr>
+    <a:masterClrMapping/>
+  </p:clrMapOvr>
+</p:sld>
+</file>
+
+<file path=ppt/slides/slide8.xml><?xml version="1.0" encoding="utf-8"?>
+<p:sld xmlns:a="http://schemas.openxmlformats.org/drawingml/2006/main" xmlns:r="http://schemas.openxmlformats.org/officeDocument/2006/relationships" xmlns:p="http://schemas.openxmlformats.org/presentationml/2006/main">
+  <p:cSld>
+    <p:spTree>
+      <p:nvGrpSpPr>
+        <p:cNvPr id="1" name=""/>
+        <p:cNvGrpSpPr/>
+        <p:nvPr/>
+      </p:nvGrpSpPr>
+      <p:grpSpPr>
+        <a:xfrm>
+          <a:off x="0" y="0"/>
+          <a:ext cx="0" cy="0"/>
+          <a:chOff x="0" y="0"/>
+          <a:chExt cx="0" cy="0"/>
+        </a:xfrm>
+      </p:grpSpPr>
+      <p:sp>
+        <p:nvSpPr>
+          <p:cNvPr id="3" name="Title 2">
+            <a:extLst>
+              <a:ext uri="{FF2B5EF4-FFF2-40B4-BE49-F238E27FC236}">
+                <a16:creationId xmlns:a16="http://schemas.microsoft.com/office/drawing/2014/main" id="{D4B19DDB-273F-4941-6BF8-8273BCDD6947}"/>
+              </a:ext>
+            </a:extLst>
+          </p:cNvPr>
+          <p:cNvSpPr>
+            <a:spLocks noGrp="1"/>
+          </p:cNvSpPr>
+          <p:nvPr>
+            <p:ph type="title"/>
+          </p:nvPr>
+        </p:nvSpPr>
+        <p:spPr/>
+        <p:txBody>
+          <a:bodyPr/>
+          <a:lstStyle/>
+          <a:p>
+            <a:r>
+              <a:rPr lang="en-GB" dirty="0"/>
+              <a:t>Implementation</a:t>
+            </a:r>
+          </a:p>
+        </p:txBody>
+      </p:sp>
+      <p:sp>
+        <p:nvSpPr>
+          <p:cNvPr id="5" name="Date Placeholder 4">
+            <a:extLst>
+              <a:ext uri="{FF2B5EF4-FFF2-40B4-BE49-F238E27FC236}">
+                <a16:creationId xmlns:a16="http://schemas.microsoft.com/office/drawing/2014/main" id="{18D9531E-DF52-5889-BDBD-32380CCD86AB}"/>
+              </a:ext>
+            </a:extLst>
+          </p:cNvPr>
+          <p:cNvSpPr>
+            <a:spLocks noGrp="1"/>
+          </p:cNvSpPr>
+          <p:nvPr>
+            <p:ph type="dt" sz="half" idx="14"/>
+          </p:nvPr>
+        </p:nvSpPr>
+        <p:spPr>
+          <a:xfrm>
+            <a:off x="826436" y="1588169"/>
+            <a:ext cx="6646419" cy="361157"/>
+          </a:xfrm>
+        </p:spPr>
+        <p:txBody>
+          <a:bodyPr/>
+          <a:lstStyle/>
+          <a:p>
+            <a:pPr rtl="0"/>
+            <a:r>
+              <a:rPr lang="en-GB" noProof="0" dirty="0" err="1">
+                <a:solidFill>
+                  <a:schemeClr val="tx1"/>
+                </a:solidFill>
+                <a:latin typeface="+mn-lt"/>
+              </a:rPr>
+              <a:t>GoverernedCoxTable</a:t>
+            </a:r>
+            <a:r>
+              <a:rPr lang="en-GB" noProof="0" dirty="0">
+                <a:solidFill>
+                  <a:schemeClr val="tx1"/>
+                </a:solidFill>
+                <a:latin typeface="+mn-lt"/>
+              </a:rPr>
+              <a:t> is used and a classification </a:t>
+            </a:r>
+            <a:r>
+              <a:rPr lang="en-GB" noProof="0" dirty="0">
+                <a:latin typeface="+mn-lt"/>
+              </a:rPr>
+              <a:t>can be assigned to sensitive columns </a:t>
+            </a:r>
+          </a:p>
+        </p:txBody>
+      </p:sp>
+      <p:sp>
+        <p:nvSpPr>
+          <p:cNvPr id="6" name="Footer Placeholder 5">
+            <a:extLst>
+              <a:ext uri="{FF2B5EF4-FFF2-40B4-BE49-F238E27FC236}">
+                <a16:creationId xmlns:a16="http://schemas.microsoft.com/office/drawing/2014/main" id="{1CA7F0D2-4762-3F76-932D-2D361DFB84BD}"/>
+              </a:ext>
+            </a:extLst>
+          </p:cNvPr>
+          <p:cNvSpPr>
+            <a:spLocks noGrp="1"/>
+          </p:cNvSpPr>
+          <p:nvPr>
+            <p:ph type="ftr" sz="quarter" idx="15"/>
+          </p:nvPr>
+        </p:nvSpPr>
+        <p:spPr/>
+        <p:txBody>
+          <a:bodyPr/>
+          <a:lstStyle/>
+          <a:p>
+            <a:pPr rtl="0"/>
+            <a:r>
+              <a:rPr lang="en-GB" noProof="0"/>
+              <a:t>Annual Review</a:t>
+            </a:r>
+            <a:endParaRPr lang="en-GB" b="0" noProof="0" dirty="0"/>
+          </a:p>
+        </p:txBody>
+      </p:sp>
+      <p:sp>
+        <p:nvSpPr>
+          <p:cNvPr id="7" name="Slide Number Placeholder 6">
+            <a:extLst>
+              <a:ext uri="{FF2B5EF4-FFF2-40B4-BE49-F238E27FC236}">
+                <a16:creationId xmlns:a16="http://schemas.microsoft.com/office/drawing/2014/main" id="{C314AD1B-154F-E21D-059A-9567A044D398}"/>
+              </a:ext>
+            </a:extLst>
+          </p:cNvPr>
+          <p:cNvSpPr>
+            <a:spLocks noGrp="1"/>
+          </p:cNvSpPr>
+          <p:nvPr>
+            <p:ph type="sldNum" sz="quarter" idx="16"/>
+          </p:nvPr>
+        </p:nvSpPr>
+        <p:spPr/>
+        <p:txBody>
+          <a:bodyPr/>
+          <a:lstStyle/>
+          <a:p>
+            <a:pPr rtl="0"/>
+            <a:fld id="{294A09A9-5501-47C1-A89A-A340965A2BE2}" type="slidenum">
+              <a:rPr lang="en-GB" noProof="0" smtClean="0"/>
+              <a:pPr rtl="0"/>
+              <a:t>8</a:t>
+            </a:fld>
+            <a:endParaRPr lang="en-GB" noProof="0" dirty="0"/>
+          </a:p>
+        </p:txBody>
+      </p:sp>
+      <p:pic>
+        <p:nvPicPr>
+          <p:cNvPr id="11" name="Picture 10">
+            <a:extLst>
+              <a:ext uri="{FF2B5EF4-FFF2-40B4-BE49-F238E27FC236}">
+                <a16:creationId xmlns:a16="http://schemas.microsoft.com/office/drawing/2014/main" id="{369B206F-02E9-8FAD-12BF-D85A6F811986}"/>
+              </a:ext>
+            </a:extLst>
+          </p:cNvPr>
+          <p:cNvPicPr>
+            <a:picLocks noChangeAspect="1"/>
+          </p:cNvPicPr>
+          <p:nvPr/>
+        </p:nvPicPr>
+        <p:blipFill>
+          <a:blip r:embed="rId2"/>
+          <a:stretch>
+            <a:fillRect/>
+          </a:stretch>
+        </p:blipFill>
+        <p:spPr>
+          <a:xfrm>
+            <a:off x="740543" y="1949326"/>
+            <a:ext cx="7633436" cy="4630545"/>
+          </a:xfrm>
+          <a:prstGeom prst="rect">
+            <a:avLst/>
+          </a:prstGeom>
+        </p:spPr>
+      </p:pic>
+      <p:sp>
+        <p:nvSpPr>
+          <p:cNvPr id="12" name="Date Placeholder 4">
+            <a:extLst>
+              <a:ext uri="{FF2B5EF4-FFF2-40B4-BE49-F238E27FC236}">
+                <a16:creationId xmlns:a16="http://schemas.microsoft.com/office/drawing/2014/main" id="{644C311C-1BA3-DB3E-C227-5D3E29BCB518}"/>
+              </a:ext>
+            </a:extLst>
+          </p:cNvPr>
+          <p:cNvSpPr txBox="1">
+            <a:spLocks/>
+          </p:cNvSpPr>
+          <p:nvPr/>
+        </p:nvSpPr>
+        <p:spPr>
+          <a:xfrm>
+            <a:off x="8611669" y="2079057"/>
+            <a:ext cx="2351505" cy="1457627"/>
+          </a:xfrm>
+          <a:prstGeom prst="rect">
+            <a:avLst/>
+          </a:prstGeom>
+        </p:spPr>
+        <p:txBody>
+          <a:bodyPr vert="horz" lIns="0" tIns="0" rIns="0" bIns="0" rtlCol="0" anchor="t" anchorCtr="0"/>
+          <a:lstStyle>
+            <a:defPPr rtl="0">
+              <a:defRPr lang="en-gb"/>
+            </a:defPPr>
+            <a:lvl1pPr marL="0" algn="l" defTabSz="914400" rtl="0" eaLnBrk="1" latinLnBrk="0" hangingPunct="1">
+              <a:defRPr sz="1100" b="0" i="0" kern="1200">
+                <a:solidFill>
+                  <a:schemeClr val="bg1"/>
+                </a:solidFill>
+                <a:latin typeface="+mn-lt"/>
+                <a:ea typeface="+mn-ea"/>
+                <a:cs typeface="+mn-cs"/>
+              </a:defRPr>
+            </a:lvl1pPr>
+            <a:lvl2pPr marL="457200" algn="l" defTabSz="914400" rtl="0" eaLnBrk="1" latinLnBrk="0" hangingPunct="1">
+              <a:defRPr sz="1800" kern="1200">
+                <a:solidFill>
+                  <a:schemeClr val="tx1"/>
+                </a:solidFill>
+                <a:latin typeface="+mn-lt"/>
+                <a:ea typeface="+mn-ea"/>
+                <a:cs typeface="+mn-cs"/>
+              </a:defRPr>
+            </a:lvl2pPr>
+            <a:lvl3pPr marL="914400" algn="l" defTabSz="914400" rtl="0" eaLnBrk="1" latinLnBrk="0" hangingPunct="1">
+              <a:defRPr sz="1800" kern="1200">
+                <a:solidFill>
+                  <a:schemeClr val="tx1"/>
+                </a:solidFill>
+                <a:latin typeface="+mn-lt"/>
+                <a:ea typeface="+mn-ea"/>
+                <a:cs typeface="+mn-cs"/>
+              </a:defRPr>
+            </a:lvl3pPr>
+            <a:lvl4pPr marL="1371600" algn="l" defTabSz="914400" rtl="0" eaLnBrk="1" latinLnBrk="0" hangingPunct="1">
+              <a:defRPr sz="1800" kern="1200">
+                <a:solidFill>
+                  <a:schemeClr val="tx1"/>
+                </a:solidFill>
+                <a:latin typeface="+mn-lt"/>
+                <a:ea typeface="+mn-ea"/>
+                <a:cs typeface="+mn-cs"/>
+              </a:defRPr>
+            </a:lvl4pPr>
+            <a:lvl5pPr marL="1828800" algn="l" defTabSz="914400" rtl="0" eaLnBrk="1" latinLnBrk="0" hangingPunct="1">
+              <a:defRPr sz="1800" kern="1200">
+                <a:solidFill>
+                  <a:schemeClr val="tx1"/>
+                </a:solidFill>
+                <a:latin typeface="+mn-lt"/>
+                <a:ea typeface="+mn-ea"/>
+                <a:cs typeface="+mn-cs"/>
+              </a:defRPr>
+            </a:lvl5pPr>
+            <a:lvl6pPr marL="2286000" algn="l" defTabSz="914400" rtl="0" eaLnBrk="1" latinLnBrk="0" hangingPunct="1">
+              <a:defRPr sz="1800" kern="1200">
+                <a:solidFill>
+                  <a:schemeClr val="tx1"/>
+                </a:solidFill>
+                <a:latin typeface="+mn-lt"/>
+                <a:ea typeface="+mn-ea"/>
+                <a:cs typeface="+mn-cs"/>
+              </a:defRPr>
+            </a:lvl6pPr>
+            <a:lvl7pPr marL="2743200" algn="l" defTabSz="914400" rtl="0" eaLnBrk="1" latinLnBrk="0" hangingPunct="1">
+              <a:defRPr sz="1800" kern="1200">
+                <a:solidFill>
+                  <a:schemeClr val="tx1"/>
+                </a:solidFill>
+                <a:latin typeface="+mn-lt"/>
+                <a:ea typeface="+mn-ea"/>
+                <a:cs typeface="+mn-cs"/>
+              </a:defRPr>
+            </a:lvl7pPr>
+            <a:lvl8pPr marL="3200400" algn="l" defTabSz="914400" rtl="0" eaLnBrk="1" latinLnBrk="0" hangingPunct="1">
+              <a:defRPr sz="1800" kern="1200">
+                <a:solidFill>
+                  <a:schemeClr val="tx1"/>
+                </a:solidFill>
+                <a:latin typeface="+mn-lt"/>
+                <a:ea typeface="+mn-ea"/>
+                <a:cs typeface="+mn-cs"/>
+              </a:defRPr>
+            </a:lvl8pPr>
+            <a:lvl9pPr marL="3657600" algn="l" defTabSz="914400" rtl="0" eaLnBrk="1" latinLnBrk="0" hangingPunct="1">
+              <a:defRPr sz="1800" kern="1200">
+                <a:solidFill>
+                  <a:schemeClr val="tx1"/>
+                </a:solidFill>
+                <a:latin typeface="+mn-lt"/>
+                <a:ea typeface="+mn-ea"/>
+                <a:cs typeface="+mn-cs"/>
+              </a:defRPr>
+            </a:lvl9pPr>
+          </a:lstStyle>
+          <a:p>
+            <a:r>
+              <a:rPr lang="en-GB" dirty="0">
+                <a:solidFill>
+                  <a:schemeClr val="tx1"/>
+                </a:solidFill>
+              </a:rPr>
+              <a:t>This is done in Bronze</a:t>
+            </a:r>
+          </a:p>
+          <a:p>
+            <a:r>
+              <a:rPr lang="en-GB" dirty="0">
+                <a:solidFill>
+                  <a:schemeClr val="tx1"/>
+                </a:solidFill>
+              </a:rPr>
+              <a:t>Fields are dropped out in Silver if not needed</a:t>
+            </a:r>
+          </a:p>
+        </p:txBody>
+      </p:sp>
+    </p:spTree>
+    <p:extLst>
+      <p:ext uri="{BB962C8B-B14F-4D97-AF65-F5344CB8AC3E}">
+        <p14:creationId xmlns:p14="http://schemas.microsoft.com/office/powerpoint/2010/main" val="4098091678"/>
+      </p:ext>
+    </p:extLst>
+  </p:cSld>
+  <p:clrMapOvr>
+    <a:masterClrMapping/>
+  </p:clrMapOvr>
+</p:sld>
+</file>
+
+<file path=ppt/slides/slide9.xml><?xml version="1.0" encoding="utf-8"?>
+<p:sld xmlns:a="http://schemas.openxmlformats.org/drawingml/2006/main" xmlns:r="http://schemas.openxmlformats.org/officeDocument/2006/relationships" xmlns:p="http://schemas.openxmlformats.org/presentationml/2006/main">
+  <p:cSld>
+    <p:spTree>
+      <p:nvGrpSpPr>
+        <p:cNvPr id="1" name="">
+          <a:extLst>
+            <a:ext uri="{FF2B5EF4-FFF2-40B4-BE49-F238E27FC236}">
+              <a16:creationId xmlns:a16="http://schemas.microsoft.com/office/drawing/2014/main" id="{D9DD722A-4954-9887-A66A-742F024DDA27}"/>
+            </a:ext>
+          </a:extLst>
+        </p:cNvPr>
+        <p:cNvGrpSpPr/>
+        <p:nvPr/>
+      </p:nvGrpSpPr>
+      <p:grpSpPr>
+        <a:xfrm>
+          <a:off x="0" y="0"/>
+          <a:ext cx="0" cy="0"/>
+          <a:chOff x="0" y="0"/>
+          <a:chExt cx="0" cy="0"/>
+        </a:xfrm>
+      </p:grpSpPr>
+      <p:sp>
+        <p:nvSpPr>
+          <p:cNvPr id="3" name="Title 2">
+            <a:extLst>
+              <a:ext uri="{FF2B5EF4-FFF2-40B4-BE49-F238E27FC236}">
+                <a16:creationId xmlns:a16="http://schemas.microsoft.com/office/drawing/2014/main" id="{7CBB02BE-33EF-4140-E7E3-93BBA7FA9980}"/>
+              </a:ext>
+            </a:extLst>
+          </p:cNvPr>
+          <p:cNvSpPr>
+            <a:spLocks noGrp="1"/>
+          </p:cNvSpPr>
+          <p:nvPr>
+            <p:ph type="title"/>
+          </p:nvPr>
+        </p:nvSpPr>
+        <p:spPr/>
+        <p:txBody>
+          <a:bodyPr/>
+          <a:lstStyle/>
+          <a:p>
+            <a:r>
+              <a:rPr lang="en-GB" dirty="0"/>
+              <a:t>Implementation</a:t>
+            </a:r>
+          </a:p>
+        </p:txBody>
+      </p:sp>
+      <p:sp>
+        <p:nvSpPr>
+          <p:cNvPr id="5" name="Date Placeholder 4">
+            <a:extLst>
+              <a:ext uri="{FF2B5EF4-FFF2-40B4-BE49-F238E27FC236}">
+                <a16:creationId xmlns:a16="http://schemas.microsoft.com/office/drawing/2014/main" id="{624DB72A-D3C6-D598-8336-0731D0A44CB4}"/>
+              </a:ext>
+            </a:extLst>
+          </p:cNvPr>
+          <p:cNvSpPr>
+            <a:spLocks noGrp="1"/>
+          </p:cNvSpPr>
+          <p:nvPr>
+            <p:ph type="dt" sz="half" idx="14"/>
+          </p:nvPr>
+        </p:nvSpPr>
+        <p:spPr>
+          <a:xfrm>
+            <a:off x="826436" y="1588169"/>
+            <a:ext cx="7355038" cy="280045"/>
+          </a:xfrm>
+        </p:spPr>
+        <p:txBody>
+          <a:bodyPr/>
+          <a:lstStyle/>
+          <a:p>
+            <a:pPr rtl="0"/>
+            <a:r>
+              <a:rPr lang="en-GB" noProof="0" dirty="0">
+                <a:latin typeface="+mn-lt"/>
+              </a:rPr>
+              <a:t>Silver table doesn’t specify any </a:t>
+            </a:r>
+            <a:r>
+              <a:rPr lang="en-GB" dirty="0"/>
+              <a:t>Governance</a:t>
+            </a:r>
+            <a:endParaRPr lang="en-GB" noProof="0" dirty="0">
+              <a:latin typeface="+mn-lt"/>
+            </a:endParaRPr>
+          </a:p>
+        </p:txBody>
+      </p:sp>
+      <p:sp>
+        <p:nvSpPr>
+          <p:cNvPr id="7" name="Slide Number Placeholder 6">
+            <a:extLst>
+              <a:ext uri="{FF2B5EF4-FFF2-40B4-BE49-F238E27FC236}">
+                <a16:creationId xmlns:a16="http://schemas.microsoft.com/office/drawing/2014/main" id="{E848C774-5834-3A6A-B874-7A7D6C18BE26}"/>
+              </a:ext>
+            </a:extLst>
+          </p:cNvPr>
+          <p:cNvSpPr>
+            <a:spLocks noGrp="1"/>
+          </p:cNvSpPr>
+          <p:nvPr>
+            <p:ph type="sldNum" sz="quarter" idx="16"/>
+          </p:nvPr>
+        </p:nvSpPr>
+        <p:spPr/>
+        <p:txBody>
+          <a:bodyPr/>
+          <a:lstStyle/>
+          <a:p>
+            <a:pPr rtl="0"/>
+            <a:fld id="{294A09A9-5501-47C1-A89A-A340965A2BE2}" type="slidenum">
+              <a:rPr lang="en-GB" noProof="0" smtClean="0"/>
+              <a:pPr rtl="0"/>
+              <a:t>9</a:t>
+            </a:fld>
+            <a:endParaRPr lang="en-GB" noProof="0" dirty="0"/>
+          </a:p>
+        </p:txBody>
+      </p:sp>
+      <p:pic>
+        <p:nvPicPr>
+          <p:cNvPr id="4" name="Picture 3">
+            <a:extLst>
+              <a:ext uri="{FF2B5EF4-FFF2-40B4-BE49-F238E27FC236}">
+                <a16:creationId xmlns:a16="http://schemas.microsoft.com/office/drawing/2014/main" id="{6C11B6F7-D9DE-1C2A-0299-8C3570AED421}"/>
+              </a:ext>
+            </a:extLst>
+          </p:cNvPr>
+          <p:cNvPicPr>
+            <a:picLocks noChangeAspect="1"/>
+          </p:cNvPicPr>
+          <p:nvPr/>
+        </p:nvPicPr>
+        <p:blipFill>
+          <a:blip r:embed="rId2"/>
+          <a:stretch>
+            <a:fillRect/>
+          </a:stretch>
+        </p:blipFill>
+        <p:spPr>
+          <a:xfrm>
+            <a:off x="964023" y="2047526"/>
+            <a:ext cx="6143414" cy="4365057"/>
+          </a:xfrm>
+          <a:prstGeom prst="rect">
+            <a:avLst/>
+          </a:prstGeom>
+        </p:spPr>
+      </p:pic>
+    </p:spTree>
+    <p:extLst>
+      <p:ext uri="{BB962C8B-B14F-4D97-AF65-F5344CB8AC3E}">
+        <p14:creationId xmlns:p14="http://schemas.microsoft.com/office/powerpoint/2010/main" val="2661764767"/>
+      </p:ext>
+    </p:extLst>
+  </p:cSld>
+  <p:clrMapOvr>
+    <a:masterClrMapping/>
+  </p:clrMapOvr>
 </p:sld>
 </file>
 
